--- a/chukan/図作成用.pptx
+++ b/chukan/図作成用.pptx
@@ -4,6 +4,9 @@
   <p:sldMasterIdLst>
     <p:sldMasterId id="2147483648" r:id="rId1"/>
   </p:sldMasterIdLst>
+  <p:notesMasterIdLst>
+    <p:notesMasterId r:id="rId14"/>
+  </p:notesMasterIdLst>
   <p:sldIdLst>
     <p:sldId id="256" r:id="rId2"/>
     <p:sldId id="259" r:id="rId3"/>
@@ -14,6 +17,9 @@
     <p:sldId id="262" r:id="rId8"/>
     <p:sldId id="263" r:id="rId9"/>
     <p:sldId id="264" r:id="rId10"/>
+    <p:sldId id="267" r:id="rId11"/>
+    <p:sldId id="268" r:id="rId12"/>
+    <p:sldId id="269" r:id="rId13"/>
   </p:sldIdLst>
   <p:sldSz cx="12192000" cy="6858000"/>
   <p:notesSz cx="6858000" cy="9144000"/>
@@ -1691,6 +1697,387 @@
 </pc:chgInfo>
 </file>
 
+<file path=ppt/notesMasters/notesMaster1.xml><?xml version="1.0" encoding="utf-8"?>
+<p:notesMaster xmlns:a="http://schemas.openxmlformats.org/drawingml/2006/main" xmlns:r="http://schemas.openxmlformats.org/officeDocument/2006/relationships" xmlns:p="http://schemas.openxmlformats.org/presentationml/2006/main">
+  <p:cSld>
+    <p:bg>
+      <p:bgRef idx="1001">
+        <a:schemeClr val="bg1"/>
+      </p:bgRef>
+    </p:bg>
+    <p:spTree>
+      <p:nvGrpSpPr>
+        <p:cNvPr id="1" name=""/>
+        <p:cNvGrpSpPr/>
+        <p:nvPr/>
+      </p:nvGrpSpPr>
+      <p:grpSpPr>
+        <a:xfrm>
+          <a:off x="0" y="0"/>
+          <a:ext cx="0" cy="0"/>
+          <a:chOff x="0" y="0"/>
+          <a:chExt cx="0" cy="0"/>
+        </a:xfrm>
+      </p:grpSpPr>
+      <p:sp>
+        <p:nvSpPr>
+          <p:cNvPr id="2" name="ヘッダー プレースホルダー 1"/>
+          <p:cNvSpPr>
+            <a:spLocks noGrp="1"/>
+          </p:cNvSpPr>
+          <p:nvPr>
+            <p:ph type="hdr" sz="quarter"/>
+          </p:nvPr>
+        </p:nvSpPr>
+        <p:spPr>
+          <a:xfrm>
+            <a:off x="0" y="0"/>
+            <a:ext cx="2971800" cy="458788"/>
+          </a:xfrm>
+          <a:prstGeom prst="rect">
+            <a:avLst/>
+          </a:prstGeom>
+        </p:spPr>
+        <p:txBody>
+          <a:bodyPr vert="horz" lIns="91440" tIns="45720" rIns="91440" bIns="45720" rtlCol="0"/>
+          <a:lstStyle>
+            <a:lvl1pPr algn="l">
+              <a:defRPr sz="1200"/>
+            </a:lvl1pPr>
+          </a:lstStyle>
+          <a:p>
+            <a:endParaRPr kumimoji="1" lang="ja-JP" altLang="en-US"/>
+          </a:p>
+        </p:txBody>
+      </p:sp>
+      <p:sp>
+        <p:nvSpPr>
+          <p:cNvPr id="3" name="日付プレースホルダー 2"/>
+          <p:cNvSpPr>
+            <a:spLocks noGrp="1"/>
+          </p:cNvSpPr>
+          <p:nvPr>
+            <p:ph type="dt" idx="1"/>
+          </p:nvPr>
+        </p:nvSpPr>
+        <p:spPr>
+          <a:xfrm>
+            <a:off x="3884613" y="0"/>
+            <a:ext cx="2971800" cy="458788"/>
+          </a:xfrm>
+          <a:prstGeom prst="rect">
+            <a:avLst/>
+          </a:prstGeom>
+        </p:spPr>
+        <p:txBody>
+          <a:bodyPr vert="horz" lIns="91440" tIns="45720" rIns="91440" bIns="45720" rtlCol="0"/>
+          <a:lstStyle>
+            <a:lvl1pPr algn="r">
+              <a:defRPr sz="1200"/>
+            </a:lvl1pPr>
+          </a:lstStyle>
+          <a:p>
+            <a:fld id="{A8F7AAB8-32AF-104E-9B81-12BD3A95A024}" type="datetimeFigureOut">
+              <a:rPr kumimoji="1" lang="ja-JP" altLang="en-US" smtClean="0"/>
+              <a:t>2022/9/29</a:t>
+            </a:fld>
+            <a:endParaRPr kumimoji="1" lang="ja-JP" altLang="en-US"/>
+          </a:p>
+        </p:txBody>
+      </p:sp>
+      <p:sp>
+        <p:nvSpPr>
+          <p:cNvPr id="4" name="スライド イメージ プレースホルダー 3"/>
+          <p:cNvSpPr>
+            <a:spLocks noGrp="1" noRot="1" noChangeAspect="1"/>
+          </p:cNvSpPr>
+          <p:nvPr>
+            <p:ph type="sldImg" idx="2"/>
+          </p:nvPr>
+        </p:nvSpPr>
+        <p:spPr>
+          <a:xfrm>
+            <a:off x="685800" y="1143000"/>
+            <a:ext cx="5486400" cy="3086100"/>
+          </a:xfrm>
+          <a:prstGeom prst="rect">
+            <a:avLst/>
+          </a:prstGeom>
+          <a:noFill/>
+          <a:ln w="12700">
+            <a:solidFill>
+              <a:prstClr val="black"/>
+            </a:solidFill>
+          </a:ln>
+        </p:spPr>
+        <p:txBody>
+          <a:bodyPr vert="horz" lIns="91440" tIns="45720" rIns="91440" bIns="45720" rtlCol="0" anchor="ctr"/>
+          <a:lstStyle/>
+          <a:p>
+            <a:endParaRPr lang="ja-JP" altLang="en-US"/>
+          </a:p>
+        </p:txBody>
+      </p:sp>
+      <p:sp>
+        <p:nvSpPr>
+          <p:cNvPr id="5" name="ノート プレースホルダー 4"/>
+          <p:cNvSpPr>
+            <a:spLocks noGrp="1"/>
+          </p:cNvSpPr>
+          <p:nvPr>
+            <p:ph type="body" sz="quarter" idx="3"/>
+          </p:nvPr>
+        </p:nvSpPr>
+        <p:spPr>
+          <a:xfrm>
+            <a:off x="685800" y="4400550"/>
+            <a:ext cx="5486400" cy="3600450"/>
+          </a:xfrm>
+          <a:prstGeom prst="rect">
+            <a:avLst/>
+          </a:prstGeom>
+        </p:spPr>
+        <p:txBody>
+          <a:bodyPr vert="horz" lIns="91440" tIns="45720" rIns="91440" bIns="45720" rtlCol="0"/>
+          <a:lstStyle/>
+          <a:p>
+            <a:pPr lvl="0"/>
+            <a:r>
+              <a:rPr kumimoji="1" lang="ja-JP" altLang="en-US"/>
+              <a:t>マスター テキストの書式設定</a:t>
+            </a:r>
+          </a:p>
+          <a:p>
+            <a:pPr lvl="1"/>
+            <a:r>
+              <a:rPr kumimoji="1" lang="ja-JP" altLang="en-US"/>
+              <a:t>第 </a:t>
+            </a:r>
+            <a:r>
+              <a:rPr kumimoji="1" lang="en-US" altLang="ja-JP"/>
+              <a:t>2 </a:t>
+            </a:r>
+            <a:r>
+              <a:rPr kumimoji="1" lang="ja-JP" altLang="en-US"/>
+              <a:t>レベル</a:t>
+            </a:r>
+          </a:p>
+          <a:p>
+            <a:pPr lvl="2"/>
+            <a:r>
+              <a:rPr kumimoji="1" lang="ja-JP" altLang="en-US"/>
+              <a:t>第 </a:t>
+            </a:r>
+            <a:r>
+              <a:rPr kumimoji="1" lang="en-US" altLang="ja-JP"/>
+              <a:t>3 </a:t>
+            </a:r>
+            <a:r>
+              <a:rPr kumimoji="1" lang="ja-JP" altLang="en-US"/>
+              <a:t>レベル</a:t>
+            </a:r>
+          </a:p>
+          <a:p>
+            <a:pPr lvl="3"/>
+            <a:r>
+              <a:rPr kumimoji="1" lang="ja-JP" altLang="en-US"/>
+              <a:t>第 </a:t>
+            </a:r>
+            <a:r>
+              <a:rPr kumimoji="1" lang="en-US" altLang="ja-JP"/>
+              <a:t>4 </a:t>
+            </a:r>
+            <a:r>
+              <a:rPr kumimoji="1" lang="ja-JP" altLang="en-US"/>
+              <a:t>レベル</a:t>
+            </a:r>
+          </a:p>
+          <a:p>
+            <a:pPr lvl="4"/>
+            <a:r>
+              <a:rPr kumimoji="1" lang="ja-JP" altLang="en-US"/>
+              <a:t>第 </a:t>
+            </a:r>
+            <a:r>
+              <a:rPr kumimoji="1" lang="en-US" altLang="ja-JP"/>
+              <a:t>5 </a:t>
+            </a:r>
+            <a:r>
+              <a:rPr kumimoji="1" lang="ja-JP" altLang="en-US"/>
+              <a:t>レベル</a:t>
+            </a:r>
+          </a:p>
+        </p:txBody>
+      </p:sp>
+      <p:sp>
+        <p:nvSpPr>
+          <p:cNvPr id="6" name="フッター プレースホルダー 5"/>
+          <p:cNvSpPr>
+            <a:spLocks noGrp="1"/>
+          </p:cNvSpPr>
+          <p:nvPr>
+            <p:ph type="ftr" sz="quarter" idx="4"/>
+          </p:nvPr>
+        </p:nvSpPr>
+        <p:spPr>
+          <a:xfrm>
+            <a:off x="0" y="8685213"/>
+            <a:ext cx="2971800" cy="458787"/>
+          </a:xfrm>
+          <a:prstGeom prst="rect">
+            <a:avLst/>
+          </a:prstGeom>
+        </p:spPr>
+        <p:txBody>
+          <a:bodyPr vert="horz" lIns="91440" tIns="45720" rIns="91440" bIns="45720" rtlCol="0" anchor="b"/>
+          <a:lstStyle>
+            <a:lvl1pPr algn="l">
+              <a:defRPr sz="1200"/>
+            </a:lvl1pPr>
+          </a:lstStyle>
+          <a:p>
+            <a:endParaRPr kumimoji="1" lang="ja-JP" altLang="en-US"/>
+          </a:p>
+        </p:txBody>
+      </p:sp>
+      <p:sp>
+        <p:nvSpPr>
+          <p:cNvPr id="7" name="スライド番号プレースホルダー 6"/>
+          <p:cNvSpPr>
+            <a:spLocks noGrp="1"/>
+          </p:cNvSpPr>
+          <p:nvPr>
+            <p:ph type="sldNum" sz="quarter" idx="5"/>
+          </p:nvPr>
+        </p:nvSpPr>
+        <p:spPr>
+          <a:xfrm>
+            <a:off x="3884613" y="8685213"/>
+            <a:ext cx="2971800" cy="458787"/>
+          </a:xfrm>
+          <a:prstGeom prst="rect">
+            <a:avLst/>
+          </a:prstGeom>
+        </p:spPr>
+        <p:txBody>
+          <a:bodyPr vert="horz" lIns="91440" tIns="45720" rIns="91440" bIns="45720" rtlCol="0" anchor="b"/>
+          <a:lstStyle>
+            <a:lvl1pPr algn="r">
+              <a:defRPr sz="1200"/>
+            </a:lvl1pPr>
+          </a:lstStyle>
+          <a:p>
+            <a:fld id="{6839F163-0046-D04F-BC6F-42C37BA68F04}" type="slidenum">
+              <a:rPr kumimoji="1" lang="ja-JP" altLang="en-US" smtClean="0"/>
+              <a:t>‹#›</a:t>
+            </a:fld>
+            <a:endParaRPr kumimoji="1" lang="ja-JP" altLang="en-US"/>
+          </a:p>
+        </p:txBody>
+      </p:sp>
+    </p:spTree>
+    <p:extLst>
+      <p:ext uri="{BB962C8B-B14F-4D97-AF65-F5344CB8AC3E}">
+        <p14:creationId xmlns:p14="http://schemas.microsoft.com/office/powerpoint/2010/main" val="4099366512"/>
+      </p:ext>
+    </p:extLst>
+  </p:cSld>
+  <p:clrMap bg1="lt1" tx1="dk1" bg2="lt2" tx2="dk2" accent1="accent1" accent2="accent2" accent3="accent3" accent4="accent4" accent5="accent5" accent6="accent6" hlink="hlink" folHlink="folHlink"/>
+  <p:notesStyle>
+    <a:lvl1pPr marL="0" algn="l" defTabSz="914400" rtl="0" eaLnBrk="1" latinLnBrk="0" hangingPunct="1">
+      <a:defRPr kumimoji="1" sz="1200" kern="1200">
+        <a:solidFill>
+          <a:schemeClr val="tx1"/>
+        </a:solidFill>
+        <a:latin typeface="+mn-lt"/>
+        <a:ea typeface="+mn-ea"/>
+        <a:cs typeface="+mn-cs"/>
+      </a:defRPr>
+    </a:lvl1pPr>
+    <a:lvl2pPr marL="457200" algn="l" defTabSz="914400" rtl="0" eaLnBrk="1" latinLnBrk="0" hangingPunct="1">
+      <a:defRPr kumimoji="1" sz="1200" kern="1200">
+        <a:solidFill>
+          <a:schemeClr val="tx1"/>
+        </a:solidFill>
+        <a:latin typeface="+mn-lt"/>
+        <a:ea typeface="+mn-ea"/>
+        <a:cs typeface="+mn-cs"/>
+      </a:defRPr>
+    </a:lvl2pPr>
+    <a:lvl3pPr marL="914400" algn="l" defTabSz="914400" rtl="0" eaLnBrk="1" latinLnBrk="0" hangingPunct="1">
+      <a:defRPr kumimoji="1" sz="1200" kern="1200">
+        <a:solidFill>
+          <a:schemeClr val="tx1"/>
+        </a:solidFill>
+        <a:latin typeface="+mn-lt"/>
+        <a:ea typeface="+mn-ea"/>
+        <a:cs typeface="+mn-cs"/>
+      </a:defRPr>
+    </a:lvl3pPr>
+    <a:lvl4pPr marL="1371600" algn="l" defTabSz="914400" rtl="0" eaLnBrk="1" latinLnBrk="0" hangingPunct="1">
+      <a:defRPr kumimoji="1" sz="1200" kern="1200">
+        <a:solidFill>
+          <a:schemeClr val="tx1"/>
+        </a:solidFill>
+        <a:latin typeface="+mn-lt"/>
+        <a:ea typeface="+mn-ea"/>
+        <a:cs typeface="+mn-cs"/>
+      </a:defRPr>
+    </a:lvl4pPr>
+    <a:lvl5pPr marL="1828800" algn="l" defTabSz="914400" rtl="0" eaLnBrk="1" latinLnBrk="0" hangingPunct="1">
+      <a:defRPr kumimoji="1" sz="1200" kern="1200">
+        <a:solidFill>
+          <a:schemeClr val="tx1"/>
+        </a:solidFill>
+        <a:latin typeface="+mn-lt"/>
+        <a:ea typeface="+mn-ea"/>
+        <a:cs typeface="+mn-cs"/>
+      </a:defRPr>
+    </a:lvl5pPr>
+    <a:lvl6pPr marL="2286000" algn="l" defTabSz="914400" rtl="0" eaLnBrk="1" latinLnBrk="0" hangingPunct="1">
+      <a:defRPr kumimoji="1" sz="1200" kern="1200">
+        <a:solidFill>
+          <a:schemeClr val="tx1"/>
+        </a:solidFill>
+        <a:latin typeface="+mn-lt"/>
+        <a:ea typeface="+mn-ea"/>
+        <a:cs typeface="+mn-cs"/>
+      </a:defRPr>
+    </a:lvl6pPr>
+    <a:lvl7pPr marL="2743200" algn="l" defTabSz="914400" rtl="0" eaLnBrk="1" latinLnBrk="0" hangingPunct="1">
+      <a:defRPr kumimoji="1" sz="1200" kern="1200">
+        <a:solidFill>
+          <a:schemeClr val="tx1"/>
+        </a:solidFill>
+        <a:latin typeface="+mn-lt"/>
+        <a:ea typeface="+mn-ea"/>
+        <a:cs typeface="+mn-cs"/>
+      </a:defRPr>
+    </a:lvl7pPr>
+    <a:lvl8pPr marL="3200400" algn="l" defTabSz="914400" rtl="0" eaLnBrk="1" latinLnBrk="0" hangingPunct="1">
+      <a:defRPr kumimoji="1" sz="1200" kern="1200">
+        <a:solidFill>
+          <a:schemeClr val="tx1"/>
+        </a:solidFill>
+        <a:latin typeface="+mn-lt"/>
+        <a:ea typeface="+mn-ea"/>
+        <a:cs typeface="+mn-cs"/>
+      </a:defRPr>
+    </a:lvl8pPr>
+    <a:lvl9pPr marL="3657600" algn="l" defTabSz="914400" rtl="0" eaLnBrk="1" latinLnBrk="0" hangingPunct="1">
+      <a:defRPr kumimoji="1" sz="1200" kern="1200">
+        <a:solidFill>
+          <a:schemeClr val="tx1"/>
+        </a:solidFill>
+        <a:latin typeface="+mn-lt"/>
+        <a:ea typeface="+mn-ea"/>
+        <a:cs typeface="+mn-cs"/>
+      </a:defRPr>
+    </a:lvl9pPr>
+  </p:notesStyle>
+</p:notesMaster>
+</file>
+
 <file path=ppt/slideLayouts/slideLayout1.xml><?xml version="1.0" encoding="utf-8"?>
 <p:sldLayout xmlns:a="http://schemas.openxmlformats.org/drawingml/2006/main" xmlns:r="http://schemas.openxmlformats.org/officeDocument/2006/relationships" xmlns:p="http://schemas.openxmlformats.org/presentationml/2006/main" type="title" preserve="1">
   <p:cSld name="タイトル スライド">
@@ -1836,9 +2223,9 @@
           <a:bodyPr/>
           <a:lstStyle/>
           <a:p>
-            <a:fld id="{57F86978-F668-4888-B5EB-005BD958F1CF}" type="datetimeFigureOut">
+            <a:fld id="{7BD376A1-AFEA-9C49-A9C0-515A6087CEF8}" type="datetime1">
               <a:rPr kumimoji="1" lang="ja-JP" altLang="en-US" smtClean="0"/>
-              <a:t>2020/10/13</a:t>
+              <a:t>2022/9/29</a:t>
             </a:fld>
             <a:endParaRPr kumimoji="1" lang="ja-JP" altLang="en-US"/>
           </a:p>
@@ -2066,9 +2453,9 @@
           <a:bodyPr/>
           <a:lstStyle/>
           <a:p>
-            <a:fld id="{57F86978-F668-4888-B5EB-005BD958F1CF}" type="datetimeFigureOut">
+            <a:fld id="{4815C3B4-F61D-A141-B9E5-67365117F3E5}" type="datetime1">
               <a:rPr kumimoji="1" lang="ja-JP" altLang="en-US" smtClean="0"/>
-              <a:t>2020/10/13</a:t>
+              <a:t>2022/9/29</a:t>
             </a:fld>
             <a:endParaRPr kumimoji="1" lang="ja-JP" altLang="en-US"/>
           </a:p>
@@ -2306,9 +2693,9 @@
           <a:bodyPr/>
           <a:lstStyle/>
           <a:p>
-            <a:fld id="{57F86978-F668-4888-B5EB-005BD958F1CF}" type="datetimeFigureOut">
+            <a:fld id="{466DBAAF-18A9-E344-8002-89E877247369}" type="datetime1">
               <a:rPr kumimoji="1" lang="ja-JP" altLang="en-US" smtClean="0"/>
-              <a:t>2020/10/13</a:t>
+              <a:t>2022/9/29</a:t>
             </a:fld>
             <a:endParaRPr kumimoji="1" lang="ja-JP" altLang="en-US"/>
           </a:p>
@@ -2536,9 +2923,9 @@
           <a:bodyPr/>
           <a:lstStyle/>
           <a:p>
-            <a:fld id="{57F86978-F668-4888-B5EB-005BD958F1CF}" type="datetimeFigureOut">
+            <a:fld id="{41F7FC94-7D5C-3848-95CA-D6843D806ACE}" type="datetime1">
               <a:rPr kumimoji="1" lang="ja-JP" altLang="en-US" smtClean="0"/>
-              <a:t>2020/10/13</a:t>
+              <a:t>2022/9/29</a:t>
             </a:fld>
             <a:endParaRPr kumimoji="1" lang="ja-JP" altLang="en-US"/>
           </a:p>
@@ -2811,9 +3198,9 @@
           <a:bodyPr/>
           <a:lstStyle/>
           <a:p>
-            <a:fld id="{57F86978-F668-4888-B5EB-005BD958F1CF}" type="datetimeFigureOut">
+            <a:fld id="{329DD05F-FFAC-0541-920A-B9C473BE61CA}" type="datetime1">
               <a:rPr kumimoji="1" lang="ja-JP" altLang="en-US" smtClean="0"/>
-              <a:t>2020/10/13</a:t>
+              <a:t>2022/9/29</a:t>
             </a:fld>
             <a:endParaRPr kumimoji="1" lang="ja-JP" altLang="en-US"/>
           </a:p>
@@ -3140,9 +3527,9 @@
           <a:bodyPr/>
           <a:lstStyle/>
           <a:p>
-            <a:fld id="{57F86978-F668-4888-B5EB-005BD958F1CF}" type="datetimeFigureOut">
+            <a:fld id="{6CF471D1-4C9A-4A40-8AB1-95D4364BBF15}" type="datetime1">
               <a:rPr kumimoji="1" lang="ja-JP" altLang="en-US" smtClean="0"/>
-              <a:t>2020/10/13</a:t>
+              <a:t>2022/9/29</a:t>
             </a:fld>
             <a:endParaRPr kumimoji="1" lang="ja-JP" altLang="en-US"/>
           </a:p>
@@ -3616,9 +4003,9 @@
           <a:bodyPr/>
           <a:lstStyle/>
           <a:p>
-            <a:fld id="{57F86978-F668-4888-B5EB-005BD958F1CF}" type="datetimeFigureOut">
+            <a:fld id="{3394E048-800B-C945-ABF1-59AEF8418D55}" type="datetime1">
               <a:rPr kumimoji="1" lang="ja-JP" altLang="en-US" smtClean="0"/>
-              <a:t>2020/10/13</a:t>
+              <a:t>2022/9/29</a:t>
             </a:fld>
             <a:endParaRPr kumimoji="1" lang="ja-JP" altLang="en-US"/>
           </a:p>
@@ -3757,9 +4144,9 @@
           <a:bodyPr/>
           <a:lstStyle/>
           <a:p>
-            <a:fld id="{57F86978-F668-4888-B5EB-005BD958F1CF}" type="datetimeFigureOut">
+            <a:fld id="{A496D5F2-B612-A24C-ADA0-1CDC5F8C3AC6}" type="datetime1">
               <a:rPr kumimoji="1" lang="ja-JP" altLang="en-US" smtClean="0"/>
-              <a:t>2020/10/13</a:t>
+              <a:t>2022/9/29</a:t>
             </a:fld>
             <a:endParaRPr kumimoji="1" lang="ja-JP" altLang="en-US"/>
           </a:p>
@@ -3870,9 +4257,9 @@
           <a:bodyPr/>
           <a:lstStyle/>
           <a:p>
-            <a:fld id="{57F86978-F668-4888-B5EB-005BD958F1CF}" type="datetimeFigureOut">
+            <a:fld id="{02926C61-86E2-B242-B42B-FB92A0FAF83D}" type="datetime1">
               <a:rPr kumimoji="1" lang="ja-JP" altLang="en-US" smtClean="0"/>
-              <a:t>2020/10/13</a:t>
+              <a:t>2022/9/29</a:t>
             </a:fld>
             <a:endParaRPr kumimoji="1" lang="ja-JP" altLang="en-US"/>
           </a:p>
@@ -4213,9 +4600,9 @@
           <a:bodyPr/>
           <a:lstStyle/>
           <a:p>
-            <a:fld id="{57F86978-F668-4888-B5EB-005BD958F1CF}" type="datetimeFigureOut">
+            <a:fld id="{9B1A3B4A-C134-264D-A616-F3EEAE4EC8C5}" type="datetime1">
               <a:rPr kumimoji="1" lang="ja-JP" altLang="en-US" smtClean="0"/>
-              <a:t>2020/10/13</a:t>
+              <a:t>2022/9/29</a:t>
             </a:fld>
             <a:endParaRPr kumimoji="1" lang="ja-JP" altLang="en-US"/>
           </a:p>
@@ -4501,9 +4888,9 @@
           <a:bodyPr/>
           <a:lstStyle/>
           <a:p>
-            <a:fld id="{57F86978-F668-4888-B5EB-005BD958F1CF}" type="datetimeFigureOut">
+            <a:fld id="{A97F9981-AA1C-AE41-A6D7-B9284189E157}" type="datetime1">
               <a:rPr kumimoji="1" lang="ja-JP" altLang="en-US" smtClean="0"/>
-              <a:t>2020/10/13</a:t>
+              <a:t>2022/9/29</a:t>
             </a:fld>
             <a:endParaRPr kumimoji="1" lang="ja-JP" altLang="en-US"/>
           </a:p>
@@ -4774,9 +5161,9 @@
             </a:lvl1pPr>
           </a:lstStyle>
           <a:p>
-            <a:fld id="{57F86978-F668-4888-B5EB-005BD958F1CF}" type="datetimeFigureOut">
+            <a:fld id="{0834969A-1581-324E-BCBE-F0C0D6C6833A}" type="datetime1">
               <a:rPr kumimoji="1" lang="ja-JP" altLang="en-US" smtClean="0"/>
-              <a:t>2020/10/13</a:t>
+              <a:t>2022/9/29</a:t>
             </a:fld>
             <a:endParaRPr kumimoji="1" lang="ja-JP" altLang="en-US"/>
           </a:p>
@@ -4893,6 +5280,7 @@
     <p:sldLayoutId id="2147483658" r:id="rId10"/>
     <p:sldLayoutId id="2147483659" r:id="rId11"/>
   </p:sldLayoutIdLst>
+  <p:hf sldNum="0" hdr="0" ftr="0" dt="0"/>
   <p:txStyles>
     <p:titleStyle>
       <a:lvl1pPr algn="l" defTabSz="914400" rtl="0" eaLnBrk="1" latinLnBrk="0" hangingPunct="1">
@@ -5657,6 +6045,6081 @@
     <p:extLst>
       <p:ext uri="{BB962C8B-B14F-4D97-AF65-F5344CB8AC3E}">
         <p14:creationId xmlns:p14="http://schemas.microsoft.com/office/powerpoint/2010/main" val="870861611"/>
+      </p:ext>
+    </p:extLst>
+  </p:cSld>
+  <p:clrMapOvr>
+    <a:masterClrMapping/>
+  </p:clrMapOvr>
+</p:sld>
+</file>
+
+<file path=ppt/slides/slide10.xml><?xml version="1.0" encoding="utf-8"?>
+<p:sld xmlns:a="http://schemas.openxmlformats.org/drawingml/2006/main" xmlns:r="http://schemas.openxmlformats.org/officeDocument/2006/relationships" xmlns:p="http://schemas.openxmlformats.org/presentationml/2006/main">
+  <p:cSld>
+    <p:spTree>
+      <p:nvGrpSpPr>
+        <p:cNvPr id="1" name=""/>
+        <p:cNvGrpSpPr/>
+        <p:nvPr/>
+      </p:nvGrpSpPr>
+      <p:grpSpPr>
+        <a:xfrm>
+          <a:off x="0" y="0"/>
+          <a:ext cx="0" cy="0"/>
+          <a:chOff x="0" y="0"/>
+          <a:chExt cx="0" cy="0"/>
+        </a:xfrm>
+      </p:grpSpPr>
+      <p:sp>
+        <p:nvSpPr>
+          <p:cNvPr id="7" name="フローチャート: 結合子 6">
+            <a:extLst>
+              <a:ext uri="{FF2B5EF4-FFF2-40B4-BE49-F238E27FC236}">
+                <a16:creationId xmlns:a16="http://schemas.microsoft.com/office/drawing/2014/main" id="{8F70C87E-014F-5646-AEDB-7FAB3B473B7B}"/>
+              </a:ext>
+            </a:extLst>
+          </p:cNvPr>
+          <p:cNvSpPr>
+            <a:spLocks/>
+          </p:cNvSpPr>
+          <p:nvPr/>
+        </p:nvSpPr>
+        <p:spPr>
+          <a:xfrm>
+            <a:off x="2236305" y="1371600"/>
+            <a:ext cx="540000" cy="540000"/>
+          </a:xfrm>
+          <a:prstGeom prst="flowChartConnector">
+            <a:avLst/>
+          </a:prstGeom>
+        </p:spPr>
+        <p:style>
+          <a:lnRef idx="2">
+            <a:schemeClr val="dk1"/>
+          </a:lnRef>
+          <a:fillRef idx="1">
+            <a:schemeClr val="lt1"/>
+          </a:fillRef>
+          <a:effectRef idx="0">
+            <a:schemeClr val="dk1"/>
+          </a:effectRef>
+          <a:fontRef idx="minor">
+            <a:schemeClr val="dk1"/>
+          </a:fontRef>
+        </p:style>
+        <p:txBody>
+          <a:bodyPr rtlCol="0" anchor="ctr"/>
+          <a:lstStyle/>
+          <a:p>
+            <a:pPr algn="ctr"/>
+            <a:endParaRPr kumimoji="1" lang="ja-JP" altLang="en-US"/>
+          </a:p>
+        </p:txBody>
+      </p:sp>
+      <p:sp>
+        <p:nvSpPr>
+          <p:cNvPr id="8" name="フローチャート: 結合子 7">
+            <a:extLst>
+              <a:ext uri="{FF2B5EF4-FFF2-40B4-BE49-F238E27FC236}">
+                <a16:creationId xmlns:a16="http://schemas.microsoft.com/office/drawing/2014/main" id="{D28CBAF6-961F-48E8-1171-841098AED5B4}"/>
+              </a:ext>
+            </a:extLst>
+          </p:cNvPr>
+          <p:cNvSpPr>
+            <a:spLocks/>
+          </p:cNvSpPr>
+          <p:nvPr/>
+        </p:nvSpPr>
+        <p:spPr>
+          <a:xfrm>
+            <a:off x="2236305" y="2189922"/>
+            <a:ext cx="540000" cy="540000"/>
+          </a:xfrm>
+          <a:prstGeom prst="flowChartConnector">
+            <a:avLst/>
+          </a:prstGeom>
+        </p:spPr>
+        <p:style>
+          <a:lnRef idx="2">
+            <a:schemeClr val="dk1"/>
+          </a:lnRef>
+          <a:fillRef idx="1">
+            <a:schemeClr val="lt1"/>
+          </a:fillRef>
+          <a:effectRef idx="0">
+            <a:schemeClr val="dk1"/>
+          </a:effectRef>
+          <a:fontRef idx="minor">
+            <a:schemeClr val="dk1"/>
+          </a:fontRef>
+        </p:style>
+        <p:txBody>
+          <a:bodyPr rtlCol="0" anchor="ctr"/>
+          <a:lstStyle/>
+          <a:p>
+            <a:pPr algn="ctr"/>
+            <a:endParaRPr kumimoji="1" lang="ja-JP" altLang="en-US"/>
+          </a:p>
+        </p:txBody>
+      </p:sp>
+      <p:sp>
+        <p:nvSpPr>
+          <p:cNvPr id="9" name="フローチャート: 結合子 8">
+            <a:extLst>
+              <a:ext uri="{FF2B5EF4-FFF2-40B4-BE49-F238E27FC236}">
+                <a16:creationId xmlns:a16="http://schemas.microsoft.com/office/drawing/2014/main" id="{EEC7C549-D8E7-A0FA-D0E2-257A3CF62C34}"/>
+              </a:ext>
+            </a:extLst>
+          </p:cNvPr>
+          <p:cNvSpPr>
+            <a:spLocks/>
+          </p:cNvSpPr>
+          <p:nvPr/>
+        </p:nvSpPr>
+        <p:spPr>
+          <a:xfrm>
+            <a:off x="2236305" y="3756966"/>
+            <a:ext cx="540000" cy="540000"/>
+          </a:xfrm>
+          <a:prstGeom prst="flowChartConnector">
+            <a:avLst/>
+          </a:prstGeom>
+        </p:spPr>
+        <p:style>
+          <a:lnRef idx="2">
+            <a:schemeClr val="dk1"/>
+          </a:lnRef>
+          <a:fillRef idx="1">
+            <a:schemeClr val="lt1"/>
+          </a:fillRef>
+          <a:effectRef idx="0">
+            <a:schemeClr val="dk1"/>
+          </a:effectRef>
+          <a:fontRef idx="minor">
+            <a:schemeClr val="dk1"/>
+          </a:fontRef>
+        </p:style>
+        <p:txBody>
+          <a:bodyPr rtlCol="0" anchor="ctr"/>
+          <a:lstStyle/>
+          <a:p>
+            <a:pPr algn="ctr"/>
+            <a:endParaRPr kumimoji="1" lang="ja-JP" altLang="en-US"/>
+          </a:p>
+        </p:txBody>
+      </p:sp>
+      <p:sp>
+        <p:nvSpPr>
+          <p:cNvPr id="10" name="フローチャート: 結合子 9">
+            <a:extLst>
+              <a:ext uri="{FF2B5EF4-FFF2-40B4-BE49-F238E27FC236}">
+                <a16:creationId xmlns:a16="http://schemas.microsoft.com/office/drawing/2014/main" id="{8015B6D4-F955-9C1A-95A5-A9B420CE3109}"/>
+              </a:ext>
+            </a:extLst>
+          </p:cNvPr>
+          <p:cNvSpPr/>
+          <p:nvPr/>
+        </p:nvSpPr>
+        <p:spPr>
+          <a:xfrm>
+            <a:off x="2442462" y="2956239"/>
+            <a:ext cx="72000" cy="72000"/>
+          </a:xfrm>
+          <a:prstGeom prst="flowChartConnector">
+            <a:avLst/>
+          </a:prstGeom>
+        </p:spPr>
+        <p:style>
+          <a:lnRef idx="2">
+            <a:schemeClr val="dk1">
+              <a:shade val="50000"/>
+            </a:schemeClr>
+          </a:lnRef>
+          <a:fillRef idx="1">
+            <a:schemeClr val="dk1"/>
+          </a:fillRef>
+          <a:effectRef idx="0">
+            <a:schemeClr val="dk1"/>
+          </a:effectRef>
+          <a:fontRef idx="minor">
+            <a:schemeClr val="lt1"/>
+          </a:fontRef>
+        </p:style>
+        <p:txBody>
+          <a:bodyPr rtlCol="0" anchor="ctr"/>
+          <a:lstStyle/>
+          <a:p>
+            <a:pPr algn="ctr"/>
+            <a:endParaRPr kumimoji="1" lang="ja-JP" altLang="en-US"/>
+          </a:p>
+        </p:txBody>
+      </p:sp>
+      <p:sp>
+        <p:nvSpPr>
+          <p:cNvPr id="11" name="フローチャート: 結合子 10">
+            <a:extLst>
+              <a:ext uri="{FF2B5EF4-FFF2-40B4-BE49-F238E27FC236}">
+                <a16:creationId xmlns:a16="http://schemas.microsoft.com/office/drawing/2014/main" id="{54658290-A52E-9858-E465-5461BDEF712E}"/>
+              </a:ext>
+            </a:extLst>
+          </p:cNvPr>
+          <p:cNvSpPr/>
+          <p:nvPr/>
+        </p:nvSpPr>
+        <p:spPr>
+          <a:xfrm>
+            <a:off x="2442025" y="3189444"/>
+            <a:ext cx="72000" cy="72000"/>
+          </a:xfrm>
+          <a:prstGeom prst="flowChartConnector">
+            <a:avLst/>
+          </a:prstGeom>
+        </p:spPr>
+        <p:style>
+          <a:lnRef idx="2">
+            <a:schemeClr val="dk1">
+              <a:shade val="50000"/>
+            </a:schemeClr>
+          </a:lnRef>
+          <a:fillRef idx="1">
+            <a:schemeClr val="dk1"/>
+          </a:fillRef>
+          <a:effectRef idx="0">
+            <a:schemeClr val="dk1"/>
+          </a:effectRef>
+          <a:fontRef idx="minor">
+            <a:schemeClr val="lt1"/>
+          </a:fontRef>
+        </p:style>
+        <p:txBody>
+          <a:bodyPr rtlCol="0" anchor="ctr"/>
+          <a:lstStyle/>
+          <a:p>
+            <a:pPr algn="ctr"/>
+            <a:endParaRPr kumimoji="1" lang="ja-JP" altLang="en-US"/>
+          </a:p>
+        </p:txBody>
+      </p:sp>
+      <p:sp>
+        <p:nvSpPr>
+          <p:cNvPr id="12" name="フローチャート: 結合子 11">
+            <a:extLst>
+              <a:ext uri="{FF2B5EF4-FFF2-40B4-BE49-F238E27FC236}">
+                <a16:creationId xmlns:a16="http://schemas.microsoft.com/office/drawing/2014/main" id="{DB5C0B44-1258-970C-F1D8-D79EFBB839A1}"/>
+              </a:ext>
+            </a:extLst>
+          </p:cNvPr>
+          <p:cNvSpPr/>
+          <p:nvPr/>
+        </p:nvSpPr>
+        <p:spPr>
+          <a:xfrm>
+            <a:off x="2445425" y="3422649"/>
+            <a:ext cx="72000" cy="72000"/>
+          </a:xfrm>
+          <a:prstGeom prst="flowChartConnector">
+            <a:avLst/>
+          </a:prstGeom>
+        </p:spPr>
+        <p:style>
+          <a:lnRef idx="2">
+            <a:schemeClr val="dk1">
+              <a:shade val="50000"/>
+            </a:schemeClr>
+          </a:lnRef>
+          <a:fillRef idx="1">
+            <a:schemeClr val="dk1"/>
+          </a:fillRef>
+          <a:effectRef idx="0">
+            <a:schemeClr val="dk1"/>
+          </a:effectRef>
+          <a:fontRef idx="minor">
+            <a:schemeClr val="lt1"/>
+          </a:fontRef>
+        </p:style>
+        <p:txBody>
+          <a:bodyPr rtlCol="0" anchor="ctr"/>
+          <a:lstStyle/>
+          <a:p>
+            <a:pPr algn="ctr"/>
+            <a:endParaRPr kumimoji="1" lang="ja-JP" altLang="en-US"/>
+          </a:p>
+        </p:txBody>
+      </p:sp>
+      <p:sp>
+        <p:nvSpPr>
+          <p:cNvPr id="13" name="フレーム 12">
+            <a:extLst>
+              <a:ext uri="{FF2B5EF4-FFF2-40B4-BE49-F238E27FC236}">
+                <a16:creationId xmlns:a16="http://schemas.microsoft.com/office/drawing/2014/main" id="{27B2E0D6-3EBC-B05A-9828-51F4AA4D8DE9}"/>
+              </a:ext>
+            </a:extLst>
+          </p:cNvPr>
+          <p:cNvSpPr/>
+          <p:nvPr/>
+        </p:nvSpPr>
+        <p:spPr>
+          <a:xfrm>
+            <a:off x="1733550" y="895350"/>
+            <a:ext cx="1504950" cy="4133850"/>
+          </a:xfrm>
+          <a:prstGeom prst="frame">
+            <a:avLst>
+              <a:gd name="adj1" fmla="val 0"/>
+            </a:avLst>
+          </a:prstGeom>
+          <a:ln w="3175"/>
+        </p:spPr>
+        <p:style>
+          <a:lnRef idx="2">
+            <a:schemeClr val="dk1">
+              <a:shade val="50000"/>
+            </a:schemeClr>
+          </a:lnRef>
+          <a:fillRef idx="1">
+            <a:schemeClr val="dk1"/>
+          </a:fillRef>
+          <a:effectRef idx="0">
+            <a:schemeClr val="dk1"/>
+          </a:effectRef>
+          <a:fontRef idx="minor">
+            <a:schemeClr val="lt1"/>
+          </a:fontRef>
+        </p:style>
+        <p:txBody>
+          <a:bodyPr rtlCol="0" anchor="ctr"/>
+          <a:lstStyle/>
+          <a:p>
+            <a:pPr algn="ctr"/>
+            <a:endParaRPr kumimoji="1" lang="ja-JP" altLang="en-US">
+              <a:solidFill>
+                <a:schemeClr val="tx1"/>
+              </a:solidFill>
+            </a:endParaRPr>
+          </a:p>
+        </p:txBody>
+      </p:sp>
+      <p:sp>
+        <p:nvSpPr>
+          <p:cNvPr id="15" name="フレーム 14">
+            <a:extLst>
+              <a:ext uri="{FF2B5EF4-FFF2-40B4-BE49-F238E27FC236}">
+                <a16:creationId xmlns:a16="http://schemas.microsoft.com/office/drawing/2014/main" id="{0EE8C75C-1A35-03DA-34FC-6407AFF8A3C0}"/>
+              </a:ext>
+            </a:extLst>
+          </p:cNvPr>
+          <p:cNvSpPr/>
+          <p:nvPr/>
+        </p:nvSpPr>
+        <p:spPr>
+          <a:xfrm>
+            <a:off x="4159306" y="895350"/>
+            <a:ext cx="3803257" cy="4133850"/>
+          </a:xfrm>
+          <a:prstGeom prst="frame">
+            <a:avLst>
+              <a:gd name="adj1" fmla="val 0"/>
+            </a:avLst>
+          </a:prstGeom>
+        </p:spPr>
+        <p:style>
+          <a:lnRef idx="2">
+            <a:schemeClr val="dk1">
+              <a:shade val="50000"/>
+            </a:schemeClr>
+          </a:lnRef>
+          <a:fillRef idx="1">
+            <a:schemeClr val="dk1"/>
+          </a:fillRef>
+          <a:effectRef idx="0">
+            <a:schemeClr val="dk1"/>
+          </a:effectRef>
+          <a:fontRef idx="minor">
+            <a:schemeClr val="lt1"/>
+          </a:fontRef>
+        </p:style>
+        <p:txBody>
+          <a:bodyPr rtlCol="0" anchor="ctr"/>
+          <a:lstStyle/>
+          <a:p>
+            <a:pPr algn="ctr"/>
+            <a:endParaRPr kumimoji="1" lang="ja-JP" altLang="en-US">
+              <a:solidFill>
+                <a:schemeClr val="tx1"/>
+              </a:solidFill>
+            </a:endParaRPr>
+          </a:p>
+        </p:txBody>
+      </p:sp>
+      <p:sp>
+        <p:nvSpPr>
+          <p:cNvPr id="17" name="フローチャート: 結合子 16">
+            <a:extLst>
+              <a:ext uri="{FF2B5EF4-FFF2-40B4-BE49-F238E27FC236}">
+                <a16:creationId xmlns:a16="http://schemas.microsoft.com/office/drawing/2014/main" id="{D87618EE-E299-786E-1F0B-ACCC067CE5CC}"/>
+              </a:ext>
+            </a:extLst>
+          </p:cNvPr>
+          <p:cNvSpPr>
+            <a:spLocks/>
+          </p:cNvSpPr>
+          <p:nvPr/>
+        </p:nvSpPr>
+        <p:spPr>
+          <a:xfrm>
+            <a:off x="4686843" y="1167951"/>
+            <a:ext cx="540000" cy="540000"/>
+          </a:xfrm>
+          <a:prstGeom prst="flowChartConnector">
+            <a:avLst/>
+          </a:prstGeom>
+        </p:spPr>
+        <p:style>
+          <a:lnRef idx="2">
+            <a:schemeClr val="dk1"/>
+          </a:lnRef>
+          <a:fillRef idx="1">
+            <a:schemeClr val="lt1"/>
+          </a:fillRef>
+          <a:effectRef idx="0">
+            <a:schemeClr val="dk1"/>
+          </a:effectRef>
+          <a:fontRef idx="minor">
+            <a:schemeClr val="dk1"/>
+          </a:fontRef>
+        </p:style>
+        <p:txBody>
+          <a:bodyPr rtlCol="0" anchor="ctr"/>
+          <a:lstStyle/>
+          <a:p>
+            <a:pPr algn="ctr"/>
+            <a:endParaRPr kumimoji="1" lang="ja-JP" altLang="en-US"/>
+          </a:p>
+        </p:txBody>
+      </p:sp>
+      <p:sp>
+        <p:nvSpPr>
+          <p:cNvPr id="18" name="フローチャート: 結合子 17">
+            <a:extLst>
+              <a:ext uri="{FF2B5EF4-FFF2-40B4-BE49-F238E27FC236}">
+                <a16:creationId xmlns:a16="http://schemas.microsoft.com/office/drawing/2014/main" id="{E09229CF-F570-FE60-02C7-9FFA4CCC7337}"/>
+              </a:ext>
+            </a:extLst>
+          </p:cNvPr>
+          <p:cNvSpPr>
+            <a:spLocks/>
+          </p:cNvSpPr>
+          <p:nvPr/>
+        </p:nvSpPr>
+        <p:spPr>
+          <a:xfrm>
+            <a:off x="6565220" y="1858726"/>
+            <a:ext cx="540000" cy="540000"/>
+          </a:xfrm>
+          <a:prstGeom prst="flowChartConnector">
+            <a:avLst/>
+          </a:prstGeom>
+        </p:spPr>
+        <p:style>
+          <a:lnRef idx="2">
+            <a:schemeClr val="dk1"/>
+          </a:lnRef>
+          <a:fillRef idx="1">
+            <a:schemeClr val="lt1"/>
+          </a:fillRef>
+          <a:effectRef idx="0">
+            <a:schemeClr val="dk1"/>
+          </a:effectRef>
+          <a:fontRef idx="minor">
+            <a:schemeClr val="dk1"/>
+          </a:fontRef>
+        </p:style>
+        <p:txBody>
+          <a:bodyPr rtlCol="0" anchor="ctr"/>
+          <a:lstStyle/>
+          <a:p>
+            <a:pPr algn="ctr"/>
+            <a:endParaRPr kumimoji="1" lang="ja-JP" altLang="en-US"/>
+          </a:p>
+        </p:txBody>
+      </p:sp>
+      <p:sp>
+        <p:nvSpPr>
+          <p:cNvPr id="19" name="フローチャート: 結合子 18">
+            <a:extLst>
+              <a:ext uri="{FF2B5EF4-FFF2-40B4-BE49-F238E27FC236}">
+                <a16:creationId xmlns:a16="http://schemas.microsoft.com/office/drawing/2014/main" id="{93C08AE6-9416-AC0D-64A6-A0648BD273BE}"/>
+              </a:ext>
+            </a:extLst>
+          </p:cNvPr>
+          <p:cNvSpPr>
+            <a:spLocks/>
+          </p:cNvSpPr>
+          <p:nvPr/>
+        </p:nvSpPr>
+        <p:spPr>
+          <a:xfrm>
+            <a:off x="4681748" y="3104228"/>
+            <a:ext cx="540000" cy="540000"/>
+          </a:xfrm>
+          <a:prstGeom prst="flowChartConnector">
+            <a:avLst/>
+          </a:prstGeom>
+        </p:spPr>
+        <p:style>
+          <a:lnRef idx="2">
+            <a:schemeClr val="dk1"/>
+          </a:lnRef>
+          <a:fillRef idx="1">
+            <a:schemeClr val="lt1"/>
+          </a:fillRef>
+          <a:effectRef idx="0">
+            <a:schemeClr val="dk1"/>
+          </a:effectRef>
+          <a:fontRef idx="minor">
+            <a:schemeClr val="dk1"/>
+          </a:fontRef>
+        </p:style>
+        <p:txBody>
+          <a:bodyPr rtlCol="0" anchor="ctr"/>
+          <a:lstStyle/>
+          <a:p>
+            <a:pPr algn="ctr"/>
+            <a:endParaRPr kumimoji="1" lang="ja-JP" altLang="en-US"/>
+          </a:p>
+        </p:txBody>
+      </p:sp>
+      <p:sp>
+        <p:nvSpPr>
+          <p:cNvPr id="20" name="フローチャート: 結合子 19">
+            <a:extLst>
+              <a:ext uri="{FF2B5EF4-FFF2-40B4-BE49-F238E27FC236}">
+                <a16:creationId xmlns:a16="http://schemas.microsoft.com/office/drawing/2014/main" id="{3D926541-E10E-3C71-B623-B705AAE66329}"/>
+              </a:ext>
+            </a:extLst>
+          </p:cNvPr>
+          <p:cNvSpPr>
+            <a:spLocks/>
+          </p:cNvSpPr>
+          <p:nvPr/>
+        </p:nvSpPr>
+        <p:spPr>
+          <a:xfrm>
+            <a:off x="6565220" y="3836561"/>
+            <a:ext cx="540000" cy="540000"/>
+          </a:xfrm>
+          <a:prstGeom prst="flowChartConnector">
+            <a:avLst/>
+          </a:prstGeom>
+        </p:spPr>
+        <p:style>
+          <a:lnRef idx="2">
+            <a:schemeClr val="dk1"/>
+          </a:lnRef>
+          <a:fillRef idx="1">
+            <a:schemeClr val="lt1"/>
+          </a:fillRef>
+          <a:effectRef idx="0">
+            <a:schemeClr val="dk1"/>
+          </a:effectRef>
+          <a:fontRef idx="minor">
+            <a:schemeClr val="dk1"/>
+          </a:fontRef>
+        </p:style>
+        <p:txBody>
+          <a:bodyPr rtlCol="0" anchor="ctr"/>
+          <a:lstStyle/>
+          <a:p>
+            <a:pPr algn="ctr"/>
+            <a:endParaRPr kumimoji="1" lang="ja-JP" altLang="en-US"/>
+          </a:p>
+        </p:txBody>
+      </p:sp>
+      <p:sp>
+        <p:nvSpPr>
+          <p:cNvPr id="21" name="フローチャート: 結合子 20">
+            <a:extLst>
+              <a:ext uri="{FF2B5EF4-FFF2-40B4-BE49-F238E27FC236}">
+                <a16:creationId xmlns:a16="http://schemas.microsoft.com/office/drawing/2014/main" id="{DC85AACF-DEE4-F863-6599-32C6E077F1E2}"/>
+              </a:ext>
+            </a:extLst>
+          </p:cNvPr>
+          <p:cNvSpPr>
+            <a:spLocks/>
+          </p:cNvSpPr>
+          <p:nvPr/>
+        </p:nvSpPr>
+        <p:spPr>
+          <a:xfrm>
+            <a:off x="4682881" y="2103311"/>
+            <a:ext cx="540000" cy="540000"/>
+          </a:xfrm>
+          <a:prstGeom prst="flowChartConnector">
+            <a:avLst/>
+          </a:prstGeom>
+        </p:spPr>
+        <p:style>
+          <a:lnRef idx="2">
+            <a:schemeClr val="dk1"/>
+          </a:lnRef>
+          <a:fillRef idx="1">
+            <a:schemeClr val="lt1"/>
+          </a:fillRef>
+          <a:effectRef idx="0">
+            <a:schemeClr val="dk1"/>
+          </a:effectRef>
+          <a:fontRef idx="minor">
+            <a:schemeClr val="dk1"/>
+          </a:fontRef>
+        </p:style>
+        <p:txBody>
+          <a:bodyPr rtlCol="0" anchor="ctr"/>
+          <a:lstStyle/>
+          <a:p>
+            <a:pPr algn="ctr"/>
+            <a:endParaRPr kumimoji="1" lang="ja-JP" altLang="en-US"/>
+          </a:p>
+        </p:txBody>
+      </p:sp>
+      <p:sp>
+        <p:nvSpPr>
+          <p:cNvPr id="22" name="フローチャート: 結合子 21">
+            <a:extLst>
+              <a:ext uri="{FF2B5EF4-FFF2-40B4-BE49-F238E27FC236}">
+                <a16:creationId xmlns:a16="http://schemas.microsoft.com/office/drawing/2014/main" id="{EDB1E575-4603-C743-CEAD-38343F8D157A}"/>
+              </a:ext>
+            </a:extLst>
+          </p:cNvPr>
+          <p:cNvSpPr>
+            <a:spLocks/>
+          </p:cNvSpPr>
+          <p:nvPr/>
+        </p:nvSpPr>
+        <p:spPr>
+          <a:xfrm>
+            <a:off x="4682881" y="3994449"/>
+            <a:ext cx="540000" cy="540000"/>
+          </a:xfrm>
+          <a:prstGeom prst="flowChartConnector">
+            <a:avLst/>
+          </a:prstGeom>
+        </p:spPr>
+        <p:style>
+          <a:lnRef idx="2">
+            <a:schemeClr val="dk1"/>
+          </a:lnRef>
+          <a:fillRef idx="1">
+            <a:schemeClr val="lt1"/>
+          </a:fillRef>
+          <a:effectRef idx="0">
+            <a:schemeClr val="dk1"/>
+          </a:effectRef>
+          <a:fontRef idx="minor">
+            <a:schemeClr val="dk1"/>
+          </a:fontRef>
+        </p:style>
+        <p:txBody>
+          <a:bodyPr rtlCol="0" anchor="ctr"/>
+          <a:lstStyle/>
+          <a:p>
+            <a:pPr algn="ctr"/>
+            <a:endParaRPr kumimoji="1" lang="ja-JP" altLang="en-US"/>
+          </a:p>
+        </p:txBody>
+      </p:sp>
+      <p:cxnSp>
+        <p:nvCxnSpPr>
+          <p:cNvPr id="58" name="直線矢印コネクタ 57">
+            <a:extLst>
+              <a:ext uri="{FF2B5EF4-FFF2-40B4-BE49-F238E27FC236}">
+                <a16:creationId xmlns:a16="http://schemas.microsoft.com/office/drawing/2014/main" id="{921B8B39-91AF-30F9-F9F9-62AEEEA8B664}"/>
+              </a:ext>
+            </a:extLst>
+          </p:cNvPr>
+          <p:cNvCxnSpPr>
+            <a:cxnSpLocks/>
+            <a:stCxn id="7" idx="6"/>
+            <a:endCxn id="17" idx="2"/>
+          </p:cNvCxnSpPr>
+          <p:nvPr/>
+        </p:nvCxnSpPr>
+        <p:spPr>
+          <a:xfrm flipV="1">
+            <a:off x="2776305" y="1437951"/>
+            <a:ext cx="1910538" cy="203649"/>
+          </a:xfrm>
+          <a:prstGeom prst="straightConnector1">
+            <a:avLst/>
+          </a:prstGeom>
+          <a:ln>
+            <a:tailEnd type="triangle"/>
+          </a:ln>
+        </p:spPr>
+        <p:style>
+          <a:lnRef idx="1">
+            <a:schemeClr val="dk1"/>
+          </a:lnRef>
+          <a:fillRef idx="0">
+            <a:schemeClr val="dk1"/>
+          </a:fillRef>
+          <a:effectRef idx="0">
+            <a:schemeClr val="dk1"/>
+          </a:effectRef>
+          <a:fontRef idx="minor">
+            <a:schemeClr val="tx1"/>
+          </a:fontRef>
+        </p:style>
+      </p:cxnSp>
+      <p:cxnSp>
+        <p:nvCxnSpPr>
+          <p:cNvPr id="64" name="直線矢印コネクタ 63">
+            <a:extLst>
+              <a:ext uri="{FF2B5EF4-FFF2-40B4-BE49-F238E27FC236}">
+                <a16:creationId xmlns:a16="http://schemas.microsoft.com/office/drawing/2014/main" id="{5412C114-00F2-F99B-D10F-2648D813A0E5}"/>
+              </a:ext>
+            </a:extLst>
+          </p:cNvPr>
+          <p:cNvCxnSpPr>
+            <a:cxnSpLocks/>
+            <a:stCxn id="8" idx="6"/>
+            <a:endCxn id="17" idx="2"/>
+          </p:cNvCxnSpPr>
+          <p:nvPr/>
+        </p:nvCxnSpPr>
+        <p:spPr>
+          <a:xfrm flipV="1">
+            <a:off x="2776305" y="1437951"/>
+            <a:ext cx="1910538" cy="1021971"/>
+          </a:xfrm>
+          <a:prstGeom prst="straightConnector1">
+            <a:avLst/>
+          </a:prstGeom>
+          <a:ln>
+            <a:tailEnd type="triangle"/>
+          </a:ln>
+        </p:spPr>
+        <p:style>
+          <a:lnRef idx="1">
+            <a:schemeClr val="dk1"/>
+          </a:lnRef>
+          <a:fillRef idx="0">
+            <a:schemeClr val="dk1"/>
+          </a:fillRef>
+          <a:effectRef idx="0">
+            <a:schemeClr val="dk1"/>
+          </a:effectRef>
+          <a:fontRef idx="minor">
+            <a:schemeClr val="tx1"/>
+          </a:fontRef>
+        </p:style>
+      </p:cxnSp>
+      <p:cxnSp>
+        <p:nvCxnSpPr>
+          <p:cNvPr id="66" name="直線矢印コネクタ 65">
+            <a:extLst>
+              <a:ext uri="{FF2B5EF4-FFF2-40B4-BE49-F238E27FC236}">
+                <a16:creationId xmlns:a16="http://schemas.microsoft.com/office/drawing/2014/main" id="{703A12AF-1C51-AB4A-B3EA-30E6B3673DE9}"/>
+              </a:ext>
+            </a:extLst>
+          </p:cNvPr>
+          <p:cNvCxnSpPr>
+            <a:stCxn id="9" idx="6"/>
+            <a:endCxn id="22" idx="3"/>
+          </p:cNvCxnSpPr>
+          <p:nvPr/>
+        </p:nvCxnSpPr>
+        <p:spPr>
+          <a:xfrm>
+            <a:off x="2776305" y="4026966"/>
+            <a:ext cx="1985657" cy="428402"/>
+          </a:xfrm>
+          <a:prstGeom prst="straightConnector1">
+            <a:avLst/>
+          </a:prstGeom>
+          <a:ln>
+            <a:tailEnd type="triangle"/>
+          </a:ln>
+        </p:spPr>
+        <p:style>
+          <a:lnRef idx="1">
+            <a:schemeClr val="dk1"/>
+          </a:lnRef>
+          <a:fillRef idx="0">
+            <a:schemeClr val="dk1"/>
+          </a:fillRef>
+          <a:effectRef idx="0">
+            <a:schemeClr val="dk1"/>
+          </a:effectRef>
+          <a:fontRef idx="minor">
+            <a:schemeClr val="tx1"/>
+          </a:fontRef>
+        </p:style>
+      </p:cxnSp>
+      <p:cxnSp>
+        <p:nvCxnSpPr>
+          <p:cNvPr id="68" name="直線矢印コネクタ 67">
+            <a:extLst>
+              <a:ext uri="{FF2B5EF4-FFF2-40B4-BE49-F238E27FC236}">
+                <a16:creationId xmlns:a16="http://schemas.microsoft.com/office/drawing/2014/main" id="{D0C9DA2D-9151-3C41-F201-88787AB8FB00}"/>
+              </a:ext>
+            </a:extLst>
+          </p:cNvPr>
+          <p:cNvCxnSpPr>
+            <a:cxnSpLocks/>
+            <a:stCxn id="9" idx="6"/>
+            <a:endCxn id="19" idx="2"/>
+          </p:cNvCxnSpPr>
+          <p:nvPr/>
+        </p:nvCxnSpPr>
+        <p:spPr>
+          <a:xfrm flipV="1">
+            <a:off x="2776305" y="3374228"/>
+            <a:ext cx="1905443" cy="652738"/>
+          </a:xfrm>
+          <a:prstGeom prst="straightConnector1">
+            <a:avLst/>
+          </a:prstGeom>
+          <a:ln>
+            <a:tailEnd type="triangle"/>
+          </a:ln>
+        </p:spPr>
+        <p:style>
+          <a:lnRef idx="1">
+            <a:schemeClr val="dk1"/>
+          </a:lnRef>
+          <a:fillRef idx="0">
+            <a:schemeClr val="dk1"/>
+          </a:fillRef>
+          <a:effectRef idx="0">
+            <a:schemeClr val="dk1"/>
+          </a:effectRef>
+          <a:fontRef idx="minor">
+            <a:schemeClr val="tx1"/>
+          </a:fontRef>
+        </p:style>
+      </p:cxnSp>
+      <p:cxnSp>
+        <p:nvCxnSpPr>
+          <p:cNvPr id="70" name="直線矢印コネクタ 69">
+            <a:extLst>
+              <a:ext uri="{FF2B5EF4-FFF2-40B4-BE49-F238E27FC236}">
+                <a16:creationId xmlns:a16="http://schemas.microsoft.com/office/drawing/2014/main" id="{0863EA81-6532-8DFC-9496-0AD6B974D012}"/>
+              </a:ext>
+            </a:extLst>
+          </p:cNvPr>
+          <p:cNvCxnSpPr>
+            <a:cxnSpLocks/>
+            <a:stCxn id="8" idx="6"/>
+            <a:endCxn id="22" idx="1"/>
+          </p:cNvCxnSpPr>
+          <p:nvPr/>
+        </p:nvCxnSpPr>
+        <p:spPr>
+          <a:xfrm>
+            <a:off x="2776305" y="2459922"/>
+            <a:ext cx="1985657" cy="1613608"/>
+          </a:xfrm>
+          <a:prstGeom prst="straightConnector1">
+            <a:avLst/>
+          </a:prstGeom>
+          <a:ln>
+            <a:tailEnd type="triangle"/>
+          </a:ln>
+        </p:spPr>
+        <p:style>
+          <a:lnRef idx="1">
+            <a:schemeClr val="dk1"/>
+          </a:lnRef>
+          <a:fillRef idx="0">
+            <a:schemeClr val="dk1"/>
+          </a:fillRef>
+          <a:effectRef idx="0">
+            <a:schemeClr val="dk1"/>
+          </a:effectRef>
+          <a:fontRef idx="minor">
+            <a:schemeClr val="tx1"/>
+          </a:fontRef>
+        </p:style>
+      </p:cxnSp>
+      <p:cxnSp>
+        <p:nvCxnSpPr>
+          <p:cNvPr id="74" name="直線矢印コネクタ 73">
+            <a:extLst>
+              <a:ext uri="{FF2B5EF4-FFF2-40B4-BE49-F238E27FC236}">
+                <a16:creationId xmlns:a16="http://schemas.microsoft.com/office/drawing/2014/main" id="{93C2219C-591D-EB3C-6157-C0F24EC82611}"/>
+              </a:ext>
+            </a:extLst>
+          </p:cNvPr>
+          <p:cNvCxnSpPr>
+            <a:cxnSpLocks/>
+            <a:stCxn id="7" idx="6"/>
+            <a:endCxn id="21" idx="2"/>
+          </p:cNvCxnSpPr>
+          <p:nvPr/>
+        </p:nvCxnSpPr>
+        <p:spPr>
+          <a:xfrm>
+            <a:off x="2776305" y="1641600"/>
+            <a:ext cx="1906576" cy="731711"/>
+          </a:xfrm>
+          <a:prstGeom prst="straightConnector1">
+            <a:avLst/>
+          </a:prstGeom>
+          <a:ln>
+            <a:tailEnd type="triangle"/>
+          </a:ln>
+        </p:spPr>
+        <p:style>
+          <a:lnRef idx="1">
+            <a:schemeClr val="dk1"/>
+          </a:lnRef>
+          <a:fillRef idx="0">
+            <a:schemeClr val="dk1"/>
+          </a:fillRef>
+          <a:effectRef idx="0">
+            <a:schemeClr val="dk1"/>
+          </a:effectRef>
+          <a:fontRef idx="minor">
+            <a:schemeClr val="tx1"/>
+          </a:fontRef>
+        </p:style>
+      </p:cxnSp>
+      <p:sp>
+        <p:nvSpPr>
+          <p:cNvPr id="83" name="フローチャート: 結合子 82">
+            <a:extLst>
+              <a:ext uri="{FF2B5EF4-FFF2-40B4-BE49-F238E27FC236}">
+                <a16:creationId xmlns:a16="http://schemas.microsoft.com/office/drawing/2014/main" id="{91052C0B-0831-3942-2C6A-3B2B753F62B8}"/>
+              </a:ext>
+            </a:extLst>
+          </p:cNvPr>
+          <p:cNvSpPr>
+            <a:spLocks/>
+          </p:cNvSpPr>
+          <p:nvPr/>
+        </p:nvSpPr>
+        <p:spPr>
+          <a:xfrm>
+            <a:off x="9386124" y="1371600"/>
+            <a:ext cx="540000" cy="540000"/>
+          </a:xfrm>
+          <a:prstGeom prst="flowChartConnector">
+            <a:avLst/>
+          </a:prstGeom>
+        </p:spPr>
+        <p:style>
+          <a:lnRef idx="2">
+            <a:schemeClr val="dk1"/>
+          </a:lnRef>
+          <a:fillRef idx="1">
+            <a:schemeClr val="lt1"/>
+          </a:fillRef>
+          <a:effectRef idx="0">
+            <a:schemeClr val="dk1"/>
+          </a:effectRef>
+          <a:fontRef idx="minor">
+            <a:schemeClr val="dk1"/>
+          </a:fontRef>
+        </p:style>
+        <p:txBody>
+          <a:bodyPr rtlCol="0" anchor="ctr"/>
+          <a:lstStyle/>
+          <a:p>
+            <a:pPr algn="ctr"/>
+            <a:endParaRPr kumimoji="1" lang="ja-JP" altLang="en-US"/>
+          </a:p>
+        </p:txBody>
+      </p:sp>
+      <p:sp>
+        <p:nvSpPr>
+          <p:cNvPr id="84" name="フローチャート: 結合子 83">
+            <a:extLst>
+              <a:ext uri="{FF2B5EF4-FFF2-40B4-BE49-F238E27FC236}">
+                <a16:creationId xmlns:a16="http://schemas.microsoft.com/office/drawing/2014/main" id="{9DB15CC3-9EA0-7A59-D1D4-D47CE89EC959}"/>
+              </a:ext>
+            </a:extLst>
+          </p:cNvPr>
+          <p:cNvSpPr>
+            <a:spLocks/>
+          </p:cNvSpPr>
+          <p:nvPr/>
+        </p:nvSpPr>
+        <p:spPr>
+          <a:xfrm>
+            <a:off x="9386124" y="2189922"/>
+            <a:ext cx="540000" cy="540000"/>
+          </a:xfrm>
+          <a:prstGeom prst="flowChartConnector">
+            <a:avLst/>
+          </a:prstGeom>
+        </p:spPr>
+        <p:style>
+          <a:lnRef idx="2">
+            <a:schemeClr val="dk1"/>
+          </a:lnRef>
+          <a:fillRef idx="1">
+            <a:schemeClr val="lt1"/>
+          </a:fillRef>
+          <a:effectRef idx="0">
+            <a:schemeClr val="dk1"/>
+          </a:effectRef>
+          <a:fontRef idx="minor">
+            <a:schemeClr val="dk1"/>
+          </a:fontRef>
+        </p:style>
+        <p:txBody>
+          <a:bodyPr rtlCol="0" anchor="ctr"/>
+          <a:lstStyle/>
+          <a:p>
+            <a:pPr algn="ctr"/>
+            <a:endParaRPr kumimoji="1" lang="ja-JP" altLang="en-US"/>
+          </a:p>
+        </p:txBody>
+      </p:sp>
+      <p:sp>
+        <p:nvSpPr>
+          <p:cNvPr id="85" name="フローチャート: 結合子 84">
+            <a:extLst>
+              <a:ext uri="{FF2B5EF4-FFF2-40B4-BE49-F238E27FC236}">
+                <a16:creationId xmlns:a16="http://schemas.microsoft.com/office/drawing/2014/main" id="{5ED2028A-EB16-4D50-83DB-D6B50F00D896}"/>
+              </a:ext>
+            </a:extLst>
+          </p:cNvPr>
+          <p:cNvSpPr>
+            <a:spLocks/>
+          </p:cNvSpPr>
+          <p:nvPr/>
+        </p:nvSpPr>
+        <p:spPr>
+          <a:xfrm>
+            <a:off x="9386124" y="3756966"/>
+            <a:ext cx="540000" cy="540000"/>
+          </a:xfrm>
+          <a:prstGeom prst="flowChartConnector">
+            <a:avLst/>
+          </a:prstGeom>
+        </p:spPr>
+        <p:style>
+          <a:lnRef idx="2">
+            <a:schemeClr val="dk1"/>
+          </a:lnRef>
+          <a:fillRef idx="1">
+            <a:schemeClr val="lt1"/>
+          </a:fillRef>
+          <a:effectRef idx="0">
+            <a:schemeClr val="dk1"/>
+          </a:effectRef>
+          <a:fontRef idx="minor">
+            <a:schemeClr val="dk1"/>
+          </a:fontRef>
+        </p:style>
+        <p:txBody>
+          <a:bodyPr rtlCol="0" anchor="ctr"/>
+          <a:lstStyle/>
+          <a:p>
+            <a:pPr algn="ctr"/>
+            <a:endParaRPr kumimoji="1" lang="ja-JP" altLang="en-US"/>
+          </a:p>
+        </p:txBody>
+      </p:sp>
+      <p:sp>
+        <p:nvSpPr>
+          <p:cNvPr id="86" name="フローチャート: 結合子 85">
+            <a:extLst>
+              <a:ext uri="{FF2B5EF4-FFF2-40B4-BE49-F238E27FC236}">
+                <a16:creationId xmlns:a16="http://schemas.microsoft.com/office/drawing/2014/main" id="{87652A79-20A8-454B-02B5-11D49757594F}"/>
+              </a:ext>
+            </a:extLst>
+          </p:cNvPr>
+          <p:cNvSpPr/>
+          <p:nvPr/>
+        </p:nvSpPr>
+        <p:spPr>
+          <a:xfrm>
+            <a:off x="9592281" y="2956239"/>
+            <a:ext cx="72000" cy="72000"/>
+          </a:xfrm>
+          <a:prstGeom prst="flowChartConnector">
+            <a:avLst/>
+          </a:prstGeom>
+        </p:spPr>
+        <p:style>
+          <a:lnRef idx="2">
+            <a:schemeClr val="dk1">
+              <a:shade val="50000"/>
+            </a:schemeClr>
+          </a:lnRef>
+          <a:fillRef idx="1">
+            <a:schemeClr val="dk1"/>
+          </a:fillRef>
+          <a:effectRef idx="0">
+            <a:schemeClr val="dk1"/>
+          </a:effectRef>
+          <a:fontRef idx="minor">
+            <a:schemeClr val="lt1"/>
+          </a:fontRef>
+        </p:style>
+        <p:txBody>
+          <a:bodyPr rtlCol="0" anchor="ctr"/>
+          <a:lstStyle/>
+          <a:p>
+            <a:pPr algn="ctr"/>
+            <a:endParaRPr kumimoji="1" lang="ja-JP" altLang="en-US"/>
+          </a:p>
+        </p:txBody>
+      </p:sp>
+      <p:sp>
+        <p:nvSpPr>
+          <p:cNvPr id="87" name="フローチャート: 結合子 86">
+            <a:extLst>
+              <a:ext uri="{FF2B5EF4-FFF2-40B4-BE49-F238E27FC236}">
+                <a16:creationId xmlns:a16="http://schemas.microsoft.com/office/drawing/2014/main" id="{C90FCC0F-3D74-891D-C3CB-495B4E83475E}"/>
+              </a:ext>
+            </a:extLst>
+          </p:cNvPr>
+          <p:cNvSpPr/>
+          <p:nvPr/>
+        </p:nvSpPr>
+        <p:spPr>
+          <a:xfrm>
+            <a:off x="9591844" y="3189444"/>
+            <a:ext cx="72000" cy="72000"/>
+          </a:xfrm>
+          <a:prstGeom prst="flowChartConnector">
+            <a:avLst/>
+          </a:prstGeom>
+        </p:spPr>
+        <p:style>
+          <a:lnRef idx="2">
+            <a:schemeClr val="dk1">
+              <a:shade val="50000"/>
+            </a:schemeClr>
+          </a:lnRef>
+          <a:fillRef idx="1">
+            <a:schemeClr val="dk1"/>
+          </a:fillRef>
+          <a:effectRef idx="0">
+            <a:schemeClr val="dk1"/>
+          </a:effectRef>
+          <a:fontRef idx="minor">
+            <a:schemeClr val="lt1"/>
+          </a:fontRef>
+        </p:style>
+        <p:txBody>
+          <a:bodyPr rtlCol="0" anchor="ctr"/>
+          <a:lstStyle/>
+          <a:p>
+            <a:pPr algn="ctr"/>
+            <a:endParaRPr kumimoji="1" lang="ja-JP" altLang="en-US"/>
+          </a:p>
+        </p:txBody>
+      </p:sp>
+      <p:sp>
+        <p:nvSpPr>
+          <p:cNvPr id="88" name="フローチャート: 結合子 87">
+            <a:extLst>
+              <a:ext uri="{FF2B5EF4-FFF2-40B4-BE49-F238E27FC236}">
+                <a16:creationId xmlns:a16="http://schemas.microsoft.com/office/drawing/2014/main" id="{ABA5F02D-99B4-AE3D-0EE5-94FB0197D79B}"/>
+              </a:ext>
+            </a:extLst>
+          </p:cNvPr>
+          <p:cNvSpPr/>
+          <p:nvPr/>
+        </p:nvSpPr>
+        <p:spPr>
+          <a:xfrm>
+            <a:off x="9595244" y="3422649"/>
+            <a:ext cx="72000" cy="72000"/>
+          </a:xfrm>
+          <a:prstGeom prst="flowChartConnector">
+            <a:avLst/>
+          </a:prstGeom>
+        </p:spPr>
+        <p:style>
+          <a:lnRef idx="2">
+            <a:schemeClr val="dk1">
+              <a:shade val="50000"/>
+            </a:schemeClr>
+          </a:lnRef>
+          <a:fillRef idx="1">
+            <a:schemeClr val="dk1"/>
+          </a:fillRef>
+          <a:effectRef idx="0">
+            <a:schemeClr val="dk1"/>
+          </a:effectRef>
+          <a:fontRef idx="minor">
+            <a:schemeClr val="lt1"/>
+          </a:fontRef>
+        </p:style>
+        <p:txBody>
+          <a:bodyPr rtlCol="0" anchor="ctr"/>
+          <a:lstStyle/>
+          <a:p>
+            <a:pPr algn="ctr"/>
+            <a:endParaRPr kumimoji="1" lang="ja-JP" altLang="en-US"/>
+          </a:p>
+        </p:txBody>
+      </p:sp>
+      <p:sp>
+        <p:nvSpPr>
+          <p:cNvPr id="89" name="フレーム 88">
+            <a:extLst>
+              <a:ext uri="{FF2B5EF4-FFF2-40B4-BE49-F238E27FC236}">
+                <a16:creationId xmlns:a16="http://schemas.microsoft.com/office/drawing/2014/main" id="{190A9EDB-54C2-67C2-6F26-5639FE1ABEE9}"/>
+              </a:ext>
+            </a:extLst>
+          </p:cNvPr>
+          <p:cNvSpPr/>
+          <p:nvPr/>
+        </p:nvSpPr>
+        <p:spPr>
+          <a:xfrm>
+            <a:off x="8883369" y="895350"/>
+            <a:ext cx="1504950" cy="4133850"/>
+          </a:xfrm>
+          <a:prstGeom prst="frame">
+            <a:avLst>
+              <a:gd name="adj1" fmla="val 0"/>
+            </a:avLst>
+          </a:prstGeom>
+          <a:ln w="3175"/>
+        </p:spPr>
+        <p:style>
+          <a:lnRef idx="2">
+            <a:schemeClr val="dk1">
+              <a:shade val="50000"/>
+            </a:schemeClr>
+          </a:lnRef>
+          <a:fillRef idx="1">
+            <a:schemeClr val="dk1"/>
+          </a:fillRef>
+          <a:effectRef idx="0">
+            <a:schemeClr val="dk1"/>
+          </a:effectRef>
+          <a:fontRef idx="minor">
+            <a:schemeClr val="lt1"/>
+          </a:fontRef>
+        </p:style>
+        <p:txBody>
+          <a:bodyPr rtlCol="0" anchor="ctr"/>
+          <a:lstStyle/>
+          <a:p>
+            <a:pPr algn="ctr"/>
+            <a:endParaRPr kumimoji="1" lang="ja-JP" altLang="en-US">
+              <a:solidFill>
+                <a:schemeClr val="tx1"/>
+              </a:solidFill>
+            </a:endParaRPr>
+          </a:p>
+        </p:txBody>
+      </p:sp>
+      <p:sp>
+        <p:nvSpPr>
+          <p:cNvPr id="90" name="フローチャート: 結合子 89">
+            <a:extLst>
+              <a:ext uri="{FF2B5EF4-FFF2-40B4-BE49-F238E27FC236}">
+                <a16:creationId xmlns:a16="http://schemas.microsoft.com/office/drawing/2014/main" id="{F94F2BA9-3667-498A-1EBC-E09158965CFD}"/>
+              </a:ext>
+            </a:extLst>
+          </p:cNvPr>
+          <p:cNvSpPr>
+            <a:spLocks/>
+          </p:cNvSpPr>
+          <p:nvPr/>
+        </p:nvSpPr>
+        <p:spPr>
+          <a:xfrm>
+            <a:off x="6565220" y="2834228"/>
+            <a:ext cx="540000" cy="540000"/>
+          </a:xfrm>
+          <a:prstGeom prst="flowChartConnector">
+            <a:avLst/>
+          </a:prstGeom>
+        </p:spPr>
+        <p:style>
+          <a:lnRef idx="2">
+            <a:schemeClr val="dk1"/>
+          </a:lnRef>
+          <a:fillRef idx="1">
+            <a:schemeClr val="lt1"/>
+          </a:fillRef>
+          <a:effectRef idx="0">
+            <a:schemeClr val="dk1"/>
+          </a:effectRef>
+          <a:fontRef idx="minor">
+            <a:schemeClr val="dk1"/>
+          </a:fontRef>
+        </p:style>
+        <p:txBody>
+          <a:bodyPr rtlCol="0" anchor="ctr"/>
+          <a:lstStyle/>
+          <a:p>
+            <a:pPr algn="ctr"/>
+            <a:endParaRPr kumimoji="1" lang="ja-JP" altLang="en-US"/>
+          </a:p>
+        </p:txBody>
+      </p:sp>
+      <p:cxnSp>
+        <p:nvCxnSpPr>
+          <p:cNvPr id="94" name="直線矢印コネクタ 93">
+            <a:extLst>
+              <a:ext uri="{FF2B5EF4-FFF2-40B4-BE49-F238E27FC236}">
+                <a16:creationId xmlns:a16="http://schemas.microsoft.com/office/drawing/2014/main" id="{D018A931-426E-8AD6-FABA-70ABA785AAE5}"/>
+              </a:ext>
+            </a:extLst>
+          </p:cNvPr>
+          <p:cNvCxnSpPr>
+            <a:cxnSpLocks/>
+            <a:stCxn id="18" idx="7"/>
+            <a:endCxn id="83" idx="1"/>
+          </p:cNvCxnSpPr>
+          <p:nvPr/>
+        </p:nvCxnSpPr>
+        <p:spPr>
+          <a:xfrm flipV="1">
+            <a:off x="7026139" y="1450681"/>
+            <a:ext cx="2439066" cy="487126"/>
+          </a:xfrm>
+          <a:prstGeom prst="straightConnector1">
+            <a:avLst/>
+          </a:prstGeom>
+          <a:ln>
+            <a:tailEnd type="triangle"/>
+          </a:ln>
+        </p:spPr>
+        <p:style>
+          <a:lnRef idx="1">
+            <a:schemeClr val="dk1"/>
+          </a:lnRef>
+          <a:fillRef idx="0">
+            <a:schemeClr val="dk1"/>
+          </a:fillRef>
+          <a:effectRef idx="0">
+            <a:schemeClr val="dk1"/>
+          </a:effectRef>
+          <a:fontRef idx="minor">
+            <a:schemeClr val="tx1"/>
+          </a:fontRef>
+        </p:style>
+      </p:cxnSp>
+      <p:cxnSp>
+        <p:nvCxnSpPr>
+          <p:cNvPr id="96" name="直線矢印コネクタ 95">
+            <a:extLst>
+              <a:ext uri="{FF2B5EF4-FFF2-40B4-BE49-F238E27FC236}">
+                <a16:creationId xmlns:a16="http://schemas.microsoft.com/office/drawing/2014/main" id="{39698C9B-E775-2E69-FAB7-1A42998E6577}"/>
+              </a:ext>
+            </a:extLst>
+          </p:cNvPr>
+          <p:cNvCxnSpPr>
+            <a:cxnSpLocks/>
+            <a:stCxn id="18" idx="6"/>
+            <a:endCxn id="84" idx="1"/>
+          </p:cNvCxnSpPr>
+          <p:nvPr/>
+        </p:nvCxnSpPr>
+        <p:spPr>
+          <a:xfrm>
+            <a:off x="7105220" y="2128726"/>
+            <a:ext cx="2359985" cy="140277"/>
+          </a:xfrm>
+          <a:prstGeom prst="straightConnector1">
+            <a:avLst/>
+          </a:prstGeom>
+          <a:ln>
+            <a:tailEnd type="triangle"/>
+          </a:ln>
+        </p:spPr>
+        <p:style>
+          <a:lnRef idx="1">
+            <a:schemeClr val="dk1"/>
+          </a:lnRef>
+          <a:fillRef idx="0">
+            <a:schemeClr val="dk1"/>
+          </a:fillRef>
+          <a:effectRef idx="0">
+            <a:schemeClr val="dk1"/>
+          </a:effectRef>
+          <a:fontRef idx="minor">
+            <a:schemeClr val="tx1"/>
+          </a:fontRef>
+        </p:style>
+      </p:cxnSp>
+      <p:cxnSp>
+        <p:nvCxnSpPr>
+          <p:cNvPr id="97" name="直線矢印コネクタ 96">
+            <a:extLst>
+              <a:ext uri="{FF2B5EF4-FFF2-40B4-BE49-F238E27FC236}">
+                <a16:creationId xmlns:a16="http://schemas.microsoft.com/office/drawing/2014/main" id="{E4E02013-2953-8041-F2ED-923A8FB6BCB4}"/>
+              </a:ext>
+            </a:extLst>
+          </p:cNvPr>
+          <p:cNvCxnSpPr>
+            <a:cxnSpLocks/>
+            <a:stCxn id="18" idx="5"/>
+            <a:endCxn id="85" idx="1"/>
+          </p:cNvCxnSpPr>
+          <p:nvPr/>
+        </p:nvCxnSpPr>
+        <p:spPr>
+          <a:xfrm>
+            <a:off x="7026139" y="2319645"/>
+            <a:ext cx="2439066" cy="1516402"/>
+          </a:xfrm>
+          <a:prstGeom prst="straightConnector1">
+            <a:avLst/>
+          </a:prstGeom>
+          <a:ln>
+            <a:tailEnd type="triangle"/>
+          </a:ln>
+        </p:spPr>
+        <p:style>
+          <a:lnRef idx="1">
+            <a:schemeClr val="dk1"/>
+          </a:lnRef>
+          <a:fillRef idx="0">
+            <a:schemeClr val="dk1"/>
+          </a:fillRef>
+          <a:effectRef idx="0">
+            <a:schemeClr val="dk1"/>
+          </a:effectRef>
+          <a:fontRef idx="minor">
+            <a:schemeClr val="tx1"/>
+          </a:fontRef>
+        </p:style>
+      </p:cxnSp>
+      <p:cxnSp>
+        <p:nvCxnSpPr>
+          <p:cNvPr id="100" name="直線矢印コネクタ 99">
+            <a:extLst>
+              <a:ext uri="{FF2B5EF4-FFF2-40B4-BE49-F238E27FC236}">
+                <a16:creationId xmlns:a16="http://schemas.microsoft.com/office/drawing/2014/main" id="{5B4E099D-0B0C-6FB9-ACD0-F17F53F992EA}"/>
+              </a:ext>
+            </a:extLst>
+          </p:cNvPr>
+          <p:cNvCxnSpPr>
+            <a:cxnSpLocks/>
+            <a:stCxn id="90" idx="7"/>
+            <a:endCxn id="83" idx="2"/>
+          </p:cNvCxnSpPr>
+          <p:nvPr/>
+        </p:nvCxnSpPr>
+        <p:spPr>
+          <a:xfrm flipV="1">
+            <a:off x="7026139" y="1641600"/>
+            <a:ext cx="2359985" cy="1271709"/>
+          </a:xfrm>
+          <a:prstGeom prst="straightConnector1">
+            <a:avLst/>
+          </a:prstGeom>
+          <a:ln>
+            <a:tailEnd type="triangle"/>
+          </a:ln>
+        </p:spPr>
+        <p:style>
+          <a:lnRef idx="1">
+            <a:schemeClr val="dk1"/>
+          </a:lnRef>
+          <a:fillRef idx="0">
+            <a:schemeClr val="dk1"/>
+          </a:fillRef>
+          <a:effectRef idx="0">
+            <a:schemeClr val="dk1"/>
+          </a:effectRef>
+          <a:fontRef idx="minor">
+            <a:schemeClr val="tx1"/>
+          </a:fontRef>
+        </p:style>
+      </p:cxnSp>
+      <p:cxnSp>
+        <p:nvCxnSpPr>
+          <p:cNvPr id="104" name="直線矢印コネクタ 103">
+            <a:extLst>
+              <a:ext uri="{FF2B5EF4-FFF2-40B4-BE49-F238E27FC236}">
+                <a16:creationId xmlns:a16="http://schemas.microsoft.com/office/drawing/2014/main" id="{4CD845A2-EE29-9F52-4C45-78BB1AAAA783}"/>
+              </a:ext>
+            </a:extLst>
+          </p:cNvPr>
+          <p:cNvCxnSpPr>
+            <a:cxnSpLocks/>
+            <a:stCxn id="90" idx="6"/>
+            <a:endCxn id="84" idx="2"/>
+          </p:cNvCxnSpPr>
+          <p:nvPr/>
+        </p:nvCxnSpPr>
+        <p:spPr>
+          <a:xfrm flipV="1">
+            <a:off x="7105220" y="2459922"/>
+            <a:ext cx="2280904" cy="644306"/>
+          </a:xfrm>
+          <a:prstGeom prst="straightConnector1">
+            <a:avLst/>
+          </a:prstGeom>
+          <a:ln>
+            <a:tailEnd type="triangle"/>
+          </a:ln>
+        </p:spPr>
+        <p:style>
+          <a:lnRef idx="1">
+            <a:schemeClr val="dk1"/>
+          </a:lnRef>
+          <a:fillRef idx="0">
+            <a:schemeClr val="dk1"/>
+          </a:fillRef>
+          <a:effectRef idx="0">
+            <a:schemeClr val="dk1"/>
+          </a:effectRef>
+          <a:fontRef idx="minor">
+            <a:schemeClr val="tx1"/>
+          </a:fontRef>
+        </p:style>
+      </p:cxnSp>
+      <p:cxnSp>
+        <p:nvCxnSpPr>
+          <p:cNvPr id="109" name="直線矢印コネクタ 108">
+            <a:extLst>
+              <a:ext uri="{FF2B5EF4-FFF2-40B4-BE49-F238E27FC236}">
+                <a16:creationId xmlns:a16="http://schemas.microsoft.com/office/drawing/2014/main" id="{C58C8BA9-E93E-56DB-C1C1-2EA270E091BE}"/>
+              </a:ext>
+            </a:extLst>
+          </p:cNvPr>
+          <p:cNvCxnSpPr>
+            <a:stCxn id="90" idx="5"/>
+            <a:endCxn id="85" idx="2"/>
+          </p:cNvCxnSpPr>
+          <p:nvPr/>
+        </p:nvCxnSpPr>
+        <p:spPr>
+          <a:xfrm>
+            <a:off x="7026139" y="3295147"/>
+            <a:ext cx="2359985" cy="731819"/>
+          </a:xfrm>
+          <a:prstGeom prst="straightConnector1">
+            <a:avLst/>
+          </a:prstGeom>
+          <a:ln>
+            <a:tailEnd type="triangle"/>
+          </a:ln>
+        </p:spPr>
+        <p:style>
+          <a:lnRef idx="1">
+            <a:schemeClr val="dk1"/>
+          </a:lnRef>
+          <a:fillRef idx="0">
+            <a:schemeClr val="dk1"/>
+          </a:fillRef>
+          <a:effectRef idx="0">
+            <a:schemeClr val="dk1"/>
+          </a:effectRef>
+          <a:fontRef idx="minor">
+            <a:schemeClr val="tx1"/>
+          </a:fontRef>
+        </p:style>
+      </p:cxnSp>
+      <p:cxnSp>
+        <p:nvCxnSpPr>
+          <p:cNvPr id="111" name="直線矢印コネクタ 110">
+            <a:extLst>
+              <a:ext uri="{FF2B5EF4-FFF2-40B4-BE49-F238E27FC236}">
+                <a16:creationId xmlns:a16="http://schemas.microsoft.com/office/drawing/2014/main" id="{6E79E60D-0AB2-616B-BD63-98343ECC68C5}"/>
+              </a:ext>
+            </a:extLst>
+          </p:cNvPr>
+          <p:cNvCxnSpPr>
+            <a:stCxn id="20" idx="7"/>
+            <a:endCxn id="83" idx="3"/>
+          </p:cNvCxnSpPr>
+          <p:nvPr/>
+        </p:nvCxnSpPr>
+        <p:spPr>
+          <a:xfrm flipV="1">
+            <a:off x="7026139" y="1832519"/>
+            <a:ext cx="2439066" cy="2083123"/>
+          </a:xfrm>
+          <a:prstGeom prst="straightConnector1">
+            <a:avLst/>
+          </a:prstGeom>
+          <a:ln>
+            <a:tailEnd type="triangle"/>
+          </a:ln>
+        </p:spPr>
+        <p:style>
+          <a:lnRef idx="1">
+            <a:schemeClr val="dk1"/>
+          </a:lnRef>
+          <a:fillRef idx="0">
+            <a:schemeClr val="dk1"/>
+          </a:fillRef>
+          <a:effectRef idx="0">
+            <a:schemeClr val="dk1"/>
+          </a:effectRef>
+          <a:fontRef idx="minor">
+            <a:schemeClr val="tx1"/>
+          </a:fontRef>
+        </p:style>
+      </p:cxnSp>
+      <p:cxnSp>
+        <p:nvCxnSpPr>
+          <p:cNvPr id="116" name="直線矢印コネクタ 115">
+            <a:extLst>
+              <a:ext uri="{FF2B5EF4-FFF2-40B4-BE49-F238E27FC236}">
+                <a16:creationId xmlns:a16="http://schemas.microsoft.com/office/drawing/2014/main" id="{2424138B-491B-A265-7A99-E75C682AE9F5}"/>
+              </a:ext>
+            </a:extLst>
+          </p:cNvPr>
+          <p:cNvCxnSpPr>
+            <a:stCxn id="20" idx="6"/>
+            <a:endCxn id="84" idx="3"/>
+          </p:cNvCxnSpPr>
+          <p:nvPr/>
+        </p:nvCxnSpPr>
+        <p:spPr>
+          <a:xfrm flipV="1">
+            <a:off x="7105220" y="2650841"/>
+            <a:ext cx="2359985" cy="1455720"/>
+          </a:xfrm>
+          <a:prstGeom prst="straightConnector1">
+            <a:avLst/>
+          </a:prstGeom>
+          <a:ln>
+            <a:tailEnd type="triangle"/>
+          </a:ln>
+        </p:spPr>
+        <p:style>
+          <a:lnRef idx="1">
+            <a:schemeClr val="dk1"/>
+          </a:lnRef>
+          <a:fillRef idx="0">
+            <a:schemeClr val="dk1"/>
+          </a:fillRef>
+          <a:effectRef idx="0">
+            <a:schemeClr val="dk1"/>
+          </a:effectRef>
+          <a:fontRef idx="minor">
+            <a:schemeClr val="tx1"/>
+          </a:fontRef>
+        </p:style>
+      </p:cxnSp>
+      <p:cxnSp>
+        <p:nvCxnSpPr>
+          <p:cNvPr id="118" name="直線矢印コネクタ 117">
+            <a:extLst>
+              <a:ext uri="{FF2B5EF4-FFF2-40B4-BE49-F238E27FC236}">
+                <a16:creationId xmlns:a16="http://schemas.microsoft.com/office/drawing/2014/main" id="{340FDB75-866A-5C50-70E1-3CD60FE0F513}"/>
+              </a:ext>
+            </a:extLst>
+          </p:cNvPr>
+          <p:cNvCxnSpPr>
+            <a:stCxn id="20" idx="5"/>
+            <a:endCxn id="85" idx="3"/>
+          </p:cNvCxnSpPr>
+          <p:nvPr/>
+        </p:nvCxnSpPr>
+        <p:spPr>
+          <a:xfrm flipV="1">
+            <a:off x="7026139" y="4217885"/>
+            <a:ext cx="2439066" cy="79595"/>
+          </a:xfrm>
+          <a:prstGeom prst="straightConnector1">
+            <a:avLst/>
+          </a:prstGeom>
+          <a:ln>
+            <a:tailEnd type="triangle"/>
+          </a:ln>
+        </p:spPr>
+        <p:style>
+          <a:lnRef idx="1">
+            <a:schemeClr val="dk1"/>
+          </a:lnRef>
+          <a:fillRef idx="0">
+            <a:schemeClr val="dk1"/>
+          </a:fillRef>
+          <a:effectRef idx="0">
+            <a:schemeClr val="dk1"/>
+          </a:effectRef>
+          <a:fontRef idx="minor">
+            <a:schemeClr val="tx1"/>
+          </a:fontRef>
+        </p:style>
+      </p:cxnSp>
+      <p:sp>
+        <p:nvSpPr>
+          <p:cNvPr id="120" name="テキスト ボックス 119">
+            <a:extLst>
+              <a:ext uri="{FF2B5EF4-FFF2-40B4-BE49-F238E27FC236}">
+                <a16:creationId xmlns:a16="http://schemas.microsoft.com/office/drawing/2014/main" id="{C36D9E7E-C3BF-6519-D0D5-4149FB578D56}"/>
+              </a:ext>
+            </a:extLst>
+          </p:cNvPr>
+          <p:cNvSpPr txBox="1"/>
+          <p:nvPr/>
+        </p:nvSpPr>
+        <p:spPr>
+          <a:xfrm>
+            <a:off x="1819261" y="338178"/>
+            <a:ext cx="1245528" cy="461665"/>
+          </a:xfrm>
+          <a:prstGeom prst="rect">
+            <a:avLst/>
+          </a:prstGeom>
+          <a:noFill/>
+        </p:spPr>
+        <p:txBody>
+          <a:bodyPr wrap="square" rtlCol="0">
+            <a:spAutoFit/>
+          </a:bodyPr>
+          <a:lstStyle/>
+          <a:p>
+            <a:r>
+              <a:rPr kumimoji="1" lang="ja-JP" altLang="en-US" sz="2400"/>
+              <a:t> 入力層</a:t>
+            </a:r>
+          </a:p>
+        </p:txBody>
+      </p:sp>
+      <p:sp>
+        <p:nvSpPr>
+          <p:cNvPr id="121" name="テキスト ボックス 120">
+            <a:extLst>
+              <a:ext uri="{FF2B5EF4-FFF2-40B4-BE49-F238E27FC236}">
+                <a16:creationId xmlns:a16="http://schemas.microsoft.com/office/drawing/2014/main" id="{DD68D13A-A57D-6818-61A4-C4B2CE0964D5}"/>
+              </a:ext>
+            </a:extLst>
+          </p:cNvPr>
+          <p:cNvSpPr txBox="1"/>
+          <p:nvPr/>
+        </p:nvSpPr>
+        <p:spPr>
+          <a:xfrm>
+            <a:off x="5376702" y="336745"/>
+            <a:ext cx="1245528" cy="461665"/>
+          </a:xfrm>
+          <a:prstGeom prst="rect">
+            <a:avLst/>
+          </a:prstGeom>
+          <a:noFill/>
+        </p:spPr>
+        <p:txBody>
+          <a:bodyPr wrap="square" rtlCol="0">
+            <a:spAutoFit/>
+          </a:bodyPr>
+          <a:lstStyle/>
+          <a:p>
+            <a:r>
+              <a:rPr kumimoji="1" lang="ja-JP" altLang="en-US" sz="2400"/>
+              <a:t> 中間層</a:t>
+            </a:r>
+          </a:p>
+        </p:txBody>
+      </p:sp>
+      <p:sp>
+        <p:nvSpPr>
+          <p:cNvPr id="122" name="テキスト ボックス 121">
+            <a:extLst>
+              <a:ext uri="{FF2B5EF4-FFF2-40B4-BE49-F238E27FC236}">
+                <a16:creationId xmlns:a16="http://schemas.microsoft.com/office/drawing/2014/main" id="{3DF63B03-6D33-372A-F7CE-682A549AA862}"/>
+              </a:ext>
+            </a:extLst>
+          </p:cNvPr>
+          <p:cNvSpPr txBox="1"/>
+          <p:nvPr/>
+        </p:nvSpPr>
+        <p:spPr>
+          <a:xfrm>
+            <a:off x="8969080" y="336745"/>
+            <a:ext cx="1245528" cy="461665"/>
+          </a:xfrm>
+          <a:prstGeom prst="rect">
+            <a:avLst/>
+          </a:prstGeom>
+          <a:noFill/>
+        </p:spPr>
+        <p:txBody>
+          <a:bodyPr wrap="square" rtlCol="0">
+            <a:spAutoFit/>
+          </a:bodyPr>
+          <a:lstStyle/>
+          <a:p>
+            <a:r>
+              <a:rPr kumimoji="1" lang="ja-JP" altLang="en-US" sz="2400"/>
+              <a:t> 出力層</a:t>
+            </a:r>
+          </a:p>
+        </p:txBody>
+      </p:sp>
+      <mc:AlternateContent xmlns:mc="http://schemas.openxmlformats.org/markup-compatibility/2006">
+        <mc:Choice xmlns:a14="http://schemas.microsoft.com/office/drawing/2010/main" Requires="a14">
+          <p:sp>
+            <p:nvSpPr>
+              <p:cNvPr id="130" name="テキスト ボックス 129">
+                <a:extLst>
+                  <a:ext uri="{FF2B5EF4-FFF2-40B4-BE49-F238E27FC236}">
+                    <a16:creationId xmlns:a16="http://schemas.microsoft.com/office/drawing/2014/main" id="{E5A0963E-BEE5-18CB-17D0-8B4D1AEB11DF}"/>
+                  </a:ext>
+                </a:extLst>
+              </p:cNvPr>
+              <p:cNvSpPr txBox="1"/>
+              <p:nvPr/>
+            </p:nvSpPr>
+            <p:spPr>
+              <a:xfrm>
+                <a:off x="5584631" y="1016555"/>
+                <a:ext cx="642740" cy="523220"/>
+              </a:xfrm>
+              <a:prstGeom prst="rect">
+                <a:avLst/>
+              </a:prstGeom>
+              <a:noFill/>
+            </p:spPr>
+            <p:txBody>
+              <a:bodyPr wrap="none" rtlCol="0">
+                <a:spAutoFit/>
+              </a:bodyPr>
+              <a:lstStyle/>
+              <a:p>
+                <a14:m>
+                  <m:oMathPara xmlns:m="http://schemas.openxmlformats.org/officeDocument/2006/math">
+                    <m:oMathParaPr>
+                      <m:jc m:val="centerGroup"/>
+                    </m:oMathParaPr>
+                    <m:oMath xmlns:m="http://schemas.openxmlformats.org/officeDocument/2006/math">
+                      <m:r>
+                        <a:rPr kumimoji="1" lang="en-US" altLang="ja-JP" sz="2800" b="0" i="1" smtClean="0">
+                          <a:latin typeface="Cambria Math" panose="02040503050406030204" pitchFamily="18" charset="0"/>
+                        </a:rPr>
+                        <m:t>𝑊</m:t>
+                      </m:r>
+                    </m:oMath>
+                  </m:oMathPara>
+                </a14:m>
+                <a:endParaRPr kumimoji="1" lang="ja-JP" altLang="en-US" sz="2800"/>
+              </a:p>
+            </p:txBody>
+          </p:sp>
+        </mc:Choice>
+        <mc:Fallback>
+          <p:sp>
+            <p:nvSpPr>
+              <p:cNvPr id="130" name="テキスト ボックス 129">
+                <a:extLst>
+                  <a:ext uri="{FF2B5EF4-FFF2-40B4-BE49-F238E27FC236}">
+                    <a16:creationId xmlns:a16="http://schemas.microsoft.com/office/drawing/2014/main" id="{E5A0963E-BEE5-18CB-17D0-8B4D1AEB11DF}"/>
+                  </a:ext>
+                </a:extLst>
+              </p:cNvPr>
+              <p:cNvSpPr txBox="1">
+                <a:spLocks noRot="1" noChangeAspect="1" noMove="1" noResize="1" noEditPoints="1" noAdjustHandles="1" noChangeArrowheads="1" noChangeShapeType="1" noTextEdit="1"/>
+              </p:cNvSpPr>
+              <p:nvPr/>
+            </p:nvSpPr>
+            <p:spPr>
+              <a:xfrm>
+                <a:off x="5584631" y="1016555"/>
+                <a:ext cx="642740" cy="523220"/>
+              </a:xfrm>
+              <a:prstGeom prst="rect">
+                <a:avLst/>
+              </a:prstGeom>
+              <a:blipFill>
+                <a:blip r:embed="rId2"/>
+                <a:stretch>
+                  <a:fillRect/>
+                </a:stretch>
+              </a:blipFill>
+            </p:spPr>
+            <p:txBody>
+              <a:bodyPr/>
+              <a:lstStyle/>
+              <a:p>
+                <a:r>
+                  <a:rPr lang="ja-JP" altLang="en-US">
+                    <a:noFill/>
+                  </a:rPr>
+                  <a:t> </a:t>
+                </a:r>
+              </a:p>
+            </p:txBody>
+          </p:sp>
+        </mc:Fallback>
+      </mc:AlternateContent>
+      <mc:AlternateContent xmlns:mc="http://schemas.openxmlformats.org/markup-compatibility/2006">
+        <mc:Choice xmlns:a14="http://schemas.microsoft.com/office/drawing/2010/main" Requires="a14">
+          <p:sp>
+            <p:nvSpPr>
+              <p:cNvPr id="132" name="テキスト ボックス 131">
+                <a:extLst>
+                  <a:ext uri="{FF2B5EF4-FFF2-40B4-BE49-F238E27FC236}">
+                    <a16:creationId xmlns:a16="http://schemas.microsoft.com/office/drawing/2014/main" id="{1C5464FD-52A8-08BC-AB82-31533F9B56A6}"/>
+                  </a:ext>
+                </a:extLst>
+              </p:cNvPr>
+              <p:cNvSpPr txBox="1"/>
+              <p:nvPr/>
+            </p:nvSpPr>
+            <p:spPr>
+              <a:xfrm>
+                <a:off x="2203972" y="5176363"/>
+                <a:ext cx="532902" cy="523220"/>
+              </a:xfrm>
+              <a:prstGeom prst="rect">
+                <a:avLst/>
+              </a:prstGeom>
+              <a:noFill/>
+            </p:spPr>
+            <p:txBody>
+              <a:bodyPr wrap="square" rtlCol="0">
+                <a:spAutoFit/>
+              </a:bodyPr>
+              <a:lstStyle/>
+              <a:p>
+                <a14:m>
+                  <m:oMathPara xmlns:m="http://schemas.openxmlformats.org/officeDocument/2006/math">
+                    <m:oMathParaPr>
+                      <m:jc m:val="centerGroup"/>
+                    </m:oMathParaPr>
+                    <m:oMath xmlns:m="http://schemas.openxmlformats.org/officeDocument/2006/math">
+                      <m:sSub>
+                        <m:sSubPr>
+                          <m:ctrlPr>
+                            <a:rPr kumimoji="1" lang="en-US" altLang="ja-JP" sz="2800" b="0" i="1" smtClean="0">
+                              <a:latin typeface="Cambria Math" panose="02040503050406030204" pitchFamily="18" charset="0"/>
+                            </a:rPr>
+                          </m:ctrlPr>
+                        </m:sSubPr>
+                        <m:e>
+                          <m:r>
+                            <a:rPr kumimoji="1" lang="en-US" altLang="ja-JP" sz="2800" b="0" i="1" smtClean="0">
+                              <a:latin typeface="Cambria Math" panose="02040503050406030204" pitchFamily="18" charset="0"/>
+                            </a:rPr>
+                            <m:t>𝑥</m:t>
+                          </m:r>
+                        </m:e>
+                        <m:sub>
+                          <m:r>
+                            <a:rPr kumimoji="1" lang="en-US" altLang="ja-JP" sz="2800" b="0" i="1" smtClean="0">
+                              <a:latin typeface="Cambria Math" panose="02040503050406030204" pitchFamily="18" charset="0"/>
+                            </a:rPr>
+                            <m:t>𝑖𝑛</m:t>
+                          </m:r>
+                        </m:sub>
+                      </m:sSub>
+                    </m:oMath>
+                  </m:oMathPara>
+                </a14:m>
+                <a:endParaRPr kumimoji="1" lang="ja-JP" altLang="en-US" sz="2800"/>
+              </a:p>
+            </p:txBody>
+          </p:sp>
+        </mc:Choice>
+        <mc:Fallback>
+          <p:sp>
+            <p:nvSpPr>
+              <p:cNvPr id="132" name="テキスト ボックス 131">
+                <a:extLst>
+                  <a:ext uri="{FF2B5EF4-FFF2-40B4-BE49-F238E27FC236}">
+                    <a16:creationId xmlns:a16="http://schemas.microsoft.com/office/drawing/2014/main" id="{1C5464FD-52A8-08BC-AB82-31533F9B56A6}"/>
+                  </a:ext>
+                </a:extLst>
+              </p:cNvPr>
+              <p:cNvSpPr txBox="1">
+                <a:spLocks noRot="1" noChangeAspect="1" noMove="1" noResize="1" noEditPoints="1" noAdjustHandles="1" noChangeArrowheads="1" noChangeShapeType="1" noTextEdit="1"/>
+              </p:cNvSpPr>
+              <p:nvPr/>
+            </p:nvSpPr>
+            <p:spPr>
+              <a:xfrm>
+                <a:off x="2203972" y="5176363"/>
+                <a:ext cx="532902" cy="523220"/>
+              </a:xfrm>
+              <a:prstGeom prst="rect">
+                <a:avLst/>
+              </a:prstGeom>
+              <a:blipFill>
+                <a:blip r:embed="rId3"/>
+                <a:stretch>
+                  <a:fillRect r="-16279" b="-4762"/>
+                </a:stretch>
+              </a:blipFill>
+            </p:spPr>
+            <p:txBody>
+              <a:bodyPr/>
+              <a:lstStyle/>
+              <a:p>
+                <a:r>
+                  <a:rPr lang="ja-JP" altLang="en-US">
+                    <a:noFill/>
+                  </a:rPr>
+                  <a:t> </a:t>
+                </a:r>
+              </a:p>
+            </p:txBody>
+          </p:sp>
+        </mc:Fallback>
+      </mc:AlternateContent>
+      <mc:AlternateContent xmlns:mc="http://schemas.openxmlformats.org/markup-compatibility/2006">
+        <mc:Choice xmlns:a14="http://schemas.microsoft.com/office/drawing/2010/main" Requires="a14">
+          <p:sp>
+            <p:nvSpPr>
+              <p:cNvPr id="134" name="テキスト ボックス 133">
+                <a:extLst>
+                  <a:ext uri="{FF2B5EF4-FFF2-40B4-BE49-F238E27FC236}">
+                    <a16:creationId xmlns:a16="http://schemas.microsoft.com/office/drawing/2014/main" id="{2DD90E74-0BF3-051E-B9D9-0CA3E27AEBCE}"/>
+                  </a:ext>
+                </a:extLst>
+              </p:cNvPr>
+              <p:cNvSpPr txBox="1"/>
+              <p:nvPr/>
+            </p:nvSpPr>
+            <p:spPr>
+              <a:xfrm>
+                <a:off x="9353791" y="5176363"/>
+                <a:ext cx="935641" cy="523220"/>
+              </a:xfrm>
+              <a:prstGeom prst="rect">
+                <a:avLst/>
+              </a:prstGeom>
+              <a:noFill/>
+            </p:spPr>
+            <p:txBody>
+              <a:bodyPr wrap="none" rtlCol="0">
+                <a:spAutoFit/>
+              </a:bodyPr>
+              <a:lstStyle/>
+              <a:p>
+                <a14:m>
+                  <m:oMathPara xmlns:m="http://schemas.openxmlformats.org/officeDocument/2006/math">
+                    <m:oMathParaPr>
+                      <m:jc m:val="centerGroup"/>
+                    </m:oMathParaPr>
+                    <m:oMath xmlns:m="http://schemas.openxmlformats.org/officeDocument/2006/math">
+                      <m:sSub>
+                        <m:sSubPr>
+                          <m:ctrlPr>
+                            <a:rPr kumimoji="1" lang="en-US" altLang="ja-JP" sz="2800" b="0" i="1" smtClean="0">
+                              <a:latin typeface="Cambria Math" panose="02040503050406030204" pitchFamily="18" charset="0"/>
+                            </a:rPr>
+                          </m:ctrlPr>
+                        </m:sSubPr>
+                        <m:e>
+                          <m:r>
+                            <a:rPr kumimoji="1" lang="en-US" altLang="ja-JP" sz="2800" b="0" i="1" smtClean="0">
+                              <a:latin typeface="Cambria Math" panose="02040503050406030204" pitchFamily="18" charset="0"/>
+                            </a:rPr>
+                            <m:t>𝑥</m:t>
+                          </m:r>
+                        </m:e>
+                        <m:sub>
+                          <m:r>
+                            <a:rPr kumimoji="1" lang="en-US" altLang="ja-JP" sz="2800" b="0" i="1" smtClean="0">
+                              <a:latin typeface="Cambria Math" panose="02040503050406030204" pitchFamily="18" charset="0"/>
+                            </a:rPr>
+                            <m:t>𝑜𝑢𝑡</m:t>
+                          </m:r>
+                        </m:sub>
+                      </m:sSub>
+                    </m:oMath>
+                  </m:oMathPara>
+                </a14:m>
+                <a:endParaRPr kumimoji="1" lang="ja-JP" altLang="en-US" sz="2800"/>
+              </a:p>
+            </p:txBody>
+          </p:sp>
+        </mc:Choice>
+        <mc:Fallback>
+          <p:sp>
+            <p:nvSpPr>
+              <p:cNvPr id="134" name="テキスト ボックス 133">
+                <a:extLst>
+                  <a:ext uri="{FF2B5EF4-FFF2-40B4-BE49-F238E27FC236}">
+                    <a16:creationId xmlns:a16="http://schemas.microsoft.com/office/drawing/2014/main" id="{2DD90E74-0BF3-051E-B9D9-0CA3E27AEBCE}"/>
+                  </a:ext>
+                </a:extLst>
+              </p:cNvPr>
+              <p:cNvSpPr txBox="1">
+                <a:spLocks noRot="1" noChangeAspect="1" noMove="1" noResize="1" noEditPoints="1" noAdjustHandles="1" noChangeArrowheads="1" noChangeShapeType="1" noTextEdit="1"/>
+              </p:cNvSpPr>
+              <p:nvPr/>
+            </p:nvSpPr>
+            <p:spPr>
+              <a:xfrm>
+                <a:off x="9353791" y="5176363"/>
+                <a:ext cx="935641" cy="523220"/>
+              </a:xfrm>
+              <a:prstGeom prst="rect">
+                <a:avLst/>
+              </a:prstGeom>
+              <a:blipFill>
+                <a:blip r:embed="rId4"/>
+                <a:stretch>
+                  <a:fillRect b="-2381"/>
+                </a:stretch>
+              </a:blipFill>
+            </p:spPr>
+            <p:txBody>
+              <a:bodyPr/>
+              <a:lstStyle/>
+              <a:p>
+                <a:r>
+                  <a:rPr lang="ja-JP" altLang="en-US">
+                    <a:noFill/>
+                  </a:rPr>
+                  <a:t> </a:t>
+                </a:r>
+              </a:p>
+            </p:txBody>
+          </p:sp>
+        </mc:Fallback>
+      </mc:AlternateContent>
+      <p:cxnSp>
+        <p:nvCxnSpPr>
+          <p:cNvPr id="48" name="直線矢印コネクタ 47">
+            <a:extLst>
+              <a:ext uri="{FF2B5EF4-FFF2-40B4-BE49-F238E27FC236}">
+                <a16:creationId xmlns:a16="http://schemas.microsoft.com/office/drawing/2014/main" id="{C639BD9C-D796-5852-2204-F40131E45FED}"/>
+              </a:ext>
+            </a:extLst>
+          </p:cNvPr>
+          <p:cNvCxnSpPr>
+            <a:cxnSpLocks/>
+            <a:stCxn id="7" idx="6"/>
+            <a:endCxn id="19" idx="2"/>
+          </p:cNvCxnSpPr>
+          <p:nvPr/>
+        </p:nvCxnSpPr>
+        <p:spPr>
+          <a:xfrm>
+            <a:off x="2776305" y="1641600"/>
+            <a:ext cx="1905443" cy="1732628"/>
+          </a:xfrm>
+          <a:prstGeom prst="straightConnector1">
+            <a:avLst/>
+          </a:prstGeom>
+          <a:ln>
+            <a:tailEnd type="triangle"/>
+          </a:ln>
+        </p:spPr>
+        <p:style>
+          <a:lnRef idx="1">
+            <a:schemeClr val="dk1"/>
+          </a:lnRef>
+          <a:fillRef idx="0">
+            <a:schemeClr val="dk1"/>
+          </a:fillRef>
+          <a:effectRef idx="0">
+            <a:schemeClr val="dk1"/>
+          </a:effectRef>
+          <a:fontRef idx="minor">
+            <a:schemeClr val="tx1"/>
+          </a:fontRef>
+        </p:style>
+      </p:cxnSp>
+      <p:cxnSp>
+        <p:nvCxnSpPr>
+          <p:cNvPr id="51" name="直線矢印コネクタ 50">
+            <a:extLst>
+              <a:ext uri="{FF2B5EF4-FFF2-40B4-BE49-F238E27FC236}">
+                <a16:creationId xmlns:a16="http://schemas.microsoft.com/office/drawing/2014/main" id="{CCD242FE-6261-3400-DA90-B1C8D0E7C9AB}"/>
+              </a:ext>
+            </a:extLst>
+          </p:cNvPr>
+          <p:cNvCxnSpPr>
+            <a:stCxn id="7" idx="6"/>
+            <a:endCxn id="22" idx="2"/>
+          </p:cNvCxnSpPr>
+          <p:nvPr/>
+        </p:nvCxnSpPr>
+        <p:spPr>
+          <a:xfrm>
+            <a:off x="2776305" y="1641600"/>
+            <a:ext cx="1906576" cy="2622849"/>
+          </a:xfrm>
+          <a:prstGeom prst="straightConnector1">
+            <a:avLst/>
+          </a:prstGeom>
+          <a:ln>
+            <a:tailEnd type="triangle"/>
+          </a:ln>
+        </p:spPr>
+        <p:style>
+          <a:lnRef idx="1">
+            <a:schemeClr val="dk1"/>
+          </a:lnRef>
+          <a:fillRef idx="0">
+            <a:schemeClr val="dk1"/>
+          </a:fillRef>
+          <a:effectRef idx="0">
+            <a:schemeClr val="dk1"/>
+          </a:effectRef>
+          <a:fontRef idx="minor">
+            <a:schemeClr val="tx1"/>
+          </a:fontRef>
+        </p:style>
+      </p:cxnSp>
+      <p:cxnSp>
+        <p:nvCxnSpPr>
+          <p:cNvPr id="55" name="直線矢印コネクタ 54">
+            <a:extLst>
+              <a:ext uri="{FF2B5EF4-FFF2-40B4-BE49-F238E27FC236}">
+                <a16:creationId xmlns:a16="http://schemas.microsoft.com/office/drawing/2014/main" id="{999BFEB3-9A5C-8A03-67F1-D54815A05446}"/>
+              </a:ext>
+            </a:extLst>
+          </p:cNvPr>
+          <p:cNvCxnSpPr>
+            <a:stCxn id="8" idx="6"/>
+            <a:endCxn id="21" idx="2"/>
+          </p:cNvCxnSpPr>
+          <p:nvPr/>
+        </p:nvCxnSpPr>
+        <p:spPr>
+          <a:xfrm flipV="1">
+            <a:off x="2776305" y="2373311"/>
+            <a:ext cx="1906576" cy="86611"/>
+          </a:xfrm>
+          <a:prstGeom prst="straightConnector1">
+            <a:avLst/>
+          </a:prstGeom>
+          <a:ln>
+            <a:tailEnd type="triangle"/>
+          </a:ln>
+        </p:spPr>
+        <p:style>
+          <a:lnRef idx="1">
+            <a:schemeClr val="dk1"/>
+          </a:lnRef>
+          <a:fillRef idx="0">
+            <a:schemeClr val="dk1"/>
+          </a:fillRef>
+          <a:effectRef idx="0">
+            <a:schemeClr val="dk1"/>
+          </a:effectRef>
+          <a:fontRef idx="minor">
+            <a:schemeClr val="tx1"/>
+          </a:fontRef>
+        </p:style>
+      </p:cxnSp>
+      <p:cxnSp>
+        <p:nvCxnSpPr>
+          <p:cNvPr id="57" name="直線矢印コネクタ 56">
+            <a:extLst>
+              <a:ext uri="{FF2B5EF4-FFF2-40B4-BE49-F238E27FC236}">
+                <a16:creationId xmlns:a16="http://schemas.microsoft.com/office/drawing/2014/main" id="{CCCFAFA0-5C01-4470-ADB9-4749A8C3B01C}"/>
+              </a:ext>
+            </a:extLst>
+          </p:cNvPr>
+          <p:cNvCxnSpPr>
+            <a:stCxn id="8" idx="6"/>
+            <a:endCxn id="19" idx="2"/>
+          </p:cNvCxnSpPr>
+          <p:nvPr/>
+        </p:nvCxnSpPr>
+        <p:spPr>
+          <a:xfrm>
+            <a:off x="2776305" y="2459922"/>
+            <a:ext cx="1905443" cy="914306"/>
+          </a:xfrm>
+          <a:prstGeom prst="straightConnector1">
+            <a:avLst/>
+          </a:prstGeom>
+          <a:ln>
+            <a:tailEnd type="triangle"/>
+          </a:ln>
+        </p:spPr>
+        <p:style>
+          <a:lnRef idx="1">
+            <a:schemeClr val="dk1"/>
+          </a:lnRef>
+          <a:fillRef idx="0">
+            <a:schemeClr val="dk1"/>
+          </a:fillRef>
+          <a:effectRef idx="0">
+            <a:schemeClr val="dk1"/>
+          </a:effectRef>
+          <a:fontRef idx="minor">
+            <a:schemeClr val="tx1"/>
+          </a:fontRef>
+        </p:style>
+      </p:cxnSp>
+      <p:cxnSp>
+        <p:nvCxnSpPr>
+          <p:cNvPr id="61" name="直線矢印コネクタ 60">
+            <a:extLst>
+              <a:ext uri="{FF2B5EF4-FFF2-40B4-BE49-F238E27FC236}">
+                <a16:creationId xmlns:a16="http://schemas.microsoft.com/office/drawing/2014/main" id="{971BA160-B3A5-AA8A-6559-426F2525FA6F}"/>
+              </a:ext>
+            </a:extLst>
+          </p:cNvPr>
+          <p:cNvCxnSpPr>
+            <a:stCxn id="9" idx="6"/>
+            <a:endCxn id="17" idx="2"/>
+          </p:cNvCxnSpPr>
+          <p:nvPr/>
+        </p:nvCxnSpPr>
+        <p:spPr>
+          <a:xfrm flipV="1">
+            <a:off x="2776305" y="1437951"/>
+            <a:ext cx="1910538" cy="2589015"/>
+          </a:xfrm>
+          <a:prstGeom prst="straightConnector1">
+            <a:avLst/>
+          </a:prstGeom>
+          <a:ln>
+            <a:tailEnd type="triangle"/>
+          </a:ln>
+        </p:spPr>
+        <p:style>
+          <a:lnRef idx="1">
+            <a:schemeClr val="dk1"/>
+          </a:lnRef>
+          <a:fillRef idx="0">
+            <a:schemeClr val="dk1"/>
+          </a:fillRef>
+          <a:effectRef idx="0">
+            <a:schemeClr val="dk1"/>
+          </a:effectRef>
+          <a:fontRef idx="minor">
+            <a:schemeClr val="tx1"/>
+          </a:fontRef>
+        </p:style>
+      </p:cxnSp>
+      <p:cxnSp>
+        <p:nvCxnSpPr>
+          <p:cNvPr id="63" name="直線矢印コネクタ 62">
+            <a:extLst>
+              <a:ext uri="{FF2B5EF4-FFF2-40B4-BE49-F238E27FC236}">
+                <a16:creationId xmlns:a16="http://schemas.microsoft.com/office/drawing/2014/main" id="{5E79BA86-D5AC-E21B-C0DC-710E19E1094F}"/>
+              </a:ext>
+            </a:extLst>
+          </p:cNvPr>
+          <p:cNvCxnSpPr>
+            <a:stCxn id="9" idx="6"/>
+            <a:endCxn id="21" idx="2"/>
+          </p:cNvCxnSpPr>
+          <p:nvPr/>
+        </p:nvCxnSpPr>
+        <p:spPr>
+          <a:xfrm flipV="1">
+            <a:off x="2776305" y="2373311"/>
+            <a:ext cx="1906576" cy="1653655"/>
+          </a:xfrm>
+          <a:prstGeom prst="straightConnector1">
+            <a:avLst/>
+          </a:prstGeom>
+          <a:ln>
+            <a:tailEnd type="triangle"/>
+          </a:ln>
+        </p:spPr>
+        <p:style>
+          <a:lnRef idx="1">
+            <a:schemeClr val="dk1"/>
+          </a:lnRef>
+          <a:fillRef idx="0">
+            <a:schemeClr val="dk1"/>
+          </a:fillRef>
+          <a:effectRef idx="0">
+            <a:schemeClr val="dk1"/>
+          </a:effectRef>
+          <a:fontRef idx="minor">
+            <a:schemeClr val="tx1"/>
+          </a:fontRef>
+        </p:style>
+      </p:cxnSp>
+      <p:cxnSp>
+        <p:nvCxnSpPr>
+          <p:cNvPr id="79" name="直線矢印コネクタ 78">
+            <a:extLst>
+              <a:ext uri="{FF2B5EF4-FFF2-40B4-BE49-F238E27FC236}">
+                <a16:creationId xmlns:a16="http://schemas.microsoft.com/office/drawing/2014/main" id="{6D7FFC33-3301-8C20-28A7-15FC89305CED}"/>
+              </a:ext>
+            </a:extLst>
+          </p:cNvPr>
+          <p:cNvCxnSpPr>
+            <a:stCxn id="17" idx="6"/>
+            <a:endCxn id="18" idx="2"/>
+          </p:cNvCxnSpPr>
+          <p:nvPr/>
+        </p:nvCxnSpPr>
+        <p:spPr>
+          <a:xfrm>
+            <a:off x="5226843" y="1437951"/>
+            <a:ext cx="1338377" cy="690775"/>
+          </a:xfrm>
+          <a:prstGeom prst="straightConnector1">
+            <a:avLst/>
+          </a:prstGeom>
+          <a:ln>
+            <a:tailEnd type="triangle"/>
+          </a:ln>
+        </p:spPr>
+        <p:style>
+          <a:lnRef idx="1">
+            <a:schemeClr val="dk1"/>
+          </a:lnRef>
+          <a:fillRef idx="0">
+            <a:schemeClr val="dk1"/>
+          </a:fillRef>
+          <a:effectRef idx="0">
+            <a:schemeClr val="dk1"/>
+          </a:effectRef>
+          <a:fontRef idx="minor">
+            <a:schemeClr val="tx1"/>
+          </a:fontRef>
+        </p:style>
+      </p:cxnSp>
+      <p:cxnSp>
+        <p:nvCxnSpPr>
+          <p:cNvPr id="81" name="直線矢印コネクタ 80">
+            <a:extLst>
+              <a:ext uri="{FF2B5EF4-FFF2-40B4-BE49-F238E27FC236}">
+                <a16:creationId xmlns:a16="http://schemas.microsoft.com/office/drawing/2014/main" id="{8053F2FC-071E-56F5-E1BC-1F54F0F4F9FE}"/>
+              </a:ext>
+            </a:extLst>
+          </p:cNvPr>
+          <p:cNvCxnSpPr>
+            <a:stCxn id="17" idx="6"/>
+            <a:endCxn id="90" idx="2"/>
+          </p:cNvCxnSpPr>
+          <p:nvPr/>
+        </p:nvCxnSpPr>
+        <p:spPr>
+          <a:xfrm>
+            <a:off x="5226843" y="1437951"/>
+            <a:ext cx="1338377" cy="1666277"/>
+          </a:xfrm>
+          <a:prstGeom prst="straightConnector1">
+            <a:avLst/>
+          </a:prstGeom>
+          <a:ln>
+            <a:tailEnd type="triangle"/>
+          </a:ln>
+        </p:spPr>
+        <p:style>
+          <a:lnRef idx="1">
+            <a:schemeClr val="dk1"/>
+          </a:lnRef>
+          <a:fillRef idx="0">
+            <a:schemeClr val="dk1"/>
+          </a:fillRef>
+          <a:effectRef idx="0">
+            <a:schemeClr val="dk1"/>
+          </a:effectRef>
+          <a:fontRef idx="minor">
+            <a:schemeClr val="tx1"/>
+          </a:fontRef>
+        </p:style>
+      </p:cxnSp>
+      <p:cxnSp>
+        <p:nvCxnSpPr>
+          <p:cNvPr id="91" name="直線矢印コネクタ 90">
+            <a:extLst>
+              <a:ext uri="{FF2B5EF4-FFF2-40B4-BE49-F238E27FC236}">
+                <a16:creationId xmlns:a16="http://schemas.microsoft.com/office/drawing/2014/main" id="{63A0E692-77F5-342E-7CAB-863700E34104}"/>
+              </a:ext>
+            </a:extLst>
+          </p:cNvPr>
+          <p:cNvCxnSpPr>
+            <a:stCxn id="17" idx="6"/>
+            <a:endCxn id="20" idx="2"/>
+          </p:cNvCxnSpPr>
+          <p:nvPr/>
+        </p:nvCxnSpPr>
+        <p:spPr>
+          <a:xfrm>
+            <a:off x="5226843" y="1437951"/>
+            <a:ext cx="1338377" cy="2668610"/>
+          </a:xfrm>
+          <a:prstGeom prst="straightConnector1">
+            <a:avLst/>
+          </a:prstGeom>
+          <a:ln>
+            <a:tailEnd type="triangle"/>
+          </a:ln>
+        </p:spPr>
+        <p:style>
+          <a:lnRef idx="1">
+            <a:schemeClr val="dk1"/>
+          </a:lnRef>
+          <a:fillRef idx="0">
+            <a:schemeClr val="dk1"/>
+          </a:fillRef>
+          <a:effectRef idx="0">
+            <a:schemeClr val="dk1"/>
+          </a:effectRef>
+          <a:fontRef idx="minor">
+            <a:schemeClr val="tx1"/>
+          </a:fontRef>
+        </p:style>
+      </p:cxnSp>
+      <p:cxnSp>
+        <p:nvCxnSpPr>
+          <p:cNvPr id="95" name="直線矢印コネクタ 94">
+            <a:extLst>
+              <a:ext uri="{FF2B5EF4-FFF2-40B4-BE49-F238E27FC236}">
+                <a16:creationId xmlns:a16="http://schemas.microsoft.com/office/drawing/2014/main" id="{1A739264-A4F4-8D25-89B0-A80040622E05}"/>
+              </a:ext>
+            </a:extLst>
+          </p:cNvPr>
+          <p:cNvCxnSpPr>
+            <a:stCxn id="21" idx="6"/>
+            <a:endCxn id="18" idx="2"/>
+          </p:cNvCxnSpPr>
+          <p:nvPr/>
+        </p:nvCxnSpPr>
+        <p:spPr>
+          <a:xfrm flipV="1">
+            <a:off x="5222881" y="2128726"/>
+            <a:ext cx="1342339" cy="244585"/>
+          </a:xfrm>
+          <a:prstGeom prst="straightConnector1">
+            <a:avLst/>
+          </a:prstGeom>
+          <a:ln>
+            <a:tailEnd type="triangle"/>
+          </a:ln>
+        </p:spPr>
+        <p:style>
+          <a:lnRef idx="1">
+            <a:schemeClr val="dk1"/>
+          </a:lnRef>
+          <a:fillRef idx="0">
+            <a:schemeClr val="dk1"/>
+          </a:fillRef>
+          <a:effectRef idx="0">
+            <a:schemeClr val="dk1"/>
+          </a:effectRef>
+          <a:fontRef idx="minor">
+            <a:schemeClr val="tx1"/>
+          </a:fontRef>
+        </p:style>
+      </p:cxnSp>
+      <p:cxnSp>
+        <p:nvCxnSpPr>
+          <p:cNvPr id="99" name="直線矢印コネクタ 98">
+            <a:extLst>
+              <a:ext uri="{FF2B5EF4-FFF2-40B4-BE49-F238E27FC236}">
+                <a16:creationId xmlns:a16="http://schemas.microsoft.com/office/drawing/2014/main" id="{B0CF1025-9CBC-038F-C40A-B856138E5292}"/>
+              </a:ext>
+            </a:extLst>
+          </p:cNvPr>
+          <p:cNvCxnSpPr>
+            <a:stCxn id="21" idx="6"/>
+            <a:endCxn id="90" idx="2"/>
+          </p:cNvCxnSpPr>
+          <p:nvPr/>
+        </p:nvCxnSpPr>
+        <p:spPr>
+          <a:xfrm>
+            <a:off x="5222881" y="2373311"/>
+            <a:ext cx="1342339" cy="730917"/>
+          </a:xfrm>
+          <a:prstGeom prst="straightConnector1">
+            <a:avLst/>
+          </a:prstGeom>
+          <a:ln>
+            <a:tailEnd type="triangle"/>
+          </a:ln>
+        </p:spPr>
+        <p:style>
+          <a:lnRef idx="1">
+            <a:schemeClr val="dk1"/>
+          </a:lnRef>
+          <a:fillRef idx="0">
+            <a:schemeClr val="dk1"/>
+          </a:fillRef>
+          <a:effectRef idx="0">
+            <a:schemeClr val="dk1"/>
+          </a:effectRef>
+          <a:fontRef idx="minor">
+            <a:schemeClr val="tx1"/>
+          </a:fontRef>
+        </p:style>
+      </p:cxnSp>
+      <p:cxnSp>
+        <p:nvCxnSpPr>
+          <p:cNvPr id="102" name="直線矢印コネクタ 101">
+            <a:extLst>
+              <a:ext uri="{FF2B5EF4-FFF2-40B4-BE49-F238E27FC236}">
+                <a16:creationId xmlns:a16="http://schemas.microsoft.com/office/drawing/2014/main" id="{37C11DCD-5EA0-8213-8FFD-D5EA6E903532}"/>
+              </a:ext>
+            </a:extLst>
+          </p:cNvPr>
+          <p:cNvCxnSpPr>
+            <a:stCxn id="21" idx="6"/>
+            <a:endCxn id="20" idx="2"/>
+          </p:cNvCxnSpPr>
+          <p:nvPr/>
+        </p:nvCxnSpPr>
+        <p:spPr>
+          <a:xfrm>
+            <a:off x="5222881" y="2373311"/>
+            <a:ext cx="1342339" cy="1733250"/>
+          </a:xfrm>
+          <a:prstGeom prst="straightConnector1">
+            <a:avLst/>
+          </a:prstGeom>
+          <a:ln>
+            <a:tailEnd type="triangle"/>
+          </a:ln>
+        </p:spPr>
+        <p:style>
+          <a:lnRef idx="1">
+            <a:schemeClr val="dk1"/>
+          </a:lnRef>
+          <a:fillRef idx="0">
+            <a:schemeClr val="dk1"/>
+          </a:fillRef>
+          <a:effectRef idx="0">
+            <a:schemeClr val="dk1"/>
+          </a:effectRef>
+          <a:fontRef idx="minor">
+            <a:schemeClr val="tx1"/>
+          </a:fontRef>
+        </p:style>
+      </p:cxnSp>
+      <p:cxnSp>
+        <p:nvCxnSpPr>
+          <p:cNvPr id="105" name="直線矢印コネクタ 104">
+            <a:extLst>
+              <a:ext uri="{FF2B5EF4-FFF2-40B4-BE49-F238E27FC236}">
+                <a16:creationId xmlns:a16="http://schemas.microsoft.com/office/drawing/2014/main" id="{E72683C1-3103-DECD-D1F7-F541A13AB60E}"/>
+              </a:ext>
+            </a:extLst>
+          </p:cNvPr>
+          <p:cNvCxnSpPr>
+            <a:stCxn id="19" idx="6"/>
+            <a:endCxn id="18" idx="2"/>
+          </p:cNvCxnSpPr>
+          <p:nvPr/>
+        </p:nvCxnSpPr>
+        <p:spPr>
+          <a:xfrm flipV="1">
+            <a:off x="5221748" y="2128726"/>
+            <a:ext cx="1343472" cy="1245502"/>
+          </a:xfrm>
+          <a:prstGeom prst="straightConnector1">
+            <a:avLst/>
+          </a:prstGeom>
+          <a:ln>
+            <a:tailEnd type="triangle"/>
+          </a:ln>
+        </p:spPr>
+        <p:style>
+          <a:lnRef idx="1">
+            <a:schemeClr val="dk1"/>
+          </a:lnRef>
+          <a:fillRef idx="0">
+            <a:schemeClr val="dk1"/>
+          </a:fillRef>
+          <a:effectRef idx="0">
+            <a:schemeClr val="dk1"/>
+          </a:effectRef>
+          <a:fontRef idx="minor">
+            <a:schemeClr val="tx1"/>
+          </a:fontRef>
+        </p:style>
+      </p:cxnSp>
+      <p:cxnSp>
+        <p:nvCxnSpPr>
+          <p:cNvPr id="107" name="直線矢印コネクタ 106">
+            <a:extLst>
+              <a:ext uri="{FF2B5EF4-FFF2-40B4-BE49-F238E27FC236}">
+                <a16:creationId xmlns:a16="http://schemas.microsoft.com/office/drawing/2014/main" id="{E63BA3D9-FFF0-B688-9FAD-43DB9091F209}"/>
+              </a:ext>
+            </a:extLst>
+          </p:cNvPr>
+          <p:cNvCxnSpPr>
+            <a:stCxn id="19" idx="6"/>
+            <a:endCxn id="90" idx="2"/>
+          </p:cNvCxnSpPr>
+          <p:nvPr/>
+        </p:nvCxnSpPr>
+        <p:spPr>
+          <a:xfrm flipV="1">
+            <a:off x="5221748" y="3104228"/>
+            <a:ext cx="1343472" cy="270000"/>
+          </a:xfrm>
+          <a:prstGeom prst="straightConnector1">
+            <a:avLst/>
+          </a:prstGeom>
+          <a:ln>
+            <a:tailEnd type="triangle"/>
+          </a:ln>
+        </p:spPr>
+        <p:style>
+          <a:lnRef idx="1">
+            <a:schemeClr val="dk1"/>
+          </a:lnRef>
+          <a:fillRef idx="0">
+            <a:schemeClr val="dk1"/>
+          </a:fillRef>
+          <a:effectRef idx="0">
+            <a:schemeClr val="dk1"/>
+          </a:effectRef>
+          <a:fontRef idx="minor">
+            <a:schemeClr val="tx1"/>
+          </a:fontRef>
+        </p:style>
+      </p:cxnSp>
+      <p:cxnSp>
+        <p:nvCxnSpPr>
+          <p:cNvPr id="108" name="直線矢印コネクタ 107">
+            <a:extLst>
+              <a:ext uri="{FF2B5EF4-FFF2-40B4-BE49-F238E27FC236}">
+                <a16:creationId xmlns:a16="http://schemas.microsoft.com/office/drawing/2014/main" id="{4B483B5B-D373-E4D9-B228-6D0EB4F61CBE}"/>
+              </a:ext>
+            </a:extLst>
+          </p:cNvPr>
+          <p:cNvCxnSpPr>
+            <a:cxnSpLocks/>
+            <a:stCxn id="19" idx="6"/>
+            <a:endCxn id="20" idx="2"/>
+          </p:cNvCxnSpPr>
+          <p:nvPr/>
+        </p:nvCxnSpPr>
+        <p:spPr>
+          <a:xfrm>
+            <a:off x="5221748" y="3374228"/>
+            <a:ext cx="1343472" cy="732333"/>
+          </a:xfrm>
+          <a:prstGeom prst="straightConnector1">
+            <a:avLst/>
+          </a:prstGeom>
+          <a:ln>
+            <a:tailEnd type="triangle"/>
+          </a:ln>
+        </p:spPr>
+        <p:style>
+          <a:lnRef idx="1">
+            <a:schemeClr val="dk1"/>
+          </a:lnRef>
+          <a:fillRef idx="0">
+            <a:schemeClr val="dk1"/>
+          </a:fillRef>
+          <a:effectRef idx="0">
+            <a:schemeClr val="dk1"/>
+          </a:effectRef>
+          <a:fontRef idx="minor">
+            <a:schemeClr val="tx1"/>
+          </a:fontRef>
+        </p:style>
+      </p:cxnSp>
+      <p:cxnSp>
+        <p:nvCxnSpPr>
+          <p:cNvPr id="113" name="直線矢印コネクタ 112">
+            <a:extLst>
+              <a:ext uri="{FF2B5EF4-FFF2-40B4-BE49-F238E27FC236}">
+                <a16:creationId xmlns:a16="http://schemas.microsoft.com/office/drawing/2014/main" id="{65FAD443-C0EE-5211-92E6-E02C9E687775}"/>
+              </a:ext>
+            </a:extLst>
+          </p:cNvPr>
+          <p:cNvCxnSpPr>
+            <a:cxnSpLocks/>
+            <a:stCxn id="22" idx="6"/>
+            <a:endCxn id="18" idx="2"/>
+          </p:cNvCxnSpPr>
+          <p:nvPr/>
+        </p:nvCxnSpPr>
+        <p:spPr>
+          <a:xfrm flipV="1">
+            <a:off x="5222881" y="2128726"/>
+            <a:ext cx="1342339" cy="2135723"/>
+          </a:xfrm>
+          <a:prstGeom prst="straightConnector1">
+            <a:avLst/>
+          </a:prstGeom>
+          <a:ln>
+            <a:tailEnd type="triangle"/>
+          </a:ln>
+        </p:spPr>
+        <p:style>
+          <a:lnRef idx="1">
+            <a:schemeClr val="dk1"/>
+          </a:lnRef>
+          <a:fillRef idx="0">
+            <a:schemeClr val="dk1"/>
+          </a:fillRef>
+          <a:effectRef idx="0">
+            <a:schemeClr val="dk1"/>
+          </a:effectRef>
+          <a:fontRef idx="minor">
+            <a:schemeClr val="tx1"/>
+          </a:fontRef>
+        </p:style>
+      </p:cxnSp>
+      <p:cxnSp>
+        <p:nvCxnSpPr>
+          <p:cNvPr id="115" name="直線矢印コネクタ 114">
+            <a:extLst>
+              <a:ext uri="{FF2B5EF4-FFF2-40B4-BE49-F238E27FC236}">
+                <a16:creationId xmlns:a16="http://schemas.microsoft.com/office/drawing/2014/main" id="{74903B5A-68B3-FE26-AFE3-18A5F5219634}"/>
+              </a:ext>
+            </a:extLst>
+          </p:cNvPr>
+          <p:cNvCxnSpPr>
+            <a:cxnSpLocks/>
+            <a:stCxn id="22" idx="6"/>
+            <a:endCxn id="90" idx="2"/>
+          </p:cNvCxnSpPr>
+          <p:nvPr/>
+        </p:nvCxnSpPr>
+        <p:spPr>
+          <a:xfrm flipV="1">
+            <a:off x="5222881" y="3104228"/>
+            <a:ext cx="1342339" cy="1160221"/>
+          </a:xfrm>
+          <a:prstGeom prst="straightConnector1">
+            <a:avLst/>
+          </a:prstGeom>
+          <a:ln>
+            <a:tailEnd type="triangle"/>
+          </a:ln>
+        </p:spPr>
+        <p:style>
+          <a:lnRef idx="1">
+            <a:schemeClr val="dk1"/>
+          </a:lnRef>
+          <a:fillRef idx="0">
+            <a:schemeClr val="dk1"/>
+          </a:fillRef>
+          <a:effectRef idx="0">
+            <a:schemeClr val="dk1"/>
+          </a:effectRef>
+          <a:fontRef idx="minor">
+            <a:schemeClr val="tx1"/>
+          </a:fontRef>
+        </p:style>
+      </p:cxnSp>
+      <p:cxnSp>
+        <p:nvCxnSpPr>
+          <p:cNvPr id="125" name="直線矢印コネクタ 124">
+            <a:extLst>
+              <a:ext uri="{FF2B5EF4-FFF2-40B4-BE49-F238E27FC236}">
+                <a16:creationId xmlns:a16="http://schemas.microsoft.com/office/drawing/2014/main" id="{DA0D620D-FBF2-4A8B-ADE5-7F113EBE05B6}"/>
+              </a:ext>
+            </a:extLst>
+          </p:cNvPr>
+          <p:cNvCxnSpPr>
+            <a:cxnSpLocks/>
+            <a:stCxn id="22" idx="6"/>
+            <a:endCxn id="20" idx="2"/>
+          </p:cNvCxnSpPr>
+          <p:nvPr/>
+        </p:nvCxnSpPr>
+        <p:spPr>
+          <a:xfrm flipV="1">
+            <a:off x="5222881" y="4106561"/>
+            <a:ext cx="1342339" cy="157888"/>
+          </a:xfrm>
+          <a:prstGeom prst="straightConnector1">
+            <a:avLst/>
+          </a:prstGeom>
+          <a:ln>
+            <a:tailEnd type="triangle"/>
+          </a:ln>
+        </p:spPr>
+        <p:style>
+          <a:lnRef idx="1">
+            <a:schemeClr val="dk1"/>
+          </a:lnRef>
+          <a:fillRef idx="0">
+            <a:schemeClr val="dk1"/>
+          </a:fillRef>
+          <a:effectRef idx="0">
+            <a:schemeClr val="dk1"/>
+          </a:effectRef>
+          <a:fontRef idx="minor">
+            <a:schemeClr val="tx1"/>
+          </a:fontRef>
+        </p:style>
+      </p:cxnSp>
+    </p:spTree>
+    <p:extLst>
+      <p:ext uri="{BB962C8B-B14F-4D97-AF65-F5344CB8AC3E}">
+        <p14:creationId xmlns:p14="http://schemas.microsoft.com/office/powerpoint/2010/main" val="801630964"/>
+      </p:ext>
+    </p:extLst>
+  </p:cSld>
+  <p:clrMapOvr>
+    <a:masterClrMapping/>
+  </p:clrMapOvr>
+</p:sld>
+</file>
+
+<file path=ppt/slides/slide11.xml><?xml version="1.0" encoding="utf-8"?>
+<p:sld xmlns:a="http://schemas.openxmlformats.org/drawingml/2006/main" xmlns:r="http://schemas.openxmlformats.org/officeDocument/2006/relationships" xmlns:p="http://schemas.openxmlformats.org/presentationml/2006/main">
+  <p:cSld>
+    <p:spTree>
+      <p:nvGrpSpPr>
+        <p:cNvPr id="1" name=""/>
+        <p:cNvGrpSpPr/>
+        <p:nvPr/>
+      </p:nvGrpSpPr>
+      <p:grpSpPr>
+        <a:xfrm>
+          <a:off x="0" y="0"/>
+          <a:ext cx="0" cy="0"/>
+          <a:chOff x="0" y="0"/>
+          <a:chExt cx="0" cy="0"/>
+        </a:xfrm>
+      </p:grpSpPr>
+      <p:sp>
+        <p:nvSpPr>
+          <p:cNvPr id="7" name="フローチャート: 結合子 6">
+            <a:extLst>
+              <a:ext uri="{FF2B5EF4-FFF2-40B4-BE49-F238E27FC236}">
+                <a16:creationId xmlns:a16="http://schemas.microsoft.com/office/drawing/2014/main" id="{8F70C87E-014F-5646-AEDB-7FAB3B473B7B}"/>
+              </a:ext>
+            </a:extLst>
+          </p:cNvPr>
+          <p:cNvSpPr>
+            <a:spLocks/>
+          </p:cNvSpPr>
+          <p:nvPr/>
+        </p:nvSpPr>
+        <p:spPr>
+          <a:xfrm>
+            <a:off x="2236305" y="1371600"/>
+            <a:ext cx="540000" cy="540000"/>
+          </a:xfrm>
+          <a:prstGeom prst="flowChartConnector">
+            <a:avLst/>
+          </a:prstGeom>
+        </p:spPr>
+        <p:style>
+          <a:lnRef idx="2">
+            <a:schemeClr val="dk1"/>
+          </a:lnRef>
+          <a:fillRef idx="1">
+            <a:schemeClr val="lt1"/>
+          </a:fillRef>
+          <a:effectRef idx="0">
+            <a:schemeClr val="dk1"/>
+          </a:effectRef>
+          <a:fontRef idx="minor">
+            <a:schemeClr val="dk1"/>
+          </a:fontRef>
+        </p:style>
+        <p:txBody>
+          <a:bodyPr rtlCol="0" anchor="ctr"/>
+          <a:lstStyle/>
+          <a:p>
+            <a:pPr algn="ctr"/>
+            <a:endParaRPr kumimoji="1" lang="ja-JP" altLang="en-US"/>
+          </a:p>
+        </p:txBody>
+      </p:sp>
+      <p:sp>
+        <p:nvSpPr>
+          <p:cNvPr id="8" name="フローチャート: 結合子 7">
+            <a:extLst>
+              <a:ext uri="{FF2B5EF4-FFF2-40B4-BE49-F238E27FC236}">
+                <a16:creationId xmlns:a16="http://schemas.microsoft.com/office/drawing/2014/main" id="{D28CBAF6-961F-48E8-1171-841098AED5B4}"/>
+              </a:ext>
+            </a:extLst>
+          </p:cNvPr>
+          <p:cNvSpPr>
+            <a:spLocks/>
+          </p:cNvSpPr>
+          <p:nvPr/>
+        </p:nvSpPr>
+        <p:spPr>
+          <a:xfrm>
+            <a:off x="2236305" y="2189922"/>
+            <a:ext cx="540000" cy="540000"/>
+          </a:xfrm>
+          <a:prstGeom prst="flowChartConnector">
+            <a:avLst/>
+          </a:prstGeom>
+        </p:spPr>
+        <p:style>
+          <a:lnRef idx="2">
+            <a:schemeClr val="dk1"/>
+          </a:lnRef>
+          <a:fillRef idx="1">
+            <a:schemeClr val="lt1"/>
+          </a:fillRef>
+          <a:effectRef idx="0">
+            <a:schemeClr val="dk1"/>
+          </a:effectRef>
+          <a:fontRef idx="minor">
+            <a:schemeClr val="dk1"/>
+          </a:fontRef>
+        </p:style>
+        <p:txBody>
+          <a:bodyPr rtlCol="0" anchor="ctr"/>
+          <a:lstStyle/>
+          <a:p>
+            <a:pPr algn="ctr"/>
+            <a:endParaRPr kumimoji="1" lang="ja-JP" altLang="en-US"/>
+          </a:p>
+        </p:txBody>
+      </p:sp>
+      <p:sp>
+        <p:nvSpPr>
+          <p:cNvPr id="9" name="フローチャート: 結合子 8">
+            <a:extLst>
+              <a:ext uri="{FF2B5EF4-FFF2-40B4-BE49-F238E27FC236}">
+                <a16:creationId xmlns:a16="http://schemas.microsoft.com/office/drawing/2014/main" id="{EEC7C549-D8E7-A0FA-D0E2-257A3CF62C34}"/>
+              </a:ext>
+            </a:extLst>
+          </p:cNvPr>
+          <p:cNvSpPr>
+            <a:spLocks/>
+          </p:cNvSpPr>
+          <p:nvPr/>
+        </p:nvSpPr>
+        <p:spPr>
+          <a:xfrm>
+            <a:off x="2236305" y="3756966"/>
+            <a:ext cx="540000" cy="540000"/>
+          </a:xfrm>
+          <a:prstGeom prst="flowChartConnector">
+            <a:avLst/>
+          </a:prstGeom>
+        </p:spPr>
+        <p:style>
+          <a:lnRef idx="2">
+            <a:schemeClr val="dk1"/>
+          </a:lnRef>
+          <a:fillRef idx="1">
+            <a:schemeClr val="lt1"/>
+          </a:fillRef>
+          <a:effectRef idx="0">
+            <a:schemeClr val="dk1"/>
+          </a:effectRef>
+          <a:fontRef idx="minor">
+            <a:schemeClr val="dk1"/>
+          </a:fontRef>
+        </p:style>
+        <p:txBody>
+          <a:bodyPr rtlCol="0" anchor="ctr"/>
+          <a:lstStyle/>
+          <a:p>
+            <a:pPr algn="ctr"/>
+            <a:endParaRPr kumimoji="1" lang="ja-JP" altLang="en-US"/>
+          </a:p>
+        </p:txBody>
+      </p:sp>
+      <p:sp>
+        <p:nvSpPr>
+          <p:cNvPr id="10" name="フローチャート: 結合子 9">
+            <a:extLst>
+              <a:ext uri="{FF2B5EF4-FFF2-40B4-BE49-F238E27FC236}">
+                <a16:creationId xmlns:a16="http://schemas.microsoft.com/office/drawing/2014/main" id="{8015B6D4-F955-9C1A-95A5-A9B420CE3109}"/>
+              </a:ext>
+            </a:extLst>
+          </p:cNvPr>
+          <p:cNvSpPr/>
+          <p:nvPr/>
+        </p:nvSpPr>
+        <p:spPr>
+          <a:xfrm>
+            <a:off x="2442462" y="2956239"/>
+            <a:ext cx="72000" cy="72000"/>
+          </a:xfrm>
+          <a:prstGeom prst="flowChartConnector">
+            <a:avLst/>
+          </a:prstGeom>
+        </p:spPr>
+        <p:style>
+          <a:lnRef idx="2">
+            <a:schemeClr val="dk1">
+              <a:shade val="50000"/>
+            </a:schemeClr>
+          </a:lnRef>
+          <a:fillRef idx="1">
+            <a:schemeClr val="dk1"/>
+          </a:fillRef>
+          <a:effectRef idx="0">
+            <a:schemeClr val="dk1"/>
+          </a:effectRef>
+          <a:fontRef idx="minor">
+            <a:schemeClr val="lt1"/>
+          </a:fontRef>
+        </p:style>
+        <p:txBody>
+          <a:bodyPr rtlCol="0" anchor="ctr"/>
+          <a:lstStyle/>
+          <a:p>
+            <a:pPr algn="ctr"/>
+            <a:endParaRPr kumimoji="1" lang="ja-JP" altLang="en-US"/>
+          </a:p>
+        </p:txBody>
+      </p:sp>
+      <p:sp>
+        <p:nvSpPr>
+          <p:cNvPr id="11" name="フローチャート: 結合子 10">
+            <a:extLst>
+              <a:ext uri="{FF2B5EF4-FFF2-40B4-BE49-F238E27FC236}">
+                <a16:creationId xmlns:a16="http://schemas.microsoft.com/office/drawing/2014/main" id="{54658290-A52E-9858-E465-5461BDEF712E}"/>
+              </a:ext>
+            </a:extLst>
+          </p:cNvPr>
+          <p:cNvSpPr/>
+          <p:nvPr/>
+        </p:nvSpPr>
+        <p:spPr>
+          <a:xfrm>
+            <a:off x="2442025" y="3189444"/>
+            <a:ext cx="72000" cy="72000"/>
+          </a:xfrm>
+          <a:prstGeom prst="flowChartConnector">
+            <a:avLst/>
+          </a:prstGeom>
+        </p:spPr>
+        <p:style>
+          <a:lnRef idx="2">
+            <a:schemeClr val="dk1">
+              <a:shade val="50000"/>
+            </a:schemeClr>
+          </a:lnRef>
+          <a:fillRef idx="1">
+            <a:schemeClr val="dk1"/>
+          </a:fillRef>
+          <a:effectRef idx="0">
+            <a:schemeClr val="dk1"/>
+          </a:effectRef>
+          <a:fontRef idx="minor">
+            <a:schemeClr val="lt1"/>
+          </a:fontRef>
+        </p:style>
+        <p:txBody>
+          <a:bodyPr rtlCol="0" anchor="ctr"/>
+          <a:lstStyle/>
+          <a:p>
+            <a:pPr algn="ctr"/>
+            <a:endParaRPr kumimoji="1" lang="ja-JP" altLang="en-US"/>
+          </a:p>
+        </p:txBody>
+      </p:sp>
+      <p:sp>
+        <p:nvSpPr>
+          <p:cNvPr id="12" name="フローチャート: 結合子 11">
+            <a:extLst>
+              <a:ext uri="{FF2B5EF4-FFF2-40B4-BE49-F238E27FC236}">
+                <a16:creationId xmlns:a16="http://schemas.microsoft.com/office/drawing/2014/main" id="{DB5C0B44-1258-970C-F1D8-D79EFBB839A1}"/>
+              </a:ext>
+            </a:extLst>
+          </p:cNvPr>
+          <p:cNvSpPr/>
+          <p:nvPr/>
+        </p:nvSpPr>
+        <p:spPr>
+          <a:xfrm>
+            <a:off x="2445425" y="3422649"/>
+            <a:ext cx="72000" cy="72000"/>
+          </a:xfrm>
+          <a:prstGeom prst="flowChartConnector">
+            <a:avLst/>
+          </a:prstGeom>
+        </p:spPr>
+        <p:style>
+          <a:lnRef idx="2">
+            <a:schemeClr val="dk1">
+              <a:shade val="50000"/>
+            </a:schemeClr>
+          </a:lnRef>
+          <a:fillRef idx="1">
+            <a:schemeClr val="dk1"/>
+          </a:fillRef>
+          <a:effectRef idx="0">
+            <a:schemeClr val="dk1"/>
+          </a:effectRef>
+          <a:fontRef idx="minor">
+            <a:schemeClr val="lt1"/>
+          </a:fontRef>
+        </p:style>
+        <p:txBody>
+          <a:bodyPr rtlCol="0" anchor="ctr"/>
+          <a:lstStyle/>
+          <a:p>
+            <a:pPr algn="ctr"/>
+            <a:endParaRPr kumimoji="1" lang="ja-JP" altLang="en-US"/>
+          </a:p>
+        </p:txBody>
+      </p:sp>
+      <p:sp>
+        <p:nvSpPr>
+          <p:cNvPr id="13" name="フレーム 12">
+            <a:extLst>
+              <a:ext uri="{FF2B5EF4-FFF2-40B4-BE49-F238E27FC236}">
+                <a16:creationId xmlns:a16="http://schemas.microsoft.com/office/drawing/2014/main" id="{27B2E0D6-3EBC-B05A-9828-51F4AA4D8DE9}"/>
+              </a:ext>
+            </a:extLst>
+          </p:cNvPr>
+          <p:cNvSpPr/>
+          <p:nvPr/>
+        </p:nvSpPr>
+        <p:spPr>
+          <a:xfrm>
+            <a:off x="1733550" y="895350"/>
+            <a:ext cx="1504950" cy="4133850"/>
+          </a:xfrm>
+          <a:prstGeom prst="frame">
+            <a:avLst>
+              <a:gd name="adj1" fmla="val 0"/>
+            </a:avLst>
+          </a:prstGeom>
+          <a:ln w="3175"/>
+        </p:spPr>
+        <p:style>
+          <a:lnRef idx="2">
+            <a:schemeClr val="dk1">
+              <a:shade val="50000"/>
+            </a:schemeClr>
+          </a:lnRef>
+          <a:fillRef idx="1">
+            <a:schemeClr val="dk1"/>
+          </a:fillRef>
+          <a:effectRef idx="0">
+            <a:schemeClr val="dk1"/>
+          </a:effectRef>
+          <a:fontRef idx="minor">
+            <a:schemeClr val="lt1"/>
+          </a:fontRef>
+        </p:style>
+        <p:txBody>
+          <a:bodyPr rtlCol="0" anchor="ctr"/>
+          <a:lstStyle/>
+          <a:p>
+            <a:pPr algn="ctr"/>
+            <a:endParaRPr kumimoji="1" lang="ja-JP" altLang="en-US">
+              <a:solidFill>
+                <a:schemeClr val="tx1"/>
+              </a:solidFill>
+            </a:endParaRPr>
+          </a:p>
+        </p:txBody>
+      </p:sp>
+      <p:sp>
+        <p:nvSpPr>
+          <p:cNvPr id="15" name="フレーム 14">
+            <a:extLst>
+              <a:ext uri="{FF2B5EF4-FFF2-40B4-BE49-F238E27FC236}">
+                <a16:creationId xmlns:a16="http://schemas.microsoft.com/office/drawing/2014/main" id="{0EE8C75C-1A35-03DA-34FC-6407AFF8A3C0}"/>
+              </a:ext>
+            </a:extLst>
+          </p:cNvPr>
+          <p:cNvSpPr/>
+          <p:nvPr/>
+        </p:nvSpPr>
+        <p:spPr>
+          <a:xfrm>
+            <a:off x="4159306" y="895350"/>
+            <a:ext cx="3803257" cy="4133850"/>
+          </a:xfrm>
+          <a:prstGeom prst="frame">
+            <a:avLst>
+              <a:gd name="adj1" fmla="val 0"/>
+            </a:avLst>
+          </a:prstGeom>
+        </p:spPr>
+        <p:style>
+          <a:lnRef idx="2">
+            <a:schemeClr val="dk1">
+              <a:shade val="50000"/>
+            </a:schemeClr>
+          </a:lnRef>
+          <a:fillRef idx="1">
+            <a:schemeClr val="dk1"/>
+          </a:fillRef>
+          <a:effectRef idx="0">
+            <a:schemeClr val="dk1"/>
+          </a:effectRef>
+          <a:fontRef idx="minor">
+            <a:schemeClr val="lt1"/>
+          </a:fontRef>
+        </p:style>
+        <p:txBody>
+          <a:bodyPr rtlCol="0" anchor="ctr"/>
+          <a:lstStyle/>
+          <a:p>
+            <a:pPr algn="ctr"/>
+            <a:endParaRPr kumimoji="1" lang="ja-JP" altLang="en-US">
+              <a:solidFill>
+                <a:schemeClr val="tx1"/>
+              </a:solidFill>
+            </a:endParaRPr>
+          </a:p>
+        </p:txBody>
+      </p:sp>
+      <p:sp>
+        <p:nvSpPr>
+          <p:cNvPr id="17" name="フローチャート: 結合子 16">
+            <a:extLst>
+              <a:ext uri="{FF2B5EF4-FFF2-40B4-BE49-F238E27FC236}">
+                <a16:creationId xmlns:a16="http://schemas.microsoft.com/office/drawing/2014/main" id="{D87618EE-E299-786E-1F0B-ACCC067CE5CC}"/>
+              </a:ext>
+            </a:extLst>
+          </p:cNvPr>
+          <p:cNvSpPr>
+            <a:spLocks/>
+          </p:cNvSpPr>
+          <p:nvPr/>
+        </p:nvSpPr>
+        <p:spPr>
+          <a:xfrm>
+            <a:off x="4686843" y="1167951"/>
+            <a:ext cx="540000" cy="540000"/>
+          </a:xfrm>
+          <a:prstGeom prst="flowChartConnector">
+            <a:avLst/>
+          </a:prstGeom>
+        </p:spPr>
+        <p:style>
+          <a:lnRef idx="2">
+            <a:schemeClr val="dk1"/>
+          </a:lnRef>
+          <a:fillRef idx="1">
+            <a:schemeClr val="lt1"/>
+          </a:fillRef>
+          <a:effectRef idx="0">
+            <a:schemeClr val="dk1"/>
+          </a:effectRef>
+          <a:fontRef idx="minor">
+            <a:schemeClr val="dk1"/>
+          </a:fontRef>
+        </p:style>
+        <p:txBody>
+          <a:bodyPr rtlCol="0" anchor="ctr"/>
+          <a:lstStyle/>
+          <a:p>
+            <a:pPr algn="ctr"/>
+            <a:endParaRPr kumimoji="1" lang="ja-JP" altLang="en-US"/>
+          </a:p>
+        </p:txBody>
+      </p:sp>
+      <p:sp>
+        <p:nvSpPr>
+          <p:cNvPr id="18" name="フローチャート: 結合子 17">
+            <a:extLst>
+              <a:ext uri="{FF2B5EF4-FFF2-40B4-BE49-F238E27FC236}">
+                <a16:creationId xmlns:a16="http://schemas.microsoft.com/office/drawing/2014/main" id="{E09229CF-F570-FE60-02C7-9FFA4CCC7337}"/>
+              </a:ext>
+            </a:extLst>
+          </p:cNvPr>
+          <p:cNvSpPr>
+            <a:spLocks/>
+          </p:cNvSpPr>
+          <p:nvPr/>
+        </p:nvSpPr>
+        <p:spPr>
+          <a:xfrm>
+            <a:off x="6815048" y="1920525"/>
+            <a:ext cx="540000" cy="540000"/>
+          </a:xfrm>
+          <a:prstGeom prst="flowChartConnector">
+            <a:avLst/>
+          </a:prstGeom>
+        </p:spPr>
+        <p:style>
+          <a:lnRef idx="2">
+            <a:schemeClr val="dk1"/>
+          </a:lnRef>
+          <a:fillRef idx="1">
+            <a:schemeClr val="lt1"/>
+          </a:fillRef>
+          <a:effectRef idx="0">
+            <a:schemeClr val="dk1"/>
+          </a:effectRef>
+          <a:fontRef idx="minor">
+            <a:schemeClr val="dk1"/>
+          </a:fontRef>
+        </p:style>
+        <p:txBody>
+          <a:bodyPr rtlCol="0" anchor="ctr"/>
+          <a:lstStyle/>
+          <a:p>
+            <a:pPr algn="ctr"/>
+            <a:endParaRPr kumimoji="1" lang="ja-JP" altLang="en-US"/>
+          </a:p>
+        </p:txBody>
+      </p:sp>
+      <p:sp>
+        <p:nvSpPr>
+          <p:cNvPr id="19" name="フローチャート: 結合子 18">
+            <a:extLst>
+              <a:ext uri="{FF2B5EF4-FFF2-40B4-BE49-F238E27FC236}">
+                <a16:creationId xmlns:a16="http://schemas.microsoft.com/office/drawing/2014/main" id="{93C08AE6-9416-AC0D-64A6-A0648BD273BE}"/>
+              </a:ext>
+            </a:extLst>
+          </p:cNvPr>
+          <p:cNvSpPr>
+            <a:spLocks/>
+          </p:cNvSpPr>
+          <p:nvPr/>
+        </p:nvSpPr>
+        <p:spPr>
+          <a:xfrm>
+            <a:off x="4668789" y="3111352"/>
+            <a:ext cx="540000" cy="540000"/>
+          </a:xfrm>
+          <a:prstGeom prst="flowChartConnector">
+            <a:avLst/>
+          </a:prstGeom>
+        </p:spPr>
+        <p:style>
+          <a:lnRef idx="2">
+            <a:schemeClr val="dk1"/>
+          </a:lnRef>
+          <a:fillRef idx="1">
+            <a:schemeClr val="lt1"/>
+          </a:fillRef>
+          <a:effectRef idx="0">
+            <a:schemeClr val="dk1"/>
+          </a:effectRef>
+          <a:fontRef idx="minor">
+            <a:schemeClr val="dk1"/>
+          </a:fontRef>
+        </p:style>
+        <p:txBody>
+          <a:bodyPr rtlCol="0" anchor="ctr"/>
+          <a:lstStyle/>
+          <a:p>
+            <a:pPr algn="ctr"/>
+            <a:endParaRPr kumimoji="1" lang="ja-JP" altLang="en-US"/>
+          </a:p>
+        </p:txBody>
+      </p:sp>
+      <p:sp>
+        <p:nvSpPr>
+          <p:cNvPr id="20" name="フローチャート: 結合子 19">
+            <a:extLst>
+              <a:ext uri="{FF2B5EF4-FFF2-40B4-BE49-F238E27FC236}">
+                <a16:creationId xmlns:a16="http://schemas.microsoft.com/office/drawing/2014/main" id="{3D926541-E10E-3C71-B623-B705AAE66329}"/>
+              </a:ext>
+            </a:extLst>
+          </p:cNvPr>
+          <p:cNvSpPr>
+            <a:spLocks/>
+          </p:cNvSpPr>
+          <p:nvPr/>
+        </p:nvSpPr>
+        <p:spPr>
+          <a:xfrm>
+            <a:off x="6610037" y="3902101"/>
+            <a:ext cx="540000" cy="540000"/>
+          </a:xfrm>
+          <a:prstGeom prst="flowChartConnector">
+            <a:avLst/>
+          </a:prstGeom>
+        </p:spPr>
+        <p:style>
+          <a:lnRef idx="2">
+            <a:schemeClr val="dk1"/>
+          </a:lnRef>
+          <a:fillRef idx="1">
+            <a:schemeClr val="lt1"/>
+          </a:fillRef>
+          <a:effectRef idx="0">
+            <a:schemeClr val="dk1"/>
+          </a:effectRef>
+          <a:fontRef idx="minor">
+            <a:schemeClr val="dk1"/>
+          </a:fontRef>
+        </p:style>
+        <p:txBody>
+          <a:bodyPr rtlCol="0" anchor="ctr"/>
+          <a:lstStyle/>
+          <a:p>
+            <a:pPr algn="ctr"/>
+            <a:endParaRPr kumimoji="1" lang="ja-JP" altLang="en-US"/>
+          </a:p>
+        </p:txBody>
+      </p:sp>
+      <p:sp>
+        <p:nvSpPr>
+          <p:cNvPr id="21" name="フローチャート: 結合子 20">
+            <a:extLst>
+              <a:ext uri="{FF2B5EF4-FFF2-40B4-BE49-F238E27FC236}">
+                <a16:creationId xmlns:a16="http://schemas.microsoft.com/office/drawing/2014/main" id="{DC85AACF-DEE4-F863-6599-32C6E077F1E2}"/>
+              </a:ext>
+            </a:extLst>
+          </p:cNvPr>
+          <p:cNvSpPr>
+            <a:spLocks/>
+          </p:cNvSpPr>
+          <p:nvPr/>
+        </p:nvSpPr>
+        <p:spPr>
+          <a:xfrm>
+            <a:off x="5460735" y="2192162"/>
+            <a:ext cx="540000" cy="540000"/>
+          </a:xfrm>
+          <a:prstGeom prst="flowChartConnector">
+            <a:avLst/>
+          </a:prstGeom>
+        </p:spPr>
+        <p:style>
+          <a:lnRef idx="2">
+            <a:schemeClr val="dk1"/>
+          </a:lnRef>
+          <a:fillRef idx="1">
+            <a:schemeClr val="lt1"/>
+          </a:fillRef>
+          <a:effectRef idx="0">
+            <a:schemeClr val="dk1"/>
+          </a:effectRef>
+          <a:fontRef idx="minor">
+            <a:schemeClr val="dk1"/>
+          </a:fontRef>
+        </p:style>
+        <p:txBody>
+          <a:bodyPr rtlCol="0" anchor="ctr"/>
+          <a:lstStyle/>
+          <a:p>
+            <a:pPr algn="ctr"/>
+            <a:endParaRPr kumimoji="1" lang="ja-JP" altLang="en-US"/>
+          </a:p>
+        </p:txBody>
+      </p:sp>
+      <p:sp>
+        <p:nvSpPr>
+          <p:cNvPr id="22" name="フローチャート: 結合子 21">
+            <a:extLst>
+              <a:ext uri="{FF2B5EF4-FFF2-40B4-BE49-F238E27FC236}">
+                <a16:creationId xmlns:a16="http://schemas.microsoft.com/office/drawing/2014/main" id="{EDB1E575-4603-C743-CEAD-38343F8D157A}"/>
+              </a:ext>
+            </a:extLst>
+          </p:cNvPr>
+          <p:cNvSpPr>
+            <a:spLocks/>
+          </p:cNvSpPr>
+          <p:nvPr/>
+        </p:nvSpPr>
+        <p:spPr>
+          <a:xfrm>
+            <a:off x="5262813" y="4057782"/>
+            <a:ext cx="540000" cy="540000"/>
+          </a:xfrm>
+          <a:prstGeom prst="flowChartConnector">
+            <a:avLst/>
+          </a:prstGeom>
+        </p:spPr>
+        <p:style>
+          <a:lnRef idx="2">
+            <a:schemeClr val="dk1"/>
+          </a:lnRef>
+          <a:fillRef idx="1">
+            <a:schemeClr val="lt1"/>
+          </a:fillRef>
+          <a:effectRef idx="0">
+            <a:schemeClr val="dk1"/>
+          </a:effectRef>
+          <a:fontRef idx="minor">
+            <a:schemeClr val="dk1"/>
+          </a:fontRef>
+        </p:style>
+        <p:txBody>
+          <a:bodyPr rtlCol="0" anchor="ctr"/>
+          <a:lstStyle/>
+          <a:p>
+            <a:pPr algn="ctr"/>
+            <a:endParaRPr kumimoji="1" lang="ja-JP" altLang="en-US"/>
+          </a:p>
+        </p:txBody>
+      </p:sp>
+      <p:cxnSp>
+        <p:nvCxnSpPr>
+          <p:cNvPr id="26" name="曲線コネクタ 25">
+            <a:extLst>
+              <a:ext uri="{FF2B5EF4-FFF2-40B4-BE49-F238E27FC236}">
+                <a16:creationId xmlns:a16="http://schemas.microsoft.com/office/drawing/2014/main" id="{CE55A809-C481-5D46-FF01-10243F6C2A2C}"/>
+              </a:ext>
+            </a:extLst>
+          </p:cNvPr>
+          <p:cNvCxnSpPr>
+            <a:cxnSpLocks/>
+            <a:stCxn id="17" idx="4"/>
+            <a:endCxn id="21" idx="1"/>
+          </p:cNvCxnSpPr>
+          <p:nvPr/>
+        </p:nvCxnSpPr>
+        <p:spPr>
+          <a:xfrm rot="16200000" flipH="1">
+            <a:off x="4966683" y="1698110"/>
+            <a:ext cx="563292" cy="582973"/>
+          </a:xfrm>
+          <a:prstGeom prst="curvedConnector3">
+            <a:avLst>
+              <a:gd name="adj1" fmla="val 50000"/>
+            </a:avLst>
+          </a:prstGeom>
+          <a:ln>
+            <a:tailEnd type="triangle"/>
+          </a:ln>
+        </p:spPr>
+        <p:style>
+          <a:lnRef idx="1">
+            <a:schemeClr val="dk1"/>
+          </a:lnRef>
+          <a:fillRef idx="0">
+            <a:schemeClr val="dk1"/>
+          </a:fillRef>
+          <a:effectRef idx="0">
+            <a:schemeClr val="dk1"/>
+          </a:effectRef>
+          <a:fontRef idx="minor">
+            <a:schemeClr val="tx1"/>
+          </a:fontRef>
+        </p:style>
+      </p:cxnSp>
+      <p:cxnSp>
+        <p:nvCxnSpPr>
+          <p:cNvPr id="27" name="曲線コネクタ 26">
+            <a:extLst>
+              <a:ext uri="{FF2B5EF4-FFF2-40B4-BE49-F238E27FC236}">
+                <a16:creationId xmlns:a16="http://schemas.microsoft.com/office/drawing/2014/main" id="{68E5F2D9-F1ED-A62F-C13E-A9DC5E55DD62}"/>
+              </a:ext>
+            </a:extLst>
+          </p:cNvPr>
+          <p:cNvCxnSpPr>
+            <a:cxnSpLocks/>
+            <a:stCxn id="19" idx="4"/>
+            <a:endCxn id="22" idx="2"/>
+          </p:cNvCxnSpPr>
+          <p:nvPr/>
+        </p:nvCxnSpPr>
+        <p:spPr>
+          <a:xfrm rot="16200000" flipH="1">
+            <a:off x="4762586" y="3827555"/>
+            <a:ext cx="676430" cy="324024"/>
+          </a:xfrm>
+          <a:prstGeom prst="curvedConnector2">
+            <a:avLst/>
+          </a:prstGeom>
+          <a:ln>
+            <a:tailEnd type="triangle"/>
+          </a:ln>
+        </p:spPr>
+        <p:style>
+          <a:lnRef idx="1">
+            <a:schemeClr val="dk1"/>
+          </a:lnRef>
+          <a:fillRef idx="0">
+            <a:schemeClr val="dk1"/>
+          </a:fillRef>
+          <a:effectRef idx="0">
+            <a:schemeClr val="dk1"/>
+          </a:effectRef>
+          <a:fontRef idx="minor">
+            <a:schemeClr val="tx1"/>
+          </a:fontRef>
+        </p:style>
+      </p:cxnSp>
+      <p:cxnSp>
+        <p:nvCxnSpPr>
+          <p:cNvPr id="28" name="曲線コネクタ 27">
+            <a:extLst>
+              <a:ext uri="{FF2B5EF4-FFF2-40B4-BE49-F238E27FC236}">
+                <a16:creationId xmlns:a16="http://schemas.microsoft.com/office/drawing/2014/main" id="{91BDB814-1B54-8433-A0ED-FFDA41522F70}"/>
+              </a:ext>
+            </a:extLst>
+          </p:cNvPr>
+          <p:cNvCxnSpPr>
+            <a:cxnSpLocks/>
+            <a:stCxn id="21" idx="3"/>
+            <a:endCxn id="20" idx="2"/>
+          </p:cNvCxnSpPr>
+          <p:nvPr/>
+        </p:nvCxnSpPr>
+        <p:spPr>
+          <a:xfrm rot="16200000" flipH="1">
+            <a:off x="5315416" y="2877480"/>
+            <a:ext cx="1519020" cy="1070221"/>
+          </a:xfrm>
+          <a:prstGeom prst="curvedConnector2">
+            <a:avLst/>
+          </a:prstGeom>
+          <a:ln>
+            <a:tailEnd type="triangle"/>
+          </a:ln>
+        </p:spPr>
+        <p:style>
+          <a:lnRef idx="1">
+            <a:schemeClr val="dk1"/>
+          </a:lnRef>
+          <a:fillRef idx="0">
+            <a:schemeClr val="dk1"/>
+          </a:fillRef>
+          <a:effectRef idx="0">
+            <a:schemeClr val="dk1"/>
+          </a:effectRef>
+          <a:fontRef idx="minor">
+            <a:schemeClr val="tx1"/>
+          </a:fontRef>
+        </p:style>
+      </p:cxnSp>
+      <p:cxnSp>
+        <p:nvCxnSpPr>
+          <p:cNvPr id="29" name="曲線コネクタ 28">
+            <a:extLst>
+              <a:ext uri="{FF2B5EF4-FFF2-40B4-BE49-F238E27FC236}">
+                <a16:creationId xmlns:a16="http://schemas.microsoft.com/office/drawing/2014/main" id="{E1AB6B6E-AB5B-5F4B-195E-B5E503BB81FD}"/>
+              </a:ext>
+            </a:extLst>
+          </p:cNvPr>
+          <p:cNvCxnSpPr>
+            <a:cxnSpLocks/>
+            <a:stCxn id="21" idx="6"/>
+            <a:endCxn id="18" idx="3"/>
+          </p:cNvCxnSpPr>
+          <p:nvPr/>
+        </p:nvCxnSpPr>
+        <p:spPr>
+          <a:xfrm flipV="1">
+            <a:off x="6000735" y="2381444"/>
+            <a:ext cx="893394" cy="80718"/>
+          </a:xfrm>
+          <a:prstGeom prst="curvedConnector2">
+            <a:avLst/>
+          </a:prstGeom>
+          <a:ln>
+            <a:tailEnd type="triangle"/>
+          </a:ln>
+        </p:spPr>
+        <p:style>
+          <a:lnRef idx="1">
+            <a:schemeClr val="dk1"/>
+          </a:lnRef>
+          <a:fillRef idx="0">
+            <a:schemeClr val="dk1"/>
+          </a:fillRef>
+          <a:effectRef idx="0">
+            <a:schemeClr val="dk1"/>
+          </a:effectRef>
+          <a:fontRef idx="minor">
+            <a:schemeClr val="tx1"/>
+          </a:fontRef>
+        </p:style>
+      </p:cxnSp>
+      <p:cxnSp>
+        <p:nvCxnSpPr>
+          <p:cNvPr id="30" name="曲線コネクタ 29">
+            <a:extLst>
+              <a:ext uri="{FF2B5EF4-FFF2-40B4-BE49-F238E27FC236}">
+                <a16:creationId xmlns:a16="http://schemas.microsoft.com/office/drawing/2014/main" id="{E9503E50-9C00-035D-6387-CC08262FA85E}"/>
+              </a:ext>
+            </a:extLst>
+          </p:cNvPr>
+          <p:cNvCxnSpPr>
+            <a:cxnSpLocks/>
+            <a:stCxn id="19" idx="6"/>
+            <a:endCxn id="20" idx="1"/>
+          </p:cNvCxnSpPr>
+          <p:nvPr/>
+        </p:nvCxnSpPr>
+        <p:spPr>
+          <a:xfrm>
+            <a:off x="5208789" y="3381352"/>
+            <a:ext cx="1480329" cy="599830"/>
+          </a:xfrm>
+          <a:prstGeom prst="curvedConnector2">
+            <a:avLst/>
+          </a:prstGeom>
+          <a:ln>
+            <a:tailEnd type="triangle"/>
+          </a:ln>
+        </p:spPr>
+        <p:style>
+          <a:lnRef idx="1">
+            <a:schemeClr val="dk1"/>
+          </a:lnRef>
+          <a:fillRef idx="0">
+            <a:schemeClr val="dk1"/>
+          </a:fillRef>
+          <a:effectRef idx="0">
+            <a:schemeClr val="dk1"/>
+          </a:effectRef>
+          <a:fontRef idx="minor">
+            <a:schemeClr val="tx1"/>
+          </a:fontRef>
+        </p:style>
+      </p:cxnSp>
+      <p:cxnSp>
+        <p:nvCxnSpPr>
+          <p:cNvPr id="31" name="曲線コネクタ 30">
+            <a:extLst>
+              <a:ext uri="{FF2B5EF4-FFF2-40B4-BE49-F238E27FC236}">
+                <a16:creationId xmlns:a16="http://schemas.microsoft.com/office/drawing/2014/main" id="{637B030C-3572-049B-A6CD-B2594A644366}"/>
+              </a:ext>
+            </a:extLst>
+          </p:cNvPr>
+          <p:cNvCxnSpPr>
+            <a:cxnSpLocks/>
+            <a:stCxn id="22" idx="0"/>
+            <a:endCxn id="17" idx="3"/>
+          </p:cNvCxnSpPr>
+          <p:nvPr/>
+        </p:nvCxnSpPr>
+        <p:spPr>
+          <a:xfrm rot="16200000" flipV="1">
+            <a:off x="3934913" y="2459881"/>
+            <a:ext cx="2428912" cy="766889"/>
+          </a:xfrm>
+          <a:prstGeom prst="curvedConnector3">
+            <a:avLst>
+              <a:gd name="adj1" fmla="val 50000"/>
+            </a:avLst>
+          </a:prstGeom>
+          <a:ln>
+            <a:tailEnd type="triangle"/>
+          </a:ln>
+        </p:spPr>
+        <p:style>
+          <a:lnRef idx="1">
+            <a:schemeClr val="dk1"/>
+          </a:lnRef>
+          <a:fillRef idx="0">
+            <a:schemeClr val="dk1"/>
+          </a:fillRef>
+          <a:effectRef idx="0">
+            <a:schemeClr val="dk1"/>
+          </a:effectRef>
+          <a:fontRef idx="minor">
+            <a:schemeClr val="tx1"/>
+          </a:fontRef>
+        </p:style>
+      </p:cxnSp>
+      <p:cxnSp>
+        <p:nvCxnSpPr>
+          <p:cNvPr id="32" name="曲線コネクタ 31">
+            <a:extLst>
+              <a:ext uri="{FF2B5EF4-FFF2-40B4-BE49-F238E27FC236}">
+                <a16:creationId xmlns:a16="http://schemas.microsoft.com/office/drawing/2014/main" id="{3DDB57F8-941F-C459-30CE-1047C3BD2D2E}"/>
+              </a:ext>
+            </a:extLst>
+          </p:cNvPr>
+          <p:cNvCxnSpPr>
+            <a:cxnSpLocks/>
+            <a:stCxn id="17" idx="6"/>
+            <a:endCxn id="18" idx="1"/>
+          </p:cNvCxnSpPr>
+          <p:nvPr/>
+        </p:nvCxnSpPr>
+        <p:spPr>
+          <a:xfrm>
+            <a:off x="5226843" y="1437951"/>
+            <a:ext cx="1667286" cy="561655"/>
+          </a:xfrm>
+          <a:prstGeom prst="curvedConnector2">
+            <a:avLst/>
+          </a:prstGeom>
+          <a:ln>
+            <a:tailEnd type="triangle"/>
+          </a:ln>
+        </p:spPr>
+        <p:style>
+          <a:lnRef idx="1">
+            <a:schemeClr val="dk1"/>
+          </a:lnRef>
+          <a:fillRef idx="0">
+            <a:schemeClr val="dk1"/>
+          </a:fillRef>
+          <a:effectRef idx="0">
+            <a:schemeClr val="dk1"/>
+          </a:effectRef>
+          <a:fontRef idx="minor">
+            <a:schemeClr val="tx1"/>
+          </a:fontRef>
+        </p:style>
+      </p:cxnSp>
+      <p:cxnSp>
+        <p:nvCxnSpPr>
+          <p:cNvPr id="58" name="直線矢印コネクタ 57">
+            <a:extLst>
+              <a:ext uri="{FF2B5EF4-FFF2-40B4-BE49-F238E27FC236}">
+                <a16:creationId xmlns:a16="http://schemas.microsoft.com/office/drawing/2014/main" id="{921B8B39-91AF-30F9-F9F9-62AEEEA8B664}"/>
+              </a:ext>
+            </a:extLst>
+          </p:cNvPr>
+          <p:cNvCxnSpPr>
+            <a:cxnSpLocks/>
+            <a:stCxn id="7" idx="6"/>
+            <a:endCxn id="17" idx="2"/>
+          </p:cNvCxnSpPr>
+          <p:nvPr/>
+        </p:nvCxnSpPr>
+        <p:spPr>
+          <a:xfrm flipV="1">
+            <a:off x="2776305" y="1437951"/>
+            <a:ext cx="1910538" cy="203649"/>
+          </a:xfrm>
+          <a:prstGeom prst="straightConnector1">
+            <a:avLst/>
+          </a:prstGeom>
+          <a:ln>
+            <a:tailEnd type="triangle"/>
+          </a:ln>
+        </p:spPr>
+        <p:style>
+          <a:lnRef idx="1">
+            <a:schemeClr val="dk1"/>
+          </a:lnRef>
+          <a:fillRef idx="0">
+            <a:schemeClr val="dk1"/>
+          </a:fillRef>
+          <a:effectRef idx="0">
+            <a:schemeClr val="dk1"/>
+          </a:effectRef>
+          <a:fontRef idx="minor">
+            <a:schemeClr val="tx1"/>
+          </a:fontRef>
+        </p:style>
+      </p:cxnSp>
+      <p:cxnSp>
+        <p:nvCxnSpPr>
+          <p:cNvPr id="64" name="直線矢印コネクタ 63">
+            <a:extLst>
+              <a:ext uri="{FF2B5EF4-FFF2-40B4-BE49-F238E27FC236}">
+                <a16:creationId xmlns:a16="http://schemas.microsoft.com/office/drawing/2014/main" id="{5412C114-00F2-F99B-D10F-2648D813A0E5}"/>
+              </a:ext>
+            </a:extLst>
+          </p:cNvPr>
+          <p:cNvCxnSpPr>
+            <a:stCxn id="8" idx="6"/>
+            <a:endCxn id="19" idx="1"/>
+          </p:cNvCxnSpPr>
+          <p:nvPr/>
+        </p:nvCxnSpPr>
+        <p:spPr>
+          <a:xfrm>
+            <a:off x="2776305" y="2459922"/>
+            <a:ext cx="1971565" cy="730511"/>
+          </a:xfrm>
+          <a:prstGeom prst="straightConnector1">
+            <a:avLst/>
+          </a:prstGeom>
+          <a:ln>
+            <a:tailEnd type="triangle"/>
+          </a:ln>
+        </p:spPr>
+        <p:style>
+          <a:lnRef idx="1">
+            <a:schemeClr val="dk1"/>
+          </a:lnRef>
+          <a:fillRef idx="0">
+            <a:schemeClr val="dk1"/>
+          </a:fillRef>
+          <a:effectRef idx="0">
+            <a:schemeClr val="dk1"/>
+          </a:effectRef>
+          <a:fontRef idx="minor">
+            <a:schemeClr val="tx1"/>
+          </a:fontRef>
+        </p:style>
+      </p:cxnSp>
+      <p:cxnSp>
+        <p:nvCxnSpPr>
+          <p:cNvPr id="66" name="直線矢印コネクタ 65">
+            <a:extLst>
+              <a:ext uri="{FF2B5EF4-FFF2-40B4-BE49-F238E27FC236}">
+                <a16:creationId xmlns:a16="http://schemas.microsoft.com/office/drawing/2014/main" id="{703A12AF-1C51-AB4A-B3EA-30E6B3673DE9}"/>
+              </a:ext>
+            </a:extLst>
+          </p:cNvPr>
+          <p:cNvCxnSpPr>
+            <a:stCxn id="9" idx="6"/>
+            <a:endCxn id="22" idx="3"/>
+          </p:cNvCxnSpPr>
+          <p:nvPr/>
+        </p:nvCxnSpPr>
+        <p:spPr>
+          <a:xfrm>
+            <a:off x="2776305" y="4026966"/>
+            <a:ext cx="2565589" cy="491735"/>
+          </a:xfrm>
+          <a:prstGeom prst="straightConnector1">
+            <a:avLst/>
+          </a:prstGeom>
+          <a:ln>
+            <a:tailEnd type="triangle"/>
+          </a:ln>
+        </p:spPr>
+        <p:style>
+          <a:lnRef idx="1">
+            <a:schemeClr val="dk1"/>
+          </a:lnRef>
+          <a:fillRef idx="0">
+            <a:schemeClr val="dk1"/>
+          </a:fillRef>
+          <a:effectRef idx="0">
+            <a:schemeClr val="dk1"/>
+          </a:effectRef>
+          <a:fontRef idx="minor">
+            <a:schemeClr val="tx1"/>
+          </a:fontRef>
+        </p:style>
+      </p:cxnSp>
+      <p:cxnSp>
+        <p:nvCxnSpPr>
+          <p:cNvPr id="68" name="直線矢印コネクタ 67">
+            <a:extLst>
+              <a:ext uri="{FF2B5EF4-FFF2-40B4-BE49-F238E27FC236}">
+                <a16:creationId xmlns:a16="http://schemas.microsoft.com/office/drawing/2014/main" id="{D0C9DA2D-9151-3C41-F201-88787AB8FB00}"/>
+              </a:ext>
+            </a:extLst>
+          </p:cNvPr>
+          <p:cNvCxnSpPr>
+            <a:stCxn id="9" idx="7"/>
+            <a:endCxn id="19" idx="2"/>
+          </p:cNvCxnSpPr>
+          <p:nvPr/>
+        </p:nvCxnSpPr>
+        <p:spPr>
+          <a:xfrm flipV="1">
+            <a:off x="2697224" y="3381352"/>
+            <a:ext cx="1971565" cy="454695"/>
+          </a:xfrm>
+          <a:prstGeom prst="straightConnector1">
+            <a:avLst/>
+          </a:prstGeom>
+          <a:ln>
+            <a:tailEnd type="triangle"/>
+          </a:ln>
+        </p:spPr>
+        <p:style>
+          <a:lnRef idx="1">
+            <a:schemeClr val="dk1"/>
+          </a:lnRef>
+          <a:fillRef idx="0">
+            <a:schemeClr val="dk1"/>
+          </a:fillRef>
+          <a:effectRef idx="0">
+            <a:schemeClr val="dk1"/>
+          </a:effectRef>
+          <a:fontRef idx="minor">
+            <a:schemeClr val="tx1"/>
+          </a:fontRef>
+        </p:style>
+      </p:cxnSp>
+      <p:cxnSp>
+        <p:nvCxnSpPr>
+          <p:cNvPr id="70" name="直線矢印コネクタ 69">
+            <a:extLst>
+              <a:ext uri="{FF2B5EF4-FFF2-40B4-BE49-F238E27FC236}">
+                <a16:creationId xmlns:a16="http://schemas.microsoft.com/office/drawing/2014/main" id="{0863EA81-6532-8DFC-9496-0AD6B974D012}"/>
+              </a:ext>
+            </a:extLst>
+          </p:cNvPr>
+          <p:cNvCxnSpPr>
+            <a:cxnSpLocks/>
+            <a:stCxn id="8" idx="5"/>
+            <a:endCxn id="22" idx="1"/>
+          </p:cNvCxnSpPr>
+          <p:nvPr/>
+        </p:nvCxnSpPr>
+        <p:spPr>
+          <a:xfrm>
+            <a:off x="2697224" y="2650841"/>
+            <a:ext cx="2644670" cy="1486022"/>
+          </a:xfrm>
+          <a:prstGeom prst="straightConnector1">
+            <a:avLst/>
+          </a:prstGeom>
+          <a:ln>
+            <a:tailEnd type="triangle"/>
+          </a:ln>
+        </p:spPr>
+        <p:style>
+          <a:lnRef idx="1">
+            <a:schemeClr val="dk1"/>
+          </a:lnRef>
+          <a:fillRef idx="0">
+            <a:schemeClr val="dk1"/>
+          </a:fillRef>
+          <a:effectRef idx="0">
+            <a:schemeClr val="dk1"/>
+          </a:effectRef>
+          <a:fontRef idx="minor">
+            <a:schemeClr val="tx1"/>
+          </a:fontRef>
+        </p:style>
+      </p:cxnSp>
+      <p:cxnSp>
+        <p:nvCxnSpPr>
+          <p:cNvPr id="74" name="直線矢印コネクタ 73">
+            <a:extLst>
+              <a:ext uri="{FF2B5EF4-FFF2-40B4-BE49-F238E27FC236}">
+                <a16:creationId xmlns:a16="http://schemas.microsoft.com/office/drawing/2014/main" id="{93C2219C-591D-EB3C-6157-C0F24EC82611}"/>
+              </a:ext>
+            </a:extLst>
+          </p:cNvPr>
+          <p:cNvCxnSpPr>
+            <a:stCxn id="7" idx="5"/>
+            <a:endCxn id="21" idx="2"/>
+          </p:cNvCxnSpPr>
+          <p:nvPr/>
+        </p:nvCxnSpPr>
+        <p:spPr>
+          <a:xfrm>
+            <a:off x="2697224" y="1832519"/>
+            <a:ext cx="2763511" cy="629643"/>
+          </a:xfrm>
+          <a:prstGeom prst="straightConnector1">
+            <a:avLst/>
+          </a:prstGeom>
+          <a:ln>
+            <a:tailEnd type="triangle"/>
+          </a:ln>
+        </p:spPr>
+        <p:style>
+          <a:lnRef idx="1">
+            <a:schemeClr val="dk1"/>
+          </a:lnRef>
+          <a:fillRef idx="0">
+            <a:schemeClr val="dk1"/>
+          </a:fillRef>
+          <a:effectRef idx="0">
+            <a:schemeClr val="dk1"/>
+          </a:effectRef>
+          <a:fontRef idx="minor">
+            <a:schemeClr val="tx1"/>
+          </a:fontRef>
+        </p:style>
+      </p:cxnSp>
+      <p:sp>
+        <p:nvSpPr>
+          <p:cNvPr id="83" name="フローチャート: 結合子 82">
+            <a:extLst>
+              <a:ext uri="{FF2B5EF4-FFF2-40B4-BE49-F238E27FC236}">
+                <a16:creationId xmlns:a16="http://schemas.microsoft.com/office/drawing/2014/main" id="{91052C0B-0831-3942-2C6A-3B2B753F62B8}"/>
+              </a:ext>
+            </a:extLst>
+          </p:cNvPr>
+          <p:cNvSpPr>
+            <a:spLocks/>
+          </p:cNvSpPr>
+          <p:nvPr/>
+        </p:nvSpPr>
+        <p:spPr>
+          <a:xfrm>
+            <a:off x="9386124" y="1371600"/>
+            <a:ext cx="540000" cy="540000"/>
+          </a:xfrm>
+          <a:prstGeom prst="flowChartConnector">
+            <a:avLst/>
+          </a:prstGeom>
+        </p:spPr>
+        <p:style>
+          <a:lnRef idx="2">
+            <a:schemeClr val="dk1"/>
+          </a:lnRef>
+          <a:fillRef idx="1">
+            <a:schemeClr val="lt1"/>
+          </a:fillRef>
+          <a:effectRef idx="0">
+            <a:schemeClr val="dk1"/>
+          </a:effectRef>
+          <a:fontRef idx="minor">
+            <a:schemeClr val="dk1"/>
+          </a:fontRef>
+        </p:style>
+        <p:txBody>
+          <a:bodyPr rtlCol="0" anchor="ctr"/>
+          <a:lstStyle/>
+          <a:p>
+            <a:pPr algn="ctr"/>
+            <a:endParaRPr kumimoji="1" lang="ja-JP" altLang="en-US"/>
+          </a:p>
+        </p:txBody>
+      </p:sp>
+      <p:sp>
+        <p:nvSpPr>
+          <p:cNvPr id="84" name="フローチャート: 結合子 83">
+            <a:extLst>
+              <a:ext uri="{FF2B5EF4-FFF2-40B4-BE49-F238E27FC236}">
+                <a16:creationId xmlns:a16="http://schemas.microsoft.com/office/drawing/2014/main" id="{9DB15CC3-9EA0-7A59-D1D4-D47CE89EC959}"/>
+              </a:ext>
+            </a:extLst>
+          </p:cNvPr>
+          <p:cNvSpPr>
+            <a:spLocks/>
+          </p:cNvSpPr>
+          <p:nvPr/>
+        </p:nvSpPr>
+        <p:spPr>
+          <a:xfrm>
+            <a:off x="9386124" y="2189922"/>
+            <a:ext cx="540000" cy="540000"/>
+          </a:xfrm>
+          <a:prstGeom prst="flowChartConnector">
+            <a:avLst/>
+          </a:prstGeom>
+        </p:spPr>
+        <p:style>
+          <a:lnRef idx="2">
+            <a:schemeClr val="dk1"/>
+          </a:lnRef>
+          <a:fillRef idx="1">
+            <a:schemeClr val="lt1"/>
+          </a:fillRef>
+          <a:effectRef idx="0">
+            <a:schemeClr val="dk1"/>
+          </a:effectRef>
+          <a:fontRef idx="minor">
+            <a:schemeClr val="dk1"/>
+          </a:fontRef>
+        </p:style>
+        <p:txBody>
+          <a:bodyPr rtlCol="0" anchor="ctr"/>
+          <a:lstStyle/>
+          <a:p>
+            <a:pPr algn="ctr"/>
+            <a:endParaRPr kumimoji="1" lang="ja-JP" altLang="en-US"/>
+          </a:p>
+        </p:txBody>
+      </p:sp>
+      <p:sp>
+        <p:nvSpPr>
+          <p:cNvPr id="85" name="フローチャート: 結合子 84">
+            <a:extLst>
+              <a:ext uri="{FF2B5EF4-FFF2-40B4-BE49-F238E27FC236}">
+                <a16:creationId xmlns:a16="http://schemas.microsoft.com/office/drawing/2014/main" id="{5ED2028A-EB16-4D50-83DB-D6B50F00D896}"/>
+              </a:ext>
+            </a:extLst>
+          </p:cNvPr>
+          <p:cNvSpPr>
+            <a:spLocks/>
+          </p:cNvSpPr>
+          <p:nvPr/>
+        </p:nvSpPr>
+        <p:spPr>
+          <a:xfrm>
+            <a:off x="9386124" y="3756966"/>
+            <a:ext cx="540000" cy="540000"/>
+          </a:xfrm>
+          <a:prstGeom prst="flowChartConnector">
+            <a:avLst/>
+          </a:prstGeom>
+        </p:spPr>
+        <p:style>
+          <a:lnRef idx="2">
+            <a:schemeClr val="dk1"/>
+          </a:lnRef>
+          <a:fillRef idx="1">
+            <a:schemeClr val="lt1"/>
+          </a:fillRef>
+          <a:effectRef idx="0">
+            <a:schemeClr val="dk1"/>
+          </a:effectRef>
+          <a:fontRef idx="minor">
+            <a:schemeClr val="dk1"/>
+          </a:fontRef>
+        </p:style>
+        <p:txBody>
+          <a:bodyPr rtlCol="0" anchor="ctr"/>
+          <a:lstStyle/>
+          <a:p>
+            <a:pPr algn="ctr"/>
+            <a:endParaRPr kumimoji="1" lang="ja-JP" altLang="en-US"/>
+          </a:p>
+        </p:txBody>
+      </p:sp>
+      <p:sp>
+        <p:nvSpPr>
+          <p:cNvPr id="86" name="フローチャート: 結合子 85">
+            <a:extLst>
+              <a:ext uri="{FF2B5EF4-FFF2-40B4-BE49-F238E27FC236}">
+                <a16:creationId xmlns:a16="http://schemas.microsoft.com/office/drawing/2014/main" id="{87652A79-20A8-454B-02B5-11D49757594F}"/>
+              </a:ext>
+            </a:extLst>
+          </p:cNvPr>
+          <p:cNvSpPr/>
+          <p:nvPr/>
+        </p:nvSpPr>
+        <p:spPr>
+          <a:xfrm>
+            <a:off x="9592281" y="2956239"/>
+            <a:ext cx="72000" cy="72000"/>
+          </a:xfrm>
+          <a:prstGeom prst="flowChartConnector">
+            <a:avLst/>
+          </a:prstGeom>
+        </p:spPr>
+        <p:style>
+          <a:lnRef idx="2">
+            <a:schemeClr val="dk1">
+              <a:shade val="50000"/>
+            </a:schemeClr>
+          </a:lnRef>
+          <a:fillRef idx="1">
+            <a:schemeClr val="dk1"/>
+          </a:fillRef>
+          <a:effectRef idx="0">
+            <a:schemeClr val="dk1"/>
+          </a:effectRef>
+          <a:fontRef idx="minor">
+            <a:schemeClr val="lt1"/>
+          </a:fontRef>
+        </p:style>
+        <p:txBody>
+          <a:bodyPr rtlCol="0" anchor="ctr"/>
+          <a:lstStyle/>
+          <a:p>
+            <a:pPr algn="ctr"/>
+            <a:endParaRPr kumimoji="1" lang="ja-JP" altLang="en-US"/>
+          </a:p>
+        </p:txBody>
+      </p:sp>
+      <p:sp>
+        <p:nvSpPr>
+          <p:cNvPr id="87" name="フローチャート: 結合子 86">
+            <a:extLst>
+              <a:ext uri="{FF2B5EF4-FFF2-40B4-BE49-F238E27FC236}">
+                <a16:creationId xmlns:a16="http://schemas.microsoft.com/office/drawing/2014/main" id="{C90FCC0F-3D74-891D-C3CB-495B4E83475E}"/>
+              </a:ext>
+            </a:extLst>
+          </p:cNvPr>
+          <p:cNvSpPr/>
+          <p:nvPr/>
+        </p:nvSpPr>
+        <p:spPr>
+          <a:xfrm>
+            <a:off x="9591844" y="3189444"/>
+            <a:ext cx="72000" cy="72000"/>
+          </a:xfrm>
+          <a:prstGeom prst="flowChartConnector">
+            <a:avLst/>
+          </a:prstGeom>
+        </p:spPr>
+        <p:style>
+          <a:lnRef idx="2">
+            <a:schemeClr val="dk1">
+              <a:shade val="50000"/>
+            </a:schemeClr>
+          </a:lnRef>
+          <a:fillRef idx="1">
+            <a:schemeClr val="dk1"/>
+          </a:fillRef>
+          <a:effectRef idx="0">
+            <a:schemeClr val="dk1"/>
+          </a:effectRef>
+          <a:fontRef idx="minor">
+            <a:schemeClr val="lt1"/>
+          </a:fontRef>
+        </p:style>
+        <p:txBody>
+          <a:bodyPr rtlCol="0" anchor="ctr"/>
+          <a:lstStyle/>
+          <a:p>
+            <a:pPr algn="ctr"/>
+            <a:endParaRPr kumimoji="1" lang="ja-JP" altLang="en-US"/>
+          </a:p>
+        </p:txBody>
+      </p:sp>
+      <p:sp>
+        <p:nvSpPr>
+          <p:cNvPr id="88" name="フローチャート: 結合子 87">
+            <a:extLst>
+              <a:ext uri="{FF2B5EF4-FFF2-40B4-BE49-F238E27FC236}">
+                <a16:creationId xmlns:a16="http://schemas.microsoft.com/office/drawing/2014/main" id="{ABA5F02D-99B4-AE3D-0EE5-94FB0197D79B}"/>
+              </a:ext>
+            </a:extLst>
+          </p:cNvPr>
+          <p:cNvSpPr/>
+          <p:nvPr/>
+        </p:nvSpPr>
+        <p:spPr>
+          <a:xfrm>
+            <a:off x="9595244" y="3422649"/>
+            <a:ext cx="72000" cy="72000"/>
+          </a:xfrm>
+          <a:prstGeom prst="flowChartConnector">
+            <a:avLst/>
+          </a:prstGeom>
+        </p:spPr>
+        <p:style>
+          <a:lnRef idx="2">
+            <a:schemeClr val="dk1">
+              <a:shade val="50000"/>
+            </a:schemeClr>
+          </a:lnRef>
+          <a:fillRef idx="1">
+            <a:schemeClr val="dk1"/>
+          </a:fillRef>
+          <a:effectRef idx="0">
+            <a:schemeClr val="dk1"/>
+          </a:effectRef>
+          <a:fontRef idx="minor">
+            <a:schemeClr val="lt1"/>
+          </a:fontRef>
+        </p:style>
+        <p:txBody>
+          <a:bodyPr rtlCol="0" anchor="ctr"/>
+          <a:lstStyle/>
+          <a:p>
+            <a:pPr algn="ctr"/>
+            <a:endParaRPr kumimoji="1" lang="ja-JP" altLang="en-US"/>
+          </a:p>
+        </p:txBody>
+      </p:sp>
+      <p:sp>
+        <p:nvSpPr>
+          <p:cNvPr id="89" name="フレーム 88">
+            <a:extLst>
+              <a:ext uri="{FF2B5EF4-FFF2-40B4-BE49-F238E27FC236}">
+                <a16:creationId xmlns:a16="http://schemas.microsoft.com/office/drawing/2014/main" id="{190A9EDB-54C2-67C2-6F26-5639FE1ABEE9}"/>
+              </a:ext>
+            </a:extLst>
+          </p:cNvPr>
+          <p:cNvSpPr/>
+          <p:nvPr/>
+        </p:nvSpPr>
+        <p:spPr>
+          <a:xfrm>
+            <a:off x="8883369" y="895350"/>
+            <a:ext cx="1504950" cy="4133850"/>
+          </a:xfrm>
+          <a:prstGeom prst="frame">
+            <a:avLst>
+              <a:gd name="adj1" fmla="val 0"/>
+            </a:avLst>
+          </a:prstGeom>
+          <a:ln w="3175"/>
+        </p:spPr>
+        <p:style>
+          <a:lnRef idx="2">
+            <a:schemeClr val="dk1">
+              <a:shade val="50000"/>
+            </a:schemeClr>
+          </a:lnRef>
+          <a:fillRef idx="1">
+            <a:schemeClr val="dk1"/>
+          </a:fillRef>
+          <a:effectRef idx="0">
+            <a:schemeClr val="dk1"/>
+          </a:effectRef>
+          <a:fontRef idx="minor">
+            <a:schemeClr val="lt1"/>
+          </a:fontRef>
+        </p:style>
+        <p:txBody>
+          <a:bodyPr rtlCol="0" anchor="ctr"/>
+          <a:lstStyle/>
+          <a:p>
+            <a:pPr algn="ctr"/>
+            <a:endParaRPr kumimoji="1" lang="ja-JP" altLang="en-US">
+              <a:solidFill>
+                <a:schemeClr val="tx1"/>
+              </a:solidFill>
+            </a:endParaRPr>
+          </a:p>
+        </p:txBody>
+      </p:sp>
+      <p:sp>
+        <p:nvSpPr>
+          <p:cNvPr id="90" name="フローチャート: 結合子 89">
+            <a:extLst>
+              <a:ext uri="{FF2B5EF4-FFF2-40B4-BE49-F238E27FC236}">
+                <a16:creationId xmlns:a16="http://schemas.microsoft.com/office/drawing/2014/main" id="{F94F2BA9-3667-498A-1EBC-E09158965CFD}"/>
+              </a:ext>
+            </a:extLst>
+          </p:cNvPr>
+          <p:cNvSpPr>
+            <a:spLocks/>
+          </p:cNvSpPr>
+          <p:nvPr/>
+        </p:nvSpPr>
+        <p:spPr>
+          <a:xfrm>
+            <a:off x="7083915" y="3028433"/>
+            <a:ext cx="540000" cy="540000"/>
+          </a:xfrm>
+          <a:prstGeom prst="flowChartConnector">
+            <a:avLst/>
+          </a:prstGeom>
+        </p:spPr>
+        <p:style>
+          <a:lnRef idx="2">
+            <a:schemeClr val="dk1"/>
+          </a:lnRef>
+          <a:fillRef idx="1">
+            <a:schemeClr val="lt1"/>
+          </a:fillRef>
+          <a:effectRef idx="0">
+            <a:schemeClr val="dk1"/>
+          </a:effectRef>
+          <a:fontRef idx="minor">
+            <a:schemeClr val="dk1"/>
+          </a:fontRef>
+        </p:style>
+        <p:txBody>
+          <a:bodyPr rtlCol="0" anchor="ctr"/>
+          <a:lstStyle/>
+          <a:p>
+            <a:pPr algn="ctr"/>
+            <a:endParaRPr kumimoji="1" lang="ja-JP" altLang="en-US"/>
+          </a:p>
+        </p:txBody>
+      </p:sp>
+      <p:cxnSp>
+        <p:nvCxnSpPr>
+          <p:cNvPr id="92" name="曲線コネクタ 91">
+            <a:extLst>
+              <a:ext uri="{FF2B5EF4-FFF2-40B4-BE49-F238E27FC236}">
+                <a16:creationId xmlns:a16="http://schemas.microsoft.com/office/drawing/2014/main" id="{D0F3CCB3-2520-91C2-E700-863DE6895888}"/>
+              </a:ext>
+            </a:extLst>
+          </p:cNvPr>
+          <p:cNvCxnSpPr>
+            <a:stCxn id="21" idx="5"/>
+            <a:endCxn id="90" idx="2"/>
+          </p:cNvCxnSpPr>
+          <p:nvPr/>
+        </p:nvCxnSpPr>
+        <p:spPr>
+          <a:xfrm rot="16200000" flipH="1">
+            <a:off x="6180108" y="2394626"/>
+            <a:ext cx="645352" cy="1162261"/>
+          </a:xfrm>
+          <a:prstGeom prst="curvedConnector2">
+            <a:avLst/>
+          </a:prstGeom>
+          <a:ln>
+            <a:tailEnd type="triangle"/>
+          </a:ln>
+        </p:spPr>
+        <p:style>
+          <a:lnRef idx="1">
+            <a:schemeClr val="dk1"/>
+          </a:lnRef>
+          <a:fillRef idx="0">
+            <a:schemeClr val="dk1"/>
+          </a:fillRef>
+          <a:effectRef idx="0">
+            <a:schemeClr val="dk1"/>
+          </a:effectRef>
+          <a:fontRef idx="minor">
+            <a:schemeClr val="tx1"/>
+          </a:fontRef>
+        </p:style>
+      </p:cxnSp>
+      <p:cxnSp>
+        <p:nvCxnSpPr>
+          <p:cNvPr id="94" name="直線矢印コネクタ 93">
+            <a:extLst>
+              <a:ext uri="{FF2B5EF4-FFF2-40B4-BE49-F238E27FC236}">
+                <a16:creationId xmlns:a16="http://schemas.microsoft.com/office/drawing/2014/main" id="{D018A931-426E-8AD6-FABA-70ABA785AAE5}"/>
+              </a:ext>
+            </a:extLst>
+          </p:cNvPr>
+          <p:cNvCxnSpPr>
+            <a:cxnSpLocks/>
+            <a:stCxn id="18" idx="7"/>
+            <a:endCxn id="83" idx="1"/>
+          </p:cNvCxnSpPr>
+          <p:nvPr/>
+        </p:nvCxnSpPr>
+        <p:spPr>
+          <a:xfrm flipV="1">
+            <a:off x="7275967" y="1450681"/>
+            <a:ext cx="2189238" cy="548925"/>
+          </a:xfrm>
+          <a:prstGeom prst="straightConnector1">
+            <a:avLst/>
+          </a:prstGeom>
+          <a:ln>
+            <a:tailEnd type="triangle"/>
+          </a:ln>
+        </p:spPr>
+        <p:style>
+          <a:lnRef idx="1">
+            <a:schemeClr val="dk1"/>
+          </a:lnRef>
+          <a:fillRef idx="0">
+            <a:schemeClr val="dk1"/>
+          </a:fillRef>
+          <a:effectRef idx="0">
+            <a:schemeClr val="dk1"/>
+          </a:effectRef>
+          <a:fontRef idx="minor">
+            <a:schemeClr val="tx1"/>
+          </a:fontRef>
+        </p:style>
+      </p:cxnSp>
+      <p:cxnSp>
+        <p:nvCxnSpPr>
+          <p:cNvPr id="96" name="直線矢印コネクタ 95">
+            <a:extLst>
+              <a:ext uri="{FF2B5EF4-FFF2-40B4-BE49-F238E27FC236}">
+                <a16:creationId xmlns:a16="http://schemas.microsoft.com/office/drawing/2014/main" id="{39698C9B-E775-2E69-FAB7-1A42998E6577}"/>
+              </a:ext>
+            </a:extLst>
+          </p:cNvPr>
+          <p:cNvCxnSpPr>
+            <a:cxnSpLocks/>
+            <a:stCxn id="18" idx="6"/>
+            <a:endCxn id="84" idx="1"/>
+          </p:cNvCxnSpPr>
+          <p:nvPr/>
+        </p:nvCxnSpPr>
+        <p:spPr>
+          <a:xfrm>
+            <a:off x="7355048" y="2190525"/>
+            <a:ext cx="2110157" cy="78478"/>
+          </a:xfrm>
+          <a:prstGeom prst="straightConnector1">
+            <a:avLst/>
+          </a:prstGeom>
+          <a:ln>
+            <a:tailEnd type="triangle"/>
+          </a:ln>
+        </p:spPr>
+        <p:style>
+          <a:lnRef idx="1">
+            <a:schemeClr val="dk1"/>
+          </a:lnRef>
+          <a:fillRef idx="0">
+            <a:schemeClr val="dk1"/>
+          </a:fillRef>
+          <a:effectRef idx="0">
+            <a:schemeClr val="dk1"/>
+          </a:effectRef>
+          <a:fontRef idx="minor">
+            <a:schemeClr val="tx1"/>
+          </a:fontRef>
+        </p:style>
+      </p:cxnSp>
+      <p:cxnSp>
+        <p:nvCxnSpPr>
+          <p:cNvPr id="97" name="直線矢印コネクタ 96">
+            <a:extLst>
+              <a:ext uri="{FF2B5EF4-FFF2-40B4-BE49-F238E27FC236}">
+                <a16:creationId xmlns:a16="http://schemas.microsoft.com/office/drawing/2014/main" id="{E4E02013-2953-8041-F2ED-923A8FB6BCB4}"/>
+              </a:ext>
+            </a:extLst>
+          </p:cNvPr>
+          <p:cNvCxnSpPr>
+            <a:cxnSpLocks/>
+            <a:stCxn id="18" idx="5"/>
+            <a:endCxn id="85" idx="1"/>
+          </p:cNvCxnSpPr>
+          <p:nvPr/>
+        </p:nvCxnSpPr>
+        <p:spPr>
+          <a:xfrm>
+            <a:off x="7275967" y="2381444"/>
+            <a:ext cx="2189238" cy="1454603"/>
+          </a:xfrm>
+          <a:prstGeom prst="straightConnector1">
+            <a:avLst/>
+          </a:prstGeom>
+          <a:ln>
+            <a:tailEnd type="triangle"/>
+          </a:ln>
+        </p:spPr>
+        <p:style>
+          <a:lnRef idx="1">
+            <a:schemeClr val="dk1"/>
+          </a:lnRef>
+          <a:fillRef idx="0">
+            <a:schemeClr val="dk1"/>
+          </a:fillRef>
+          <a:effectRef idx="0">
+            <a:schemeClr val="dk1"/>
+          </a:effectRef>
+          <a:fontRef idx="minor">
+            <a:schemeClr val="tx1"/>
+          </a:fontRef>
+        </p:style>
+      </p:cxnSp>
+      <p:cxnSp>
+        <p:nvCxnSpPr>
+          <p:cNvPr id="100" name="直線矢印コネクタ 99">
+            <a:extLst>
+              <a:ext uri="{FF2B5EF4-FFF2-40B4-BE49-F238E27FC236}">
+                <a16:creationId xmlns:a16="http://schemas.microsoft.com/office/drawing/2014/main" id="{5B4E099D-0B0C-6FB9-ACD0-F17F53F992EA}"/>
+              </a:ext>
+            </a:extLst>
+          </p:cNvPr>
+          <p:cNvCxnSpPr>
+            <a:cxnSpLocks/>
+            <a:stCxn id="90" idx="7"/>
+            <a:endCxn id="83" idx="2"/>
+          </p:cNvCxnSpPr>
+          <p:nvPr/>
+        </p:nvCxnSpPr>
+        <p:spPr>
+          <a:xfrm flipV="1">
+            <a:off x="7544834" y="1641600"/>
+            <a:ext cx="1841290" cy="1465914"/>
+          </a:xfrm>
+          <a:prstGeom prst="straightConnector1">
+            <a:avLst/>
+          </a:prstGeom>
+          <a:ln>
+            <a:tailEnd type="triangle"/>
+          </a:ln>
+        </p:spPr>
+        <p:style>
+          <a:lnRef idx="1">
+            <a:schemeClr val="dk1"/>
+          </a:lnRef>
+          <a:fillRef idx="0">
+            <a:schemeClr val="dk1"/>
+          </a:fillRef>
+          <a:effectRef idx="0">
+            <a:schemeClr val="dk1"/>
+          </a:effectRef>
+          <a:fontRef idx="minor">
+            <a:schemeClr val="tx1"/>
+          </a:fontRef>
+        </p:style>
+      </p:cxnSp>
+      <p:cxnSp>
+        <p:nvCxnSpPr>
+          <p:cNvPr id="104" name="直線矢印コネクタ 103">
+            <a:extLst>
+              <a:ext uri="{FF2B5EF4-FFF2-40B4-BE49-F238E27FC236}">
+                <a16:creationId xmlns:a16="http://schemas.microsoft.com/office/drawing/2014/main" id="{4CD845A2-EE29-9F52-4C45-78BB1AAAA783}"/>
+              </a:ext>
+            </a:extLst>
+          </p:cNvPr>
+          <p:cNvCxnSpPr>
+            <a:cxnSpLocks/>
+            <a:stCxn id="90" idx="6"/>
+            <a:endCxn id="84" idx="2"/>
+          </p:cNvCxnSpPr>
+          <p:nvPr/>
+        </p:nvCxnSpPr>
+        <p:spPr>
+          <a:xfrm flipV="1">
+            <a:off x="7623915" y="2459922"/>
+            <a:ext cx="1762209" cy="838511"/>
+          </a:xfrm>
+          <a:prstGeom prst="straightConnector1">
+            <a:avLst/>
+          </a:prstGeom>
+          <a:ln>
+            <a:tailEnd type="triangle"/>
+          </a:ln>
+        </p:spPr>
+        <p:style>
+          <a:lnRef idx="1">
+            <a:schemeClr val="dk1"/>
+          </a:lnRef>
+          <a:fillRef idx="0">
+            <a:schemeClr val="dk1"/>
+          </a:fillRef>
+          <a:effectRef idx="0">
+            <a:schemeClr val="dk1"/>
+          </a:effectRef>
+          <a:fontRef idx="minor">
+            <a:schemeClr val="tx1"/>
+          </a:fontRef>
+        </p:style>
+      </p:cxnSp>
+      <p:cxnSp>
+        <p:nvCxnSpPr>
+          <p:cNvPr id="109" name="直線矢印コネクタ 108">
+            <a:extLst>
+              <a:ext uri="{FF2B5EF4-FFF2-40B4-BE49-F238E27FC236}">
+                <a16:creationId xmlns:a16="http://schemas.microsoft.com/office/drawing/2014/main" id="{C58C8BA9-E93E-56DB-C1C1-2EA270E091BE}"/>
+              </a:ext>
+            </a:extLst>
+          </p:cNvPr>
+          <p:cNvCxnSpPr>
+            <a:stCxn id="90" idx="5"/>
+            <a:endCxn id="85" idx="2"/>
+          </p:cNvCxnSpPr>
+          <p:nvPr/>
+        </p:nvCxnSpPr>
+        <p:spPr>
+          <a:xfrm>
+            <a:off x="7544834" y="3489352"/>
+            <a:ext cx="1841290" cy="537614"/>
+          </a:xfrm>
+          <a:prstGeom prst="straightConnector1">
+            <a:avLst/>
+          </a:prstGeom>
+          <a:ln>
+            <a:tailEnd type="triangle"/>
+          </a:ln>
+        </p:spPr>
+        <p:style>
+          <a:lnRef idx="1">
+            <a:schemeClr val="dk1"/>
+          </a:lnRef>
+          <a:fillRef idx="0">
+            <a:schemeClr val="dk1"/>
+          </a:fillRef>
+          <a:effectRef idx="0">
+            <a:schemeClr val="dk1"/>
+          </a:effectRef>
+          <a:fontRef idx="minor">
+            <a:schemeClr val="tx1"/>
+          </a:fontRef>
+        </p:style>
+      </p:cxnSp>
+      <p:cxnSp>
+        <p:nvCxnSpPr>
+          <p:cNvPr id="111" name="直線矢印コネクタ 110">
+            <a:extLst>
+              <a:ext uri="{FF2B5EF4-FFF2-40B4-BE49-F238E27FC236}">
+                <a16:creationId xmlns:a16="http://schemas.microsoft.com/office/drawing/2014/main" id="{6E79E60D-0AB2-616B-BD63-98343ECC68C5}"/>
+              </a:ext>
+            </a:extLst>
+          </p:cNvPr>
+          <p:cNvCxnSpPr>
+            <a:stCxn id="20" idx="7"/>
+            <a:endCxn id="83" idx="3"/>
+          </p:cNvCxnSpPr>
+          <p:nvPr/>
+        </p:nvCxnSpPr>
+        <p:spPr>
+          <a:xfrm flipV="1">
+            <a:off x="7070956" y="1832519"/>
+            <a:ext cx="2394249" cy="2148663"/>
+          </a:xfrm>
+          <a:prstGeom prst="straightConnector1">
+            <a:avLst/>
+          </a:prstGeom>
+          <a:ln>
+            <a:tailEnd type="triangle"/>
+          </a:ln>
+        </p:spPr>
+        <p:style>
+          <a:lnRef idx="1">
+            <a:schemeClr val="dk1"/>
+          </a:lnRef>
+          <a:fillRef idx="0">
+            <a:schemeClr val="dk1"/>
+          </a:fillRef>
+          <a:effectRef idx="0">
+            <a:schemeClr val="dk1"/>
+          </a:effectRef>
+          <a:fontRef idx="minor">
+            <a:schemeClr val="tx1"/>
+          </a:fontRef>
+        </p:style>
+      </p:cxnSp>
+      <p:cxnSp>
+        <p:nvCxnSpPr>
+          <p:cNvPr id="116" name="直線矢印コネクタ 115">
+            <a:extLst>
+              <a:ext uri="{FF2B5EF4-FFF2-40B4-BE49-F238E27FC236}">
+                <a16:creationId xmlns:a16="http://schemas.microsoft.com/office/drawing/2014/main" id="{2424138B-491B-A265-7A99-E75C682AE9F5}"/>
+              </a:ext>
+            </a:extLst>
+          </p:cNvPr>
+          <p:cNvCxnSpPr>
+            <a:stCxn id="20" idx="6"/>
+            <a:endCxn id="84" idx="3"/>
+          </p:cNvCxnSpPr>
+          <p:nvPr/>
+        </p:nvCxnSpPr>
+        <p:spPr>
+          <a:xfrm flipV="1">
+            <a:off x="7150037" y="2650841"/>
+            <a:ext cx="2315168" cy="1521260"/>
+          </a:xfrm>
+          <a:prstGeom prst="straightConnector1">
+            <a:avLst/>
+          </a:prstGeom>
+          <a:ln>
+            <a:tailEnd type="triangle"/>
+          </a:ln>
+        </p:spPr>
+        <p:style>
+          <a:lnRef idx="1">
+            <a:schemeClr val="dk1"/>
+          </a:lnRef>
+          <a:fillRef idx="0">
+            <a:schemeClr val="dk1"/>
+          </a:fillRef>
+          <a:effectRef idx="0">
+            <a:schemeClr val="dk1"/>
+          </a:effectRef>
+          <a:fontRef idx="minor">
+            <a:schemeClr val="tx1"/>
+          </a:fontRef>
+        </p:style>
+      </p:cxnSp>
+      <p:cxnSp>
+        <p:nvCxnSpPr>
+          <p:cNvPr id="118" name="直線矢印コネクタ 117">
+            <a:extLst>
+              <a:ext uri="{FF2B5EF4-FFF2-40B4-BE49-F238E27FC236}">
+                <a16:creationId xmlns:a16="http://schemas.microsoft.com/office/drawing/2014/main" id="{340FDB75-866A-5C50-70E1-3CD60FE0F513}"/>
+              </a:ext>
+            </a:extLst>
+          </p:cNvPr>
+          <p:cNvCxnSpPr>
+            <a:stCxn id="20" idx="5"/>
+            <a:endCxn id="85" idx="3"/>
+          </p:cNvCxnSpPr>
+          <p:nvPr/>
+        </p:nvCxnSpPr>
+        <p:spPr>
+          <a:xfrm flipV="1">
+            <a:off x="7070956" y="4217885"/>
+            <a:ext cx="2394249" cy="145135"/>
+          </a:xfrm>
+          <a:prstGeom prst="straightConnector1">
+            <a:avLst/>
+          </a:prstGeom>
+          <a:ln>
+            <a:tailEnd type="triangle"/>
+          </a:ln>
+        </p:spPr>
+        <p:style>
+          <a:lnRef idx="1">
+            <a:schemeClr val="dk1"/>
+          </a:lnRef>
+          <a:fillRef idx="0">
+            <a:schemeClr val="dk1"/>
+          </a:fillRef>
+          <a:effectRef idx="0">
+            <a:schemeClr val="dk1"/>
+          </a:effectRef>
+          <a:fontRef idx="minor">
+            <a:schemeClr val="tx1"/>
+          </a:fontRef>
+        </p:style>
+      </p:cxnSp>
+      <p:sp>
+        <p:nvSpPr>
+          <p:cNvPr id="120" name="テキスト ボックス 119">
+            <a:extLst>
+              <a:ext uri="{FF2B5EF4-FFF2-40B4-BE49-F238E27FC236}">
+                <a16:creationId xmlns:a16="http://schemas.microsoft.com/office/drawing/2014/main" id="{C36D9E7E-C3BF-6519-D0D5-4149FB578D56}"/>
+              </a:ext>
+            </a:extLst>
+          </p:cNvPr>
+          <p:cNvSpPr txBox="1"/>
+          <p:nvPr/>
+        </p:nvSpPr>
+        <p:spPr>
+          <a:xfrm>
+            <a:off x="1819261" y="338178"/>
+            <a:ext cx="1245528" cy="461665"/>
+          </a:xfrm>
+          <a:prstGeom prst="rect">
+            <a:avLst/>
+          </a:prstGeom>
+          <a:noFill/>
+        </p:spPr>
+        <p:txBody>
+          <a:bodyPr wrap="square" rtlCol="0">
+            <a:spAutoFit/>
+          </a:bodyPr>
+          <a:lstStyle/>
+          <a:p>
+            <a:r>
+              <a:rPr kumimoji="1" lang="ja-JP" altLang="en-US" sz="2400"/>
+              <a:t> 入力層</a:t>
+            </a:r>
+          </a:p>
+        </p:txBody>
+      </p:sp>
+      <p:sp>
+        <p:nvSpPr>
+          <p:cNvPr id="121" name="テキスト ボックス 120">
+            <a:extLst>
+              <a:ext uri="{FF2B5EF4-FFF2-40B4-BE49-F238E27FC236}">
+                <a16:creationId xmlns:a16="http://schemas.microsoft.com/office/drawing/2014/main" id="{DD68D13A-A57D-6818-61A4-C4B2CE0964D5}"/>
+              </a:ext>
+            </a:extLst>
+          </p:cNvPr>
+          <p:cNvSpPr txBox="1"/>
+          <p:nvPr/>
+        </p:nvSpPr>
+        <p:spPr>
+          <a:xfrm>
+            <a:off x="5019480" y="338178"/>
+            <a:ext cx="1804346" cy="461665"/>
+          </a:xfrm>
+          <a:prstGeom prst="rect">
+            <a:avLst/>
+          </a:prstGeom>
+          <a:noFill/>
+        </p:spPr>
+        <p:txBody>
+          <a:bodyPr wrap="square" rtlCol="0">
+            <a:spAutoFit/>
+          </a:bodyPr>
+          <a:lstStyle/>
+          <a:p>
+            <a:r>
+              <a:rPr kumimoji="1" lang="ja-JP" altLang="en-US" sz="2400"/>
+              <a:t> リザバー層</a:t>
+            </a:r>
+          </a:p>
+        </p:txBody>
+      </p:sp>
+      <p:sp>
+        <p:nvSpPr>
+          <p:cNvPr id="122" name="テキスト ボックス 121">
+            <a:extLst>
+              <a:ext uri="{FF2B5EF4-FFF2-40B4-BE49-F238E27FC236}">
+                <a16:creationId xmlns:a16="http://schemas.microsoft.com/office/drawing/2014/main" id="{3DF63B03-6D33-372A-F7CE-682A549AA862}"/>
+              </a:ext>
+            </a:extLst>
+          </p:cNvPr>
+          <p:cNvSpPr txBox="1"/>
+          <p:nvPr/>
+        </p:nvSpPr>
+        <p:spPr>
+          <a:xfrm>
+            <a:off x="8969080" y="336745"/>
+            <a:ext cx="1245528" cy="461665"/>
+          </a:xfrm>
+          <a:prstGeom prst="rect">
+            <a:avLst/>
+          </a:prstGeom>
+          <a:noFill/>
+        </p:spPr>
+        <p:txBody>
+          <a:bodyPr wrap="square" rtlCol="0">
+            <a:spAutoFit/>
+          </a:bodyPr>
+          <a:lstStyle/>
+          <a:p>
+            <a:r>
+              <a:rPr kumimoji="1" lang="ja-JP" altLang="en-US" sz="2400"/>
+              <a:t> 出力層</a:t>
+            </a:r>
+          </a:p>
+        </p:txBody>
+      </p:sp>
+      <mc:AlternateContent xmlns:mc="http://schemas.openxmlformats.org/markup-compatibility/2006">
+        <mc:Choice xmlns:a14="http://schemas.microsoft.com/office/drawing/2010/main" Requires="a14">
+          <p:sp>
+            <p:nvSpPr>
+              <p:cNvPr id="129" name="テキスト ボックス 128">
+                <a:extLst>
+                  <a:ext uri="{FF2B5EF4-FFF2-40B4-BE49-F238E27FC236}">
+                    <a16:creationId xmlns:a16="http://schemas.microsoft.com/office/drawing/2014/main" id="{FDFA5A29-2315-6D76-2E7D-88A80F5C0670}"/>
+                  </a:ext>
+                </a:extLst>
+              </p:cNvPr>
+              <p:cNvSpPr txBox="1"/>
+              <p:nvPr/>
+            </p:nvSpPr>
+            <p:spPr>
+              <a:xfrm>
+                <a:off x="3268080" y="388383"/>
+                <a:ext cx="861646" cy="523220"/>
+              </a:xfrm>
+              <a:prstGeom prst="rect">
+                <a:avLst/>
+              </a:prstGeom>
+              <a:noFill/>
+            </p:spPr>
+            <p:txBody>
+              <a:bodyPr wrap="none" rtlCol="0">
+                <a:spAutoFit/>
+              </a:bodyPr>
+              <a:lstStyle/>
+              <a:p>
+                <a14:m>
+                  <m:oMathPara xmlns:m="http://schemas.openxmlformats.org/officeDocument/2006/math">
+                    <m:oMathParaPr>
+                      <m:jc m:val="centerGroup"/>
+                    </m:oMathParaPr>
+                    <m:oMath xmlns:m="http://schemas.openxmlformats.org/officeDocument/2006/math">
+                      <m:sSub>
+                        <m:sSubPr>
+                          <m:ctrlPr>
+                            <a:rPr kumimoji="1" lang="en-US" altLang="ja-JP" sz="2800" b="0" i="1" smtClean="0">
+                              <a:latin typeface="Cambria Math" panose="02040503050406030204" pitchFamily="18" charset="0"/>
+                            </a:rPr>
+                          </m:ctrlPr>
+                        </m:sSubPr>
+                        <m:e>
+                          <m:r>
+                            <a:rPr kumimoji="1" lang="en-US" altLang="ja-JP" sz="2800" b="0" i="1" smtClean="0">
+                              <a:latin typeface="Cambria Math" panose="02040503050406030204" pitchFamily="18" charset="0"/>
+                            </a:rPr>
+                            <m:t>𝑊</m:t>
+                          </m:r>
+                        </m:e>
+                        <m:sub>
+                          <m:r>
+                            <a:rPr kumimoji="1" lang="en-US" altLang="ja-JP" sz="2800" b="0" i="1" smtClean="0">
+                              <a:latin typeface="Cambria Math" panose="02040503050406030204" pitchFamily="18" charset="0"/>
+                            </a:rPr>
+                            <m:t>𝑖𝑛</m:t>
+                          </m:r>
+                        </m:sub>
+                      </m:sSub>
+                    </m:oMath>
+                  </m:oMathPara>
+                </a14:m>
+                <a:endParaRPr kumimoji="1" lang="ja-JP" altLang="en-US" sz="2800"/>
+              </a:p>
+            </p:txBody>
+          </p:sp>
+        </mc:Choice>
+        <mc:Fallback>
+          <p:sp>
+            <p:nvSpPr>
+              <p:cNvPr id="129" name="テキスト ボックス 128">
+                <a:extLst>
+                  <a:ext uri="{FF2B5EF4-FFF2-40B4-BE49-F238E27FC236}">
+                    <a16:creationId xmlns:a16="http://schemas.microsoft.com/office/drawing/2014/main" id="{FDFA5A29-2315-6D76-2E7D-88A80F5C0670}"/>
+                  </a:ext>
+                </a:extLst>
+              </p:cNvPr>
+              <p:cNvSpPr txBox="1">
+                <a:spLocks noRot="1" noChangeAspect="1" noMove="1" noResize="1" noEditPoints="1" noAdjustHandles="1" noChangeArrowheads="1" noChangeShapeType="1" noTextEdit="1"/>
+              </p:cNvSpPr>
+              <p:nvPr/>
+            </p:nvSpPr>
+            <p:spPr>
+              <a:xfrm>
+                <a:off x="3268080" y="388383"/>
+                <a:ext cx="861646" cy="523220"/>
+              </a:xfrm>
+              <a:prstGeom prst="rect">
+                <a:avLst/>
+              </a:prstGeom>
+              <a:blipFill>
+                <a:blip r:embed="rId2"/>
+                <a:stretch>
+                  <a:fillRect b="-2381"/>
+                </a:stretch>
+              </a:blipFill>
+            </p:spPr>
+            <p:txBody>
+              <a:bodyPr/>
+              <a:lstStyle/>
+              <a:p>
+                <a:r>
+                  <a:rPr lang="ja-JP" altLang="en-US">
+                    <a:noFill/>
+                  </a:rPr>
+                  <a:t> </a:t>
+                </a:r>
+              </a:p>
+            </p:txBody>
+          </p:sp>
+        </mc:Fallback>
+      </mc:AlternateContent>
+      <mc:AlternateContent xmlns:mc="http://schemas.openxmlformats.org/markup-compatibility/2006">
+        <mc:Choice xmlns:a14="http://schemas.microsoft.com/office/drawing/2010/main" Requires="a14">
+          <p:sp>
+            <p:nvSpPr>
+              <p:cNvPr id="130" name="テキスト ボックス 129">
+                <a:extLst>
+                  <a:ext uri="{FF2B5EF4-FFF2-40B4-BE49-F238E27FC236}">
+                    <a16:creationId xmlns:a16="http://schemas.microsoft.com/office/drawing/2014/main" id="{E5A0963E-BEE5-18CB-17D0-8B4D1AEB11DF}"/>
+                  </a:ext>
+                </a:extLst>
+              </p:cNvPr>
+              <p:cNvSpPr txBox="1"/>
+              <p:nvPr/>
+            </p:nvSpPr>
+            <p:spPr>
+              <a:xfrm>
+                <a:off x="5584631" y="1016555"/>
+                <a:ext cx="980589" cy="523220"/>
+              </a:xfrm>
+              <a:prstGeom prst="rect">
+                <a:avLst/>
+              </a:prstGeom>
+              <a:noFill/>
+            </p:spPr>
+            <p:txBody>
+              <a:bodyPr wrap="none" rtlCol="0">
+                <a:spAutoFit/>
+              </a:bodyPr>
+              <a:lstStyle/>
+              <a:p>
+                <a14:m>
+                  <m:oMathPara xmlns:m="http://schemas.openxmlformats.org/officeDocument/2006/math">
+                    <m:oMathParaPr>
+                      <m:jc m:val="centerGroup"/>
+                    </m:oMathParaPr>
+                    <m:oMath xmlns:m="http://schemas.openxmlformats.org/officeDocument/2006/math">
+                      <m:sSub>
+                        <m:sSubPr>
+                          <m:ctrlPr>
+                            <a:rPr kumimoji="1" lang="en-US" altLang="ja-JP" sz="2800" b="0" i="1" smtClean="0">
+                              <a:latin typeface="Cambria Math" panose="02040503050406030204" pitchFamily="18" charset="0"/>
+                            </a:rPr>
+                          </m:ctrlPr>
+                        </m:sSubPr>
+                        <m:e>
+                          <m:r>
+                            <a:rPr kumimoji="1" lang="en-US" altLang="ja-JP" sz="2800" b="0" i="1" smtClean="0">
+                              <a:latin typeface="Cambria Math" panose="02040503050406030204" pitchFamily="18" charset="0"/>
+                            </a:rPr>
+                            <m:t>𝑊</m:t>
+                          </m:r>
+                        </m:e>
+                        <m:sub>
+                          <m:r>
+                            <a:rPr kumimoji="1" lang="en-US" altLang="ja-JP" sz="2800" b="0" i="1" smtClean="0">
+                              <a:latin typeface="Cambria Math" panose="02040503050406030204" pitchFamily="18" charset="0"/>
+                            </a:rPr>
+                            <m:t>𝑟𝑒𝑠</m:t>
+                          </m:r>
+                        </m:sub>
+                      </m:sSub>
+                    </m:oMath>
+                  </m:oMathPara>
+                </a14:m>
+                <a:endParaRPr kumimoji="1" lang="ja-JP" altLang="en-US" sz="2800"/>
+              </a:p>
+            </p:txBody>
+          </p:sp>
+        </mc:Choice>
+        <mc:Fallback>
+          <p:sp>
+            <p:nvSpPr>
+              <p:cNvPr id="130" name="テキスト ボックス 129">
+                <a:extLst>
+                  <a:ext uri="{FF2B5EF4-FFF2-40B4-BE49-F238E27FC236}">
+                    <a16:creationId xmlns:a16="http://schemas.microsoft.com/office/drawing/2014/main" id="{E5A0963E-BEE5-18CB-17D0-8B4D1AEB11DF}"/>
+                  </a:ext>
+                </a:extLst>
+              </p:cNvPr>
+              <p:cNvSpPr txBox="1">
+                <a:spLocks noRot="1" noChangeAspect="1" noMove="1" noResize="1" noEditPoints="1" noAdjustHandles="1" noChangeArrowheads="1" noChangeShapeType="1" noTextEdit="1"/>
+              </p:cNvSpPr>
+              <p:nvPr/>
+            </p:nvSpPr>
+            <p:spPr>
+              <a:xfrm>
+                <a:off x="5584631" y="1016555"/>
+                <a:ext cx="980589" cy="523220"/>
+              </a:xfrm>
+              <a:prstGeom prst="rect">
+                <a:avLst/>
+              </a:prstGeom>
+              <a:blipFill>
+                <a:blip r:embed="rId3"/>
+                <a:stretch>
+                  <a:fillRect/>
+                </a:stretch>
+              </a:blipFill>
+            </p:spPr>
+            <p:txBody>
+              <a:bodyPr/>
+              <a:lstStyle/>
+              <a:p>
+                <a:r>
+                  <a:rPr lang="ja-JP" altLang="en-US">
+                    <a:noFill/>
+                  </a:rPr>
+                  <a:t> </a:t>
+                </a:r>
+              </a:p>
+            </p:txBody>
+          </p:sp>
+        </mc:Fallback>
+      </mc:AlternateContent>
+      <mc:AlternateContent xmlns:mc="http://schemas.openxmlformats.org/markup-compatibility/2006">
+        <mc:Choice xmlns:a14="http://schemas.microsoft.com/office/drawing/2010/main" Requires="a14">
+          <p:sp>
+            <p:nvSpPr>
+              <p:cNvPr id="131" name="テキスト ボックス 130">
+                <a:extLst>
+                  <a:ext uri="{FF2B5EF4-FFF2-40B4-BE49-F238E27FC236}">
+                    <a16:creationId xmlns:a16="http://schemas.microsoft.com/office/drawing/2014/main" id="{17A38199-8192-D50E-D1DE-7E7C7B3DBF58}"/>
+                  </a:ext>
+                </a:extLst>
+              </p:cNvPr>
+              <p:cNvSpPr txBox="1"/>
+              <p:nvPr/>
+            </p:nvSpPr>
+            <p:spPr>
+              <a:xfrm>
+                <a:off x="7944406" y="372130"/>
+                <a:ext cx="1042145" cy="523220"/>
+              </a:xfrm>
+              <a:prstGeom prst="rect">
+                <a:avLst/>
+              </a:prstGeom>
+              <a:noFill/>
+            </p:spPr>
+            <p:txBody>
+              <a:bodyPr wrap="none" rtlCol="0">
+                <a:spAutoFit/>
+              </a:bodyPr>
+              <a:lstStyle/>
+              <a:p>
+                <a14:m>
+                  <m:oMathPara xmlns:m="http://schemas.openxmlformats.org/officeDocument/2006/math">
+                    <m:oMathParaPr>
+                      <m:jc m:val="centerGroup"/>
+                    </m:oMathParaPr>
+                    <m:oMath xmlns:m="http://schemas.openxmlformats.org/officeDocument/2006/math">
+                      <m:sSub>
+                        <m:sSubPr>
+                          <m:ctrlPr>
+                            <a:rPr kumimoji="1" lang="en-US" altLang="ja-JP" sz="2800" b="0" i="1" smtClean="0">
+                              <a:latin typeface="Cambria Math" panose="02040503050406030204" pitchFamily="18" charset="0"/>
+                            </a:rPr>
+                          </m:ctrlPr>
+                        </m:sSubPr>
+                        <m:e>
+                          <m:r>
+                            <a:rPr kumimoji="1" lang="en-US" altLang="ja-JP" sz="2800" b="0" i="1" smtClean="0">
+                              <a:latin typeface="Cambria Math" panose="02040503050406030204" pitchFamily="18" charset="0"/>
+                            </a:rPr>
+                            <m:t>𝑊</m:t>
+                          </m:r>
+                        </m:e>
+                        <m:sub>
+                          <m:r>
+                            <a:rPr kumimoji="1" lang="en-US" altLang="ja-JP" sz="2800" b="0" i="1" smtClean="0">
+                              <a:latin typeface="Cambria Math" panose="02040503050406030204" pitchFamily="18" charset="0"/>
+                            </a:rPr>
+                            <m:t>𝑜𝑢𝑡</m:t>
+                          </m:r>
+                        </m:sub>
+                      </m:sSub>
+                    </m:oMath>
+                  </m:oMathPara>
+                </a14:m>
+                <a:endParaRPr kumimoji="1" lang="ja-JP" altLang="en-US" sz="2800"/>
+              </a:p>
+            </p:txBody>
+          </p:sp>
+        </mc:Choice>
+        <mc:Fallback>
+          <p:sp>
+            <p:nvSpPr>
+              <p:cNvPr id="131" name="テキスト ボックス 130">
+                <a:extLst>
+                  <a:ext uri="{FF2B5EF4-FFF2-40B4-BE49-F238E27FC236}">
+                    <a16:creationId xmlns:a16="http://schemas.microsoft.com/office/drawing/2014/main" id="{17A38199-8192-D50E-D1DE-7E7C7B3DBF58}"/>
+                  </a:ext>
+                </a:extLst>
+              </p:cNvPr>
+              <p:cNvSpPr txBox="1">
+                <a:spLocks noRot="1" noChangeAspect="1" noMove="1" noResize="1" noEditPoints="1" noAdjustHandles="1" noChangeArrowheads="1" noChangeShapeType="1" noTextEdit="1"/>
+              </p:cNvSpPr>
+              <p:nvPr/>
+            </p:nvSpPr>
+            <p:spPr>
+              <a:xfrm>
+                <a:off x="7944406" y="372130"/>
+                <a:ext cx="1042145" cy="523220"/>
+              </a:xfrm>
+              <a:prstGeom prst="rect">
+                <a:avLst/>
+              </a:prstGeom>
+              <a:blipFill>
+                <a:blip r:embed="rId4"/>
+                <a:stretch>
+                  <a:fillRect b="-2381"/>
+                </a:stretch>
+              </a:blipFill>
+            </p:spPr>
+            <p:txBody>
+              <a:bodyPr/>
+              <a:lstStyle/>
+              <a:p>
+                <a:r>
+                  <a:rPr lang="ja-JP" altLang="en-US">
+                    <a:noFill/>
+                  </a:rPr>
+                  <a:t> </a:t>
+                </a:r>
+              </a:p>
+            </p:txBody>
+          </p:sp>
+        </mc:Fallback>
+      </mc:AlternateContent>
+      <mc:AlternateContent xmlns:mc="http://schemas.openxmlformats.org/markup-compatibility/2006">
+        <mc:Choice xmlns:a14="http://schemas.microsoft.com/office/drawing/2010/main" Requires="a14">
+          <p:sp>
+            <p:nvSpPr>
+              <p:cNvPr id="132" name="テキスト ボックス 131">
+                <a:extLst>
+                  <a:ext uri="{FF2B5EF4-FFF2-40B4-BE49-F238E27FC236}">
+                    <a16:creationId xmlns:a16="http://schemas.microsoft.com/office/drawing/2014/main" id="{1C5464FD-52A8-08BC-AB82-31533F9B56A6}"/>
+                  </a:ext>
+                </a:extLst>
+              </p:cNvPr>
+              <p:cNvSpPr txBox="1"/>
+              <p:nvPr/>
+            </p:nvSpPr>
+            <p:spPr>
+              <a:xfrm>
+                <a:off x="2203972" y="5176363"/>
+                <a:ext cx="532902" cy="523220"/>
+              </a:xfrm>
+              <a:prstGeom prst="rect">
+                <a:avLst/>
+              </a:prstGeom>
+              <a:noFill/>
+            </p:spPr>
+            <p:txBody>
+              <a:bodyPr wrap="square" rtlCol="0">
+                <a:spAutoFit/>
+              </a:bodyPr>
+              <a:lstStyle/>
+              <a:p>
+                <a14:m>
+                  <m:oMathPara xmlns:m="http://schemas.openxmlformats.org/officeDocument/2006/math">
+                    <m:oMathParaPr>
+                      <m:jc m:val="centerGroup"/>
+                    </m:oMathParaPr>
+                    <m:oMath xmlns:m="http://schemas.openxmlformats.org/officeDocument/2006/math">
+                      <m:sSub>
+                        <m:sSubPr>
+                          <m:ctrlPr>
+                            <a:rPr kumimoji="1" lang="en-US" altLang="ja-JP" sz="2800" b="0" i="1" smtClean="0">
+                              <a:latin typeface="Cambria Math" panose="02040503050406030204" pitchFamily="18" charset="0"/>
+                            </a:rPr>
+                          </m:ctrlPr>
+                        </m:sSubPr>
+                        <m:e>
+                          <m:r>
+                            <a:rPr kumimoji="1" lang="en-US" altLang="ja-JP" sz="2800" b="0" i="1" smtClean="0">
+                              <a:latin typeface="Cambria Math" panose="02040503050406030204" pitchFamily="18" charset="0"/>
+                            </a:rPr>
+                            <m:t>𝑠</m:t>
+                          </m:r>
+                        </m:e>
+                        <m:sub>
+                          <m:r>
+                            <a:rPr kumimoji="1" lang="en-US" altLang="ja-JP" sz="2800" b="0" i="1" smtClean="0">
+                              <a:latin typeface="Cambria Math" panose="02040503050406030204" pitchFamily="18" charset="0"/>
+                            </a:rPr>
+                            <m:t>𝑖𝑛</m:t>
+                          </m:r>
+                        </m:sub>
+                      </m:sSub>
+                    </m:oMath>
+                  </m:oMathPara>
+                </a14:m>
+                <a:endParaRPr kumimoji="1" lang="ja-JP" altLang="en-US" sz="2800"/>
+              </a:p>
+            </p:txBody>
+          </p:sp>
+        </mc:Choice>
+        <mc:Fallback>
+          <p:sp>
+            <p:nvSpPr>
+              <p:cNvPr id="132" name="テキスト ボックス 131">
+                <a:extLst>
+                  <a:ext uri="{FF2B5EF4-FFF2-40B4-BE49-F238E27FC236}">
+                    <a16:creationId xmlns:a16="http://schemas.microsoft.com/office/drawing/2014/main" id="{1C5464FD-52A8-08BC-AB82-31533F9B56A6}"/>
+                  </a:ext>
+                </a:extLst>
+              </p:cNvPr>
+              <p:cNvSpPr txBox="1">
+                <a:spLocks noRot="1" noChangeAspect="1" noMove="1" noResize="1" noEditPoints="1" noAdjustHandles="1" noChangeArrowheads="1" noChangeShapeType="1" noTextEdit="1"/>
+              </p:cNvSpPr>
+              <p:nvPr/>
+            </p:nvSpPr>
+            <p:spPr>
+              <a:xfrm>
+                <a:off x="2203972" y="5176363"/>
+                <a:ext cx="532902" cy="523220"/>
+              </a:xfrm>
+              <a:prstGeom prst="rect">
+                <a:avLst/>
+              </a:prstGeom>
+              <a:blipFill>
+                <a:blip r:embed="rId5"/>
+                <a:stretch>
+                  <a:fillRect r="-11628" b="-4762"/>
+                </a:stretch>
+              </a:blipFill>
+            </p:spPr>
+            <p:txBody>
+              <a:bodyPr/>
+              <a:lstStyle/>
+              <a:p>
+                <a:r>
+                  <a:rPr lang="ja-JP" altLang="en-US">
+                    <a:noFill/>
+                  </a:rPr>
+                  <a:t> </a:t>
+                </a:r>
+              </a:p>
+            </p:txBody>
+          </p:sp>
+        </mc:Fallback>
+      </mc:AlternateContent>
+      <mc:AlternateContent xmlns:mc="http://schemas.openxmlformats.org/markup-compatibility/2006">
+        <mc:Choice xmlns:a14="http://schemas.microsoft.com/office/drawing/2010/main" Requires="a14">
+          <p:sp>
+            <p:nvSpPr>
+              <p:cNvPr id="134" name="テキスト ボックス 133">
+                <a:extLst>
+                  <a:ext uri="{FF2B5EF4-FFF2-40B4-BE49-F238E27FC236}">
+                    <a16:creationId xmlns:a16="http://schemas.microsoft.com/office/drawing/2014/main" id="{2DD90E74-0BF3-051E-B9D9-0CA3E27AEBCE}"/>
+                  </a:ext>
+                </a:extLst>
+              </p:cNvPr>
+              <p:cNvSpPr txBox="1"/>
+              <p:nvPr/>
+            </p:nvSpPr>
+            <p:spPr>
+              <a:xfrm>
+                <a:off x="9353791" y="5176363"/>
+                <a:ext cx="904735" cy="523220"/>
+              </a:xfrm>
+              <a:prstGeom prst="rect">
+                <a:avLst/>
+              </a:prstGeom>
+              <a:noFill/>
+            </p:spPr>
+            <p:txBody>
+              <a:bodyPr wrap="none" rtlCol="0">
+                <a:spAutoFit/>
+              </a:bodyPr>
+              <a:lstStyle/>
+              <a:p>
+                <a14:m>
+                  <m:oMathPara xmlns:m="http://schemas.openxmlformats.org/officeDocument/2006/math">
+                    <m:oMathParaPr>
+                      <m:jc m:val="centerGroup"/>
+                    </m:oMathParaPr>
+                    <m:oMath xmlns:m="http://schemas.openxmlformats.org/officeDocument/2006/math">
+                      <m:sSub>
+                        <m:sSubPr>
+                          <m:ctrlPr>
+                            <a:rPr kumimoji="1" lang="en-US" altLang="ja-JP" sz="2800" b="0" i="1" smtClean="0">
+                              <a:latin typeface="Cambria Math" panose="02040503050406030204" pitchFamily="18" charset="0"/>
+                            </a:rPr>
+                          </m:ctrlPr>
+                        </m:sSubPr>
+                        <m:e>
+                          <m:r>
+                            <a:rPr kumimoji="1" lang="en-US" altLang="ja-JP" sz="2800" b="0" i="1" smtClean="0">
+                              <a:latin typeface="Cambria Math" panose="02040503050406030204" pitchFamily="18" charset="0"/>
+                            </a:rPr>
+                            <m:t>𝑠</m:t>
+                          </m:r>
+                        </m:e>
+                        <m:sub>
+                          <m:r>
+                            <a:rPr kumimoji="1" lang="en-US" altLang="ja-JP" sz="2800" b="0" i="1" smtClean="0">
+                              <a:latin typeface="Cambria Math" panose="02040503050406030204" pitchFamily="18" charset="0"/>
+                            </a:rPr>
+                            <m:t>𝑜𝑢𝑡</m:t>
+                          </m:r>
+                        </m:sub>
+                      </m:sSub>
+                    </m:oMath>
+                  </m:oMathPara>
+                </a14:m>
+                <a:endParaRPr kumimoji="1" lang="ja-JP" altLang="en-US" sz="2800"/>
+              </a:p>
+            </p:txBody>
+          </p:sp>
+        </mc:Choice>
+        <mc:Fallback>
+          <p:sp>
+            <p:nvSpPr>
+              <p:cNvPr id="134" name="テキスト ボックス 133">
+                <a:extLst>
+                  <a:ext uri="{FF2B5EF4-FFF2-40B4-BE49-F238E27FC236}">
+                    <a16:creationId xmlns:a16="http://schemas.microsoft.com/office/drawing/2014/main" id="{2DD90E74-0BF3-051E-B9D9-0CA3E27AEBCE}"/>
+                  </a:ext>
+                </a:extLst>
+              </p:cNvPr>
+              <p:cNvSpPr txBox="1">
+                <a:spLocks noRot="1" noChangeAspect="1" noMove="1" noResize="1" noEditPoints="1" noAdjustHandles="1" noChangeArrowheads="1" noChangeShapeType="1" noTextEdit="1"/>
+              </p:cNvSpPr>
+              <p:nvPr/>
+            </p:nvSpPr>
+            <p:spPr>
+              <a:xfrm>
+                <a:off x="9353791" y="5176363"/>
+                <a:ext cx="904735" cy="523220"/>
+              </a:xfrm>
+              <a:prstGeom prst="rect">
+                <a:avLst/>
+              </a:prstGeom>
+              <a:blipFill>
+                <a:blip r:embed="rId6"/>
+                <a:stretch>
+                  <a:fillRect b="-2381"/>
+                </a:stretch>
+              </a:blipFill>
+            </p:spPr>
+            <p:txBody>
+              <a:bodyPr/>
+              <a:lstStyle/>
+              <a:p>
+                <a:r>
+                  <a:rPr lang="ja-JP" altLang="en-US">
+                    <a:noFill/>
+                  </a:rPr>
+                  <a:t> </a:t>
+                </a:r>
+              </a:p>
+            </p:txBody>
+          </p:sp>
+        </mc:Fallback>
+      </mc:AlternateContent>
+      <mc:AlternateContent xmlns:mc="http://schemas.openxmlformats.org/markup-compatibility/2006">
+        <mc:Choice xmlns:a14="http://schemas.microsoft.com/office/drawing/2010/main" Requires="a14">
+          <p:sp>
+            <p:nvSpPr>
+              <p:cNvPr id="135" name="テキスト ボックス 134">
+                <a:extLst>
+                  <a:ext uri="{FF2B5EF4-FFF2-40B4-BE49-F238E27FC236}">
+                    <a16:creationId xmlns:a16="http://schemas.microsoft.com/office/drawing/2014/main" id="{25A0D419-0F64-7D21-545E-75D553D57106}"/>
+                  </a:ext>
+                </a:extLst>
+              </p:cNvPr>
+              <p:cNvSpPr txBox="1"/>
+              <p:nvPr/>
+            </p:nvSpPr>
+            <p:spPr>
+              <a:xfrm>
+                <a:off x="5902663" y="5221755"/>
+                <a:ext cx="304250" cy="430887"/>
+              </a:xfrm>
+              <a:prstGeom prst="rect">
+                <a:avLst/>
+              </a:prstGeom>
+              <a:noFill/>
+            </p:spPr>
+            <p:txBody>
+              <a:bodyPr wrap="none" lIns="0" tIns="0" rIns="0" bIns="0" rtlCol="0">
+                <a:spAutoFit/>
+              </a:bodyPr>
+              <a:lstStyle/>
+              <a:p>
+                <a14:m>
+                  <m:oMathPara xmlns:m="http://schemas.openxmlformats.org/officeDocument/2006/math">
+                    <m:oMathParaPr>
+                      <m:jc m:val="centerGroup"/>
+                    </m:oMathParaPr>
+                    <m:oMath xmlns:m="http://schemas.openxmlformats.org/officeDocument/2006/math">
+                      <m:r>
+                        <a:rPr kumimoji="1" lang="en-US" altLang="ja-JP" sz="2800" b="0" i="1" smtClean="0">
+                          <a:latin typeface="Cambria Math" panose="02040503050406030204" pitchFamily="18" charset="0"/>
+                        </a:rPr>
+                        <m:t>𝑥</m:t>
+                      </m:r>
+                    </m:oMath>
+                  </m:oMathPara>
+                </a14:m>
+                <a:endParaRPr kumimoji="1" lang="ja-JP" altLang="en-US" sz="2800"/>
+              </a:p>
+            </p:txBody>
+          </p:sp>
+        </mc:Choice>
+        <mc:Fallback>
+          <p:sp>
+            <p:nvSpPr>
+              <p:cNvPr id="135" name="テキスト ボックス 134">
+                <a:extLst>
+                  <a:ext uri="{FF2B5EF4-FFF2-40B4-BE49-F238E27FC236}">
+                    <a16:creationId xmlns:a16="http://schemas.microsoft.com/office/drawing/2014/main" id="{25A0D419-0F64-7D21-545E-75D553D57106}"/>
+                  </a:ext>
+                </a:extLst>
+              </p:cNvPr>
+              <p:cNvSpPr txBox="1">
+                <a:spLocks noRot="1" noChangeAspect="1" noMove="1" noResize="1" noEditPoints="1" noAdjustHandles="1" noChangeArrowheads="1" noChangeShapeType="1" noTextEdit="1"/>
+              </p:cNvSpPr>
+              <p:nvPr/>
+            </p:nvSpPr>
+            <p:spPr>
+              <a:xfrm>
+                <a:off x="5902663" y="5221755"/>
+                <a:ext cx="304250" cy="430887"/>
+              </a:xfrm>
+              <a:prstGeom prst="rect">
+                <a:avLst/>
+              </a:prstGeom>
+              <a:blipFill>
+                <a:blip r:embed="rId7"/>
+                <a:stretch>
+                  <a:fillRect l="-8000" r="-8000"/>
+                </a:stretch>
+              </a:blipFill>
+            </p:spPr>
+            <p:txBody>
+              <a:bodyPr/>
+              <a:lstStyle/>
+              <a:p>
+                <a:r>
+                  <a:rPr lang="ja-JP" altLang="en-US">
+                    <a:noFill/>
+                  </a:rPr>
+                  <a:t> </a:t>
+                </a:r>
+              </a:p>
+            </p:txBody>
+          </p:sp>
+        </mc:Fallback>
+      </mc:AlternateContent>
+    </p:spTree>
+    <p:extLst>
+      <p:ext uri="{BB962C8B-B14F-4D97-AF65-F5344CB8AC3E}">
+        <p14:creationId xmlns:p14="http://schemas.microsoft.com/office/powerpoint/2010/main" val="2156763581"/>
+      </p:ext>
+    </p:extLst>
+  </p:cSld>
+  <p:clrMapOvr>
+    <a:masterClrMapping/>
+  </p:clrMapOvr>
+</p:sld>
+</file>
+
+<file path=ppt/slides/slide12.xml><?xml version="1.0" encoding="utf-8"?>
+<p:sld xmlns:a="http://schemas.openxmlformats.org/drawingml/2006/main" xmlns:r="http://schemas.openxmlformats.org/officeDocument/2006/relationships" xmlns:p="http://schemas.openxmlformats.org/presentationml/2006/main">
+  <p:cSld>
+    <p:spTree>
+      <p:nvGrpSpPr>
+        <p:cNvPr id="1" name=""/>
+        <p:cNvGrpSpPr/>
+        <p:nvPr/>
+      </p:nvGrpSpPr>
+      <p:grpSpPr>
+        <a:xfrm>
+          <a:off x="0" y="0"/>
+          <a:ext cx="0" cy="0"/>
+          <a:chOff x="0" y="0"/>
+          <a:chExt cx="0" cy="0"/>
+        </a:xfrm>
+      </p:grpSpPr>
+      <p:sp>
+        <p:nvSpPr>
+          <p:cNvPr id="2" name="フローチャート: 処理 1">
+            <a:extLst>
+              <a:ext uri="{FF2B5EF4-FFF2-40B4-BE49-F238E27FC236}">
+                <a16:creationId xmlns:a16="http://schemas.microsoft.com/office/drawing/2014/main" id="{D57D39B9-738A-6AC1-F59D-7F4285748B21}"/>
+              </a:ext>
+            </a:extLst>
+          </p:cNvPr>
+          <p:cNvSpPr/>
+          <p:nvPr/>
+        </p:nvSpPr>
+        <p:spPr>
+          <a:xfrm>
+            <a:off x="518987" y="2463117"/>
+            <a:ext cx="2034747" cy="2323067"/>
+          </a:xfrm>
+          <a:prstGeom prst="flowChartProcess">
+            <a:avLst/>
+          </a:prstGeom>
+        </p:spPr>
+        <p:style>
+          <a:lnRef idx="2">
+            <a:schemeClr val="dk1"/>
+          </a:lnRef>
+          <a:fillRef idx="1">
+            <a:schemeClr val="lt1"/>
+          </a:fillRef>
+          <a:effectRef idx="0">
+            <a:schemeClr val="dk1"/>
+          </a:effectRef>
+          <a:fontRef idx="minor">
+            <a:schemeClr val="dk1"/>
+          </a:fontRef>
+        </p:style>
+        <p:txBody>
+          <a:bodyPr rtlCol="0" anchor="ctr"/>
+          <a:lstStyle/>
+          <a:p>
+            <a:pPr algn="ctr"/>
+            <a:r>
+              <a:rPr kumimoji="1" lang="ja-JP" altLang="en-US"/>
+              <a:t>偏波リモートセンシングシステムによる測定</a:t>
+            </a:r>
+          </a:p>
+        </p:txBody>
+      </p:sp>
+      <p:sp>
+        <p:nvSpPr>
+          <p:cNvPr id="3" name="フローチャート: 処理 2">
+            <a:extLst>
+              <a:ext uri="{FF2B5EF4-FFF2-40B4-BE49-F238E27FC236}">
+                <a16:creationId xmlns:a16="http://schemas.microsoft.com/office/drawing/2014/main" id="{5B3146FD-3F9B-08D0-648C-B16712EDB120}"/>
+              </a:ext>
+            </a:extLst>
+          </p:cNvPr>
+          <p:cNvSpPr/>
+          <p:nvPr/>
+        </p:nvSpPr>
+        <p:spPr>
+          <a:xfrm>
+            <a:off x="2986217" y="2463117"/>
+            <a:ext cx="2034747" cy="2323067"/>
+          </a:xfrm>
+          <a:prstGeom prst="flowChartProcess">
+            <a:avLst/>
+          </a:prstGeom>
+        </p:spPr>
+        <p:style>
+          <a:lnRef idx="2">
+            <a:schemeClr val="dk1"/>
+          </a:lnRef>
+          <a:fillRef idx="1">
+            <a:schemeClr val="lt1"/>
+          </a:fillRef>
+          <a:effectRef idx="0">
+            <a:schemeClr val="dk1"/>
+          </a:effectRef>
+          <a:fontRef idx="minor">
+            <a:schemeClr val="dk1"/>
+          </a:fontRef>
+        </p:style>
+        <p:txBody>
+          <a:bodyPr rtlCol="0" anchor="ctr"/>
+          <a:lstStyle/>
+          <a:p>
+            <a:pPr algn="ctr"/>
+            <a:r>
+              <a:rPr kumimoji="1" lang="ja-JP" altLang="en-US"/>
+              <a:t>散乱行列</a:t>
+            </a:r>
+            <a:r>
+              <a:rPr lang="en-US" altLang="ja-JP" dirty="0"/>
+              <a:t>S</a:t>
+            </a:r>
+            <a:r>
+              <a:rPr lang="ja-JP" altLang="en-US"/>
+              <a:t>の計算</a:t>
+            </a:r>
+            <a:endParaRPr kumimoji="1" lang="ja-JP" altLang="en-US"/>
+          </a:p>
+        </p:txBody>
+      </p:sp>
+      <p:sp>
+        <p:nvSpPr>
+          <p:cNvPr id="4" name="フローチャート: 処理 3">
+            <a:extLst>
+              <a:ext uri="{FF2B5EF4-FFF2-40B4-BE49-F238E27FC236}">
+                <a16:creationId xmlns:a16="http://schemas.microsoft.com/office/drawing/2014/main" id="{ECA73005-1DDD-E5BF-D094-8BBCA42E257B}"/>
+              </a:ext>
+            </a:extLst>
+          </p:cNvPr>
+          <p:cNvSpPr/>
+          <p:nvPr/>
+        </p:nvSpPr>
+        <p:spPr>
+          <a:xfrm>
+            <a:off x="5453447" y="2463116"/>
+            <a:ext cx="2318960" cy="2323067"/>
+          </a:xfrm>
+          <a:prstGeom prst="flowChartProcess">
+            <a:avLst/>
+          </a:prstGeom>
+        </p:spPr>
+        <p:style>
+          <a:lnRef idx="2">
+            <a:schemeClr val="dk1"/>
+          </a:lnRef>
+          <a:fillRef idx="1">
+            <a:schemeClr val="lt1"/>
+          </a:fillRef>
+          <a:effectRef idx="0">
+            <a:schemeClr val="dk1"/>
+          </a:effectRef>
+          <a:fontRef idx="minor">
+            <a:schemeClr val="dk1"/>
+          </a:fontRef>
+        </p:style>
+        <p:txBody>
+          <a:bodyPr rtlCol="0" anchor="ctr"/>
+          <a:lstStyle/>
+          <a:p>
+            <a:pPr algn="ctr"/>
+            <a:r>
+              <a:rPr kumimoji="1" lang="en-US" altLang="ja-JP" dirty="0"/>
+              <a:t>6</a:t>
+            </a:r>
+            <a:r>
+              <a:rPr kumimoji="1" lang="ja-JP" altLang="en-US"/>
+              <a:t>つの偏波それぞれについてポアンカレベクトル</a:t>
+            </a:r>
+            <a:r>
+              <a:rPr kumimoji="1" lang="en-US" altLang="ja-JP" dirty="0"/>
+              <a:t>P</a:t>
+            </a:r>
+            <a:r>
+              <a:rPr lang="ja-JP" altLang="en-US"/>
+              <a:t>の計算</a:t>
+            </a:r>
+            <a:endParaRPr kumimoji="1" lang="ja-JP" altLang="en-US"/>
+          </a:p>
+        </p:txBody>
+      </p:sp>
+      <p:sp>
+        <p:nvSpPr>
+          <p:cNvPr id="5" name="フローチャート: 処理 4">
+            <a:extLst>
+              <a:ext uri="{FF2B5EF4-FFF2-40B4-BE49-F238E27FC236}">
+                <a16:creationId xmlns:a16="http://schemas.microsoft.com/office/drawing/2014/main" id="{D5C4D0B1-8653-979E-1C07-FB586D345B1F}"/>
+              </a:ext>
+            </a:extLst>
+          </p:cNvPr>
+          <p:cNvSpPr/>
+          <p:nvPr/>
+        </p:nvSpPr>
+        <p:spPr>
+          <a:xfrm>
+            <a:off x="8204890" y="2463117"/>
+            <a:ext cx="2034747" cy="2323067"/>
+          </a:xfrm>
+          <a:prstGeom prst="flowChartProcess">
+            <a:avLst/>
+          </a:prstGeom>
+        </p:spPr>
+        <p:style>
+          <a:lnRef idx="2">
+            <a:schemeClr val="dk1"/>
+          </a:lnRef>
+          <a:fillRef idx="1">
+            <a:schemeClr val="lt1"/>
+          </a:fillRef>
+          <a:effectRef idx="0">
+            <a:schemeClr val="dk1"/>
+          </a:effectRef>
+          <a:fontRef idx="minor">
+            <a:schemeClr val="dk1"/>
+          </a:fontRef>
+        </p:style>
+        <p:txBody>
+          <a:bodyPr rtlCol="0" anchor="ctr"/>
+          <a:lstStyle/>
+          <a:p>
+            <a:pPr algn="ctr"/>
+            <a:r>
+              <a:rPr kumimoji="1" lang="ja-JP" altLang="en-US"/>
+              <a:t>四元数リザバーコンピューティングによる学習と分類</a:t>
+            </a:r>
+          </a:p>
+        </p:txBody>
+      </p:sp>
+      <p:cxnSp>
+        <p:nvCxnSpPr>
+          <p:cNvPr id="7" name="直線矢印コネクタ 6">
+            <a:extLst>
+              <a:ext uri="{FF2B5EF4-FFF2-40B4-BE49-F238E27FC236}">
+                <a16:creationId xmlns:a16="http://schemas.microsoft.com/office/drawing/2014/main" id="{02B86D65-EE8E-6B4A-8EFD-995C57301FEA}"/>
+              </a:ext>
+            </a:extLst>
+          </p:cNvPr>
+          <p:cNvCxnSpPr>
+            <a:cxnSpLocks/>
+            <a:stCxn id="2" idx="3"/>
+            <a:endCxn id="3" idx="1"/>
+          </p:cNvCxnSpPr>
+          <p:nvPr/>
+        </p:nvCxnSpPr>
+        <p:spPr>
+          <a:xfrm>
+            <a:off x="2553734" y="3624651"/>
+            <a:ext cx="432483" cy="0"/>
+          </a:xfrm>
+          <a:prstGeom prst="straightConnector1">
+            <a:avLst/>
+          </a:prstGeom>
+          <a:ln>
+            <a:tailEnd type="triangle"/>
+          </a:ln>
+        </p:spPr>
+        <p:style>
+          <a:lnRef idx="1">
+            <a:schemeClr val="dk1"/>
+          </a:lnRef>
+          <a:fillRef idx="0">
+            <a:schemeClr val="dk1"/>
+          </a:fillRef>
+          <a:effectRef idx="0">
+            <a:schemeClr val="dk1"/>
+          </a:effectRef>
+          <a:fontRef idx="minor">
+            <a:schemeClr val="tx1"/>
+          </a:fontRef>
+        </p:style>
+      </p:cxnSp>
+      <p:cxnSp>
+        <p:nvCxnSpPr>
+          <p:cNvPr id="9" name="直線矢印コネクタ 8">
+            <a:extLst>
+              <a:ext uri="{FF2B5EF4-FFF2-40B4-BE49-F238E27FC236}">
+                <a16:creationId xmlns:a16="http://schemas.microsoft.com/office/drawing/2014/main" id="{BCFBA9BA-4C48-9386-88ED-9DD003F60594}"/>
+              </a:ext>
+            </a:extLst>
+          </p:cNvPr>
+          <p:cNvCxnSpPr>
+            <a:cxnSpLocks/>
+            <a:endCxn id="4" idx="1"/>
+          </p:cNvCxnSpPr>
+          <p:nvPr/>
+        </p:nvCxnSpPr>
+        <p:spPr>
+          <a:xfrm>
+            <a:off x="5020964" y="3624649"/>
+            <a:ext cx="432483" cy="1"/>
+          </a:xfrm>
+          <a:prstGeom prst="straightConnector1">
+            <a:avLst/>
+          </a:prstGeom>
+          <a:ln>
+            <a:tailEnd type="triangle"/>
+          </a:ln>
+        </p:spPr>
+        <p:style>
+          <a:lnRef idx="1">
+            <a:schemeClr val="dk1"/>
+          </a:lnRef>
+          <a:fillRef idx="0">
+            <a:schemeClr val="dk1"/>
+          </a:fillRef>
+          <a:effectRef idx="0">
+            <a:schemeClr val="dk1"/>
+          </a:effectRef>
+          <a:fontRef idx="minor">
+            <a:schemeClr val="tx1"/>
+          </a:fontRef>
+        </p:style>
+      </p:cxnSp>
+      <p:cxnSp>
+        <p:nvCxnSpPr>
+          <p:cNvPr id="11" name="直線矢印コネクタ 10">
+            <a:extLst>
+              <a:ext uri="{FF2B5EF4-FFF2-40B4-BE49-F238E27FC236}">
+                <a16:creationId xmlns:a16="http://schemas.microsoft.com/office/drawing/2014/main" id="{74E2CFBA-D1F9-19BC-0167-4FEA7F96343B}"/>
+              </a:ext>
+            </a:extLst>
+          </p:cNvPr>
+          <p:cNvCxnSpPr>
+            <a:cxnSpLocks/>
+            <a:stCxn id="4" idx="3"/>
+            <a:endCxn id="5" idx="1"/>
+          </p:cNvCxnSpPr>
+          <p:nvPr/>
+        </p:nvCxnSpPr>
+        <p:spPr>
+          <a:xfrm>
+            <a:off x="7772407" y="3624650"/>
+            <a:ext cx="432483" cy="1"/>
+          </a:xfrm>
+          <a:prstGeom prst="straightConnector1">
+            <a:avLst/>
+          </a:prstGeom>
+          <a:ln>
+            <a:tailEnd type="triangle"/>
+          </a:ln>
+        </p:spPr>
+        <p:style>
+          <a:lnRef idx="1">
+            <a:schemeClr val="dk1"/>
+          </a:lnRef>
+          <a:fillRef idx="0">
+            <a:schemeClr val="dk1"/>
+          </a:fillRef>
+          <a:effectRef idx="0">
+            <a:schemeClr val="dk1"/>
+          </a:effectRef>
+          <a:fontRef idx="minor">
+            <a:schemeClr val="tx1"/>
+          </a:fontRef>
+        </p:style>
+      </p:cxnSp>
+    </p:spTree>
+    <p:extLst>
+      <p:ext uri="{BB962C8B-B14F-4D97-AF65-F5344CB8AC3E}">
+        <p14:creationId xmlns:p14="http://schemas.microsoft.com/office/powerpoint/2010/main" val="1653658778"/>
       </p:ext>
     </p:extLst>
   </p:cSld>
@@ -11537,6 +18000,340 @@
       </a:bgFillStyleLst>
     </a:fmtScheme>
   </a:themeElements>
+  <a:objectDefaults>
+    <a:spDef>
+      <a:spPr/>
+      <a:bodyPr/>
+      <a:lstStyle/>
+      <a:style>
+        <a:lnRef idx="2">
+          <a:schemeClr val="dk1"/>
+        </a:lnRef>
+        <a:fillRef idx="1">
+          <a:schemeClr val="lt1"/>
+        </a:fillRef>
+        <a:effectRef idx="0">
+          <a:schemeClr val="dk1"/>
+        </a:effectRef>
+        <a:fontRef idx="minor">
+          <a:schemeClr val="dk1"/>
+        </a:fontRef>
+      </a:style>
+    </a:spDef>
+    <a:lnDef>
+      <a:spPr/>
+      <a:bodyPr/>
+      <a:lstStyle/>
+      <a:style>
+        <a:lnRef idx="1">
+          <a:schemeClr val="dk1"/>
+        </a:lnRef>
+        <a:fillRef idx="0">
+          <a:schemeClr val="dk1"/>
+        </a:fillRef>
+        <a:effectRef idx="0">
+          <a:schemeClr val="dk1"/>
+        </a:effectRef>
+        <a:fontRef idx="minor">
+          <a:schemeClr val="tx1"/>
+        </a:fontRef>
+      </a:style>
+    </a:lnDef>
+  </a:objectDefaults>
+  <a:extraClrSchemeLst/>
+  <a:extLst>
+    <a:ext uri="{05A4C25C-085E-4340-85A3-A5531E510DB2}">
+      <thm15:themeFamily xmlns:thm15="http://schemas.microsoft.com/office/thememl/2012/main" name="Office Theme" id="{62F939B6-93AF-4DB8-9C6B-D6C7DFDC589F}" vid="{4A3C46E8-61CC-4603-A589-7422A47A8E4A}"/>
+    </a:ext>
+  </a:extLst>
+</a:theme>
+</file>
+
+<file path=ppt/theme/theme2.xml><?xml version="1.0" encoding="utf-8"?>
+<a:theme xmlns:a="http://schemas.openxmlformats.org/drawingml/2006/main" name="Office テーマ">
+  <a:themeElements>
+    <a:clrScheme name="Office">
+      <a:dk1>
+        <a:sysClr val="windowText" lastClr="000000"/>
+      </a:dk1>
+      <a:lt1>
+        <a:sysClr val="window" lastClr="FFFFFF"/>
+      </a:lt1>
+      <a:dk2>
+        <a:srgbClr val="44546A"/>
+      </a:dk2>
+      <a:lt2>
+        <a:srgbClr val="E7E6E6"/>
+      </a:lt2>
+      <a:accent1>
+        <a:srgbClr val="4472C4"/>
+      </a:accent1>
+      <a:accent2>
+        <a:srgbClr val="ED7D31"/>
+      </a:accent2>
+      <a:accent3>
+        <a:srgbClr val="A5A5A5"/>
+      </a:accent3>
+      <a:accent4>
+        <a:srgbClr val="FFC000"/>
+      </a:accent4>
+      <a:accent5>
+        <a:srgbClr val="5B9BD5"/>
+      </a:accent5>
+      <a:accent6>
+        <a:srgbClr val="70AD47"/>
+      </a:accent6>
+      <a:hlink>
+        <a:srgbClr val="0563C1"/>
+      </a:hlink>
+      <a:folHlink>
+        <a:srgbClr val="954F72"/>
+      </a:folHlink>
+    </a:clrScheme>
+    <a:fontScheme name="Office">
+      <a:majorFont>
+        <a:latin typeface="游ゴシック Light" panose="020F0302020204030204"/>
+        <a:ea typeface=""/>
+        <a:cs typeface=""/>
+        <a:font script="Jpan" typeface="游ゴシック Light"/>
+        <a:font script="Hang" typeface="맑은 고딕"/>
+        <a:font script="Hans" typeface="等线 Light"/>
+        <a:font script="Hant" typeface="新細明體"/>
+        <a:font script="Arab" typeface="Times New Roman"/>
+        <a:font script="Hebr" typeface="Times New Roman"/>
+        <a:font script="Thai" typeface="Angsana New"/>
+        <a:font script="Ethi" typeface="Nyala"/>
+        <a:font script="Beng" typeface="Vrinda"/>
+        <a:font script="Gujr" typeface="Shruti"/>
+        <a:font script="Khmr" typeface="MoolBoran"/>
+        <a:font script="Knda" typeface="Tunga"/>
+        <a:font script="Guru" typeface="Raavi"/>
+        <a:font script="Cans" typeface="Euphemia"/>
+        <a:font script="Cher" typeface="Plantagenet Cherokee"/>
+        <a:font script="Yiii" typeface="Microsoft Yi Baiti"/>
+        <a:font script="Tibt" typeface="Microsoft Himalaya"/>
+        <a:font script="Thaa" typeface="MV Boli"/>
+        <a:font script="Deva" typeface="Mangal"/>
+        <a:font script="Telu" typeface="Gautami"/>
+        <a:font script="Taml" typeface="Latha"/>
+        <a:font script="Syrc" typeface="Estrangelo Edessa"/>
+        <a:font script="Orya" typeface="Kalinga"/>
+        <a:font script="Mlym" typeface="Kartika"/>
+        <a:font script="Laoo" typeface="DokChampa"/>
+        <a:font script="Sinh" typeface="Iskoola Pota"/>
+        <a:font script="Mong" typeface="Mongolian Baiti"/>
+        <a:font script="Viet" typeface="Times New Roman"/>
+        <a:font script="Uigh" typeface="Microsoft Uighur"/>
+        <a:font script="Geor" typeface="Sylfaen"/>
+        <a:font script="Armn" typeface="Arial"/>
+        <a:font script="Bugi" typeface="Leelawadee UI"/>
+        <a:font script="Bopo" typeface="Microsoft JhengHei"/>
+        <a:font script="Java" typeface="Javanese Text"/>
+        <a:font script="Lisu" typeface="Segoe UI"/>
+        <a:font script="Mymr" typeface="Myanmar Text"/>
+        <a:font script="Nkoo" typeface="Ebrima"/>
+        <a:font script="Olck" typeface="Nirmala UI"/>
+        <a:font script="Osma" typeface="Ebrima"/>
+        <a:font script="Phag" typeface="Phagspa"/>
+        <a:font script="Syrn" typeface="Estrangelo Edessa"/>
+        <a:font script="Syrj" typeface="Estrangelo Edessa"/>
+        <a:font script="Syre" typeface="Estrangelo Edessa"/>
+        <a:font script="Sora" typeface="Nirmala UI"/>
+        <a:font script="Tale" typeface="Microsoft Tai Le"/>
+        <a:font script="Talu" typeface="Microsoft New Tai Lue"/>
+        <a:font script="Tfng" typeface="Ebrima"/>
+      </a:majorFont>
+      <a:minorFont>
+        <a:latin typeface="游ゴシック" panose="020F0502020204030204"/>
+        <a:ea typeface=""/>
+        <a:cs typeface=""/>
+        <a:font script="Jpan" typeface="游ゴシック"/>
+        <a:font script="Hang" typeface="맑은 고딕"/>
+        <a:font script="Hans" typeface="等线"/>
+        <a:font script="Hant" typeface="新細明體"/>
+        <a:font script="Arab" typeface="Arial"/>
+        <a:font script="Hebr" typeface="Arial"/>
+        <a:font script="Thai" typeface="Cordia New"/>
+        <a:font script="Ethi" typeface="Nyala"/>
+        <a:font script="Beng" typeface="Vrinda"/>
+        <a:font script="Gujr" typeface="Shruti"/>
+        <a:font script="Khmr" typeface="DaunPenh"/>
+        <a:font script="Knda" typeface="Tunga"/>
+        <a:font script="Guru" typeface="Raavi"/>
+        <a:font script="Cans" typeface="Euphemia"/>
+        <a:font script="Cher" typeface="Plantagenet Cherokee"/>
+        <a:font script="Yiii" typeface="Microsoft Yi Baiti"/>
+        <a:font script="Tibt" typeface="Microsoft Himalaya"/>
+        <a:font script="Thaa" typeface="MV Boli"/>
+        <a:font script="Deva" typeface="Mangal"/>
+        <a:font script="Telu" typeface="Gautami"/>
+        <a:font script="Taml" typeface="Latha"/>
+        <a:font script="Syrc" typeface="Estrangelo Edessa"/>
+        <a:font script="Orya" typeface="Kalinga"/>
+        <a:font script="Mlym" typeface="Kartika"/>
+        <a:font script="Laoo" typeface="DokChampa"/>
+        <a:font script="Sinh" typeface="Iskoola Pota"/>
+        <a:font script="Mong" typeface="Mongolian Baiti"/>
+        <a:font script="Viet" typeface="Arial"/>
+        <a:font script="Uigh" typeface="Microsoft Uighur"/>
+        <a:font script="Geor" typeface="Sylfaen"/>
+        <a:font script="Armn" typeface="Arial"/>
+        <a:font script="Bugi" typeface="Leelawadee UI"/>
+        <a:font script="Bopo" typeface="Microsoft JhengHei"/>
+        <a:font script="Java" typeface="Javanese Text"/>
+        <a:font script="Lisu" typeface="Segoe UI"/>
+        <a:font script="Mymr" typeface="Myanmar Text"/>
+        <a:font script="Nkoo" typeface="Ebrima"/>
+        <a:font script="Olck" typeface="Nirmala UI"/>
+        <a:font script="Osma" typeface="Ebrima"/>
+        <a:font script="Phag" typeface="Phagspa"/>
+        <a:font script="Syrn" typeface="Estrangelo Edessa"/>
+        <a:font script="Syrj" typeface="Estrangelo Edessa"/>
+        <a:font script="Syre" typeface="Estrangelo Edessa"/>
+        <a:font script="Sora" typeface="Nirmala UI"/>
+        <a:font script="Tale" typeface="Microsoft Tai Le"/>
+        <a:font script="Talu" typeface="Microsoft New Tai Lue"/>
+        <a:font script="Tfng" typeface="Ebrima"/>
+      </a:minorFont>
+    </a:fontScheme>
+    <a:fmtScheme name="Office">
+      <a:fillStyleLst>
+        <a:solidFill>
+          <a:schemeClr val="phClr"/>
+        </a:solidFill>
+        <a:gradFill rotWithShape="1">
+          <a:gsLst>
+            <a:gs pos="0">
+              <a:schemeClr val="phClr">
+                <a:lumMod val="110000"/>
+                <a:satMod val="105000"/>
+                <a:tint val="67000"/>
+              </a:schemeClr>
+            </a:gs>
+            <a:gs pos="50000">
+              <a:schemeClr val="phClr">
+                <a:lumMod val="105000"/>
+                <a:satMod val="103000"/>
+                <a:tint val="73000"/>
+              </a:schemeClr>
+            </a:gs>
+            <a:gs pos="100000">
+              <a:schemeClr val="phClr">
+                <a:lumMod val="105000"/>
+                <a:satMod val="109000"/>
+                <a:tint val="81000"/>
+              </a:schemeClr>
+            </a:gs>
+          </a:gsLst>
+          <a:lin ang="5400000" scaled="0"/>
+        </a:gradFill>
+        <a:gradFill rotWithShape="1">
+          <a:gsLst>
+            <a:gs pos="0">
+              <a:schemeClr val="phClr">
+                <a:satMod val="103000"/>
+                <a:lumMod val="102000"/>
+                <a:tint val="94000"/>
+              </a:schemeClr>
+            </a:gs>
+            <a:gs pos="50000">
+              <a:schemeClr val="phClr">
+                <a:satMod val="110000"/>
+                <a:lumMod val="100000"/>
+                <a:shade val="100000"/>
+              </a:schemeClr>
+            </a:gs>
+            <a:gs pos="100000">
+              <a:schemeClr val="phClr">
+                <a:lumMod val="99000"/>
+                <a:satMod val="120000"/>
+                <a:shade val="78000"/>
+              </a:schemeClr>
+            </a:gs>
+          </a:gsLst>
+          <a:lin ang="5400000" scaled="0"/>
+        </a:gradFill>
+      </a:fillStyleLst>
+      <a:lnStyleLst>
+        <a:ln w="6350" cap="flat" cmpd="sng" algn="ctr">
+          <a:solidFill>
+            <a:schemeClr val="phClr"/>
+          </a:solidFill>
+          <a:prstDash val="solid"/>
+          <a:miter lim="800000"/>
+        </a:ln>
+        <a:ln w="12700" cap="flat" cmpd="sng" algn="ctr">
+          <a:solidFill>
+            <a:schemeClr val="phClr"/>
+          </a:solidFill>
+          <a:prstDash val="solid"/>
+          <a:miter lim="800000"/>
+        </a:ln>
+        <a:ln w="19050" cap="flat" cmpd="sng" algn="ctr">
+          <a:solidFill>
+            <a:schemeClr val="phClr"/>
+          </a:solidFill>
+          <a:prstDash val="solid"/>
+          <a:miter lim="800000"/>
+        </a:ln>
+      </a:lnStyleLst>
+      <a:effectStyleLst>
+        <a:effectStyle>
+          <a:effectLst/>
+        </a:effectStyle>
+        <a:effectStyle>
+          <a:effectLst/>
+        </a:effectStyle>
+        <a:effectStyle>
+          <a:effectLst>
+            <a:outerShdw blurRad="57150" dist="19050" dir="5400000" algn="ctr" rotWithShape="0">
+              <a:srgbClr val="000000">
+                <a:alpha val="63000"/>
+              </a:srgbClr>
+            </a:outerShdw>
+          </a:effectLst>
+        </a:effectStyle>
+      </a:effectStyleLst>
+      <a:bgFillStyleLst>
+        <a:solidFill>
+          <a:schemeClr val="phClr"/>
+        </a:solidFill>
+        <a:solidFill>
+          <a:schemeClr val="phClr">
+            <a:tint val="95000"/>
+            <a:satMod val="170000"/>
+          </a:schemeClr>
+        </a:solidFill>
+        <a:gradFill rotWithShape="1">
+          <a:gsLst>
+            <a:gs pos="0">
+              <a:schemeClr val="phClr">
+                <a:tint val="93000"/>
+                <a:satMod val="150000"/>
+                <a:shade val="98000"/>
+                <a:lumMod val="102000"/>
+              </a:schemeClr>
+            </a:gs>
+            <a:gs pos="50000">
+              <a:schemeClr val="phClr">
+                <a:tint val="98000"/>
+                <a:satMod val="130000"/>
+                <a:shade val="90000"/>
+                <a:lumMod val="103000"/>
+              </a:schemeClr>
+            </a:gs>
+            <a:gs pos="100000">
+              <a:schemeClr val="phClr">
+                <a:shade val="63000"/>
+                <a:satMod val="120000"/>
+              </a:schemeClr>
+            </a:gs>
+          </a:gsLst>
+          <a:lin ang="5400000" scaled="0"/>
+        </a:gradFill>
+      </a:bgFillStyleLst>
+    </a:fmtScheme>
+  </a:themeElements>
   <a:objectDefaults/>
   <a:extraClrSchemeLst/>
   <a:extLst>

--- a/chukan/図作成用.pptx
+++ b/chukan/図作成用.pptx
@@ -5,7 +5,7 @@
     <p:sldMasterId id="2147483648" r:id="rId1"/>
   </p:sldMasterIdLst>
   <p:notesMasterIdLst>
-    <p:notesMasterId r:id="rId14"/>
+    <p:notesMasterId r:id="rId15"/>
   </p:notesMasterIdLst>
   <p:sldIdLst>
     <p:sldId id="256" r:id="rId2"/>
@@ -20,6 +20,7 @@
     <p:sldId id="267" r:id="rId11"/>
     <p:sldId id="268" r:id="rId12"/>
     <p:sldId id="269" r:id="rId13"/>
+    <p:sldId id="270" r:id="rId14"/>
   </p:sldIdLst>
   <p:sldSz cx="12192000" cy="6858000"/>
   <p:notesSz cx="6858000" cy="9144000"/>
@@ -6073,148 +6074,10 @@
       </p:grpSpPr>
       <p:sp>
         <p:nvSpPr>
-          <p:cNvPr id="7" name="フローチャート: 結合子 6">
-            <a:extLst>
-              <a:ext uri="{FF2B5EF4-FFF2-40B4-BE49-F238E27FC236}">
-                <a16:creationId xmlns:a16="http://schemas.microsoft.com/office/drawing/2014/main" id="{8F70C87E-014F-5646-AEDB-7FAB3B473B7B}"/>
-              </a:ext>
-            </a:extLst>
-          </p:cNvPr>
-          <p:cNvSpPr>
-            <a:spLocks/>
-          </p:cNvSpPr>
-          <p:nvPr/>
-        </p:nvSpPr>
-        <p:spPr>
-          <a:xfrm>
-            <a:off x="2236305" y="1371600"/>
-            <a:ext cx="540000" cy="540000"/>
-          </a:xfrm>
-          <a:prstGeom prst="flowChartConnector">
-            <a:avLst/>
-          </a:prstGeom>
-        </p:spPr>
-        <p:style>
-          <a:lnRef idx="2">
-            <a:schemeClr val="dk1"/>
-          </a:lnRef>
-          <a:fillRef idx="1">
-            <a:schemeClr val="lt1"/>
-          </a:fillRef>
-          <a:effectRef idx="0">
-            <a:schemeClr val="dk1"/>
-          </a:effectRef>
-          <a:fontRef idx="minor">
-            <a:schemeClr val="dk1"/>
-          </a:fontRef>
-        </p:style>
-        <p:txBody>
-          <a:bodyPr rtlCol="0" anchor="ctr"/>
-          <a:lstStyle/>
-          <a:p>
-            <a:pPr algn="ctr"/>
-            <a:endParaRPr kumimoji="1" lang="ja-JP" altLang="en-US"/>
-          </a:p>
-        </p:txBody>
-      </p:sp>
-      <p:sp>
-        <p:nvSpPr>
-          <p:cNvPr id="8" name="フローチャート: 結合子 7">
-            <a:extLst>
-              <a:ext uri="{FF2B5EF4-FFF2-40B4-BE49-F238E27FC236}">
-                <a16:creationId xmlns:a16="http://schemas.microsoft.com/office/drawing/2014/main" id="{D28CBAF6-961F-48E8-1171-841098AED5B4}"/>
-              </a:ext>
-            </a:extLst>
-          </p:cNvPr>
-          <p:cNvSpPr>
-            <a:spLocks/>
-          </p:cNvSpPr>
-          <p:nvPr/>
-        </p:nvSpPr>
-        <p:spPr>
-          <a:xfrm>
-            <a:off x="2236305" y="2189922"/>
-            <a:ext cx="540000" cy="540000"/>
-          </a:xfrm>
-          <a:prstGeom prst="flowChartConnector">
-            <a:avLst/>
-          </a:prstGeom>
-        </p:spPr>
-        <p:style>
-          <a:lnRef idx="2">
-            <a:schemeClr val="dk1"/>
-          </a:lnRef>
-          <a:fillRef idx="1">
-            <a:schemeClr val="lt1"/>
-          </a:fillRef>
-          <a:effectRef idx="0">
-            <a:schemeClr val="dk1"/>
-          </a:effectRef>
-          <a:fontRef idx="minor">
-            <a:schemeClr val="dk1"/>
-          </a:fontRef>
-        </p:style>
-        <p:txBody>
-          <a:bodyPr rtlCol="0" anchor="ctr"/>
-          <a:lstStyle/>
-          <a:p>
-            <a:pPr algn="ctr"/>
-            <a:endParaRPr kumimoji="1" lang="ja-JP" altLang="en-US"/>
-          </a:p>
-        </p:txBody>
-      </p:sp>
-      <p:sp>
-        <p:nvSpPr>
-          <p:cNvPr id="9" name="フローチャート: 結合子 8">
-            <a:extLst>
-              <a:ext uri="{FF2B5EF4-FFF2-40B4-BE49-F238E27FC236}">
-                <a16:creationId xmlns:a16="http://schemas.microsoft.com/office/drawing/2014/main" id="{EEC7C549-D8E7-A0FA-D0E2-257A3CF62C34}"/>
-              </a:ext>
-            </a:extLst>
-          </p:cNvPr>
-          <p:cNvSpPr>
-            <a:spLocks/>
-          </p:cNvSpPr>
-          <p:nvPr/>
-        </p:nvSpPr>
-        <p:spPr>
-          <a:xfrm>
-            <a:off x="2236305" y="3756966"/>
-            <a:ext cx="540000" cy="540000"/>
-          </a:xfrm>
-          <a:prstGeom prst="flowChartConnector">
-            <a:avLst/>
-          </a:prstGeom>
-        </p:spPr>
-        <p:style>
-          <a:lnRef idx="2">
-            <a:schemeClr val="dk1"/>
-          </a:lnRef>
-          <a:fillRef idx="1">
-            <a:schemeClr val="lt1"/>
-          </a:fillRef>
-          <a:effectRef idx="0">
-            <a:schemeClr val="dk1"/>
-          </a:effectRef>
-          <a:fontRef idx="minor">
-            <a:schemeClr val="dk1"/>
-          </a:fontRef>
-        </p:style>
-        <p:txBody>
-          <a:bodyPr rtlCol="0" anchor="ctr"/>
-          <a:lstStyle/>
-          <a:p>
-            <a:pPr algn="ctr"/>
-            <a:endParaRPr kumimoji="1" lang="ja-JP" altLang="en-US"/>
-          </a:p>
-        </p:txBody>
-      </p:sp>
-      <p:sp>
-        <p:nvSpPr>
-          <p:cNvPr id="10" name="フローチャート: 結合子 9">
-            <a:extLst>
-              <a:ext uri="{FF2B5EF4-FFF2-40B4-BE49-F238E27FC236}">
-                <a16:creationId xmlns:a16="http://schemas.microsoft.com/office/drawing/2014/main" id="{8015B6D4-F955-9C1A-95A5-A9B420CE3109}"/>
+          <p:cNvPr id="15" name="フレーム 14">
+            <a:extLst>
+              <a:ext uri="{FF2B5EF4-FFF2-40B4-BE49-F238E27FC236}">
+                <a16:creationId xmlns:a16="http://schemas.microsoft.com/office/drawing/2014/main" id="{0EE8C75C-1A35-03DA-34FC-6407AFF8A3C0}"/>
               </a:ext>
             </a:extLst>
           </p:cNvPr>
@@ -6223,11 +6086,13 @@
         </p:nvSpPr>
         <p:spPr>
           <a:xfrm>
-            <a:off x="2442462" y="2956239"/>
-            <a:ext cx="72000" cy="72000"/>
-          </a:xfrm>
-          <a:prstGeom prst="flowChartConnector">
-            <a:avLst/>
+            <a:off x="4159306" y="895350"/>
+            <a:ext cx="3803257" cy="4133850"/>
+          </a:xfrm>
+          <a:prstGeom prst="frame">
+            <a:avLst>
+              <a:gd name="adj1" fmla="val 0"/>
+            </a:avLst>
           </a:prstGeom>
         </p:spPr>
         <p:style>
@@ -6251,147 +6116,6 @@
           <a:lstStyle/>
           <a:p>
             <a:pPr algn="ctr"/>
-            <a:endParaRPr kumimoji="1" lang="ja-JP" altLang="en-US"/>
-          </a:p>
-        </p:txBody>
-      </p:sp>
-      <p:sp>
-        <p:nvSpPr>
-          <p:cNvPr id="11" name="フローチャート: 結合子 10">
-            <a:extLst>
-              <a:ext uri="{FF2B5EF4-FFF2-40B4-BE49-F238E27FC236}">
-                <a16:creationId xmlns:a16="http://schemas.microsoft.com/office/drawing/2014/main" id="{54658290-A52E-9858-E465-5461BDEF712E}"/>
-              </a:ext>
-            </a:extLst>
-          </p:cNvPr>
-          <p:cNvSpPr/>
-          <p:nvPr/>
-        </p:nvSpPr>
-        <p:spPr>
-          <a:xfrm>
-            <a:off x="2442025" y="3189444"/>
-            <a:ext cx="72000" cy="72000"/>
-          </a:xfrm>
-          <a:prstGeom prst="flowChartConnector">
-            <a:avLst/>
-          </a:prstGeom>
-        </p:spPr>
-        <p:style>
-          <a:lnRef idx="2">
-            <a:schemeClr val="dk1">
-              <a:shade val="50000"/>
-            </a:schemeClr>
-          </a:lnRef>
-          <a:fillRef idx="1">
-            <a:schemeClr val="dk1"/>
-          </a:fillRef>
-          <a:effectRef idx="0">
-            <a:schemeClr val="dk1"/>
-          </a:effectRef>
-          <a:fontRef idx="minor">
-            <a:schemeClr val="lt1"/>
-          </a:fontRef>
-        </p:style>
-        <p:txBody>
-          <a:bodyPr rtlCol="0" anchor="ctr"/>
-          <a:lstStyle/>
-          <a:p>
-            <a:pPr algn="ctr"/>
-            <a:endParaRPr kumimoji="1" lang="ja-JP" altLang="en-US"/>
-          </a:p>
-        </p:txBody>
-      </p:sp>
-      <p:sp>
-        <p:nvSpPr>
-          <p:cNvPr id="12" name="フローチャート: 結合子 11">
-            <a:extLst>
-              <a:ext uri="{FF2B5EF4-FFF2-40B4-BE49-F238E27FC236}">
-                <a16:creationId xmlns:a16="http://schemas.microsoft.com/office/drawing/2014/main" id="{DB5C0B44-1258-970C-F1D8-D79EFBB839A1}"/>
-              </a:ext>
-            </a:extLst>
-          </p:cNvPr>
-          <p:cNvSpPr/>
-          <p:nvPr/>
-        </p:nvSpPr>
-        <p:spPr>
-          <a:xfrm>
-            <a:off x="2445425" y="3422649"/>
-            <a:ext cx="72000" cy="72000"/>
-          </a:xfrm>
-          <a:prstGeom prst="flowChartConnector">
-            <a:avLst/>
-          </a:prstGeom>
-        </p:spPr>
-        <p:style>
-          <a:lnRef idx="2">
-            <a:schemeClr val="dk1">
-              <a:shade val="50000"/>
-            </a:schemeClr>
-          </a:lnRef>
-          <a:fillRef idx="1">
-            <a:schemeClr val="dk1"/>
-          </a:fillRef>
-          <a:effectRef idx="0">
-            <a:schemeClr val="dk1"/>
-          </a:effectRef>
-          <a:fontRef idx="minor">
-            <a:schemeClr val="lt1"/>
-          </a:fontRef>
-        </p:style>
-        <p:txBody>
-          <a:bodyPr rtlCol="0" anchor="ctr"/>
-          <a:lstStyle/>
-          <a:p>
-            <a:pPr algn="ctr"/>
-            <a:endParaRPr kumimoji="1" lang="ja-JP" altLang="en-US"/>
-          </a:p>
-        </p:txBody>
-      </p:sp>
-      <p:sp>
-        <p:nvSpPr>
-          <p:cNvPr id="13" name="フレーム 12">
-            <a:extLst>
-              <a:ext uri="{FF2B5EF4-FFF2-40B4-BE49-F238E27FC236}">
-                <a16:creationId xmlns:a16="http://schemas.microsoft.com/office/drawing/2014/main" id="{27B2E0D6-3EBC-B05A-9828-51F4AA4D8DE9}"/>
-              </a:ext>
-            </a:extLst>
-          </p:cNvPr>
-          <p:cNvSpPr/>
-          <p:nvPr/>
-        </p:nvSpPr>
-        <p:spPr>
-          <a:xfrm>
-            <a:off x="1733550" y="895350"/>
-            <a:ext cx="1504950" cy="4133850"/>
-          </a:xfrm>
-          <a:prstGeom prst="frame">
-            <a:avLst>
-              <a:gd name="adj1" fmla="val 0"/>
-            </a:avLst>
-          </a:prstGeom>
-          <a:ln w="3175"/>
-        </p:spPr>
-        <p:style>
-          <a:lnRef idx="2">
-            <a:schemeClr val="dk1">
-              <a:shade val="50000"/>
-            </a:schemeClr>
-          </a:lnRef>
-          <a:fillRef idx="1">
-            <a:schemeClr val="dk1"/>
-          </a:fillRef>
-          <a:effectRef idx="0">
-            <a:schemeClr val="dk1"/>
-          </a:effectRef>
-          <a:fontRef idx="minor">
-            <a:schemeClr val="lt1"/>
-          </a:fontRef>
-        </p:style>
-        <p:txBody>
-          <a:bodyPr rtlCol="0" anchor="ctr"/>
-          <a:lstStyle/>
-          <a:p>
-            <a:pPr algn="ctr"/>
             <a:endParaRPr kumimoji="1" lang="ja-JP" altLang="en-US">
               <a:solidFill>
                 <a:schemeClr val="tx1"/>
@@ -6400,334 +6124,6 @@
           </a:p>
         </p:txBody>
       </p:sp>
-      <p:sp>
-        <p:nvSpPr>
-          <p:cNvPr id="15" name="フレーム 14">
-            <a:extLst>
-              <a:ext uri="{FF2B5EF4-FFF2-40B4-BE49-F238E27FC236}">
-                <a16:creationId xmlns:a16="http://schemas.microsoft.com/office/drawing/2014/main" id="{0EE8C75C-1A35-03DA-34FC-6407AFF8A3C0}"/>
-              </a:ext>
-            </a:extLst>
-          </p:cNvPr>
-          <p:cNvSpPr/>
-          <p:nvPr/>
-        </p:nvSpPr>
-        <p:spPr>
-          <a:xfrm>
-            <a:off x="4159306" y="895350"/>
-            <a:ext cx="3803257" cy="4133850"/>
-          </a:xfrm>
-          <a:prstGeom prst="frame">
-            <a:avLst>
-              <a:gd name="adj1" fmla="val 0"/>
-            </a:avLst>
-          </a:prstGeom>
-        </p:spPr>
-        <p:style>
-          <a:lnRef idx="2">
-            <a:schemeClr val="dk1">
-              <a:shade val="50000"/>
-            </a:schemeClr>
-          </a:lnRef>
-          <a:fillRef idx="1">
-            <a:schemeClr val="dk1"/>
-          </a:fillRef>
-          <a:effectRef idx="0">
-            <a:schemeClr val="dk1"/>
-          </a:effectRef>
-          <a:fontRef idx="minor">
-            <a:schemeClr val="lt1"/>
-          </a:fontRef>
-        </p:style>
-        <p:txBody>
-          <a:bodyPr rtlCol="0" anchor="ctr"/>
-          <a:lstStyle/>
-          <a:p>
-            <a:pPr algn="ctr"/>
-            <a:endParaRPr kumimoji="1" lang="ja-JP" altLang="en-US">
-              <a:solidFill>
-                <a:schemeClr val="tx1"/>
-              </a:solidFill>
-            </a:endParaRPr>
-          </a:p>
-        </p:txBody>
-      </p:sp>
-      <p:sp>
-        <p:nvSpPr>
-          <p:cNvPr id="17" name="フローチャート: 結合子 16">
-            <a:extLst>
-              <a:ext uri="{FF2B5EF4-FFF2-40B4-BE49-F238E27FC236}">
-                <a16:creationId xmlns:a16="http://schemas.microsoft.com/office/drawing/2014/main" id="{D87618EE-E299-786E-1F0B-ACCC067CE5CC}"/>
-              </a:ext>
-            </a:extLst>
-          </p:cNvPr>
-          <p:cNvSpPr>
-            <a:spLocks/>
-          </p:cNvSpPr>
-          <p:nvPr/>
-        </p:nvSpPr>
-        <p:spPr>
-          <a:xfrm>
-            <a:off x="4686843" y="1167951"/>
-            <a:ext cx="540000" cy="540000"/>
-          </a:xfrm>
-          <a:prstGeom prst="flowChartConnector">
-            <a:avLst/>
-          </a:prstGeom>
-        </p:spPr>
-        <p:style>
-          <a:lnRef idx="2">
-            <a:schemeClr val="dk1"/>
-          </a:lnRef>
-          <a:fillRef idx="1">
-            <a:schemeClr val="lt1"/>
-          </a:fillRef>
-          <a:effectRef idx="0">
-            <a:schemeClr val="dk1"/>
-          </a:effectRef>
-          <a:fontRef idx="minor">
-            <a:schemeClr val="dk1"/>
-          </a:fontRef>
-        </p:style>
-        <p:txBody>
-          <a:bodyPr rtlCol="0" anchor="ctr"/>
-          <a:lstStyle/>
-          <a:p>
-            <a:pPr algn="ctr"/>
-            <a:endParaRPr kumimoji="1" lang="ja-JP" altLang="en-US"/>
-          </a:p>
-        </p:txBody>
-      </p:sp>
-      <p:sp>
-        <p:nvSpPr>
-          <p:cNvPr id="18" name="フローチャート: 結合子 17">
-            <a:extLst>
-              <a:ext uri="{FF2B5EF4-FFF2-40B4-BE49-F238E27FC236}">
-                <a16:creationId xmlns:a16="http://schemas.microsoft.com/office/drawing/2014/main" id="{E09229CF-F570-FE60-02C7-9FFA4CCC7337}"/>
-              </a:ext>
-            </a:extLst>
-          </p:cNvPr>
-          <p:cNvSpPr>
-            <a:spLocks/>
-          </p:cNvSpPr>
-          <p:nvPr/>
-        </p:nvSpPr>
-        <p:spPr>
-          <a:xfrm>
-            <a:off x="6565220" y="1858726"/>
-            <a:ext cx="540000" cy="540000"/>
-          </a:xfrm>
-          <a:prstGeom prst="flowChartConnector">
-            <a:avLst/>
-          </a:prstGeom>
-        </p:spPr>
-        <p:style>
-          <a:lnRef idx="2">
-            <a:schemeClr val="dk1"/>
-          </a:lnRef>
-          <a:fillRef idx="1">
-            <a:schemeClr val="lt1"/>
-          </a:fillRef>
-          <a:effectRef idx="0">
-            <a:schemeClr val="dk1"/>
-          </a:effectRef>
-          <a:fontRef idx="minor">
-            <a:schemeClr val="dk1"/>
-          </a:fontRef>
-        </p:style>
-        <p:txBody>
-          <a:bodyPr rtlCol="0" anchor="ctr"/>
-          <a:lstStyle/>
-          <a:p>
-            <a:pPr algn="ctr"/>
-            <a:endParaRPr kumimoji="1" lang="ja-JP" altLang="en-US"/>
-          </a:p>
-        </p:txBody>
-      </p:sp>
-      <p:sp>
-        <p:nvSpPr>
-          <p:cNvPr id="19" name="フローチャート: 結合子 18">
-            <a:extLst>
-              <a:ext uri="{FF2B5EF4-FFF2-40B4-BE49-F238E27FC236}">
-                <a16:creationId xmlns:a16="http://schemas.microsoft.com/office/drawing/2014/main" id="{93C08AE6-9416-AC0D-64A6-A0648BD273BE}"/>
-              </a:ext>
-            </a:extLst>
-          </p:cNvPr>
-          <p:cNvSpPr>
-            <a:spLocks/>
-          </p:cNvSpPr>
-          <p:nvPr/>
-        </p:nvSpPr>
-        <p:spPr>
-          <a:xfrm>
-            <a:off x="4681748" y="3104228"/>
-            <a:ext cx="540000" cy="540000"/>
-          </a:xfrm>
-          <a:prstGeom prst="flowChartConnector">
-            <a:avLst/>
-          </a:prstGeom>
-        </p:spPr>
-        <p:style>
-          <a:lnRef idx="2">
-            <a:schemeClr val="dk1"/>
-          </a:lnRef>
-          <a:fillRef idx="1">
-            <a:schemeClr val="lt1"/>
-          </a:fillRef>
-          <a:effectRef idx="0">
-            <a:schemeClr val="dk1"/>
-          </a:effectRef>
-          <a:fontRef idx="minor">
-            <a:schemeClr val="dk1"/>
-          </a:fontRef>
-        </p:style>
-        <p:txBody>
-          <a:bodyPr rtlCol="0" anchor="ctr"/>
-          <a:lstStyle/>
-          <a:p>
-            <a:pPr algn="ctr"/>
-            <a:endParaRPr kumimoji="1" lang="ja-JP" altLang="en-US"/>
-          </a:p>
-        </p:txBody>
-      </p:sp>
-      <p:sp>
-        <p:nvSpPr>
-          <p:cNvPr id="20" name="フローチャート: 結合子 19">
-            <a:extLst>
-              <a:ext uri="{FF2B5EF4-FFF2-40B4-BE49-F238E27FC236}">
-                <a16:creationId xmlns:a16="http://schemas.microsoft.com/office/drawing/2014/main" id="{3D926541-E10E-3C71-B623-B705AAE66329}"/>
-              </a:ext>
-            </a:extLst>
-          </p:cNvPr>
-          <p:cNvSpPr>
-            <a:spLocks/>
-          </p:cNvSpPr>
-          <p:nvPr/>
-        </p:nvSpPr>
-        <p:spPr>
-          <a:xfrm>
-            <a:off x="6565220" y="3836561"/>
-            <a:ext cx="540000" cy="540000"/>
-          </a:xfrm>
-          <a:prstGeom prst="flowChartConnector">
-            <a:avLst/>
-          </a:prstGeom>
-        </p:spPr>
-        <p:style>
-          <a:lnRef idx="2">
-            <a:schemeClr val="dk1"/>
-          </a:lnRef>
-          <a:fillRef idx="1">
-            <a:schemeClr val="lt1"/>
-          </a:fillRef>
-          <a:effectRef idx="0">
-            <a:schemeClr val="dk1"/>
-          </a:effectRef>
-          <a:fontRef idx="minor">
-            <a:schemeClr val="dk1"/>
-          </a:fontRef>
-        </p:style>
-        <p:txBody>
-          <a:bodyPr rtlCol="0" anchor="ctr"/>
-          <a:lstStyle/>
-          <a:p>
-            <a:pPr algn="ctr"/>
-            <a:endParaRPr kumimoji="1" lang="ja-JP" altLang="en-US"/>
-          </a:p>
-        </p:txBody>
-      </p:sp>
-      <p:sp>
-        <p:nvSpPr>
-          <p:cNvPr id="21" name="フローチャート: 結合子 20">
-            <a:extLst>
-              <a:ext uri="{FF2B5EF4-FFF2-40B4-BE49-F238E27FC236}">
-                <a16:creationId xmlns:a16="http://schemas.microsoft.com/office/drawing/2014/main" id="{DC85AACF-DEE4-F863-6599-32C6E077F1E2}"/>
-              </a:ext>
-            </a:extLst>
-          </p:cNvPr>
-          <p:cNvSpPr>
-            <a:spLocks/>
-          </p:cNvSpPr>
-          <p:nvPr/>
-        </p:nvSpPr>
-        <p:spPr>
-          <a:xfrm>
-            <a:off x="4682881" y="2103311"/>
-            <a:ext cx="540000" cy="540000"/>
-          </a:xfrm>
-          <a:prstGeom prst="flowChartConnector">
-            <a:avLst/>
-          </a:prstGeom>
-        </p:spPr>
-        <p:style>
-          <a:lnRef idx="2">
-            <a:schemeClr val="dk1"/>
-          </a:lnRef>
-          <a:fillRef idx="1">
-            <a:schemeClr val="lt1"/>
-          </a:fillRef>
-          <a:effectRef idx="0">
-            <a:schemeClr val="dk1"/>
-          </a:effectRef>
-          <a:fontRef idx="minor">
-            <a:schemeClr val="dk1"/>
-          </a:fontRef>
-        </p:style>
-        <p:txBody>
-          <a:bodyPr rtlCol="0" anchor="ctr"/>
-          <a:lstStyle/>
-          <a:p>
-            <a:pPr algn="ctr"/>
-            <a:endParaRPr kumimoji="1" lang="ja-JP" altLang="en-US"/>
-          </a:p>
-        </p:txBody>
-      </p:sp>
-      <p:sp>
-        <p:nvSpPr>
-          <p:cNvPr id="22" name="フローチャート: 結合子 21">
-            <a:extLst>
-              <a:ext uri="{FF2B5EF4-FFF2-40B4-BE49-F238E27FC236}">
-                <a16:creationId xmlns:a16="http://schemas.microsoft.com/office/drawing/2014/main" id="{EDB1E575-4603-C743-CEAD-38343F8D157A}"/>
-              </a:ext>
-            </a:extLst>
-          </p:cNvPr>
-          <p:cNvSpPr>
-            <a:spLocks/>
-          </p:cNvSpPr>
-          <p:nvPr/>
-        </p:nvSpPr>
-        <p:spPr>
-          <a:xfrm>
-            <a:off x="4682881" y="3994449"/>
-            <a:ext cx="540000" cy="540000"/>
-          </a:xfrm>
-          <a:prstGeom prst="flowChartConnector">
-            <a:avLst/>
-          </a:prstGeom>
-        </p:spPr>
-        <p:style>
-          <a:lnRef idx="2">
-            <a:schemeClr val="dk1"/>
-          </a:lnRef>
-          <a:fillRef idx="1">
-            <a:schemeClr val="lt1"/>
-          </a:fillRef>
-          <a:effectRef idx="0">
-            <a:schemeClr val="dk1"/>
-          </a:effectRef>
-          <a:fontRef idx="minor">
-            <a:schemeClr val="dk1"/>
-          </a:fontRef>
-        </p:style>
-        <p:txBody>
-          <a:bodyPr rtlCol="0" anchor="ctr"/>
-          <a:lstStyle/>
-          <a:p>
-            <a:pPr algn="ctr"/>
-            <a:endParaRPr kumimoji="1" lang="ja-JP" altLang="en-US"/>
-          </a:p>
-        </p:txBody>
-      </p:sp>
       <p:cxnSp>
         <p:nvCxnSpPr>
           <p:cNvPr id="58" name="直線矢印コネクタ 57">
@@ -6739,21 +6135,21 @@
           </p:cNvPr>
           <p:cNvCxnSpPr>
             <a:cxnSpLocks/>
-            <a:stCxn id="7" idx="6"/>
-            <a:endCxn id="17" idx="2"/>
+            <a:stCxn id="339" idx="5"/>
+            <a:endCxn id="366" idx="1"/>
           </p:cNvCxnSpPr>
           <p:nvPr/>
         </p:nvCxnSpPr>
         <p:spPr>
           <a:xfrm flipV="1">
-            <a:off x="2776305" y="1437951"/>
-            <a:ext cx="1910538" cy="203649"/>
+            <a:off x="2345375" y="1304525"/>
+            <a:ext cx="2206060" cy="505749"/>
           </a:xfrm>
           <a:prstGeom prst="straightConnector1">
             <a:avLst/>
           </a:prstGeom>
           <a:ln>
-            <a:tailEnd type="triangle"/>
+            <a:tailEnd type="none"/>
           </a:ln>
         </p:spPr>
         <p:style>
@@ -6782,21 +6178,21 @@
           </p:cNvPr>
           <p:cNvCxnSpPr>
             <a:cxnSpLocks/>
-            <a:stCxn id="8" idx="6"/>
-            <a:endCxn id="17" idx="2"/>
+            <a:stCxn id="340" idx="6"/>
+            <a:endCxn id="365" idx="2"/>
           </p:cNvCxnSpPr>
           <p:nvPr/>
         </p:nvCxnSpPr>
         <p:spPr>
           <a:xfrm flipV="1">
-            <a:off x="2776305" y="1437951"/>
-            <a:ext cx="1910538" cy="1021971"/>
+            <a:off x="2381756" y="1811234"/>
+            <a:ext cx="2126536" cy="1081156"/>
           </a:xfrm>
           <a:prstGeom prst="straightConnector1">
             <a:avLst/>
           </a:prstGeom>
           <a:ln>
-            <a:tailEnd type="triangle"/>
+            <a:tailEnd type="none"/>
           </a:ln>
         </p:spPr>
         <p:style>
@@ -6824,21 +6220,21 @@
             </a:extLst>
           </p:cNvPr>
           <p:cNvCxnSpPr>
-            <a:stCxn id="9" idx="6"/>
-            <a:endCxn id="22" idx="3"/>
+            <a:cxnSpLocks/>
+            <a:endCxn id="372" idx="2"/>
           </p:cNvCxnSpPr>
           <p:nvPr/>
         </p:nvCxnSpPr>
         <p:spPr>
           <a:xfrm>
-            <a:off x="2776305" y="4026966"/>
-            <a:ext cx="1985657" cy="428402"/>
+            <a:off x="2400193" y="4142973"/>
+            <a:ext cx="2082386" cy="4549"/>
           </a:xfrm>
           <a:prstGeom prst="straightConnector1">
             <a:avLst/>
           </a:prstGeom>
           <a:ln>
-            <a:tailEnd type="triangle"/>
+            <a:tailEnd type="none"/>
           </a:ln>
         </p:spPr>
         <p:style>
@@ -6867,21 +6263,19 @@
           </p:cNvPr>
           <p:cNvCxnSpPr>
             <a:cxnSpLocks/>
-            <a:stCxn id="9" idx="6"/>
-            <a:endCxn id="19" idx="2"/>
           </p:cNvCxnSpPr>
           <p:nvPr/>
         </p:nvCxnSpPr>
         <p:spPr>
           <a:xfrm flipV="1">
-            <a:off x="2776305" y="3374228"/>
-            <a:ext cx="1905443" cy="652738"/>
+            <a:off x="2301033" y="3470078"/>
+            <a:ext cx="2304388" cy="718155"/>
           </a:xfrm>
           <a:prstGeom prst="straightConnector1">
             <a:avLst/>
           </a:prstGeom>
           <a:ln>
-            <a:tailEnd type="triangle"/>
+            <a:tailEnd type="none"/>
           </a:ln>
         </p:spPr>
         <p:style>
@@ -6910,21 +6304,21 @@
           </p:cNvPr>
           <p:cNvCxnSpPr>
             <a:cxnSpLocks/>
-            <a:stCxn id="8" idx="6"/>
-            <a:endCxn id="22" idx="1"/>
+            <a:stCxn id="340" idx="6"/>
+            <a:endCxn id="375" idx="1"/>
           </p:cNvCxnSpPr>
           <p:nvPr/>
         </p:nvCxnSpPr>
         <p:spPr>
           <a:xfrm>
-            <a:off x="2776305" y="2459922"/>
-            <a:ext cx="1985657" cy="1613608"/>
+            <a:off x="2381756" y="2892390"/>
+            <a:ext cx="2137911" cy="895015"/>
           </a:xfrm>
           <a:prstGeom prst="straightConnector1">
             <a:avLst/>
           </a:prstGeom>
           <a:ln>
-            <a:tailEnd type="triangle"/>
+            <a:tailEnd type="none"/>
           </a:ln>
         </p:spPr>
         <p:style>
@@ -6953,21 +6347,20 @@
           </p:cNvPr>
           <p:cNvCxnSpPr>
             <a:cxnSpLocks/>
-            <a:stCxn id="7" idx="6"/>
-            <a:endCxn id="21" idx="2"/>
+            <a:endCxn id="367" idx="2"/>
           </p:cNvCxnSpPr>
           <p:nvPr/>
         </p:nvCxnSpPr>
         <p:spPr>
           <a:xfrm>
-            <a:off x="2776305" y="1641600"/>
-            <a:ext cx="1906576" cy="731711"/>
+            <a:off x="2165375" y="1737256"/>
+            <a:ext cx="2317204" cy="487700"/>
           </a:xfrm>
           <a:prstGeom prst="straightConnector1">
             <a:avLst/>
           </a:prstGeom>
           <a:ln>
-            <a:tailEnd type="triangle"/>
+            <a:tailEnd type="none"/>
           </a:ln>
         </p:spPr>
         <p:style>
@@ -6987,148 +6380,10 @@
       </p:cxnSp>
       <p:sp>
         <p:nvSpPr>
-          <p:cNvPr id="83" name="フローチャート: 結合子 82">
-            <a:extLst>
-              <a:ext uri="{FF2B5EF4-FFF2-40B4-BE49-F238E27FC236}">
-                <a16:creationId xmlns:a16="http://schemas.microsoft.com/office/drawing/2014/main" id="{91052C0B-0831-3942-2C6A-3B2B753F62B8}"/>
-              </a:ext>
-            </a:extLst>
-          </p:cNvPr>
-          <p:cNvSpPr>
-            <a:spLocks/>
-          </p:cNvSpPr>
-          <p:nvPr/>
-        </p:nvSpPr>
-        <p:spPr>
-          <a:xfrm>
-            <a:off x="9386124" y="1371600"/>
-            <a:ext cx="540000" cy="540000"/>
-          </a:xfrm>
-          <a:prstGeom prst="flowChartConnector">
-            <a:avLst/>
-          </a:prstGeom>
-        </p:spPr>
-        <p:style>
-          <a:lnRef idx="2">
-            <a:schemeClr val="dk1"/>
-          </a:lnRef>
-          <a:fillRef idx="1">
-            <a:schemeClr val="lt1"/>
-          </a:fillRef>
-          <a:effectRef idx="0">
-            <a:schemeClr val="dk1"/>
-          </a:effectRef>
-          <a:fontRef idx="minor">
-            <a:schemeClr val="dk1"/>
-          </a:fontRef>
-        </p:style>
-        <p:txBody>
-          <a:bodyPr rtlCol="0" anchor="ctr"/>
-          <a:lstStyle/>
-          <a:p>
-            <a:pPr algn="ctr"/>
-            <a:endParaRPr kumimoji="1" lang="ja-JP" altLang="en-US"/>
-          </a:p>
-        </p:txBody>
-      </p:sp>
-      <p:sp>
-        <p:nvSpPr>
-          <p:cNvPr id="84" name="フローチャート: 結合子 83">
-            <a:extLst>
-              <a:ext uri="{FF2B5EF4-FFF2-40B4-BE49-F238E27FC236}">
-                <a16:creationId xmlns:a16="http://schemas.microsoft.com/office/drawing/2014/main" id="{9DB15CC3-9EA0-7A59-D1D4-D47CE89EC959}"/>
-              </a:ext>
-            </a:extLst>
-          </p:cNvPr>
-          <p:cNvSpPr>
-            <a:spLocks/>
-          </p:cNvSpPr>
-          <p:nvPr/>
-        </p:nvSpPr>
-        <p:spPr>
-          <a:xfrm>
-            <a:off x="9386124" y="2189922"/>
-            <a:ext cx="540000" cy="540000"/>
-          </a:xfrm>
-          <a:prstGeom prst="flowChartConnector">
-            <a:avLst/>
-          </a:prstGeom>
-        </p:spPr>
-        <p:style>
-          <a:lnRef idx="2">
-            <a:schemeClr val="dk1"/>
-          </a:lnRef>
-          <a:fillRef idx="1">
-            <a:schemeClr val="lt1"/>
-          </a:fillRef>
-          <a:effectRef idx="0">
-            <a:schemeClr val="dk1"/>
-          </a:effectRef>
-          <a:fontRef idx="minor">
-            <a:schemeClr val="dk1"/>
-          </a:fontRef>
-        </p:style>
-        <p:txBody>
-          <a:bodyPr rtlCol="0" anchor="ctr"/>
-          <a:lstStyle/>
-          <a:p>
-            <a:pPr algn="ctr"/>
-            <a:endParaRPr kumimoji="1" lang="ja-JP" altLang="en-US"/>
-          </a:p>
-        </p:txBody>
-      </p:sp>
-      <p:sp>
-        <p:nvSpPr>
-          <p:cNvPr id="85" name="フローチャート: 結合子 84">
-            <a:extLst>
-              <a:ext uri="{FF2B5EF4-FFF2-40B4-BE49-F238E27FC236}">
-                <a16:creationId xmlns:a16="http://schemas.microsoft.com/office/drawing/2014/main" id="{5ED2028A-EB16-4D50-83DB-D6B50F00D896}"/>
-              </a:ext>
-            </a:extLst>
-          </p:cNvPr>
-          <p:cNvSpPr>
-            <a:spLocks/>
-          </p:cNvSpPr>
-          <p:nvPr/>
-        </p:nvSpPr>
-        <p:spPr>
-          <a:xfrm>
-            <a:off x="9386124" y="3756966"/>
-            <a:ext cx="540000" cy="540000"/>
-          </a:xfrm>
-          <a:prstGeom prst="flowChartConnector">
-            <a:avLst/>
-          </a:prstGeom>
-        </p:spPr>
-        <p:style>
-          <a:lnRef idx="2">
-            <a:schemeClr val="dk1"/>
-          </a:lnRef>
-          <a:fillRef idx="1">
-            <a:schemeClr val="lt1"/>
-          </a:fillRef>
-          <a:effectRef idx="0">
-            <a:schemeClr val="dk1"/>
-          </a:effectRef>
-          <a:fontRef idx="minor">
-            <a:schemeClr val="dk1"/>
-          </a:fontRef>
-        </p:style>
-        <p:txBody>
-          <a:bodyPr rtlCol="0" anchor="ctr"/>
-          <a:lstStyle/>
-          <a:p>
-            <a:pPr algn="ctr"/>
-            <a:endParaRPr kumimoji="1" lang="ja-JP" altLang="en-US"/>
-          </a:p>
-        </p:txBody>
-      </p:sp>
-      <p:sp>
-        <p:nvSpPr>
-          <p:cNvPr id="86" name="フローチャート: 結合子 85">
-            <a:extLst>
-              <a:ext uri="{FF2B5EF4-FFF2-40B4-BE49-F238E27FC236}">
-                <a16:creationId xmlns:a16="http://schemas.microsoft.com/office/drawing/2014/main" id="{87652A79-20A8-454B-02B5-11D49757594F}"/>
+          <p:cNvPr id="89" name="フレーム 88">
+            <a:extLst>
+              <a:ext uri="{FF2B5EF4-FFF2-40B4-BE49-F238E27FC236}">
+                <a16:creationId xmlns:a16="http://schemas.microsoft.com/office/drawing/2014/main" id="{190A9EDB-54C2-67C2-6F26-5639FE1ABEE9}"/>
               </a:ext>
             </a:extLst>
           </p:cNvPr>
@@ -7137,12 +6392,17 @@
         </p:nvSpPr>
         <p:spPr>
           <a:xfrm>
-            <a:off x="9592281" y="2956239"/>
-            <a:ext cx="72000" cy="72000"/>
-          </a:xfrm>
-          <a:prstGeom prst="flowChartConnector">
-            <a:avLst/>
-          </a:prstGeom>
+            <a:off x="8883369" y="895350"/>
+            <a:ext cx="1504950" cy="4133850"/>
+          </a:xfrm>
+          <a:prstGeom prst="frame">
+            <a:avLst>
+              <a:gd name="adj1" fmla="val 0"/>
+            </a:avLst>
+          </a:prstGeom>
+          <a:ln w="3175">
+            <a:noFill/>
+          </a:ln>
         </p:spPr>
         <p:style>
           <a:lnRef idx="2">
@@ -7165,147 +6425,6 @@
           <a:lstStyle/>
           <a:p>
             <a:pPr algn="ctr"/>
-            <a:endParaRPr kumimoji="1" lang="ja-JP" altLang="en-US"/>
-          </a:p>
-        </p:txBody>
-      </p:sp>
-      <p:sp>
-        <p:nvSpPr>
-          <p:cNvPr id="87" name="フローチャート: 結合子 86">
-            <a:extLst>
-              <a:ext uri="{FF2B5EF4-FFF2-40B4-BE49-F238E27FC236}">
-                <a16:creationId xmlns:a16="http://schemas.microsoft.com/office/drawing/2014/main" id="{C90FCC0F-3D74-891D-C3CB-495B4E83475E}"/>
-              </a:ext>
-            </a:extLst>
-          </p:cNvPr>
-          <p:cNvSpPr/>
-          <p:nvPr/>
-        </p:nvSpPr>
-        <p:spPr>
-          <a:xfrm>
-            <a:off x="9591844" y="3189444"/>
-            <a:ext cx="72000" cy="72000"/>
-          </a:xfrm>
-          <a:prstGeom prst="flowChartConnector">
-            <a:avLst/>
-          </a:prstGeom>
-        </p:spPr>
-        <p:style>
-          <a:lnRef idx="2">
-            <a:schemeClr val="dk1">
-              <a:shade val="50000"/>
-            </a:schemeClr>
-          </a:lnRef>
-          <a:fillRef idx="1">
-            <a:schemeClr val="dk1"/>
-          </a:fillRef>
-          <a:effectRef idx="0">
-            <a:schemeClr val="dk1"/>
-          </a:effectRef>
-          <a:fontRef idx="minor">
-            <a:schemeClr val="lt1"/>
-          </a:fontRef>
-        </p:style>
-        <p:txBody>
-          <a:bodyPr rtlCol="0" anchor="ctr"/>
-          <a:lstStyle/>
-          <a:p>
-            <a:pPr algn="ctr"/>
-            <a:endParaRPr kumimoji="1" lang="ja-JP" altLang="en-US"/>
-          </a:p>
-        </p:txBody>
-      </p:sp>
-      <p:sp>
-        <p:nvSpPr>
-          <p:cNvPr id="88" name="フローチャート: 結合子 87">
-            <a:extLst>
-              <a:ext uri="{FF2B5EF4-FFF2-40B4-BE49-F238E27FC236}">
-                <a16:creationId xmlns:a16="http://schemas.microsoft.com/office/drawing/2014/main" id="{ABA5F02D-99B4-AE3D-0EE5-94FB0197D79B}"/>
-              </a:ext>
-            </a:extLst>
-          </p:cNvPr>
-          <p:cNvSpPr/>
-          <p:nvPr/>
-        </p:nvSpPr>
-        <p:spPr>
-          <a:xfrm>
-            <a:off x="9595244" y="3422649"/>
-            <a:ext cx="72000" cy="72000"/>
-          </a:xfrm>
-          <a:prstGeom prst="flowChartConnector">
-            <a:avLst/>
-          </a:prstGeom>
-        </p:spPr>
-        <p:style>
-          <a:lnRef idx="2">
-            <a:schemeClr val="dk1">
-              <a:shade val="50000"/>
-            </a:schemeClr>
-          </a:lnRef>
-          <a:fillRef idx="1">
-            <a:schemeClr val="dk1"/>
-          </a:fillRef>
-          <a:effectRef idx="0">
-            <a:schemeClr val="dk1"/>
-          </a:effectRef>
-          <a:fontRef idx="minor">
-            <a:schemeClr val="lt1"/>
-          </a:fontRef>
-        </p:style>
-        <p:txBody>
-          <a:bodyPr rtlCol="0" anchor="ctr"/>
-          <a:lstStyle/>
-          <a:p>
-            <a:pPr algn="ctr"/>
-            <a:endParaRPr kumimoji="1" lang="ja-JP" altLang="en-US"/>
-          </a:p>
-        </p:txBody>
-      </p:sp>
-      <p:sp>
-        <p:nvSpPr>
-          <p:cNvPr id="89" name="フレーム 88">
-            <a:extLst>
-              <a:ext uri="{FF2B5EF4-FFF2-40B4-BE49-F238E27FC236}">
-                <a16:creationId xmlns:a16="http://schemas.microsoft.com/office/drawing/2014/main" id="{190A9EDB-54C2-67C2-6F26-5639FE1ABEE9}"/>
-              </a:ext>
-            </a:extLst>
-          </p:cNvPr>
-          <p:cNvSpPr/>
-          <p:nvPr/>
-        </p:nvSpPr>
-        <p:spPr>
-          <a:xfrm>
-            <a:off x="8883369" y="895350"/>
-            <a:ext cx="1504950" cy="4133850"/>
-          </a:xfrm>
-          <a:prstGeom prst="frame">
-            <a:avLst>
-              <a:gd name="adj1" fmla="val 0"/>
-            </a:avLst>
-          </a:prstGeom>
-          <a:ln w="3175"/>
-        </p:spPr>
-        <p:style>
-          <a:lnRef idx="2">
-            <a:schemeClr val="dk1">
-              <a:shade val="50000"/>
-            </a:schemeClr>
-          </a:lnRef>
-          <a:fillRef idx="1">
-            <a:schemeClr val="dk1"/>
-          </a:fillRef>
-          <a:effectRef idx="0">
-            <a:schemeClr val="dk1"/>
-          </a:effectRef>
-          <a:fontRef idx="minor">
-            <a:schemeClr val="lt1"/>
-          </a:fontRef>
-        </p:style>
-        <p:txBody>
-          <a:bodyPr rtlCol="0" anchor="ctr"/>
-          <a:lstStyle/>
-          <a:p>
-            <a:pPr algn="ctr"/>
             <a:endParaRPr kumimoji="1" lang="ja-JP" altLang="en-US">
               <a:solidFill>
                 <a:schemeClr val="tx1"/>
@@ -7314,52 +6433,6 @@
           </a:p>
         </p:txBody>
       </p:sp>
-      <p:sp>
-        <p:nvSpPr>
-          <p:cNvPr id="90" name="フローチャート: 結合子 89">
-            <a:extLst>
-              <a:ext uri="{FF2B5EF4-FFF2-40B4-BE49-F238E27FC236}">
-                <a16:creationId xmlns:a16="http://schemas.microsoft.com/office/drawing/2014/main" id="{F94F2BA9-3667-498A-1EBC-E09158965CFD}"/>
-              </a:ext>
-            </a:extLst>
-          </p:cNvPr>
-          <p:cNvSpPr>
-            <a:spLocks/>
-          </p:cNvSpPr>
-          <p:nvPr/>
-        </p:nvSpPr>
-        <p:spPr>
-          <a:xfrm>
-            <a:off x="6565220" y="2834228"/>
-            <a:ext cx="540000" cy="540000"/>
-          </a:xfrm>
-          <a:prstGeom prst="flowChartConnector">
-            <a:avLst/>
-          </a:prstGeom>
-        </p:spPr>
-        <p:style>
-          <a:lnRef idx="2">
-            <a:schemeClr val="dk1"/>
-          </a:lnRef>
-          <a:fillRef idx="1">
-            <a:schemeClr val="lt1"/>
-          </a:fillRef>
-          <a:effectRef idx="0">
-            <a:schemeClr val="dk1"/>
-          </a:effectRef>
-          <a:fontRef idx="minor">
-            <a:schemeClr val="dk1"/>
-          </a:fontRef>
-        </p:style>
-        <p:txBody>
-          <a:bodyPr rtlCol="0" anchor="ctr"/>
-          <a:lstStyle/>
-          <a:p>
-            <a:pPr algn="ctr"/>
-            <a:endParaRPr kumimoji="1" lang="ja-JP" altLang="en-US"/>
-          </a:p>
-        </p:txBody>
-      </p:sp>
       <p:cxnSp>
         <p:nvCxnSpPr>
           <p:cNvPr id="94" name="直線矢印コネクタ 93">
@@ -7371,150 +6444,21 @@
           </p:cNvPr>
           <p:cNvCxnSpPr>
             <a:cxnSpLocks/>
-            <a:stCxn id="18" idx="7"/>
-            <a:endCxn id="83" idx="1"/>
+            <a:stCxn id="256" idx="6"/>
+            <a:endCxn id="308" idx="2"/>
           </p:cNvCxnSpPr>
           <p:nvPr/>
         </p:nvCxnSpPr>
         <p:spPr>
           <a:xfrm flipV="1">
-            <a:off x="7026139" y="1450681"/>
-            <a:ext cx="2439066" cy="487126"/>
+            <a:off x="7069269" y="1743959"/>
+            <a:ext cx="2412803" cy="154325"/>
           </a:xfrm>
           <a:prstGeom prst="straightConnector1">
             <a:avLst/>
           </a:prstGeom>
           <a:ln>
-            <a:tailEnd type="triangle"/>
-          </a:ln>
-        </p:spPr>
-        <p:style>
-          <a:lnRef idx="1">
-            <a:schemeClr val="dk1"/>
-          </a:lnRef>
-          <a:fillRef idx="0">
-            <a:schemeClr val="dk1"/>
-          </a:fillRef>
-          <a:effectRef idx="0">
-            <a:schemeClr val="dk1"/>
-          </a:effectRef>
-          <a:fontRef idx="minor">
-            <a:schemeClr val="tx1"/>
-          </a:fontRef>
-        </p:style>
-      </p:cxnSp>
-      <p:cxnSp>
-        <p:nvCxnSpPr>
-          <p:cNvPr id="96" name="直線矢印コネクタ 95">
-            <a:extLst>
-              <a:ext uri="{FF2B5EF4-FFF2-40B4-BE49-F238E27FC236}">
-                <a16:creationId xmlns:a16="http://schemas.microsoft.com/office/drawing/2014/main" id="{39698C9B-E775-2E69-FAB7-1A42998E6577}"/>
-              </a:ext>
-            </a:extLst>
-          </p:cNvPr>
-          <p:cNvCxnSpPr>
-            <a:cxnSpLocks/>
-            <a:stCxn id="18" idx="6"/>
-            <a:endCxn id="84" idx="1"/>
-          </p:cNvCxnSpPr>
-          <p:nvPr/>
-        </p:nvCxnSpPr>
-        <p:spPr>
-          <a:xfrm>
-            <a:off x="7105220" y="2128726"/>
-            <a:ext cx="2359985" cy="140277"/>
-          </a:xfrm>
-          <a:prstGeom prst="straightConnector1">
-            <a:avLst/>
-          </a:prstGeom>
-          <a:ln>
-            <a:tailEnd type="triangle"/>
-          </a:ln>
-        </p:spPr>
-        <p:style>
-          <a:lnRef idx="1">
-            <a:schemeClr val="dk1"/>
-          </a:lnRef>
-          <a:fillRef idx="0">
-            <a:schemeClr val="dk1"/>
-          </a:fillRef>
-          <a:effectRef idx="0">
-            <a:schemeClr val="dk1"/>
-          </a:effectRef>
-          <a:fontRef idx="minor">
-            <a:schemeClr val="tx1"/>
-          </a:fontRef>
-        </p:style>
-      </p:cxnSp>
-      <p:cxnSp>
-        <p:nvCxnSpPr>
-          <p:cNvPr id="97" name="直線矢印コネクタ 96">
-            <a:extLst>
-              <a:ext uri="{FF2B5EF4-FFF2-40B4-BE49-F238E27FC236}">
-                <a16:creationId xmlns:a16="http://schemas.microsoft.com/office/drawing/2014/main" id="{E4E02013-2953-8041-F2ED-923A8FB6BCB4}"/>
-              </a:ext>
-            </a:extLst>
-          </p:cNvPr>
-          <p:cNvCxnSpPr>
-            <a:cxnSpLocks/>
-            <a:stCxn id="18" idx="5"/>
-            <a:endCxn id="85" idx="1"/>
-          </p:cNvCxnSpPr>
-          <p:nvPr/>
-        </p:nvCxnSpPr>
-        <p:spPr>
-          <a:xfrm>
-            <a:off x="7026139" y="2319645"/>
-            <a:ext cx="2439066" cy="1516402"/>
-          </a:xfrm>
-          <a:prstGeom prst="straightConnector1">
-            <a:avLst/>
-          </a:prstGeom>
-          <a:ln>
-            <a:tailEnd type="triangle"/>
-          </a:ln>
-        </p:spPr>
-        <p:style>
-          <a:lnRef idx="1">
-            <a:schemeClr val="dk1"/>
-          </a:lnRef>
-          <a:fillRef idx="0">
-            <a:schemeClr val="dk1"/>
-          </a:fillRef>
-          <a:effectRef idx="0">
-            <a:schemeClr val="dk1"/>
-          </a:effectRef>
-          <a:fontRef idx="minor">
-            <a:schemeClr val="tx1"/>
-          </a:fontRef>
-        </p:style>
-      </p:cxnSp>
-      <p:cxnSp>
-        <p:nvCxnSpPr>
-          <p:cNvPr id="100" name="直線矢印コネクタ 99">
-            <a:extLst>
-              <a:ext uri="{FF2B5EF4-FFF2-40B4-BE49-F238E27FC236}">
-                <a16:creationId xmlns:a16="http://schemas.microsoft.com/office/drawing/2014/main" id="{5B4E099D-0B0C-6FB9-ACD0-F17F53F992EA}"/>
-              </a:ext>
-            </a:extLst>
-          </p:cNvPr>
-          <p:cNvCxnSpPr>
-            <a:cxnSpLocks/>
-            <a:stCxn id="90" idx="7"/>
-            <a:endCxn id="83" idx="2"/>
-          </p:cNvCxnSpPr>
-          <p:nvPr/>
-        </p:nvCxnSpPr>
-        <p:spPr>
-          <a:xfrm flipV="1">
-            <a:off x="7026139" y="1641600"/>
-            <a:ext cx="2359985" cy="1271709"/>
-          </a:xfrm>
-          <a:prstGeom prst="straightConnector1">
-            <a:avLst/>
-          </a:prstGeom>
-          <a:ln>
-            <a:tailEnd type="triangle"/>
+            <a:tailEnd type="none"/>
           </a:ln>
         </p:spPr>
         <p:style>
@@ -7543,147 +6487,21 @@
           </p:cNvPr>
           <p:cNvCxnSpPr>
             <a:cxnSpLocks/>
-            <a:stCxn id="90" idx="6"/>
-            <a:endCxn id="84" idx="2"/>
+            <a:stCxn id="255" idx="6"/>
+            <a:endCxn id="309" idx="2"/>
           </p:cNvCxnSpPr>
           <p:nvPr/>
         </p:nvCxnSpPr>
         <p:spPr>
           <a:xfrm flipV="1">
-            <a:off x="7105220" y="2459922"/>
-            <a:ext cx="2280904" cy="644306"/>
+            <a:off x="7079780" y="2827374"/>
+            <a:ext cx="2408475" cy="128771"/>
           </a:xfrm>
           <a:prstGeom prst="straightConnector1">
             <a:avLst/>
           </a:prstGeom>
           <a:ln>
-            <a:tailEnd type="triangle"/>
-          </a:ln>
-        </p:spPr>
-        <p:style>
-          <a:lnRef idx="1">
-            <a:schemeClr val="dk1"/>
-          </a:lnRef>
-          <a:fillRef idx="0">
-            <a:schemeClr val="dk1"/>
-          </a:fillRef>
-          <a:effectRef idx="0">
-            <a:schemeClr val="dk1"/>
-          </a:effectRef>
-          <a:fontRef idx="minor">
-            <a:schemeClr val="tx1"/>
-          </a:fontRef>
-        </p:style>
-      </p:cxnSp>
-      <p:cxnSp>
-        <p:nvCxnSpPr>
-          <p:cNvPr id="109" name="直線矢印コネクタ 108">
-            <a:extLst>
-              <a:ext uri="{FF2B5EF4-FFF2-40B4-BE49-F238E27FC236}">
-                <a16:creationId xmlns:a16="http://schemas.microsoft.com/office/drawing/2014/main" id="{C58C8BA9-E93E-56DB-C1C1-2EA270E091BE}"/>
-              </a:ext>
-            </a:extLst>
-          </p:cNvPr>
-          <p:cNvCxnSpPr>
-            <a:stCxn id="90" idx="5"/>
-            <a:endCxn id="85" idx="2"/>
-          </p:cNvCxnSpPr>
-          <p:nvPr/>
-        </p:nvCxnSpPr>
-        <p:spPr>
-          <a:xfrm>
-            <a:off x="7026139" y="3295147"/>
-            <a:ext cx="2359985" cy="731819"/>
-          </a:xfrm>
-          <a:prstGeom prst="straightConnector1">
-            <a:avLst/>
-          </a:prstGeom>
-          <a:ln>
-            <a:tailEnd type="triangle"/>
-          </a:ln>
-        </p:spPr>
-        <p:style>
-          <a:lnRef idx="1">
-            <a:schemeClr val="dk1"/>
-          </a:lnRef>
-          <a:fillRef idx="0">
-            <a:schemeClr val="dk1"/>
-          </a:fillRef>
-          <a:effectRef idx="0">
-            <a:schemeClr val="dk1"/>
-          </a:effectRef>
-          <a:fontRef idx="minor">
-            <a:schemeClr val="tx1"/>
-          </a:fontRef>
-        </p:style>
-      </p:cxnSp>
-      <p:cxnSp>
-        <p:nvCxnSpPr>
-          <p:cNvPr id="111" name="直線矢印コネクタ 110">
-            <a:extLst>
-              <a:ext uri="{FF2B5EF4-FFF2-40B4-BE49-F238E27FC236}">
-                <a16:creationId xmlns:a16="http://schemas.microsoft.com/office/drawing/2014/main" id="{6E79E60D-0AB2-616B-BD63-98343ECC68C5}"/>
-              </a:ext>
-            </a:extLst>
-          </p:cNvPr>
-          <p:cNvCxnSpPr>
-            <a:stCxn id="20" idx="7"/>
-            <a:endCxn id="83" idx="3"/>
-          </p:cNvCxnSpPr>
-          <p:nvPr/>
-        </p:nvCxnSpPr>
-        <p:spPr>
-          <a:xfrm flipV="1">
-            <a:off x="7026139" y="1832519"/>
-            <a:ext cx="2439066" cy="2083123"/>
-          </a:xfrm>
-          <a:prstGeom prst="straightConnector1">
-            <a:avLst/>
-          </a:prstGeom>
-          <a:ln>
-            <a:tailEnd type="triangle"/>
-          </a:ln>
-        </p:spPr>
-        <p:style>
-          <a:lnRef idx="1">
-            <a:schemeClr val="dk1"/>
-          </a:lnRef>
-          <a:fillRef idx="0">
-            <a:schemeClr val="dk1"/>
-          </a:fillRef>
-          <a:effectRef idx="0">
-            <a:schemeClr val="dk1"/>
-          </a:effectRef>
-          <a:fontRef idx="minor">
-            <a:schemeClr val="tx1"/>
-          </a:fontRef>
-        </p:style>
-      </p:cxnSp>
-      <p:cxnSp>
-        <p:nvCxnSpPr>
-          <p:cNvPr id="116" name="直線矢印コネクタ 115">
-            <a:extLst>
-              <a:ext uri="{FF2B5EF4-FFF2-40B4-BE49-F238E27FC236}">
-                <a16:creationId xmlns:a16="http://schemas.microsoft.com/office/drawing/2014/main" id="{2424138B-491B-A265-7A99-E75C682AE9F5}"/>
-              </a:ext>
-            </a:extLst>
-          </p:cNvPr>
-          <p:cNvCxnSpPr>
-            <a:stCxn id="20" idx="6"/>
-            <a:endCxn id="84" idx="3"/>
-          </p:cNvCxnSpPr>
-          <p:nvPr/>
-        </p:nvCxnSpPr>
-        <p:spPr>
-          <a:xfrm flipV="1">
-            <a:off x="7105220" y="2650841"/>
-            <a:ext cx="2359985" cy="1455720"/>
-          </a:xfrm>
-          <a:prstGeom prst="straightConnector1">
-            <a:avLst/>
-          </a:prstGeom>
-          <a:ln>
-            <a:tailEnd type="triangle"/>
+            <a:tailEnd type="none"/>
           </a:ln>
         </p:spPr>
         <p:style>
@@ -7711,21 +6529,22 @@
             </a:extLst>
           </p:cNvPr>
           <p:cNvCxnSpPr>
-            <a:stCxn id="20" idx="5"/>
-            <a:endCxn id="85" idx="3"/>
+            <a:cxnSpLocks/>
+            <a:stCxn id="289" idx="6"/>
+            <a:endCxn id="310" idx="2"/>
           </p:cNvCxnSpPr>
           <p:nvPr/>
         </p:nvCxnSpPr>
         <p:spPr>
           <a:xfrm flipV="1">
-            <a:off x="7026139" y="4217885"/>
-            <a:ext cx="2439066" cy="79595"/>
+            <a:off x="7079780" y="3983292"/>
+            <a:ext cx="2410292" cy="30358"/>
           </a:xfrm>
           <a:prstGeom prst="straightConnector1">
             <a:avLst/>
           </a:prstGeom>
           <a:ln>
-            <a:tailEnd type="triangle"/>
+            <a:tailEnd type="none"/>
           </a:ln>
         </p:spPr>
         <p:style>
@@ -7773,7 +6592,7 @@
           <a:p>
             <a:r>
               <a:rPr kumimoji="1" lang="ja-JP" altLang="en-US" sz="2400"/>
-              <a:t> 入力層</a:t>
+              <a:t> 入力</a:t>
             </a:r>
           </a:p>
         </p:txBody>
@@ -7827,13 +6646,16 @@
         </p:nvSpPr>
         <p:spPr>
           <a:xfrm>
-            <a:off x="8969080" y="336745"/>
-            <a:ext cx="1245528" cy="461665"/>
+            <a:off x="9108226" y="336745"/>
+            <a:ext cx="880598" cy="461665"/>
           </a:xfrm>
           <a:prstGeom prst="rect">
             <a:avLst/>
           </a:prstGeom>
           <a:noFill/>
+          <a:ln>
+            <a:noFill/>
+          </a:ln>
         </p:spPr>
         <p:txBody>
           <a:bodyPr wrap="square" rtlCol="0">
@@ -7843,13 +6665,13 @@
           <a:p>
             <a:r>
               <a:rPr kumimoji="1" lang="ja-JP" altLang="en-US" sz="2400"/>
-              <a:t> 出力層</a:t>
-            </a:r>
-          </a:p>
-        </p:txBody>
-      </p:sp>
-      <mc:AlternateContent xmlns:mc="http://schemas.openxmlformats.org/markup-compatibility/2006">
-        <mc:Choice xmlns:a14="http://schemas.microsoft.com/office/drawing/2010/main" Requires="a14">
+              <a:t> 出力</a:t>
+            </a:r>
+          </a:p>
+        </p:txBody>
+      </p:sp>
+      <mc:AlternateContent xmlns:mc="http://schemas.openxmlformats.org/markup-compatibility/2006" xmlns:a14="http://schemas.microsoft.com/office/drawing/2010/main">
+        <mc:Choice Requires="a14">
           <p:sp>
             <p:nvSpPr>
               <p:cNvPr id="130" name="テキスト ボックス 129">
@@ -7878,6 +6700,7 @@
               </a:bodyPr>
               <a:lstStyle/>
               <a:p>
+                <a:pPr/>
                 <a14:m>
                   <m:oMathPara xmlns:m="http://schemas.openxmlformats.org/officeDocument/2006/math">
                     <m:oMathParaPr>
@@ -7898,7 +6721,7 @@
             </p:txBody>
           </p:sp>
         </mc:Choice>
-        <mc:Fallback>
+        <mc:Fallback xmlns="">
           <p:sp>
             <p:nvSpPr>
               <p:cNvPr id="130" name="テキスト ボックス 129">
@@ -7947,120 +6770,6 @@
         <mc:Choice xmlns:a14="http://schemas.microsoft.com/office/drawing/2010/main" Requires="a14">
           <p:sp>
             <p:nvSpPr>
-              <p:cNvPr id="132" name="テキスト ボックス 131">
-                <a:extLst>
-                  <a:ext uri="{FF2B5EF4-FFF2-40B4-BE49-F238E27FC236}">
-                    <a16:creationId xmlns:a16="http://schemas.microsoft.com/office/drawing/2014/main" id="{1C5464FD-52A8-08BC-AB82-31533F9B56A6}"/>
-                  </a:ext>
-                </a:extLst>
-              </p:cNvPr>
-              <p:cNvSpPr txBox="1"/>
-              <p:nvPr/>
-            </p:nvSpPr>
-            <p:spPr>
-              <a:xfrm>
-                <a:off x="2203972" y="5176363"/>
-                <a:ext cx="532902" cy="523220"/>
-              </a:xfrm>
-              <a:prstGeom prst="rect">
-                <a:avLst/>
-              </a:prstGeom>
-              <a:noFill/>
-            </p:spPr>
-            <p:txBody>
-              <a:bodyPr wrap="square" rtlCol="0">
-                <a:spAutoFit/>
-              </a:bodyPr>
-              <a:lstStyle/>
-              <a:p>
-                <a14:m>
-                  <m:oMathPara xmlns:m="http://schemas.openxmlformats.org/officeDocument/2006/math">
-                    <m:oMathParaPr>
-                      <m:jc m:val="centerGroup"/>
-                    </m:oMathParaPr>
-                    <m:oMath xmlns:m="http://schemas.openxmlformats.org/officeDocument/2006/math">
-                      <m:sSub>
-                        <m:sSubPr>
-                          <m:ctrlPr>
-                            <a:rPr kumimoji="1" lang="en-US" altLang="ja-JP" sz="2800" b="0" i="1" smtClean="0">
-                              <a:latin typeface="Cambria Math" panose="02040503050406030204" pitchFamily="18" charset="0"/>
-                            </a:rPr>
-                          </m:ctrlPr>
-                        </m:sSubPr>
-                        <m:e>
-                          <m:r>
-                            <a:rPr kumimoji="1" lang="en-US" altLang="ja-JP" sz="2800" b="0" i="1" smtClean="0">
-                              <a:latin typeface="Cambria Math" panose="02040503050406030204" pitchFamily="18" charset="0"/>
-                            </a:rPr>
-                            <m:t>𝑥</m:t>
-                          </m:r>
-                        </m:e>
-                        <m:sub>
-                          <m:r>
-                            <a:rPr kumimoji="1" lang="en-US" altLang="ja-JP" sz="2800" b="0" i="1" smtClean="0">
-                              <a:latin typeface="Cambria Math" panose="02040503050406030204" pitchFamily="18" charset="0"/>
-                            </a:rPr>
-                            <m:t>𝑖𝑛</m:t>
-                          </m:r>
-                        </m:sub>
-                      </m:sSub>
-                    </m:oMath>
-                  </m:oMathPara>
-                </a14:m>
-                <a:endParaRPr kumimoji="1" lang="ja-JP" altLang="en-US" sz="2800"/>
-              </a:p>
-            </p:txBody>
-          </p:sp>
-        </mc:Choice>
-        <mc:Fallback>
-          <p:sp>
-            <p:nvSpPr>
-              <p:cNvPr id="132" name="テキスト ボックス 131">
-                <a:extLst>
-                  <a:ext uri="{FF2B5EF4-FFF2-40B4-BE49-F238E27FC236}">
-                    <a16:creationId xmlns:a16="http://schemas.microsoft.com/office/drawing/2014/main" id="{1C5464FD-52A8-08BC-AB82-31533F9B56A6}"/>
-                  </a:ext>
-                </a:extLst>
-              </p:cNvPr>
-              <p:cNvSpPr txBox="1">
-                <a:spLocks noRot="1" noChangeAspect="1" noMove="1" noResize="1" noEditPoints="1" noAdjustHandles="1" noChangeArrowheads="1" noChangeShapeType="1" noTextEdit="1"/>
-              </p:cNvSpPr>
-              <p:nvPr/>
-            </p:nvSpPr>
-            <p:spPr>
-              <a:xfrm>
-                <a:off x="2203972" y="5176363"/>
-                <a:ext cx="532902" cy="523220"/>
-              </a:xfrm>
-              <a:prstGeom prst="rect">
-                <a:avLst/>
-              </a:prstGeom>
-              <a:blipFill>
-                <a:blip r:embed="rId3"/>
-                <a:stretch>
-                  <a:fillRect r="-16279" b="-4762"/>
-                </a:stretch>
-              </a:blipFill>
-            </p:spPr>
-            <p:txBody>
-              <a:bodyPr/>
-              <a:lstStyle/>
-              <a:p>
-                <a:r>
-                  <a:rPr lang="ja-JP" altLang="en-US">
-                    <a:noFill/>
-                  </a:rPr>
-                  <a:t> </a:t>
-                </a:r>
-              </a:p>
-            </p:txBody>
-          </p:sp>
-        </mc:Fallback>
-      </mc:AlternateContent>
-      <mc:AlternateContent xmlns:mc="http://schemas.openxmlformats.org/markup-compatibility/2006">
-        <mc:Choice xmlns:a14="http://schemas.microsoft.com/office/drawing/2010/main" Requires="a14">
-          <p:sp>
-            <p:nvSpPr>
               <p:cNvPr id="134" name="テキスト ボックス 133">
                 <a:extLst>
                   <a:ext uri="{FF2B5EF4-FFF2-40B4-BE49-F238E27FC236}">
@@ -8080,6 +6789,9 @@
                 <a:avLst/>
               </a:prstGeom>
               <a:noFill/>
+              <a:ln>
+                <a:noFill/>
+              </a:ln>
             </p:spPr>
             <p:txBody>
               <a:bodyPr wrap="none" rtlCol="0">
@@ -8087,6 +6799,7 @@
               </a:bodyPr>
               <a:lstStyle/>
               <a:p>
+                <a:pPr/>
                 <a14:m>
                   <m:oMathPara xmlns:m="http://schemas.openxmlformats.org/officeDocument/2006/math">
                     <m:oMathParaPr>
@@ -8150,11 +6863,14 @@
                 <a:avLst/>
               </a:prstGeom>
               <a:blipFill>
-                <a:blip r:embed="rId4"/>
+                <a:blip r:embed="rId3"/>
                 <a:stretch>
                   <a:fillRect b="-2381"/>
                 </a:stretch>
               </a:blipFill>
+              <a:ln>
+                <a:noFill/>
+              </a:ln>
             </p:spPr>
             <p:txBody>
               <a:bodyPr/>
@@ -8182,63 +6898,21 @@
           </p:cNvPr>
           <p:cNvCxnSpPr>
             <a:cxnSpLocks/>
-            <a:stCxn id="7" idx="6"/>
-            <a:endCxn id="19" idx="2"/>
+            <a:stCxn id="339" idx="5"/>
+            <a:endCxn id="369" idx="1"/>
           </p:cNvCxnSpPr>
           <p:nvPr/>
         </p:nvCxnSpPr>
         <p:spPr>
           <a:xfrm>
-            <a:off x="2776305" y="1641600"/>
-            <a:ext cx="1905443" cy="1732628"/>
+            <a:off x="2345375" y="1810274"/>
+            <a:ext cx="2175749" cy="1144120"/>
           </a:xfrm>
           <a:prstGeom prst="straightConnector1">
             <a:avLst/>
           </a:prstGeom>
           <a:ln>
-            <a:tailEnd type="triangle"/>
-          </a:ln>
-        </p:spPr>
-        <p:style>
-          <a:lnRef idx="1">
-            <a:schemeClr val="dk1"/>
-          </a:lnRef>
-          <a:fillRef idx="0">
-            <a:schemeClr val="dk1"/>
-          </a:fillRef>
-          <a:effectRef idx="0">
-            <a:schemeClr val="dk1"/>
-          </a:effectRef>
-          <a:fontRef idx="minor">
-            <a:schemeClr val="tx1"/>
-          </a:fontRef>
-        </p:style>
-      </p:cxnSp>
-      <p:cxnSp>
-        <p:nvCxnSpPr>
-          <p:cNvPr id="51" name="直線矢印コネクタ 50">
-            <a:extLst>
-              <a:ext uri="{FF2B5EF4-FFF2-40B4-BE49-F238E27FC236}">
-                <a16:creationId xmlns:a16="http://schemas.microsoft.com/office/drawing/2014/main" id="{CCD242FE-6261-3400-DA90-B1C8D0E7C9AB}"/>
-              </a:ext>
-            </a:extLst>
-          </p:cNvPr>
-          <p:cNvCxnSpPr>
-            <a:stCxn id="7" idx="6"/>
-            <a:endCxn id="22" idx="2"/>
-          </p:cNvCxnSpPr>
-          <p:nvPr/>
-        </p:nvCxnSpPr>
-        <p:spPr>
-          <a:xfrm>
-            <a:off x="2776305" y="1641600"/>
-            <a:ext cx="1906576" cy="2622849"/>
-          </a:xfrm>
-          <a:prstGeom prst="straightConnector1">
-            <a:avLst/>
-          </a:prstGeom>
-          <a:ln>
-            <a:tailEnd type="triangle"/>
+            <a:tailEnd type="none"/>
           </a:ln>
         </p:spPr>
         <p:style>
@@ -8266,21 +6940,22 @@
             </a:extLst>
           </p:cNvPr>
           <p:cNvCxnSpPr>
-            <a:stCxn id="8" idx="6"/>
-            <a:endCxn id="21" idx="2"/>
+            <a:cxnSpLocks/>
+            <a:stCxn id="340" idx="6"/>
+            <a:endCxn id="216" idx="2"/>
           </p:cNvCxnSpPr>
           <p:nvPr/>
         </p:nvCxnSpPr>
         <p:spPr>
           <a:xfrm flipV="1">
-            <a:off x="2776305" y="2373311"/>
-            <a:ext cx="1906576" cy="86611"/>
+            <a:off x="2381756" y="2414651"/>
+            <a:ext cx="2243674" cy="477739"/>
           </a:xfrm>
           <a:prstGeom prst="straightConnector1">
             <a:avLst/>
           </a:prstGeom>
           <a:ln>
-            <a:tailEnd type="triangle"/>
+            <a:tailEnd type="none"/>
           </a:ln>
         </p:spPr>
         <p:style>
@@ -8308,105 +6983,22 @@
             </a:extLst>
           </p:cNvPr>
           <p:cNvCxnSpPr>
-            <a:stCxn id="8" idx="6"/>
-            <a:endCxn id="19" idx="2"/>
+            <a:cxnSpLocks/>
+            <a:stCxn id="340" idx="6"/>
+            <a:endCxn id="371" idx="2"/>
           </p:cNvCxnSpPr>
           <p:nvPr/>
         </p:nvCxnSpPr>
         <p:spPr>
           <a:xfrm>
-            <a:off x="2776305" y="2459922"/>
-            <a:ext cx="1905443" cy="914306"/>
+            <a:off x="2381756" y="2892390"/>
+            <a:ext cx="2088872" cy="349491"/>
           </a:xfrm>
           <a:prstGeom prst="straightConnector1">
             <a:avLst/>
           </a:prstGeom>
           <a:ln>
-            <a:tailEnd type="triangle"/>
-          </a:ln>
-        </p:spPr>
-        <p:style>
-          <a:lnRef idx="1">
-            <a:schemeClr val="dk1"/>
-          </a:lnRef>
-          <a:fillRef idx="0">
-            <a:schemeClr val="dk1"/>
-          </a:fillRef>
-          <a:effectRef idx="0">
-            <a:schemeClr val="dk1"/>
-          </a:effectRef>
-          <a:fontRef idx="minor">
-            <a:schemeClr val="tx1"/>
-          </a:fontRef>
-        </p:style>
-      </p:cxnSp>
-      <p:cxnSp>
-        <p:nvCxnSpPr>
-          <p:cNvPr id="61" name="直線矢印コネクタ 60">
-            <a:extLst>
-              <a:ext uri="{FF2B5EF4-FFF2-40B4-BE49-F238E27FC236}">
-                <a16:creationId xmlns:a16="http://schemas.microsoft.com/office/drawing/2014/main" id="{971BA160-B3A5-AA8A-6559-426F2525FA6F}"/>
-              </a:ext>
-            </a:extLst>
-          </p:cNvPr>
-          <p:cNvCxnSpPr>
-            <a:stCxn id="9" idx="6"/>
-            <a:endCxn id="17" idx="2"/>
-          </p:cNvCxnSpPr>
-          <p:nvPr/>
-        </p:nvCxnSpPr>
-        <p:spPr>
-          <a:xfrm flipV="1">
-            <a:off x="2776305" y="1437951"/>
-            <a:ext cx="1910538" cy="2589015"/>
-          </a:xfrm>
-          <a:prstGeom prst="straightConnector1">
-            <a:avLst/>
-          </a:prstGeom>
-          <a:ln>
-            <a:tailEnd type="triangle"/>
-          </a:ln>
-        </p:spPr>
-        <p:style>
-          <a:lnRef idx="1">
-            <a:schemeClr val="dk1"/>
-          </a:lnRef>
-          <a:fillRef idx="0">
-            <a:schemeClr val="dk1"/>
-          </a:fillRef>
-          <a:effectRef idx="0">
-            <a:schemeClr val="dk1"/>
-          </a:effectRef>
-          <a:fontRef idx="minor">
-            <a:schemeClr val="tx1"/>
-          </a:fontRef>
-        </p:style>
-      </p:cxnSp>
-      <p:cxnSp>
-        <p:nvCxnSpPr>
-          <p:cNvPr id="63" name="直線矢印コネクタ 62">
-            <a:extLst>
-              <a:ext uri="{FF2B5EF4-FFF2-40B4-BE49-F238E27FC236}">
-                <a16:creationId xmlns:a16="http://schemas.microsoft.com/office/drawing/2014/main" id="{5E79BA86-D5AC-E21B-C0DC-710E19E1094F}"/>
-              </a:ext>
-            </a:extLst>
-          </p:cNvPr>
-          <p:cNvCxnSpPr>
-            <a:stCxn id="9" idx="6"/>
-            <a:endCxn id="21" idx="2"/>
-          </p:cNvCxnSpPr>
-          <p:nvPr/>
-        </p:nvCxnSpPr>
-        <p:spPr>
-          <a:xfrm flipV="1">
-            <a:off x="2776305" y="2373311"/>
-            <a:ext cx="1906576" cy="1653655"/>
-          </a:xfrm>
-          <a:prstGeom prst="straightConnector1">
-            <a:avLst/>
-          </a:prstGeom>
-          <a:ln>
-            <a:tailEnd type="triangle"/>
+            <a:tailEnd type="none"/>
           </a:ln>
         </p:spPr>
         <p:style>
@@ -8434,21 +7026,22 @@
             </a:extLst>
           </p:cNvPr>
           <p:cNvCxnSpPr>
-            <a:stCxn id="17" idx="6"/>
-            <a:endCxn id="18" idx="2"/>
+            <a:cxnSpLocks/>
+            <a:stCxn id="203" idx="6"/>
+            <a:endCxn id="358" idx="1"/>
           </p:cNvCxnSpPr>
           <p:nvPr/>
         </p:nvCxnSpPr>
         <p:spPr>
           <a:xfrm>
-            <a:off x="5226843" y="1437951"/>
-            <a:ext cx="1338377" cy="690775"/>
+            <a:off x="5159649" y="1615160"/>
+            <a:ext cx="1231094" cy="98823"/>
           </a:xfrm>
           <a:prstGeom prst="straightConnector1">
             <a:avLst/>
           </a:prstGeom>
           <a:ln>
-            <a:tailEnd type="triangle"/>
+            <a:tailEnd type="none"/>
           </a:ln>
         </p:spPr>
         <p:style>
@@ -8476,105 +7069,22 @@
             </a:extLst>
           </p:cNvPr>
           <p:cNvCxnSpPr>
-            <a:stCxn id="17" idx="6"/>
-            <a:endCxn id="90" idx="2"/>
+            <a:cxnSpLocks/>
+            <a:stCxn id="203" idx="6"/>
+            <a:endCxn id="360" idx="1"/>
           </p:cNvCxnSpPr>
           <p:nvPr/>
         </p:nvCxnSpPr>
         <p:spPr>
           <a:xfrm>
-            <a:off x="5226843" y="1437951"/>
-            <a:ext cx="1338377" cy="1666277"/>
+            <a:off x="5159649" y="1615160"/>
+            <a:ext cx="1520999" cy="938069"/>
           </a:xfrm>
           <a:prstGeom prst="straightConnector1">
             <a:avLst/>
           </a:prstGeom>
           <a:ln>
-            <a:tailEnd type="triangle"/>
-          </a:ln>
-        </p:spPr>
-        <p:style>
-          <a:lnRef idx="1">
-            <a:schemeClr val="dk1"/>
-          </a:lnRef>
-          <a:fillRef idx="0">
-            <a:schemeClr val="dk1"/>
-          </a:fillRef>
-          <a:effectRef idx="0">
-            <a:schemeClr val="dk1"/>
-          </a:effectRef>
-          <a:fontRef idx="minor">
-            <a:schemeClr val="tx1"/>
-          </a:fontRef>
-        </p:style>
-      </p:cxnSp>
-      <p:cxnSp>
-        <p:nvCxnSpPr>
-          <p:cNvPr id="91" name="直線矢印コネクタ 90">
-            <a:extLst>
-              <a:ext uri="{FF2B5EF4-FFF2-40B4-BE49-F238E27FC236}">
-                <a16:creationId xmlns:a16="http://schemas.microsoft.com/office/drawing/2014/main" id="{63A0E692-77F5-342E-7CAB-863700E34104}"/>
-              </a:ext>
-            </a:extLst>
-          </p:cNvPr>
-          <p:cNvCxnSpPr>
-            <a:stCxn id="17" idx="6"/>
-            <a:endCxn id="20" idx="2"/>
-          </p:cNvCxnSpPr>
-          <p:nvPr/>
-        </p:nvCxnSpPr>
-        <p:spPr>
-          <a:xfrm>
-            <a:off x="5226843" y="1437951"/>
-            <a:ext cx="1338377" cy="2668610"/>
-          </a:xfrm>
-          <a:prstGeom prst="straightConnector1">
-            <a:avLst/>
-          </a:prstGeom>
-          <a:ln>
-            <a:tailEnd type="triangle"/>
-          </a:ln>
-        </p:spPr>
-        <p:style>
-          <a:lnRef idx="1">
-            <a:schemeClr val="dk1"/>
-          </a:lnRef>
-          <a:fillRef idx="0">
-            <a:schemeClr val="dk1"/>
-          </a:fillRef>
-          <a:effectRef idx="0">
-            <a:schemeClr val="dk1"/>
-          </a:effectRef>
-          <a:fontRef idx="minor">
-            <a:schemeClr val="tx1"/>
-          </a:fontRef>
-        </p:style>
-      </p:cxnSp>
-      <p:cxnSp>
-        <p:nvCxnSpPr>
-          <p:cNvPr id="95" name="直線矢印コネクタ 94">
-            <a:extLst>
-              <a:ext uri="{FF2B5EF4-FFF2-40B4-BE49-F238E27FC236}">
-                <a16:creationId xmlns:a16="http://schemas.microsoft.com/office/drawing/2014/main" id="{1A739264-A4F4-8D25-89B0-A80040622E05}"/>
-              </a:ext>
-            </a:extLst>
-          </p:cNvPr>
-          <p:cNvCxnSpPr>
-            <a:stCxn id="21" idx="6"/>
-            <a:endCxn id="18" idx="2"/>
-          </p:cNvCxnSpPr>
-          <p:nvPr/>
-        </p:nvCxnSpPr>
-        <p:spPr>
-          <a:xfrm flipV="1">
-            <a:off x="5222881" y="2128726"/>
-            <a:ext cx="1342339" cy="244585"/>
-          </a:xfrm>
-          <a:prstGeom prst="straightConnector1">
-            <a:avLst/>
-          </a:prstGeom>
-          <a:ln>
-            <a:tailEnd type="triangle"/>
+            <a:tailEnd type="none"/>
           </a:ln>
         </p:spPr>
         <p:style>
@@ -8602,21 +7112,22 @@
             </a:extLst>
           </p:cNvPr>
           <p:cNvCxnSpPr>
-            <a:stCxn id="21" idx="6"/>
-            <a:endCxn id="90" idx="2"/>
+            <a:cxnSpLocks/>
+            <a:stCxn id="216" idx="6"/>
+            <a:endCxn id="361" idx="2"/>
           </p:cNvCxnSpPr>
           <p:nvPr/>
         </p:nvCxnSpPr>
         <p:spPr>
           <a:xfrm>
-            <a:off x="5222881" y="2373311"/>
-            <a:ext cx="1342339" cy="730917"/>
+            <a:off x="5165430" y="2414651"/>
+            <a:ext cx="1189038" cy="654304"/>
           </a:xfrm>
           <a:prstGeom prst="straightConnector1">
             <a:avLst/>
           </a:prstGeom>
           <a:ln>
-            <a:tailEnd type="triangle"/>
+            <a:tailEnd type="none"/>
           </a:ln>
         </p:spPr>
         <p:style>
@@ -8644,105 +7155,22 @@
             </a:extLst>
           </p:cNvPr>
           <p:cNvCxnSpPr>
-            <a:stCxn id="21" idx="6"/>
-            <a:endCxn id="20" idx="2"/>
+            <a:cxnSpLocks/>
+            <a:stCxn id="216" idx="6"/>
+            <a:endCxn id="362" idx="1"/>
           </p:cNvCxnSpPr>
           <p:nvPr/>
         </p:nvCxnSpPr>
         <p:spPr>
           <a:xfrm>
-            <a:off x="5222881" y="2373311"/>
-            <a:ext cx="1342339" cy="1733250"/>
+            <a:off x="5165430" y="2414651"/>
+            <a:ext cx="1444937" cy="1210250"/>
           </a:xfrm>
           <a:prstGeom prst="straightConnector1">
             <a:avLst/>
           </a:prstGeom>
           <a:ln>
-            <a:tailEnd type="triangle"/>
-          </a:ln>
-        </p:spPr>
-        <p:style>
-          <a:lnRef idx="1">
-            <a:schemeClr val="dk1"/>
-          </a:lnRef>
-          <a:fillRef idx="0">
-            <a:schemeClr val="dk1"/>
-          </a:fillRef>
-          <a:effectRef idx="0">
-            <a:schemeClr val="dk1"/>
-          </a:effectRef>
-          <a:fontRef idx="minor">
-            <a:schemeClr val="tx1"/>
-          </a:fontRef>
-        </p:style>
-      </p:cxnSp>
-      <p:cxnSp>
-        <p:nvCxnSpPr>
-          <p:cNvPr id="105" name="直線矢印コネクタ 104">
-            <a:extLst>
-              <a:ext uri="{FF2B5EF4-FFF2-40B4-BE49-F238E27FC236}">
-                <a16:creationId xmlns:a16="http://schemas.microsoft.com/office/drawing/2014/main" id="{E72683C1-3103-DECD-D1F7-F541A13AB60E}"/>
-              </a:ext>
-            </a:extLst>
-          </p:cNvPr>
-          <p:cNvCxnSpPr>
-            <a:stCxn id="19" idx="6"/>
-            <a:endCxn id="18" idx="2"/>
-          </p:cNvCxnSpPr>
-          <p:nvPr/>
-        </p:nvCxnSpPr>
-        <p:spPr>
-          <a:xfrm flipV="1">
-            <a:off x="5221748" y="2128726"/>
-            <a:ext cx="1343472" cy="1245502"/>
-          </a:xfrm>
-          <a:prstGeom prst="straightConnector1">
-            <a:avLst/>
-          </a:prstGeom>
-          <a:ln>
-            <a:tailEnd type="triangle"/>
-          </a:ln>
-        </p:spPr>
-        <p:style>
-          <a:lnRef idx="1">
-            <a:schemeClr val="dk1"/>
-          </a:lnRef>
-          <a:fillRef idx="0">
-            <a:schemeClr val="dk1"/>
-          </a:fillRef>
-          <a:effectRef idx="0">
-            <a:schemeClr val="dk1"/>
-          </a:effectRef>
-          <a:fontRef idx="minor">
-            <a:schemeClr val="tx1"/>
-          </a:fontRef>
-        </p:style>
-      </p:cxnSp>
-      <p:cxnSp>
-        <p:nvCxnSpPr>
-          <p:cNvPr id="107" name="直線矢印コネクタ 106">
-            <a:extLst>
-              <a:ext uri="{FF2B5EF4-FFF2-40B4-BE49-F238E27FC236}">
-                <a16:creationId xmlns:a16="http://schemas.microsoft.com/office/drawing/2014/main" id="{E63BA3D9-FFF0-B688-9FAD-43DB9091F209}"/>
-              </a:ext>
-            </a:extLst>
-          </p:cNvPr>
-          <p:cNvCxnSpPr>
-            <a:stCxn id="19" idx="6"/>
-            <a:endCxn id="90" idx="2"/>
-          </p:cNvCxnSpPr>
-          <p:nvPr/>
-        </p:nvCxnSpPr>
-        <p:spPr>
-          <a:xfrm flipV="1">
-            <a:off x="5221748" y="3104228"/>
-            <a:ext cx="1343472" cy="270000"/>
-          </a:xfrm>
-          <a:prstGeom prst="straightConnector1">
-            <a:avLst/>
-          </a:prstGeom>
-          <a:ln>
-            <a:tailEnd type="triangle"/>
+            <a:tailEnd type="none"/>
           </a:ln>
         </p:spPr>
         <p:style>
@@ -8771,21 +7199,21 @@
           </p:cNvPr>
           <p:cNvCxnSpPr>
             <a:cxnSpLocks/>
-            <a:stCxn id="19" idx="6"/>
-            <a:endCxn id="20" idx="2"/>
+            <a:stCxn id="217" idx="6"/>
+            <a:endCxn id="363" idx="2"/>
           </p:cNvCxnSpPr>
           <p:nvPr/>
         </p:nvCxnSpPr>
         <p:spPr>
           <a:xfrm>
-            <a:off x="5221748" y="3374228"/>
-            <a:ext cx="1343472" cy="732333"/>
+            <a:off x="5170537" y="3190505"/>
+            <a:ext cx="1227857" cy="619586"/>
           </a:xfrm>
           <a:prstGeom prst="straightConnector1">
             <a:avLst/>
           </a:prstGeom>
           <a:ln>
-            <a:tailEnd type="triangle"/>
+            <a:tailEnd type="none"/>
           </a:ln>
         </p:spPr>
         <p:style>
@@ -8814,64 +7242,21 @@
           </p:cNvPr>
           <p:cNvCxnSpPr>
             <a:cxnSpLocks/>
-            <a:stCxn id="22" idx="6"/>
-            <a:endCxn id="18" idx="2"/>
+            <a:stCxn id="218" idx="6"/>
+            <a:endCxn id="359" idx="3"/>
           </p:cNvCxnSpPr>
           <p:nvPr/>
         </p:nvCxnSpPr>
         <p:spPr>
           <a:xfrm flipV="1">
-            <a:off x="5222881" y="2128726"/>
-            <a:ext cx="1342339" cy="2135723"/>
+            <a:off x="5170537" y="2114051"/>
+            <a:ext cx="1241657" cy="1887125"/>
           </a:xfrm>
           <a:prstGeom prst="straightConnector1">
             <a:avLst/>
           </a:prstGeom>
           <a:ln>
-            <a:tailEnd type="triangle"/>
-          </a:ln>
-        </p:spPr>
-        <p:style>
-          <a:lnRef idx="1">
-            <a:schemeClr val="dk1"/>
-          </a:lnRef>
-          <a:fillRef idx="0">
-            <a:schemeClr val="dk1"/>
-          </a:fillRef>
-          <a:effectRef idx="0">
-            <a:schemeClr val="dk1"/>
-          </a:effectRef>
-          <a:fontRef idx="minor">
-            <a:schemeClr val="tx1"/>
-          </a:fontRef>
-        </p:style>
-      </p:cxnSp>
-      <p:cxnSp>
-        <p:nvCxnSpPr>
-          <p:cNvPr id="115" name="直線矢印コネクタ 114">
-            <a:extLst>
-              <a:ext uri="{FF2B5EF4-FFF2-40B4-BE49-F238E27FC236}">
-                <a16:creationId xmlns:a16="http://schemas.microsoft.com/office/drawing/2014/main" id="{74903B5A-68B3-FE26-AFE3-18A5F5219634}"/>
-              </a:ext>
-            </a:extLst>
-          </p:cNvPr>
-          <p:cNvCxnSpPr>
-            <a:cxnSpLocks/>
-            <a:stCxn id="22" idx="6"/>
-            <a:endCxn id="90" idx="2"/>
-          </p:cNvCxnSpPr>
-          <p:nvPr/>
-        </p:nvCxnSpPr>
-        <p:spPr>
-          <a:xfrm flipV="1">
-            <a:off x="5222881" y="3104228"/>
-            <a:ext cx="1342339" cy="1160221"/>
-          </a:xfrm>
-          <a:prstGeom prst="straightConnector1">
-            <a:avLst/>
-          </a:prstGeom>
-          <a:ln>
-            <a:tailEnd type="triangle"/>
+            <a:tailEnd type="none"/>
           </a:ln>
         </p:spPr>
         <p:style>
@@ -8900,21 +7285,21 @@
           </p:cNvPr>
           <p:cNvCxnSpPr>
             <a:cxnSpLocks/>
-            <a:stCxn id="22" idx="6"/>
-            <a:endCxn id="20" idx="2"/>
+            <a:stCxn id="218" idx="6"/>
+            <a:endCxn id="364" idx="2"/>
           </p:cNvCxnSpPr>
           <p:nvPr/>
         </p:nvCxnSpPr>
         <p:spPr>
-          <a:xfrm flipV="1">
-            <a:off x="5222881" y="4106561"/>
-            <a:ext cx="1342339" cy="157888"/>
+          <a:xfrm>
+            <a:off x="5170537" y="4001176"/>
+            <a:ext cx="1203043" cy="70898"/>
           </a:xfrm>
           <a:prstGeom prst="straightConnector1">
             <a:avLst/>
           </a:prstGeom>
           <a:ln>
-            <a:tailEnd type="triangle"/>
+            <a:tailEnd type="none"/>
           </a:ln>
         </p:spPr>
         <p:style>
@@ -8932,6 +7317,1469 @@
           </a:fontRef>
         </p:style>
       </p:cxnSp>
+      <p:sp>
+        <p:nvSpPr>
+          <p:cNvPr id="203" name="フローチャート: 結合子 202">
+            <a:extLst>
+              <a:ext uri="{FF2B5EF4-FFF2-40B4-BE49-F238E27FC236}">
+                <a16:creationId xmlns:a16="http://schemas.microsoft.com/office/drawing/2014/main" id="{BAEFF403-AF9A-9D2A-1F90-B65DBB9E989D}"/>
+              </a:ext>
+            </a:extLst>
+          </p:cNvPr>
+          <p:cNvSpPr>
+            <a:spLocks/>
+          </p:cNvSpPr>
+          <p:nvPr/>
+        </p:nvSpPr>
+        <p:spPr>
+          <a:xfrm>
+            <a:off x="4619649" y="1345160"/>
+            <a:ext cx="540000" cy="540000"/>
+          </a:xfrm>
+          <a:prstGeom prst="flowChartConnector">
+            <a:avLst/>
+          </a:prstGeom>
+        </p:spPr>
+        <p:style>
+          <a:lnRef idx="2">
+            <a:schemeClr val="dk1"/>
+          </a:lnRef>
+          <a:fillRef idx="1">
+            <a:schemeClr val="lt1"/>
+          </a:fillRef>
+          <a:effectRef idx="0">
+            <a:schemeClr val="dk1"/>
+          </a:effectRef>
+          <a:fontRef idx="minor">
+            <a:schemeClr val="dk1"/>
+          </a:fontRef>
+        </p:style>
+        <p:txBody>
+          <a:bodyPr rtlCol="0" anchor="ctr"/>
+          <a:lstStyle/>
+          <a:p>
+            <a:pPr algn="ctr"/>
+            <a:endParaRPr kumimoji="1" lang="ja-JP" altLang="en-US"/>
+          </a:p>
+        </p:txBody>
+      </p:sp>
+      <p:sp>
+        <p:nvSpPr>
+          <p:cNvPr id="216" name="フローチャート: 結合子 215">
+            <a:extLst>
+              <a:ext uri="{FF2B5EF4-FFF2-40B4-BE49-F238E27FC236}">
+                <a16:creationId xmlns:a16="http://schemas.microsoft.com/office/drawing/2014/main" id="{49569DC9-C0A3-5BB1-17E8-BA1F26CBBCFF}"/>
+              </a:ext>
+            </a:extLst>
+          </p:cNvPr>
+          <p:cNvSpPr>
+            <a:spLocks/>
+          </p:cNvSpPr>
+          <p:nvPr/>
+        </p:nvSpPr>
+        <p:spPr>
+          <a:xfrm>
+            <a:off x="4625430" y="2144651"/>
+            <a:ext cx="540000" cy="540000"/>
+          </a:xfrm>
+          <a:prstGeom prst="flowChartConnector">
+            <a:avLst/>
+          </a:prstGeom>
+        </p:spPr>
+        <p:style>
+          <a:lnRef idx="2">
+            <a:schemeClr val="dk1"/>
+          </a:lnRef>
+          <a:fillRef idx="1">
+            <a:schemeClr val="lt1"/>
+          </a:fillRef>
+          <a:effectRef idx="0">
+            <a:schemeClr val="dk1"/>
+          </a:effectRef>
+          <a:fontRef idx="minor">
+            <a:schemeClr val="dk1"/>
+          </a:fontRef>
+        </p:style>
+        <p:txBody>
+          <a:bodyPr rtlCol="0" anchor="ctr"/>
+          <a:lstStyle/>
+          <a:p>
+            <a:pPr algn="ctr"/>
+            <a:endParaRPr kumimoji="1" lang="ja-JP" altLang="en-US"/>
+          </a:p>
+        </p:txBody>
+      </p:sp>
+      <p:sp>
+        <p:nvSpPr>
+          <p:cNvPr id="217" name="フローチャート: 結合子 216">
+            <a:extLst>
+              <a:ext uri="{FF2B5EF4-FFF2-40B4-BE49-F238E27FC236}">
+                <a16:creationId xmlns:a16="http://schemas.microsoft.com/office/drawing/2014/main" id="{A73CB5BB-6CB7-EAFC-3954-9C1A46E9BC3C}"/>
+              </a:ext>
+            </a:extLst>
+          </p:cNvPr>
+          <p:cNvSpPr>
+            <a:spLocks/>
+          </p:cNvSpPr>
+          <p:nvPr/>
+        </p:nvSpPr>
+        <p:spPr>
+          <a:xfrm>
+            <a:off x="4630537" y="2920505"/>
+            <a:ext cx="540000" cy="540000"/>
+          </a:xfrm>
+          <a:prstGeom prst="flowChartConnector">
+            <a:avLst/>
+          </a:prstGeom>
+        </p:spPr>
+        <p:style>
+          <a:lnRef idx="2">
+            <a:schemeClr val="dk1"/>
+          </a:lnRef>
+          <a:fillRef idx="1">
+            <a:schemeClr val="lt1"/>
+          </a:fillRef>
+          <a:effectRef idx="0">
+            <a:schemeClr val="dk1"/>
+          </a:effectRef>
+          <a:fontRef idx="minor">
+            <a:schemeClr val="dk1"/>
+          </a:fontRef>
+        </p:style>
+        <p:txBody>
+          <a:bodyPr rtlCol="0" anchor="ctr"/>
+          <a:lstStyle/>
+          <a:p>
+            <a:pPr algn="ctr"/>
+            <a:endParaRPr kumimoji="1" lang="ja-JP" altLang="en-US"/>
+          </a:p>
+        </p:txBody>
+      </p:sp>
+      <p:sp>
+        <p:nvSpPr>
+          <p:cNvPr id="218" name="フローチャート: 結合子 217">
+            <a:extLst>
+              <a:ext uri="{FF2B5EF4-FFF2-40B4-BE49-F238E27FC236}">
+                <a16:creationId xmlns:a16="http://schemas.microsoft.com/office/drawing/2014/main" id="{9A1048A4-AB82-E9B1-F265-D5E1A6B58F2D}"/>
+              </a:ext>
+            </a:extLst>
+          </p:cNvPr>
+          <p:cNvSpPr>
+            <a:spLocks/>
+          </p:cNvSpPr>
+          <p:nvPr/>
+        </p:nvSpPr>
+        <p:spPr>
+          <a:xfrm>
+            <a:off x="4630537" y="3731176"/>
+            <a:ext cx="540000" cy="540000"/>
+          </a:xfrm>
+          <a:prstGeom prst="flowChartConnector">
+            <a:avLst/>
+          </a:prstGeom>
+        </p:spPr>
+        <p:style>
+          <a:lnRef idx="2">
+            <a:schemeClr val="dk1"/>
+          </a:lnRef>
+          <a:fillRef idx="1">
+            <a:schemeClr val="lt1"/>
+          </a:fillRef>
+          <a:effectRef idx="0">
+            <a:schemeClr val="dk1"/>
+          </a:effectRef>
+          <a:fontRef idx="minor">
+            <a:schemeClr val="dk1"/>
+          </a:fontRef>
+        </p:style>
+        <p:txBody>
+          <a:bodyPr rtlCol="0" anchor="ctr"/>
+          <a:lstStyle/>
+          <a:p>
+            <a:pPr algn="ctr"/>
+            <a:endParaRPr kumimoji="1" lang="ja-JP" altLang="en-US"/>
+          </a:p>
+        </p:txBody>
+      </p:sp>
+      <p:sp>
+        <p:nvSpPr>
+          <p:cNvPr id="255" name="フローチャート: 結合子 254">
+            <a:extLst>
+              <a:ext uri="{FF2B5EF4-FFF2-40B4-BE49-F238E27FC236}">
+                <a16:creationId xmlns:a16="http://schemas.microsoft.com/office/drawing/2014/main" id="{E80F150F-2EDD-C3A5-64D2-2B810F78ED08}"/>
+              </a:ext>
+            </a:extLst>
+          </p:cNvPr>
+          <p:cNvSpPr>
+            <a:spLocks/>
+          </p:cNvSpPr>
+          <p:nvPr/>
+        </p:nvSpPr>
+        <p:spPr>
+          <a:xfrm>
+            <a:off x="6539780" y="2686145"/>
+            <a:ext cx="540000" cy="540000"/>
+          </a:xfrm>
+          <a:prstGeom prst="flowChartConnector">
+            <a:avLst/>
+          </a:prstGeom>
+        </p:spPr>
+        <p:style>
+          <a:lnRef idx="2">
+            <a:schemeClr val="dk1"/>
+          </a:lnRef>
+          <a:fillRef idx="1">
+            <a:schemeClr val="lt1"/>
+          </a:fillRef>
+          <a:effectRef idx="0">
+            <a:schemeClr val="dk1"/>
+          </a:effectRef>
+          <a:fontRef idx="minor">
+            <a:schemeClr val="dk1"/>
+          </a:fontRef>
+        </p:style>
+        <p:txBody>
+          <a:bodyPr rtlCol="0" anchor="ctr"/>
+          <a:lstStyle/>
+          <a:p>
+            <a:pPr algn="ctr"/>
+            <a:endParaRPr kumimoji="1" lang="ja-JP" altLang="en-US"/>
+          </a:p>
+        </p:txBody>
+      </p:sp>
+      <p:sp>
+        <p:nvSpPr>
+          <p:cNvPr id="256" name="フローチャート: 結合子 255">
+            <a:extLst>
+              <a:ext uri="{FF2B5EF4-FFF2-40B4-BE49-F238E27FC236}">
+                <a16:creationId xmlns:a16="http://schemas.microsoft.com/office/drawing/2014/main" id="{03026E8F-0377-A4CD-0BF6-F4DD64CC2702}"/>
+              </a:ext>
+            </a:extLst>
+          </p:cNvPr>
+          <p:cNvSpPr>
+            <a:spLocks/>
+          </p:cNvSpPr>
+          <p:nvPr/>
+        </p:nvSpPr>
+        <p:spPr>
+          <a:xfrm>
+            <a:off x="6529269" y="1628284"/>
+            <a:ext cx="540000" cy="540000"/>
+          </a:xfrm>
+          <a:prstGeom prst="flowChartConnector">
+            <a:avLst/>
+          </a:prstGeom>
+        </p:spPr>
+        <p:style>
+          <a:lnRef idx="2">
+            <a:schemeClr val="dk1"/>
+          </a:lnRef>
+          <a:fillRef idx="1">
+            <a:schemeClr val="lt1"/>
+          </a:fillRef>
+          <a:effectRef idx="0">
+            <a:schemeClr val="dk1"/>
+          </a:effectRef>
+          <a:fontRef idx="minor">
+            <a:schemeClr val="dk1"/>
+          </a:fontRef>
+        </p:style>
+        <p:txBody>
+          <a:bodyPr rtlCol="0" anchor="ctr"/>
+          <a:lstStyle/>
+          <a:p>
+            <a:pPr algn="ctr"/>
+            <a:endParaRPr kumimoji="1" lang="ja-JP" altLang="en-US"/>
+          </a:p>
+        </p:txBody>
+      </p:sp>
+      <p:sp>
+        <p:nvSpPr>
+          <p:cNvPr id="289" name="フローチャート: 結合子 288">
+            <a:extLst>
+              <a:ext uri="{FF2B5EF4-FFF2-40B4-BE49-F238E27FC236}">
+                <a16:creationId xmlns:a16="http://schemas.microsoft.com/office/drawing/2014/main" id="{9417202D-F521-1A5B-EC81-5C97E8324FED}"/>
+              </a:ext>
+            </a:extLst>
+          </p:cNvPr>
+          <p:cNvSpPr>
+            <a:spLocks/>
+          </p:cNvSpPr>
+          <p:nvPr/>
+        </p:nvSpPr>
+        <p:spPr>
+          <a:xfrm>
+            <a:off x="6539780" y="3743650"/>
+            <a:ext cx="540000" cy="540000"/>
+          </a:xfrm>
+          <a:prstGeom prst="flowChartConnector">
+            <a:avLst/>
+          </a:prstGeom>
+        </p:spPr>
+        <p:style>
+          <a:lnRef idx="2">
+            <a:schemeClr val="dk1"/>
+          </a:lnRef>
+          <a:fillRef idx="1">
+            <a:schemeClr val="lt1"/>
+          </a:fillRef>
+          <a:effectRef idx="0">
+            <a:schemeClr val="dk1"/>
+          </a:effectRef>
+          <a:fontRef idx="minor">
+            <a:schemeClr val="dk1"/>
+          </a:fontRef>
+        </p:style>
+        <p:txBody>
+          <a:bodyPr rtlCol="0" anchor="ctr"/>
+          <a:lstStyle/>
+          <a:p>
+            <a:pPr algn="ctr"/>
+            <a:endParaRPr kumimoji="1" lang="ja-JP" altLang="en-US"/>
+          </a:p>
+        </p:txBody>
+      </p:sp>
+      <p:sp>
+        <p:nvSpPr>
+          <p:cNvPr id="308" name="円/楕円 307">
+            <a:extLst>
+              <a:ext uri="{FF2B5EF4-FFF2-40B4-BE49-F238E27FC236}">
+                <a16:creationId xmlns:a16="http://schemas.microsoft.com/office/drawing/2014/main" id="{607BA94B-7C5A-41D4-D046-DA3BAD35E4C4}"/>
+              </a:ext>
+            </a:extLst>
+          </p:cNvPr>
+          <p:cNvSpPr/>
+          <p:nvPr/>
+        </p:nvSpPr>
+        <p:spPr>
+          <a:xfrm>
+            <a:off x="9482072" y="1653959"/>
+            <a:ext cx="180000" cy="180000"/>
+          </a:xfrm>
+          <a:prstGeom prst="ellipse">
+            <a:avLst/>
+          </a:prstGeom>
+          <a:solidFill>
+            <a:schemeClr val="tx1"/>
+          </a:solidFill>
+          <a:ln>
+            <a:noFill/>
+          </a:ln>
+        </p:spPr>
+        <p:style>
+          <a:lnRef idx="2">
+            <a:schemeClr val="dk1"/>
+          </a:lnRef>
+          <a:fillRef idx="1">
+            <a:schemeClr val="lt1"/>
+          </a:fillRef>
+          <a:effectRef idx="0">
+            <a:schemeClr val="dk1"/>
+          </a:effectRef>
+          <a:fontRef idx="minor">
+            <a:schemeClr val="dk1"/>
+          </a:fontRef>
+        </p:style>
+        <p:txBody>
+          <a:bodyPr rtlCol="0" anchor="ctr"/>
+          <a:lstStyle/>
+          <a:p>
+            <a:pPr algn="ctr"/>
+            <a:endParaRPr kumimoji="1" lang="ja-JP" altLang="en-US"/>
+          </a:p>
+        </p:txBody>
+      </p:sp>
+      <p:sp>
+        <p:nvSpPr>
+          <p:cNvPr id="309" name="円/楕円 308">
+            <a:extLst>
+              <a:ext uri="{FF2B5EF4-FFF2-40B4-BE49-F238E27FC236}">
+                <a16:creationId xmlns:a16="http://schemas.microsoft.com/office/drawing/2014/main" id="{C5F38656-6330-F9CA-5124-BE5A49899CBD}"/>
+              </a:ext>
+            </a:extLst>
+          </p:cNvPr>
+          <p:cNvSpPr/>
+          <p:nvPr/>
+        </p:nvSpPr>
+        <p:spPr>
+          <a:xfrm>
+            <a:off x="9488255" y="2737374"/>
+            <a:ext cx="180000" cy="180000"/>
+          </a:xfrm>
+          <a:prstGeom prst="ellipse">
+            <a:avLst/>
+          </a:prstGeom>
+          <a:solidFill>
+            <a:schemeClr val="tx1"/>
+          </a:solidFill>
+          <a:ln>
+            <a:noFill/>
+          </a:ln>
+        </p:spPr>
+        <p:style>
+          <a:lnRef idx="2">
+            <a:schemeClr val="dk1"/>
+          </a:lnRef>
+          <a:fillRef idx="1">
+            <a:schemeClr val="lt1"/>
+          </a:fillRef>
+          <a:effectRef idx="0">
+            <a:schemeClr val="dk1"/>
+          </a:effectRef>
+          <a:fontRef idx="minor">
+            <a:schemeClr val="dk1"/>
+          </a:fontRef>
+        </p:style>
+        <p:txBody>
+          <a:bodyPr rtlCol="0" anchor="ctr"/>
+          <a:lstStyle/>
+          <a:p>
+            <a:pPr algn="ctr"/>
+            <a:endParaRPr kumimoji="1" lang="ja-JP" altLang="en-US"/>
+          </a:p>
+        </p:txBody>
+      </p:sp>
+      <p:sp>
+        <p:nvSpPr>
+          <p:cNvPr id="310" name="円/楕円 309">
+            <a:extLst>
+              <a:ext uri="{FF2B5EF4-FFF2-40B4-BE49-F238E27FC236}">
+                <a16:creationId xmlns:a16="http://schemas.microsoft.com/office/drawing/2014/main" id="{389B9595-ECF5-24BD-579D-7E920548DA44}"/>
+              </a:ext>
+            </a:extLst>
+          </p:cNvPr>
+          <p:cNvSpPr/>
+          <p:nvPr/>
+        </p:nvSpPr>
+        <p:spPr>
+          <a:xfrm>
+            <a:off x="9490072" y="3893292"/>
+            <a:ext cx="180000" cy="180000"/>
+          </a:xfrm>
+          <a:prstGeom prst="ellipse">
+            <a:avLst/>
+          </a:prstGeom>
+          <a:solidFill>
+            <a:schemeClr val="tx1"/>
+          </a:solidFill>
+          <a:ln>
+            <a:noFill/>
+          </a:ln>
+        </p:spPr>
+        <p:style>
+          <a:lnRef idx="2">
+            <a:schemeClr val="dk1"/>
+          </a:lnRef>
+          <a:fillRef idx="1">
+            <a:schemeClr val="lt1"/>
+          </a:fillRef>
+          <a:effectRef idx="0">
+            <a:schemeClr val="dk1"/>
+          </a:effectRef>
+          <a:fontRef idx="minor">
+            <a:schemeClr val="dk1"/>
+          </a:fontRef>
+        </p:style>
+        <p:txBody>
+          <a:bodyPr rtlCol="0" anchor="ctr"/>
+          <a:lstStyle/>
+          <a:p>
+            <a:pPr algn="ctr"/>
+            <a:endParaRPr kumimoji="1" lang="ja-JP" altLang="en-US"/>
+          </a:p>
+        </p:txBody>
+      </p:sp>
+      <p:sp>
+        <p:nvSpPr>
+          <p:cNvPr id="339" name="円/楕円 338">
+            <a:extLst>
+              <a:ext uri="{FF2B5EF4-FFF2-40B4-BE49-F238E27FC236}">
+                <a16:creationId xmlns:a16="http://schemas.microsoft.com/office/drawing/2014/main" id="{27A27B0C-F505-9445-62AA-FE6A2D03AD0D}"/>
+              </a:ext>
+            </a:extLst>
+          </p:cNvPr>
+          <p:cNvSpPr/>
+          <p:nvPr/>
+        </p:nvSpPr>
+        <p:spPr>
+          <a:xfrm>
+            <a:off x="2191735" y="1656634"/>
+            <a:ext cx="180000" cy="180000"/>
+          </a:xfrm>
+          <a:prstGeom prst="ellipse">
+            <a:avLst/>
+          </a:prstGeom>
+          <a:solidFill>
+            <a:schemeClr val="tx1"/>
+          </a:solidFill>
+          <a:ln>
+            <a:noFill/>
+          </a:ln>
+        </p:spPr>
+        <p:style>
+          <a:lnRef idx="2">
+            <a:schemeClr val="dk1"/>
+          </a:lnRef>
+          <a:fillRef idx="1">
+            <a:schemeClr val="lt1"/>
+          </a:fillRef>
+          <a:effectRef idx="0">
+            <a:schemeClr val="dk1"/>
+          </a:effectRef>
+          <a:fontRef idx="minor">
+            <a:schemeClr val="dk1"/>
+          </a:fontRef>
+        </p:style>
+        <p:txBody>
+          <a:bodyPr rtlCol="0" anchor="ctr"/>
+          <a:lstStyle/>
+          <a:p>
+            <a:pPr algn="ctr"/>
+            <a:endParaRPr kumimoji="1" lang="ja-JP" altLang="en-US"/>
+          </a:p>
+        </p:txBody>
+      </p:sp>
+      <p:sp>
+        <p:nvSpPr>
+          <p:cNvPr id="340" name="円/楕円 339">
+            <a:extLst>
+              <a:ext uri="{FF2B5EF4-FFF2-40B4-BE49-F238E27FC236}">
+                <a16:creationId xmlns:a16="http://schemas.microsoft.com/office/drawing/2014/main" id="{51FDA5B7-151F-4780-585E-40DF75B409E4}"/>
+              </a:ext>
+            </a:extLst>
+          </p:cNvPr>
+          <p:cNvSpPr/>
+          <p:nvPr/>
+        </p:nvSpPr>
+        <p:spPr>
+          <a:xfrm>
+            <a:off x="2201756" y="2802390"/>
+            <a:ext cx="180000" cy="180000"/>
+          </a:xfrm>
+          <a:prstGeom prst="ellipse">
+            <a:avLst/>
+          </a:prstGeom>
+          <a:solidFill>
+            <a:schemeClr val="tx1"/>
+          </a:solidFill>
+          <a:ln>
+            <a:noFill/>
+          </a:ln>
+        </p:spPr>
+        <p:style>
+          <a:lnRef idx="2">
+            <a:schemeClr val="dk1"/>
+          </a:lnRef>
+          <a:fillRef idx="1">
+            <a:schemeClr val="lt1"/>
+          </a:fillRef>
+          <a:effectRef idx="0">
+            <a:schemeClr val="dk1"/>
+          </a:effectRef>
+          <a:fontRef idx="minor">
+            <a:schemeClr val="dk1"/>
+          </a:fontRef>
+        </p:style>
+        <p:txBody>
+          <a:bodyPr rtlCol="0" anchor="ctr"/>
+          <a:lstStyle/>
+          <a:p>
+            <a:pPr algn="ctr"/>
+            <a:endParaRPr kumimoji="1" lang="ja-JP" altLang="en-US"/>
+          </a:p>
+        </p:txBody>
+      </p:sp>
+      <p:sp>
+        <p:nvSpPr>
+          <p:cNvPr id="341" name="円/楕円 340">
+            <a:extLst>
+              <a:ext uri="{FF2B5EF4-FFF2-40B4-BE49-F238E27FC236}">
+                <a16:creationId xmlns:a16="http://schemas.microsoft.com/office/drawing/2014/main" id="{5FB64D1B-08EC-9258-7CCC-283B2AB907D8}"/>
+              </a:ext>
+            </a:extLst>
+          </p:cNvPr>
+          <p:cNvSpPr/>
+          <p:nvPr/>
+        </p:nvSpPr>
+        <p:spPr>
+          <a:xfrm>
+            <a:off x="2220193" y="4052973"/>
+            <a:ext cx="180000" cy="180000"/>
+          </a:xfrm>
+          <a:prstGeom prst="ellipse">
+            <a:avLst/>
+          </a:prstGeom>
+          <a:solidFill>
+            <a:schemeClr val="tx1"/>
+          </a:solidFill>
+          <a:ln>
+            <a:noFill/>
+          </a:ln>
+        </p:spPr>
+        <p:style>
+          <a:lnRef idx="2">
+            <a:schemeClr val="dk1"/>
+          </a:lnRef>
+          <a:fillRef idx="1">
+            <a:schemeClr val="lt1"/>
+          </a:fillRef>
+          <a:effectRef idx="0">
+            <a:schemeClr val="dk1"/>
+          </a:effectRef>
+          <a:fontRef idx="minor">
+            <a:schemeClr val="dk1"/>
+          </a:fontRef>
+        </p:style>
+        <p:txBody>
+          <a:bodyPr rtlCol="0" anchor="ctr"/>
+          <a:lstStyle/>
+          <a:p>
+            <a:pPr algn="ctr"/>
+            <a:endParaRPr kumimoji="1" lang="ja-JP" altLang="en-US"/>
+          </a:p>
+        </p:txBody>
+      </p:sp>
+      <mc:AlternateContent xmlns:mc="http://schemas.openxmlformats.org/markup-compatibility/2006">
+        <mc:Choice xmlns:a14="http://schemas.microsoft.com/office/drawing/2010/main" Requires="a14">
+          <p:sp>
+            <p:nvSpPr>
+              <p:cNvPr id="357" name="テキスト ボックス 356">
+                <a:extLst>
+                  <a:ext uri="{FF2B5EF4-FFF2-40B4-BE49-F238E27FC236}">
+                    <a16:creationId xmlns:a16="http://schemas.microsoft.com/office/drawing/2014/main" id="{5CFA9435-E7C2-13B0-A889-F5FBDA779A59}"/>
+                  </a:ext>
+                </a:extLst>
+              </p:cNvPr>
+              <p:cNvSpPr txBox="1"/>
+              <p:nvPr/>
+            </p:nvSpPr>
+            <p:spPr>
+              <a:xfrm>
+                <a:off x="1992228" y="5169739"/>
+                <a:ext cx="755143" cy="523220"/>
+              </a:xfrm>
+              <a:prstGeom prst="rect">
+                <a:avLst/>
+              </a:prstGeom>
+              <a:noFill/>
+              <a:ln>
+                <a:noFill/>
+              </a:ln>
+            </p:spPr>
+            <p:txBody>
+              <a:bodyPr wrap="none" rtlCol="0">
+                <a:spAutoFit/>
+              </a:bodyPr>
+              <a:lstStyle/>
+              <a:p>
+                <a:pPr/>
+                <a14:m>
+                  <m:oMathPara xmlns:m="http://schemas.openxmlformats.org/officeDocument/2006/math">
+                    <m:oMathParaPr>
+                      <m:jc m:val="centerGroup"/>
+                    </m:oMathParaPr>
+                    <m:oMath xmlns:m="http://schemas.openxmlformats.org/officeDocument/2006/math">
+                      <m:sSub>
+                        <m:sSubPr>
+                          <m:ctrlPr>
+                            <a:rPr kumimoji="1" lang="en-US" altLang="ja-JP" sz="2800" b="0" i="1" smtClean="0">
+                              <a:latin typeface="Cambria Math" panose="02040503050406030204" pitchFamily="18" charset="0"/>
+                            </a:rPr>
+                          </m:ctrlPr>
+                        </m:sSubPr>
+                        <m:e>
+                          <m:r>
+                            <a:rPr kumimoji="1" lang="en-US" altLang="ja-JP" sz="2800" b="0" i="1" smtClean="0">
+                              <a:latin typeface="Cambria Math" panose="02040503050406030204" pitchFamily="18" charset="0"/>
+                            </a:rPr>
+                            <m:t>𝑥</m:t>
+                          </m:r>
+                        </m:e>
+                        <m:sub>
+                          <m:r>
+                            <a:rPr kumimoji="1" lang="en-US" altLang="ja-JP" sz="2800" b="0" i="1" smtClean="0">
+                              <a:latin typeface="Cambria Math" panose="02040503050406030204" pitchFamily="18" charset="0"/>
+                            </a:rPr>
+                            <m:t>𝑖𝑛</m:t>
+                          </m:r>
+                        </m:sub>
+                      </m:sSub>
+                    </m:oMath>
+                  </m:oMathPara>
+                </a14:m>
+                <a:endParaRPr kumimoji="1" lang="ja-JP" altLang="en-US" sz="2800"/>
+              </a:p>
+            </p:txBody>
+          </p:sp>
+        </mc:Choice>
+        <mc:Fallback>
+          <p:sp>
+            <p:nvSpPr>
+              <p:cNvPr id="357" name="テキスト ボックス 356">
+                <a:extLst>
+                  <a:ext uri="{FF2B5EF4-FFF2-40B4-BE49-F238E27FC236}">
+                    <a16:creationId xmlns:a16="http://schemas.microsoft.com/office/drawing/2014/main" id="{5CFA9435-E7C2-13B0-A889-F5FBDA779A59}"/>
+                  </a:ext>
+                </a:extLst>
+              </p:cNvPr>
+              <p:cNvSpPr txBox="1">
+                <a:spLocks noRot="1" noChangeAspect="1" noMove="1" noResize="1" noEditPoints="1" noAdjustHandles="1" noChangeArrowheads="1" noChangeShapeType="1" noTextEdit="1"/>
+              </p:cNvSpPr>
+              <p:nvPr/>
+            </p:nvSpPr>
+            <p:spPr>
+              <a:xfrm>
+                <a:off x="1992228" y="5169739"/>
+                <a:ext cx="755143" cy="523220"/>
+              </a:xfrm>
+              <a:prstGeom prst="rect">
+                <a:avLst/>
+              </a:prstGeom>
+              <a:blipFill>
+                <a:blip r:embed="rId4"/>
+                <a:stretch>
+                  <a:fillRect b="-2381"/>
+                </a:stretch>
+              </a:blipFill>
+              <a:ln>
+                <a:noFill/>
+              </a:ln>
+            </p:spPr>
+            <p:txBody>
+              <a:bodyPr/>
+              <a:lstStyle/>
+              <a:p>
+                <a:r>
+                  <a:rPr lang="ja-JP" altLang="en-US">
+                    <a:noFill/>
+                  </a:rPr>
+                  <a:t> </a:t>
+                </a:r>
+              </a:p>
+            </p:txBody>
+          </p:sp>
+        </mc:Fallback>
+      </mc:AlternateContent>
+      <p:sp>
+        <p:nvSpPr>
+          <p:cNvPr id="358" name="円/楕円 357">
+            <a:extLst>
+              <a:ext uri="{FF2B5EF4-FFF2-40B4-BE49-F238E27FC236}">
+                <a16:creationId xmlns:a16="http://schemas.microsoft.com/office/drawing/2014/main" id="{FA05ACAA-8069-870D-715C-177C7BDF495B}"/>
+              </a:ext>
+            </a:extLst>
+          </p:cNvPr>
+          <p:cNvSpPr/>
+          <p:nvPr/>
+        </p:nvSpPr>
+        <p:spPr>
+          <a:xfrm>
+            <a:off x="6364383" y="1687623"/>
+            <a:ext cx="180000" cy="180000"/>
+          </a:xfrm>
+          <a:prstGeom prst="ellipse">
+            <a:avLst/>
+          </a:prstGeom>
+          <a:noFill/>
+        </p:spPr>
+        <p:style>
+          <a:lnRef idx="2">
+            <a:schemeClr val="dk1"/>
+          </a:lnRef>
+          <a:fillRef idx="1">
+            <a:schemeClr val="lt1"/>
+          </a:fillRef>
+          <a:effectRef idx="0">
+            <a:schemeClr val="dk1"/>
+          </a:effectRef>
+          <a:fontRef idx="minor">
+            <a:schemeClr val="dk1"/>
+          </a:fontRef>
+        </p:style>
+        <p:txBody>
+          <a:bodyPr rtlCol="0" anchor="ctr"/>
+          <a:lstStyle/>
+          <a:p>
+            <a:pPr algn="ctr"/>
+            <a:endParaRPr kumimoji="1" lang="ja-JP" altLang="en-US"/>
+          </a:p>
+        </p:txBody>
+      </p:sp>
+      <p:sp>
+        <p:nvSpPr>
+          <p:cNvPr id="359" name="円/楕円 358">
+            <a:extLst>
+              <a:ext uri="{FF2B5EF4-FFF2-40B4-BE49-F238E27FC236}">
+                <a16:creationId xmlns:a16="http://schemas.microsoft.com/office/drawing/2014/main" id="{524A31CD-570F-C789-0097-631D980EE30A}"/>
+              </a:ext>
+            </a:extLst>
+          </p:cNvPr>
+          <p:cNvSpPr/>
+          <p:nvPr/>
+        </p:nvSpPr>
+        <p:spPr>
+          <a:xfrm>
+            <a:off x="6385834" y="1960411"/>
+            <a:ext cx="180000" cy="180000"/>
+          </a:xfrm>
+          <a:prstGeom prst="ellipse">
+            <a:avLst/>
+          </a:prstGeom>
+          <a:noFill/>
+        </p:spPr>
+        <p:style>
+          <a:lnRef idx="2">
+            <a:schemeClr val="dk1"/>
+          </a:lnRef>
+          <a:fillRef idx="1">
+            <a:schemeClr val="lt1"/>
+          </a:fillRef>
+          <a:effectRef idx="0">
+            <a:schemeClr val="dk1"/>
+          </a:effectRef>
+          <a:fontRef idx="minor">
+            <a:schemeClr val="dk1"/>
+          </a:fontRef>
+        </p:style>
+        <p:txBody>
+          <a:bodyPr rtlCol="0" anchor="ctr"/>
+          <a:lstStyle/>
+          <a:p>
+            <a:pPr algn="ctr"/>
+            <a:endParaRPr kumimoji="1" lang="ja-JP" altLang="en-US"/>
+          </a:p>
+        </p:txBody>
+      </p:sp>
+      <p:sp>
+        <p:nvSpPr>
+          <p:cNvPr id="360" name="円/楕円 359">
+            <a:extLst>
+              <a:ext uri="{FF2B5EF4-FFF2-40B4-BE49-F238E27FC236}">
+                <a16:creationId xmlns:a16="http://schemas.microsoft.com/office/drawing/2014/main" id="{A808049B-5F7D-CA23-B549-E24548AC8F0B}"/>
+              </a:ext>
+            </a:extLst>
+          </p:cNvPr>
+          <p:cNvSpPr/>
+          <p:nvPr/>
+        </p:nvSpPr>
+        <p:spPr>
+          <a:xfrm>
+            <a:off x="6654288" y="2526869"/>
+            <a:ext cx="180000" cy="180000"/>
+          </a:xfrm>
+          <a:prstGeom prst="ellipse">
+            <a:avLst/>
+          </a:prstGeom>
+          <a:noFill/>
+        </p:spPr>
+        <p:style>
+          <a:lnRef idx="2">
+            <a:schemeClr val="dk1"/>
+          </a:lnRef>
+          <a:fillRef idx="1">
+            <a:schemeClr val="lt1"/>
+          </a:fillRef>
+          <a:effectRef idx="0">
+            <a:schemeClr val="dk1"/>
+          </a:effectRef>
+          <a:fontRef idx="minor">
+            <a:schemeClr val="dk1"/>
+          </a:fontRef>
+        </p:style>
+        <p:txBody>
+          <a:bodyPr rtlCol="0" anchor="ctr"/>
+          <a:lstStyle/>
+          <a:p>
+            <a:pPr algn="ctr"/>
+            <a:endParaRPr kumimoji="1" lang="ja-JP" altLang="en-US"/>
+          </a:p>
+        </p:txBody>
+      </p:sp>
+      <p:sp>
+        <p:nvSpPr>
+          <p:cNvPr id="361" name="円/楕円 360">
+            <a:extLst>
+              <a:ext uri="{FF2B5EF4-FFF2-40B4-BE49-F238E27FC236}">
+                <a16:creationId xmlns:a16="http://schemas.microsoft.com/office/drawing/2014/main" id="{88FAF133-BCFD-C813-DFB2-6B84C659A38F}"/>
+              </a:ext>
+            </a:extLst>
+          </p:cNvPr>
+          <p:cNvSpPr/>
+          <p:nvPr/>
+        </p:nvSpPr>
+        <p:spPr>
+          <a:xfrm>
+            <a:off x="6354468" y="2978955"/>
+            <a:ext cx="180000" cy="180000"/>
+          </a:xfrm>
+          <a:prstGeom prst="ellipse">
+            <a:avLst/>
+          </a:prstGeom>
+          <a:noFill/>
+        </p:spPr>
+        <p:style>
+          <a:lnRef idx="2">
+            <a:schemeClr val="dk1"/>
+          </a:lnRef>
+          <a:fillRef idx="1">
+            <a:schemeClr val="lt1"/>
+          </a:fillRef>
+          <a:effectRef idx="0">
+            <a:schemeClr val="dk1"/>
+          </a:effectRef>
+          <a:fontRef idx="minor">
+            <a:schemeClr val="dk1"/>
+          </a:fontRef>
+        </p:style>
+        <p:txBody>
+          <a:bodyPr rtlCol="0" anchor="ctr"/>
+          <a:lstStyle/>
+          <a:p>
+            <a:pPr algn="ctr"/>
+            <a:endParaRPr kumimoji="1" lang="ja-JP" altLang="en-US"/>
+          </a:p>
+        </p:txBody>
+      </p:sp>
+      <p:sp>
+        <p:nvSpPr>
+          <p:cNvPr id="362" name="円/楕円 361">
+            <a:extLst>
+              <a:ext uri="{FF2B5EF4-FFF2-40B4-BE49-F238E27FC236}">
+                <a16:creationId xmlns:a16="http://schemas.microsoft.com/office/drawing/2014/main" id="{1A14C731-9C0A-479A-769C-FE89AF15E442}"/>
+              </a:ext>
+            </a:extLst>
+          </p:cNvPr>
+          <p:cNvSpPr/>
+          <p:nvPr/>
+        </p:nvSpPr>
+        <p:spPr>
+          <a:xfrm>
+            <a:off x="6584007" y="3598541"/>
+            <a:ext cx="180000" cy="180000"/>
+          </a:xfrm>
+          <a:prstGeom prst="ellipse">
+            <a:avLst/>
+          </a:prstGeom>
+          <a:noFill/>
+        </p:spPr>
+        <p:style>
+          <a:lnRef idx="2">
+            <a:schemeClr val="dk1"/>
+          </a:lnRef>
+          <a:fillRef idx="1">
+            <a:schemeClr val="lt1"/>
+          </a:fillRef>
+          <a:effectRef idx="0">
+            <a:schemeClr val="dk1"/>
+          </a:effectRef>
+          <a:fontRef idx="minor">
+            <a:schemeClr val="dk1"/>
+          </a:fontRef>
+        </p:style>
+        <p:txBody>
+          <a:bodyPr rtlCol="0" anchor="ctr"/>
+          <a:lstStyle/>
+          <a:p>
+            <a:pPr algn="ctr"/>
+            <a:endParaRPr kumimoji="1" lang="ja-JP" altLang="en-US"/>
+          </a:p>
+        </p:txBody>
+      </p:sp>
+      <p:sp>
+        <p:nvSpPr>
+          <p:cNvPr id="363" name="円/楕円 362">
+            <a:extLst>
+              <a:ext uri="{FF2B5EF4-FFF2-40B4-BE49-F238E27FC236}">
+                <a16:creationId xmlns:a16="http://schemas.microsoft.com/office/drawing/2014/main" id="{0AF06FC8-4F7B-2645-1427-C47D9924F5E2}"/>
+              </a:ext>
+            </a:extLst>
+          </p:cNvPr>
+          <p:cNvSpPr/>
+          <p:nvPr/>
+        </p:nvSpPr>
+        <p:spPr>
+          <a:xfrm>
+            <a:off x="6398394" y="3720091"/>
+            <a:ext cx="180000" cy="180000"/>
+          </a:xfrm>
+          <a:prstGeom prst="ellipse">
+            <a:avLst/>
+          </a:prstGeom>
+          <a:noFill/>
+        </p:spPr>
+        <p:style>
+          <a:lnRef idx="2">
+            <a:schemeClr val="dk1"/>
+          </a:lnRef>
+          <a:fillRef idx="1">
+            <a:schemeClr val="lt1"/>
+          </a:fillRef>
+          <a:effectRef idx="0">
+            <a:schemeClr val="dk1"/>
+          </a:effectRef>
+          <a:fontRef idx="minor">
+            <a:schemeClr val="dk1"/>
+          </a:fontRef>
+        </p:style>
+        <p:txBody>
+          <a:bodyPr rtlCol="0" anchor="ctr"/>
+          <a:lstStyle/>
+          <a:p>
+            <a:pPr algn="ctr"/>
+            <a:endParaRPr kumimoji="1" lang="ja-JP" altLang="en-US"/>
+          </a:p>
+        </p:txBody>
+      </p:sp>
+      <p:sp>
+        <p:nvSpPr>
+          <p:cNvPr id="364" name="円/楕円 363">
+            <a:extLst>
+              <a:ext uri="{FF2B5EF4-FFF2-40B4-BE49-F238E27FC236}">
+                <a16:creationId xmlns:a16="http://schemas.microsoft.com/office/drawing/2014/main" id="{A3EE6FA2-0429-9001-32AF-C73FEE84D3FF}"/>
+              </a:ext>
+            </a:extLst>
+          </p:cNvPr>
+          <p:cNvSpPr/>
+          <p:nvPr/>
+        </p:nvSpPr>
+        <p:spPr>
+          <a:xfrm>
+            <a:off x="6373580" y="3982074"/>
+            <a:ext cx="180000" cy="180000"/>
+          </a:xfrm>
+          <a:prstGeom prst="ellipse">
+            <a:avLst/>
+          </a:prstGeom>
+          <a:noFill/>
+        </p:spPr>
+        <p:style>
+          <a:lnRef idx="2">
+            <a:schemeClr val="dk1"/>
+          </a:lnRef>
+          <a:fillRef idx="1">
+            <a:schemeClr val="lt1"/>
+          </a:fillRef>
+          <a:effectRef idx="0">
+            <a:schemeClr val="dk1"/>
+          </a:effectRef>
+          <a:fontRef idx="minor">
+            <a:schemeClr val="dk1"/>
+          </a:fontRef>
+        </p:style>
+        <p:txBody>
+          <a:bodyPr rtlCol="0" anchor="ctr"/>
+          <a:lstStyle/>
+          <a:p>
+            <a:pPr algn="ctr"/>
+            <a:endParaRPr kumimoji="1" lang="ja-JP" altLang="en-US"/>
+          </a:p>
+        </p:txBody>
+      </p:sp>
+      <p:sp>
+        <p:nvSpPr>
+          <p:cNvPr id="365" name="円/楕円 364">
+            <a:extLst>
+              <a:ext uri="{FF2B5EF4-FFF2-40B4-BE49-F238E27FC236}">
+                <a16:creationId xmlns:a16="http://schemas.microsoft.com/office/drawing/2014/main" id="{228F982B-885B-B8A0-93F5-C0CC45E1C019}"/>
+              </a:ext>
+            </a:extLst>
+          </p:cNvPr>
+          <p:cNvSpPr/>
+          <p:nvPr/>
+        </p:nvSpPr>
+        <p:spPr>
+          <a:xfrm>
+            <a:off x="4508292" y="1721234"/>
+            <a:ext cx="180000" cy="180000"/>
+          </a:xfrm>
+          <a:prstGeom prst="ellipse">
+            <a:avLst/>
+          </a:prstGeom>
+          <a:noFill/>
+        </p:spPr>
+        <p:style>
+          <a:lnRef idx="2">
+            <a:schemeClr val="dk1"/>
+          </a:lnRef>
+          <a:fillRef idx="1">
+            <a:schemeClr val="lt1"/>
+          </a:fillRef>
+          <a:effectRef idx="0">
+            <a:schemeClr val="dk1"/>
+          </a:effectRef>
+          <a:fontRef idx="minor">
+            <a:schemeClr val="dk1"/>
+          </a:fontRef>
+        </p:style>
+        <p:txBody>
+          <a:bodyPr rtlCol="0" anchor="ctr"/>
+          <a:lstStyle/>
+          <a:p>
+            <a:pPr algn="ctr"/>
+            <a:endParaRPr kumimoji="1" lang="ja-JP" altLang="en-US"/>
+          </a:p>
+        </p:txBody>
+      </p:sp>
+      <p:sp>
+        <p:nvSpPr>
+          <p:cNvPr id="366" name="円/楕円 365">
+            <a:extLst>
+              <a:ext uri="{FF2B5EF4-FFF2-40B4-BE49-F238E27FC236}">
+                <a16:creationId xmlns:a16="http://schemas.microsoft.com/office/drawing/2014/main" id="{35034FC0-D43B-5037-1B62-991D3A38F29D}"/>
+              </a:ext>
+            </a:extLst>
+          </p:cNvPr>
+          <p:cNvSpPr/>
+          <p:nvPr/>
+        </p:nvSpPr>
+        <p:spPr>
+          <a:xfrm>
+            <a:off x="4525075" y="1278165"/>
+            <a:ext cx="180000" cy="180000"/>
+          </a:xfrm>
+          <a:prstGeom prst="ellipse">
+            <a:avLst/>
+          </a:prstGeom>
+          <a:noFill/>
+        </p:spPr>
+        <p:style>
+          <a:lnRef idx="2">
+            <a:schemeClr val="dk1"/>
+          </a:lnRef>
+          <a:fillRef idx="1">
+            <a:schemeClr val="lt1"/>
+          </a:fillRef>
+          <a:effectRef idx="0">
+            <a:schemeClr val="dk1"/>
+          </a:effectRef>
+          <a:fontRef idx="minor">
+            <a:schemeClr val="dk1"/>
+          </a:fontRef>
+        </p:style>
+        <p:txBody>
+          <a:bodyPr rtlCol="0" anchor="ctr"/>
+          <a:lstStyle/>
+          <a:p>
+            <a:pPr algn="ctr"/>
+            <a:endParaRPr kumimoji="1" lang="ja-JP" altLang="en-US"/>
+          </a:p>
+        </p:txBody>
+      </p:sp>
+      <p:sp>
+        <p:nvSpPr>
+          <p:cNvPr id="367" name="円/楕円 366">
+            <a:extLst>
+              <a:ext uri="{FF2B5EF4-FFF2-40B4-BE49-F238E27FC236}">
+                <a16:creationId xmlns:a16="http://schemas.microsoft.com/office/drawing/2014/main" id="{4DC1E506-8497-B17A-4B48-F8F38920AE19}"/>
+              </a:ext>
+            </a:extLst>
+          </p:cNvPr>
+          <p:cNvSpPr/>
+          <p:nvPr/>
+        </p:nvSpPr>
+        <p:spPr>
+          <a:xfrm>
+            <a:off x="4482579" y="2134956"/>
+            <a:ext cx="180000" cy="180000"/>
+          </a:xfrm>
+          <a:prstGeom prst="ellipse">
+            <a:avLst/>
+          </a:prstGeom>
+          <a:noFill/>
+        </p:spPr>
+        <p:style>
+          <a:lnRef idx="2">
+            <a:schemeClr val="dk1"/>
+          </a:lnRef>
+          <a:fillRef idx="1">
+            <a:schemeClr val="lt1"/>
+          </a:fillRef>
+          <a:effectRef idx="0">
+            <a:schemeClr val="dk1"/>
+          </a:effectRef>
+          <a:fontRef idx="minor">
+            <a:schemeClr val="dk1"/>
+          </a:fontRef>
+        </p:style>
+        <p:txBody>
+          <a:bodyPr rtlCol="0" anchor="ctr"/>
+          <a:lstStyle/>
+          <a:p>
+            <a:pPr algn="ctr"/>
+            <a:endParaRPr kumimoji="1" lang="ja-JP" altLang="en-US"/>
+          </a:p>
+        </p:txBody>
+      </p:sp>
+      <p:sp>
+        <p:nvSpPr>
+          <p:cNvPr id="368" name="円/楕円 367">
+            <a:extLst>
+              <a:ext uri="{FF2B5EF4-FFF2-40B4-BE49-F238E27FC236}">
+                <a16:creationId xmlns:a16="http://schemas.microsoft.com/office/drawing/2014/main" id="{E3378C92-8D7C-971F-2803-A876622345EA}"/>
+              </a:ext>
+            </a:extLst>
+          </p:cNvPr>
+          <p:cNvSpPr/>
+          <p:nvPr/>
+        </p:nvSpPr>
+        <p:spPr>
+          <a:xfrm>
+            <a:off x="4479415" y="2478200"/>
+            <a:ext cx="180000" cy="180000"/>
+          </a:xfrm>
+          <a:prstGeom prst="ellipse">
+            <a:avLst/>
+          </a:prstGeom>
+          <a:noFill/>
+        </p:spPr>
+        <p:style>
+          <a:lnRef idx="2">
+            <a:schemeClr val="dk1"/>
+          </a:lnRef>
+          <a:fillRef idx="1">
+            <a:schemeClr val="lt1"/>
+          </a:fillRef>
+          <a:effectRef idx="0">
+            <a:schemeClr val="dk1"/>
+          </a:effectRef>
+          <a:fontRef idx="minor">
+            <a:schemeClr val="dk1"/>
+          </a:fontRef>
+        </p:style>
+        <p:txBody>
+          <a:bodyPr rtlCol="0" anchor="ctr"/>
+          <a:lstStyle/>
+          <a:p>
+            <a:pPr algn="ctr"/>
+            <a:endParaRPr kumimoji="1" lang="ja-JP" altLang="en-US"/>
+          </a:p>
+        </p:txBody>
+      </p:sp>
+      <p:sp>
+        <p:nvSpPr>
+          <p:cNvPr id="369" name="円/楕円 368">
+            <a:extLst>
+              <a:ext uri="{FF2B5EF4-FFF2-40B4-BE49-F238E27FC236}">
+                <a16:creationId xmlns:a16="http://schemas.microsoft.com/office/drawing/2014/main" id="{3A4918EE-3FBC-6F26-C3CB-CA5075799554}"/>
+              </a:ext>
+            </a:extLst>
+          </p:cNvPr>
+          <p:cNvSpPr/>
+          <p:nvPr/>
+        </p:nvSpPr>
+        <p:spPr>
+          <a:xfrm>
+            <a:off x="4494764" y="2928034"/>
+            <a:ext cx="180000" cy="180000"/>
+          </a:xfrm>
+          <a:prstGeom prst="ellipse">
+            <a:avLst/>
+          </a:prstGeom>
+          <a:noFill/>
+        </p:spPr>
+        <p:style>
+          <a:lnRef idx="2">
+            <a:schemeClr val="dk1"/>
+          </a:lnRef>
+          <a:fillRef idx="1">
+            <a:schemeClr val="lt1"/>
+          </a:fillRef>
+          <a:effectRef idx="0">
+            <a:schemeClr val="dk1"/>
+          </a:effectRef>
+          <a:fontRef idx="minor">
+            <a:schemeClr val="dk1"/>
+          </a:fontRef>
+        </p:style>
+        <p:txBody>
+          <a:bodyPr rtlCol="0" anchor="ctr"/>
+          <a:lstStyle/>
+          <a:p>
+            <a:pPr algn="ctr"/>
+            <a:endParaRPr kumimoji="1" lang="ja-JP" altLang="en-US"/>
+          </a:p>
+        </p:txBody>
+      </p:sp>
+      <p:sp>
+        <p:nvSpPr>
+          <p:cNvPr id="370" name="円/楕円 369">
+            <a:extLst>
+              <a:ext uri="{FF2B5EF4-FFF2-40B4-BE49-F238E27FC236}">
+                <a16:creationId xmlns:a16="http://schemas.microsoft.com/office/drawing/2014/main" id="{288A3B65-CE03-7335-3CF1-5E819D46CD3A}"/>
+              </a:ext>
+            </a:extLst>
+          </p:cNvPr>
+          <p:cNvSpPr/>
+          <p:nvPr/>
+        </p:nvSpPr>
+        <p:spPr>
+          <a:xfrm>
+            <a:off x="4524581" y="3334818"/>
+            <a:ext cx="180000" cy="180000"/>
+          </a:xfrm>
+          <a:prstGeom prst="ellipse">
+            <a:avLst/>
+          </a:prstGeom>
+          <a:noFill/>
+        </p:spPr>
+        <p:style>
+          <a:lnRef idx="2">
+            <a:schemeClr val="dk1"/>
+          </a:lnRef>
+          <a:fillRef idx="1">
+            <a:schemeClr val="lt1"/>
+          </a:fillRef>
+          <a:effectRef idx="0">
+            <a:schemeClr val="dk1"/>
+          </a:effectRef>
+          <a:fontRef idx="minor">
+            <a:schemeClr val="dk1"/>
+          </a:fontRef>
+        </p:style>
+        <p:txBody>
+          <a:bodyPr rtlCol="0" anchor="ctr"/>
+          <a:lstStyle/>
+          <a:p>
+            <a:pPr algn="ctr"/>
+            <a:endParaRPr kumimoji="1" lang="ja-JP" altLang="en-US"/>
+          </a:p>
+        </p:txBody>
+      </p:sp>
+      <p:sp>
+        <p:nvSpPr>
+          <p:cNvPr id="371" name="円/楕円 370">
+            <a:extLst>
+              <a:ext uri="{FF2B5EF4-FFF2-40B4-BE49-F238E27FC236}">
+                <a16:creationId xmlns:a16="http://schemas.microsoft.com/office/drawing/2014/main" id="{64709C0A-60CA-5126-4931-24FD86A907EF}"/>
+              </a:ext>
+            </a:extLst>
+          </p:cNvPr>
+          <p:cNvSpPr/>
+          <p:nvPr/>
+        </p:nvSpPr>
+        <p:spPr>
+          <a:xfrm>
+            <a:off x="4470628" y="3151881"/>
+            <a:ext cx="180000" cy="180000"/>
+          </a:xfrm>
+          <a:prstGeom prst="ellipse">
+            <a:avLst/>
+          </a:prstGeom>
+          <a:noFill/>
+        </p:spPr>
+        <p:style>
+          <a:lnRef idx="2">
+            <a:schemeClr val="dk1"/>
+          </a:lnRef>
+          <a:fillRef idx="1">
+            <a:schemeClr val="lt1"/>
+          </a:fillRef>
+          <a:effectRef idx="0">
+            <a:schemeClr val="dk1"/>
+          </a:effectRef>
+          <a:fontRef idx="minor">
+            <a:schemeClr val="dk1"/>
+          </a:fontRef>
+        </p:style>
+        <p:txBody>
+          <a:bodyPr rtlCol="0" anchor="ctr"/>
+          <a:lstStyle/>
+          <a:p>
+            <a:pPr algn="ctr"/>
+            <a:endParaRPr kumimoji="1" lang="ja-JP" altLang="en-US"/>
+          </a:p>
+        </p:txBody>
+      </p:sp>
+      <p:sp>
+        <p:nvSpPr>
+          <p:cNvPr id="372" name="円/楕円 371">
+            <a:extLst>
+              <a:ext uri="{FF2B5EF4-FFF2-40B4-BE49-F238E27FC236}">
+                <a16:creationId xmlns:a16="http://schemas.microsoft.com/office/drawing/2014/main" id="{E1639717-2E05-D259-44B3-5C72CC9E47F2}"/>
+              </a:ext>
+            </a:extLst>
+          </p:cNvPr>
+          <p:cNvSpPr/>
+          <p:nvPr/>
+        </p:nvSpPr>
+        <p:spPr>
+          <a:xfrm>
+            <a:off x="4482579" y="4057522"/>
+            <a:ext cx="180000" cy="180000"/>
+          </a:xfrm>
+          <a:prstGeom prst="ellipse">
+            <a:avLst/>
+          </a:prstGeom>
+          <a:noFill/>
+        </p:spPr>
+        <p:style>
+          <a:lnRef idx="2">
+            <a:schemeClr val="dk1"/>
+          </a:lnRef>
+          <a:fillRef idx="1">
+            <a:schemeClr val="lt1"/>
+          </a:fillRef>
+          <a:effectRef idx="0">
+            <a:schemeClr val="dk1"/>
+          </a:effectRef>
+          <a:fontRef idx="minor">
+            <a:schemeClr val="dk1"/>
+          </a:fontRef>
+        </p:style>
+        <p:txBody>
+          <a:bodyPr rtlCol="0" anchor="ctr"/>
+          <a:lstStyle/>
+          <a:p>
+            <a:pPr algn="ctr"/>
+            <a:endParaRPr kumimoji="1" lang="ja-JP" altLang="en-US"/>
+          </a:p>
+        </p:txBody>
+      </p:sp>
+      <p:sp>
+        <p:nvSpPr>
+          <p:cNvPr id="375" name="円/楕円 374">
+            <a:extLst>
+              <a:ext uri="{FF2B5EF4-FFF2-40B4-BE49-F238E27FC236}">
+                <a16:creationId xmlns:a16="http://schemas.microsoft.com/office/drawing/2014/main" id="{650CFCF5-32D1-F65A-E013-AFB1E2B64E00}"/>
+              </a:ext>
+            </a:extLst>
+          </p:cNvPr>
+          <p:cNvSpPr/>
+          <p:nvPr/>
+        </p:nvSpPr>
+        <p:spPr>
+          <a:xfrm>
+            <a:off x="4493307" y="3761045"/>
+            <a:ext cx="180000" cy="180000"/>
+          </a:xfrm>
+          <a:prstGeom prst="ellipse">
+            <a:avLst/>
+          </a:prstGeom>
+          <a:noFill/>
+        </p:spPr>
+        <p:style>
+          <a:lnRef idx="2">
+            <a:schemeClr val="dk1"/>
+          </a:lnRef>
+          <a:fillRef idx="1">
+            <a:schemeClr val="lt1"/>
+          </a:fillRef>
+          <a:effectRef idx="0">
+            <a:schemeClr val="dk1"/>
+          </a:effectRef>
+          <a:fontRef idx="minor">
+            <a:schemeClr val="dk1"/>
+          </a:fontRef>
+        </p:style>
+        <p:txBody>
+          <a:bodyPr rtlCol="0" anchor="ctr"/>
+          <a:lstStyle/>
+          <a:p>
+            <a:pPr algn="ctr"/>
+            <a:endParaRPr kumimoji="1" lang="ja-JP" altLang="en-US"/>
+          </a:p>
+        </p:txBody>
+      </p:sp>
     </p:spTree>
     <p:extLst>
       <p:ext uri="{BB962C8B-B14F-4D97-AF65-F5344CB8AC3E}">
@@ -8948,6 +8796,14 @@
 <file path=ppt/slides/slide11.xml><?xml version="1.0" encoding="utf-8"?>
 <p:sld xmlns:a="http://schemas.openxmlformats.org/drawingml/2006/main" xmlns:r="http://schemas.openxmlformats.org/officeDocument/2006/relationships" xmlns:p="http://schemas.openxmlformats.org/presentationml/2006/main">
   <p:cSld>
+    <p:bg>
+      <p:bgPr>
+        <a:solidFill>
+          <a:schemeClr val="bg1"/>
+        </a:solidFill>
+        <a:effectLst/>
+      </p:bgPr>
+    </p:bg>
     <p:spTree>
       <p:nvGrpSpPr>
         <p:cNvPr id="1" name=""/>
@@ -8964,148 +8820,10 @@
       </p:grpSpPr>
       <p:sp>
         <p:nvSpPr>
-          <p:cNvPr id="7" name="フローチャート: 結合子 6">
-            <a:extLst>
-              <a:ext uri="{FF2B5EF4-FFF2-40B4-BE49-F238E27FC236}">
-                <a16:creationId xmlns:a16="http://schemas.microsoft.com/office/drawing/2014/main" id="{8F70C87E-014F-5646-AEDB-7FAB3B473B7B}"/>
-              </a:ext>
-            </a:extLst>
-          </p:cNvPr>
-          <p:cNvSpPr>
-            <a:spLocks/>
-          </p:cNvSpPr>
-          <p:nvPr/>
-        </p:nvSpPr>
-        <p:spPr>
-          <a:xfrm>
-            <a:off x="2236305" y="1371600"/>
-            <a:ext cx="540000" cy="540000"/>
-          </a:xfrm>
-          <a:prstGeom prst="flowChartConnector">
-            <a:avLst/>
-          </a:prstGeom>
-        </p:spPr>
-        <p:style>
-          <a:lnRef idx="2">
-            <a:schemeClr val="dk1"/>
-          </a:lnRef>
-          <a:fillRef idx="1">
-            <a:schemeClr val="lt1"/>
-          </a:fillRef>
-          <a:effectRef idx="0">
-            <a:schemeClr val="dk1"/>
-          </a:effectRef>
-          <a:fontRef idx="minor">
-            <a:schemeClr val="dk1"/>
-          </a:fontRef>
-        </p:style>
-        <p:txBody>
-          <a:bodyPr rtlCol="0" anchor="ctr"/>
-          <a:lstStyle/>
-          <a:p>
-            <a:pPr algn="ctr"/>
-            <a:endParaRPr kumimoji="1" lang="ja-JP" altLang="en-US"/>
-          </a:p>
-        </p:txBody>
-      </p:sp>
-      <p:sp>
-        <p:nvSpPr>
-          <p:cNvPr id="8" name="フローチャート: 結合子 7">
-            <a:extLst>
-              <a:ext uri="{FF2B5EF4-FFF2-40B4-BE49-F238E27FC236}">
-                <a16:creationId xmlns:a16="http://schemas.microsoft.com/office/drawing/2014/main" id="{D28CBAF6-961F-48E8-1171-841098AED5B4}"/>
-              </a:ext>
-            </a:extLst>
-          </p:cNvPr>
-          <p:cNvSpPr>
-            <a:spLocks/>
-          </p:cNvSpPr>
-          <p:nvPr/>
-        </p:nvSpPr>
-        <p:spPr>
-          <a:xfrm>
-            <a:off x="2236305" y="2189922"/>
-            <a:ext cx="540000" cy="540000"/>
-          </a:xfrm>
-          <a:prstGeom prst="flowChartConnector">
-            <a:avLst/>
-          </a:prstGeom>
-        </p:spPr>
-        <p:style>
-          <a:lnRef idx="2">
-            <a:schemeClr val="dk1"/>
-          </a:lnRef>
-          <a:fillRef idx="1">
-            <a:schemeClr val="lt1"/>
-          </a:fillRef>
-          <a:effectRef idx="0">
-            <a:schemeClr val="dk1"/>
-          </a:effectRef>
-          <a:fontRef idx="minor">
-            <a:schemeClr val="dk1"/>
-          </a:fontRef>
-        </p:style>
-        <p:txBody>
-          <a:bodyPr rtlCol="0" anchor="ctr"/>
-          <a:lstStyle/>
-          <a:p>
-            <a:pPr algn="ctr"/>
-            <a:endParaRPr kumimoji="1" lang="ja-JP" altLang="en-US"/>
-          </a:p>
-        </p:txBody>
-      </p:sp>
-      <p:sp>
-        <p:nvSpPr>
-          <p:cNvPr id="9" name="フローチャート: 結合子 8">
-            <a:extLst>
-              <a:ext uri="{FF2B5EF4-FFF2-40B4-BE49-F238E27FC236}">
-                <a16:creationId xmlns:a16="http://schemas.microsoft.com/office/drawing/2014/main" id="{EEC7C549-D8E7-A0FA-D0E2-257A3CF62C34}"/>
-              </a:ext>
-            </a:extLst>
-          </p:cNvPr>
-          <p:cNvSpPr>
-            <a:spLocks/>
-          </p:cNvSpPr>
-          <p:nvPr/>
-        </p:nvSpPr>
-        <p:spPr>
-          <a:xfrm>
-            <a:off x="2236305" y="3756966"/>
-            <a:ext cx="540000" cy="540000"/>
-          </a:xfrm>
-          <a:prstGeom prst="flowChartConnector">
-            <a:avLst/>
-          </a:prstGeom>
-        </p:spPr>
-        <p:style>
-          <a:lnRef idx="2">
-            <a:schemeClr val="dk1"/>
-          </a:lnRef>
-          <a:fillRef idx="1">
-            <a:schemeClr val="lt1"/>
-          </a:fillRef>
-          <a:effectRef idx="0">
-            <a:schemeClr val="dk1"/>
-          </a:effectRef>
-          <a:fontRef idx="minor">
-            <a:schemeClr val="dk1"/>
-          </a:fontRef>
-        </p:style>
-        <p:txBody>
-          <a:bodyPr rtlCol="0" anchor="ctr"/>
-          <a:lstStyle/>
-          <a:p>
-            <a:pPr algn="ctr"/>
-            <a:endParaRPr kumimoji="1" lang="ja-JP" altLang="en-US"/>
-          </a:p>
-        </p:txBody>
-      </p:sp>
-      <p:sp>
-        <p:nvSpPr>
-          <p:cNvPr id="10" name="フローチャート: 結合子 9">
-            <a:extLst>
-              <a:ext uri="{FF2B5EF4-FFF2-40B4-BE49-F238E27FC236}">
-                <a16:creationId xmlns:a16="http://schemas.microsoft.com/office/drawing/2014/main" id="{8015B6D4-F955-9C1A-95A5-A9B420CE3109}"/>
+          <p:cNvPr id="13" name="フレーム 12">
+            <a:extLst>
+              <a:ext uri="{FF2B5EF4-FFF2-40B4-BE49-F238E27FC236}">
+                <a16:creationId xmlns:a16="http://schemas.microsoft.com/office/drawing/2014/main" id="{27B2E0D6-3EBC-B05A-9828-51F4AA4D8DE9}"/>
               </a:ext>
             </a:extLst>
           </p:cNvPr>
@@ -9114,12 +8832,17 @@
         </p:nvSpPr>
         <p:spPr>
           <a:xfrm>
-            <a:off x="2442462" y="2956239"/>
-            <a:ext cx="72000" cy="72000"/>
-          </a:xfrm>
-          <a:prstGeom prst="flowChartConnector">
-            <a:avLst/>
-          </a:prstGeom>
+            <a:off x="660138" y="895350"/>
+            <a:ext cx="1504950" cy="4133850"/>
+          </a:xfrm>
+          <a:prstGeom prst="frame">
+            <a:avLst>
+              <a:gd name="adj1" fmla="val 0"/>
+            </a:avLst>
+          </a:prstGeom>
+          <a:ln w="3175">
+            <a:noFill/>
+          </a:ln>
         </p:spPr>
         <p:style>
           <a:lnRef idx="2">
@@ -9142,16 +8865,20 @@
           <a:lstStyle/>
           <a:p>
             <a:pPr algn="ctr"/>
-            <a:endParaRPr kumimoji="1" lang="ja-JP" altLang="en-US"/>
-          </a:p>
-        </p:txBody>
-      </p:sp>
-      <p:sp>
-        <p:nvSpPr>
-          <p:cNvPr id="11" name="フローチャート: 結合子 10">
-            <a:extLst>
-              <a:ext uri="{FF2B5EF4-FFF2-40B4-BE49-F238E27FC236}">
-                <a16:creationId xmlns:a16="http://schemas.microsoft.com/office/drawing/2014/main" id="{54658290-A52E-9858-E465-5461BDEF712E}"/>
+            <a:endParaRPr kumimoji="1" lang="ja-JP" altLang="en-US">
+              <a:solidFill>
+                <a:schemeClr val="tx1"/>
+              </a:solidFill>
+            </a:endParaRPr>
+          </a:p>
+        </p:txBody>
+      </p:sp>
+      <p:sp>
+        <p:nvSpPr>
+          <p:cNvPr id="15" name="フレーム 14">
+            <a:extLst>
+              <a:ext uri="{FF2B5EF4-FFF2-40B4-BE49-F238E27FC236}">
+                <a16:creationId xmlns:a16="http://schemas.microsoft.com/office/drawing/2014/main" id="{0EE8C75C-1A35-03DA-34FC-6407AFF8A3C0}"/>
               </a:ext>
             </a:extLst>
           </p:cNvPr>
@@ -9160,11 +8887,13 @@
         </p:nvSpPr>
         <p:spPr>
           <a:xfrm>
-            <a:off x="2442025" y="3189444"/>
-            <a:ext cx="72000" cy="72000"/>
-          </a:xfrm>
-          <a:prstGeom prst="flowChartConnector">
-            <a:avLst/>
+            <a:off x="3085894" y="895350"/>
+            <a:ext cx="3803257" cy="4133850"/>
+          </a:xfrm>
+          <a:prstGeom prst="frame">
+            <a:avLst>
+              <a:gd name="adj1" fmla="val 0"/>
+            </a:avLst>
           </a:prstGeom>
         </p:spPr>
         <p:style>
@@ -9188,101 +8917,6 @@
           <a:lstStyle/>
           <a:p>
             <a:pPr algn="ctr"/>
-            <a:endParaRPr kumimoji="1" lang="ja-JP" altLang="en-US"/>
-          </a:p>
-        </p:txBody>
-      </p:sp>
-      <p:sp>
-        <p:nvSpPr>
-          <p:cNvPr id="12" name="フローチャート: 結合子 11">
-            <a:extLst>
-              <a:ext uri="{FF2B5EF4-FFF2-40B4-BE49-F238E27FC236}">
-                <a16:creationId xmlns:a16="http://schemas.microsoft.com/office/drawing/2014/main" id="{DB5C0B44-1258-970C-F1D8-D79EFBB839A1}"/>
-              </a:ext>
-            </a:extLst>
-          </p:cNvPr>
-          <p:cNvSpPr/>
-          <p:nvPr/>
-        </p:nvSpPr>
-        <p:spPr>
-          <a:xfrm>
-            <a:off x="2445425" y="3422649"/>
-            <a:ext cx="72000" cy="72000"/>
-          </a:xfrm>
-          <a:prstGeom prst="flowChartConnector">
-            <a:avLst/>
-          </a:prstGeom>
-        </p:spPr>
-        <p:style>
-          <a:lnRef idx="2">
-            <a:schemeClr val="dk1">
-              <a:shade val="50000"/>
-            </a:schemeClr>
-          </a:lnRef>
-          <a:fillRef idx="1">
-            <a:schemeClr val="dk1"/>
-          </a:fillRef>
-          <a:effectRef idx="0">
-            <a:schemeClr val="dk1"/>
-          </a:effectRef>
-          <a:fontRef idx="minor">
-            <a:schemeClr val="lt1"/>
-          </a:fontRef>
-        </p:style>
-        <p:txBody>
-          <a:bodyPr rtlCol="0" anchor="ctr"/>
-          <a:lstStyle/>
-          <a:p>
-            <a:pPr algn="ctr"/>
-            <a:endParaRPr kumimoji="1" lang="ja-JP" altLang="en-US"/>
-          </a:p>
-        </p:txBody>
-      </p:sp>
-      <p:sp>
-        <p:nvSpPr>
-          <p:cNvPr id="13" name="フレーム 12">
-            <a:extLst>
-              <a:ext uri="{FF2B5EF4-FFF2-40B4-BE49-F238E27FC236}">
-                <a16:creationId xmlns:a16="http://schemas.microsoft.com/office/drawing/2014/main" id="{27B2E0D6-3EBC-B05A-9828-51F4AA4D8DE9}"/>
-              </a:ext>
-            </a:extLst>
-          </p:cNvPr>
-          <p:cNvSpPr/>
-          <p:nvPr/>
-        </p:nvSpPr>
-        <p:spPr>
-          <a:xfrm>
-            <a:off x="1733550" y="895350"/>
-            <a:ext cx="1504950" cy="4133850"/>
-          </a:xfrm>
-          <a:prstGeom prst="frame">
-            <a:avLst>
-              <a:gd name="adj1" fmla="val 0"/>
-            </a:avLst>
-          </a:prstGeom>
-          <a:ln w="3175"/>
-        </p:spPr>
-        <p:style>
-          <a:lnRef idx="2">
-            <a:schemeClr val="dk1">
-              <a:shade val="50000"/>
-            </a:schemeClr>
-          </a:lnRef>
-          <a:fillRef idx="1">
-            <a:schemeClr val="dk1"/>
-          </a:fillRef>
-          <a:effectRef idx="0">
-            <a:schemeClr val="dk1"/>
-          </a:effectRef>
-          <a:fontRef idx="minor">
-            <a:schemeClr val="lt1"/>
-          </a:fontRef>
-        </p:style>
-        <p:txBody>
-          <a:bodyPr rtlCol="0" anchor="ctr"/>
-          <a:lstStyle/>
-          <a:p>
-            <a:pPr algn="ctr"/>
             <a:endParaRPr kumimoji="1" lang="ja-JP" altLang="en-US">
               <a:solidFill>
                 <a:schemeClr val="tx1"/>
@@ -9293,58 +8927,6 @@
       </p:sp>
       <p:sp>
         <p:nvSpPr>
-          <p:cNvPr id="15" name="フレーム 14">
-            <a:extLst>
-              <a:ext uri="{FF2B5EF4-FFF2-40B4-BE49-F238E27FC236}">
-                <a16:creationId xmlns:a16="http://schemas.microsoft.com/office/drawing/2014/main" id="{0EE8C75C-1A35-03DA-34FC-6407AFF8A3C0}"/>
-              </a:ext>
-            </a:extLst>
-          </p:cNvPr>
-          <p:cNvSpPr/>
-          <p:nvPr/>
-        </p:nvSpPr>
-        <p:spPr>
-          <a:xfrm>
-            <a:off x="4159306" y="895350"/>
-            <a:ext cx="3803257" cy="4133850"/>
-          </a:xfrm>
-          <a:prstGeom prst="frame">
-            <a:avLst>
-              <a:gd name="adj1" fmla="val 0"/>
-            </a:avLst>
-          </a:prstGeom>
-        </p:spPr>
-        <p:style>
-          <a:lnRef idx="2">
-            <a:schemeClr val="dk1">
-              <a:shade val="50000"/>
-            </a:schemeClr>
-          </a:lnRef>
-          <a:fillRef idx="1">
-            <a:schemeClr val="dk1"/>
-          </a:fillRef>
-          <a:effectRef idx="0">
-            <a:schemeClr val="dk1"/>
-          </a:effectRef>
-          <a:fontRef idx="minor">
-            <a:schemeClr val="lt1"/>
-          </a:fontRef>
-        </p:style>
-        <p:txBody>
-          <a:bodyPr rtlCol="0" anchor="ctr"/>
-          <a:lstStyle/>
-          <a:p>
-            <a:pPr algn="ctr"/>
-            <a:endParaRPr kumimoji="1" lang="ja-JP" altLang="en-US">
-              <a:solidFill>
-                <a:schemeClr val="tx1"/>
-              </a:solidFill>
-            </a:endParaRPr>
-          </a:p>
-        </p:txBody>
-      </p:sp>
-      <p:sp>
-        <p:nvSpPr>
           <p:cNvPr id="17" name="フローチャート: 結合子 16">
             <a:extLst>
               <a:ext uri="{FF2B5EF4-FFF2-40B4-BE49-F238E27FC236}">
@@ -9359,7 +8941,7 @@
         </p:nvSpPr>
         <p:spPr>
           <a:xfrm>
-            <a:off x="4686843" y="1167951"/>
+            <a:off x="3613431" y="1167951"/>
             <a:ext cx="540000" cy="540000"/>
           </a:xfrm>
           <a:prstGeom prst="flowChartConnector">
@@ -9405,7 +8987,7 @@
         </p:nvSpPr>
         <p:spPr>
           <a:xfrm>
-            <a:off x="6815048" y="1920525"/>
+            <a:off x="5741636" y="1920525"/>
             <a:ext cx="540000" cy="540000"/>
           </a:xfrm>
           <a:prstGeom prst="flowChartConnector">
@@ -9451,7 +9033,7 @@
         </p:nvSpPr>
         <p:spPr>
           <a:xfrm>
-            <a:off x="4668789" y="3111352"/>
+            <a:off x="3595377" y="3111352"/>
             <a:ext cx="540000" cy="540000"/>
           </a:xfrm>
           <a:prstGeom prst="flowChartConnector">
@@ -9497,7 +9079,7 @@
         </p:nvSpPr>
         <p:spPr>
           <a:xfrm>
-            <a:off x="6610037" y="3902101"/>
+            <a:off x="5536625" y="3902101"/>
             <a:ext cx="540000" cy="540000"/>
           </a:xfrm>
           <a:prstGeom prst="flowChartConnector">
@@ -9543,7 +9125,7 @@
         </p:nvSpPr>
         <p:spPr>
           <a:xfrm>
-            <a:off x="5460735" y="2192162"/>
+            <a:off x="4387323" y="2192162"/>
             <a:ext cx="540000" cy="540000"/>
           </a:xfrm>
           <a:prstGeom prst="flowChartConnector">
@@ -9589,7 +9171,7 @@
         </p:nvSpPr>
         <p:spPr>
           <a:xfrm>
-            <a:off x="5262813" y="4057782"/>
+            <a:off x="4189401" y="4057782"/>
             <a:ext cx="540000" cy="540000"/>
           </a:xfrm>
           <a:prstGeom prst="flowChartConnector">
@@ -9631,14 +9213,14 @@
           <p:cNvCxnSpPr>
             <a:cxnSpLocks/>
             <a:stCxn id="17" idx="4"/>
-            <a:endCxn id="21" idx="1"/>
+            <a:endCxn id="80" idx="1"/>
           </p:cNvCxnSpPr>
           <p:nvPr/>
         </p:nvCxnSpPr>
         <p:spPr>
           <a:xfrm rot="16200000" flipH="1">
-            <a:off x="4966683" y="1698110"/>
-            <a:ext cx="563292" cy="582973"/>
+            <a:off x="3945592" y="1645789"/>
+            <a:ext cx="390755" cy="515077"/>
           </a:xfrm>
           <a:prstGeom prst="curvedConnector3">
             <a:avLst>
@@ -9646,7 +9228,7 @@
             </a:avLst>
           </a:prstGeom>
           <a:ln>
-            <a:tailEnd type="triangle"/>
+            <a:tailEnd type="none"/>
           </a:ln>
         </p:spPr>
         <p:style>
@@ -9676,20 +9258,20 @@
           <p:cNvCxnSpPr>
             <a:cxnSpLocks/>
             <a:stCxn id="19" idx="4"/>
-            <a:endCxn id="22" idx="2"/>
+            <a:endCxn id="108" idx="2"/>
           </p:cNvCxnSpPr>
           <p:nvPr/>
         </p:nvCxnSpPr>
         <p:spPr>
           <a:xfrm rot="16200000" flipH="1">
-            <a:off x="4762586" y="3827555"/>
-            <a:ext cx="676430" cy="324024"/>
+            <a:off x="3600996" y="3915733"/>
+            <a:ext cx="674411" cy="145648"/>
           </a:xfrm>
           <a:prstGeom prst="curvedConnector2">
             <a:avLst/>
           </a:prstGeom>
           <a:ln>
-            <a:tailEnd type="triangle"/>
+            <a:tailEnd type="none"/>
           </a:ln>
         </p:spPr>
         <p:style>
@@ -9718,21 +9300,21 @@
           </p:cNvPr>
           <p:cNvCxnSpPr>
             <a:cxnSpLocks/>
-            <a:stCxn id="21" idx="3"/>
-            <a:endCxn id="20" idx="2"/>
+            <a:stCxn id="20" idx="2"/>
+            <a:endCxn id="147" idx="3"/>
           </p:cNvCxnSpPr>
           <p:nvPr/>
         </p:nvCxnSpPr>
         <p:spPr>
-          <a:xfrm rot="16200000" flipH="1">
-            <a:off x="5315416" y="2877480"/>
-            <a:ext cx="1519020" cy="1070221"/>
+          <a:xfrm rot="10800000">
+            <a:off x="4405135" y="2848837"/>
+            <a:ext cx="1131491" cy="1323264"/>
           </a:xfrm>
           <a:prstGeom prst="curvedConnector2">
             <a:avLst/>
           </a:prstGeom>
           <a:ln>
-            <a:tailEnd type="triangle"/>
+            <a:tailEnd type="none"/>
           </a:ln>
         </p:spPr>
         <p:style>
@@ -9762,20 +9344,22 @@
           <p:cNvCxnSpPr>
             <a:cxnSpLocks/>
             <a:stCxn id="21" idx="6"/>
-            <a:endCxn id="18" idx="3"/>
+            <a:endCxn id="101" idx="2"/>
           </p:cNvCxnSpPr>
           <p:nvPr/>
         </p:nvCxnSpPr>
         <p:spPr>
           <a:xfrm flipV="1">
-            <a:off x="6000735" y="2381444"/>
-            <a:ext cx="893394" cy="80718"/>
-          </a:xfrm>
-          <a:prstGeom prst="curvedConnector2">
-            <a:avLst/>
+            <a:off x="4927323" y="2407512"/>
+            <a:ext cx="693841" cy="54650"/>
+          </a:xfrm>
+          <a:prstGeom prst="curvedConnector3">
+            <a:avLst>
+              <a:gd name="adj1" fmla="val 50000"/>
+            </a:avLst>
           </a:prstGeom>
           <a:ln>
-            <a:tailEnd type="triangle"/>
+            <a:tailEnd type="none"/>
           </a:ln>
         </p:spPr>
         <p:style>
@@ -9805,20 +9389,20 @@
           <p:cNvCxnSpPr>
             <a:cxnSpLocks/>
             <a:stCxn id="19" idx="6"/>
-            <a:endCxn id="20" idx="1"/>
+            <a:endCxn id="153" idx="1"/>
           </p:cNvCxnSpPr>
           <p:nvPr/>
         </p:nvCxnSpPr>
         <p:spPr>
           <a:xfrm>
-            <a:off x="5208789" y="3381352"/>
-            <a:ext cx="1480329" cy="599830"/>
+            <a:off x="4135377" y="3381352"/>
+            <a:ext cx="1369687" cy="440134"/>
           </a:xfrm>
           <a:prstGeom prst="curvedConnector2">
             <a:avLst/>
           </a:prstGeom>
           <a:ln>
-            <a:tailEnd type="triangle"/>
+            <a:tailEnd type="none"/>
           </a:ln>
         </p:spPr>
         <p:style>
@@ -9848,22 +9432,22 @@
           <p:cNvCxnSpPr>
             <a:cxnSpLocks/>
             <a:stCxn id="22" idx="0"/>
-            <a:endCxn id="17" idx="3"/>
+            <a:endCxn id="72" idx="3"/>
           </p:cNvCxnSpPr>
           <p:nvPr/>
         </p:nvCxnSpPr>
         <p:spPr>
           <a:xfrm rot="16200000" flipV="1">
-            <a:off x="3934913" y="2459881"/>
-            <a:ext cx="2428912" cy="766889"/>
+            <a:off x="2896830" y="2495210"/>
+            <a:ext cx="2259180" cy="865963"/>
           </a:xfrm>
           <a:prstGeom prst="curvedConnector3">
             <a:avLst>
-              <a:gd name="adj1" fmla="val 50000"/>
+              <a:gd name="adj1" fmla="val 63638"/>
             </a:avLst>
           </a:prstGeom>
           <a:ln>
-            <a:tailEnd type="triangle"/>
+            <a:tailEnd type="none"/>
           </a:ln>
         </p:spPr>
         <p:style>
@@ -9893,20 +9477,20 @@
           <p:cNvCxnSpPr>
             <a:cxnSpLocks/>
             <a:stCxn id="17" idx="6"/>
-            <a:endCxn id="18" idx="1"/>
+            <a:endCxn id="99" idx="1"/>
           </p:cNvCxnSpPr>
           <p:nvPr/>
         </p:nvCxnSpPr>
         <p:spPr>
           <a:xfrm>
-            <a:off x="5226843" y="1437951"/>
-            <a:ext cx="1667286" cy="561655"/>
+            <a:off x="4153431" y="1437951"/>
+            <a:ext cx="1550417" cy="395713"/>
           </a:xfrm>
           <a:prstGeom prst="curvedConnector2">
             <a:avLst/>
           </a:prstGeom>
           <a:ln>
-            <a:tailEnd type="triangle"/>
+            <a:tailEnd type="none"/>
           </a:ln>
         </p:spPr>
         <p:style>
@@ -9935,21 +9519,21 @@
           </p:cNvPr>
           <p:cNvCxnSpPr>
             <a:cxnSpLocks/>
-            <a:stCxn id="7" idx="6"/>
-            <a:endCxn id="17" idx="2"/>
+            <a:stCxn id="25" idx="6"/>
+            <a:endCxn id="67" idx="2"/>
           </p:cNvCxnSpPr>
           <p:nvPr/>
         </p:nvCxnSpPr>
         <p:spPr>
           <a:xfrm flipV="1">
-            <a:off x="2776305" y="1437951"/>
-            <a:ext cx="1910538" cy="203649"/>
+            <a:off x="1485171" y="1443416"/>
+            <a:ext cx="1949385" cy="443529"/>
           </a:xfrm>
           <a:prstGeom prst="straightConnector1">
             <a:avLst/>
           </a:prstGeom>
           <a:ln>
-            <a:tailEnd type="triangle"/>
+            <a:tailEnd type="none"/>
           </a:ln>
         </p:spPr>
         <p:style>
@@ -9977,21 +9561,22 @@
             </a:extLst>
           </p:cNvPr>
           <p:cNvCxnSpPr>
-            <a:stCxn id="8" idx="6"/>
-            <a:endCxn id="19" idx="1"/>
+            <a:cxnSpLocks/>
+            <a:stCxn id="35" idx="6"/>
+            <a:endCxn id="102" idx="1"/>
           </p:cNvCxnSpPr>
           <p:nvPr/>
         </p:nvCxnSpPr>
         <p:spPr>
           <a:xfrm>
-            <a:off x="2776305" y="2459922"/>
-            <a:ext cx="1971565" cy="730511"/>
+            <a:off x="1485171" y="2843325"/>
+            <a:ext cx="2038691" cy="239356"/>
           </a:xfrm>
           <a:prstGeom prst="straightConnector1">
             <a:avLst/>
           </a:prstGeom>
           <a:ln>
-            <a:tailEnd type="triangle"/>
+            <a:tailEnd type="none"/>
           </a:ln>
         </p:spPr>
         <p:style>
@@ -10019,21 +9604,22 @@
             </a:extLst>
           </p:cNvPr>
           <p:cNvCxnSpPr>
-            <a:stCxn id="9" idx="6"/>
-            <a:endCxn id="22" idx="3"/>
+            <a:cxnSpLocks/>
+            <a:stCxn id="36" idx="6"/>
+            <a:endCxn id="133" idx="3"/>
           </p:cNvCxnSpPr>
           <p:nvPr/>
         </p:nvCxnSpPr>
         <p:spPr>
           <a:xfrm>
-            <a:off x="2776305" y="4026966"/>
-            <a:ext cx="2565589" cy="491735"/>
+            <a:off x="1485171" y="3795410"/>
+            <a:ext cx="2704614" cy="885539"/>
           </a:xfrm>
           <a:prstGeom prst="straightConnector1">
             <a:avLst/>
           </a:prstGeom>
           <a:ln>
-            <a:tailEnd type="triangle"/>
+            <a:tailEnd type="none"/>
           </a:ln>
         </p:spPr>
         <p:style>
@@ -10061,21 +9647,22 @@
             </a:extLst>
           </p:cNvPr>
           <p:cNvCxnSpPr>
-            <a:stCxn id="9" idx="7"/>
-            <a:endCxn id="19" idx="2"/>
+            <a:cxnSpLocks/>
+            <a:stCxn id="36" idx="6"/>
+            <a:endCxn id="103" idx="2"/>
           </p:cNvCxnSpPr>
           <p:nvPr/>
         </p:nvCxnSpPr>
         <p:spPr>
           <a:xfrm flipV="1">
-            <a:off x="2697224" y="3381352"/>
-            <a:ext cx="1971565" cy="454695"/>
+            <a:off x="1485171" y="3437866"/>
+            <a:ext cx="1926191" cy="357544"/>
           </a:xfrm>
           <a:prstGeom prst="straightConnector1">
             <a:avLst/>
           </a:prstGeom>
           <a:ln>
-            <a:tailEnd type="triangle"/>
+            <a:tailEnd type="none"/>
           </a:ln>
         </p:spPr>
         <p:style>
@@ -10104,21 +9691,25 @@
           </p:cNvPr>
           <p:cNvCxnSpPr>
             <a:cxnSpLocks/>
-            <a:stCxn id="8" idx="5"/>
-            <a:endCxn id="22" idx="1"/>
+            <a:stCxn id="35" idx="6"/>
+            <a:endCxn id="107" idx="2"/>
           </p:cNvCxnSpPr>
           <p:nvPr/>
         </p:nvCxnSpPr>
         <p:spPr>
           <a:xfrm>
-            <a:off x="2697224" y="2650841"/>
-            <a:ext cx="2644670" cy="1486022"/>
+            <a:off x="1485171" y="2843325"/>
+            <a:ext cx="2603930" cy="1250945"/>
           </a:xfrm>
           <a:prstGeom prst="straightConnector1">
             <a:avLst/>
           </a:prstGeom>
-          <a:ln>
-            <a:tailEnd type="triangle"/>
+          <a:ln cap="rnd">
+            <a:solidFill>
+              <a:schemeClr val="dk1"/>
+            </a:solidFill>
+            <a:headEnd type="none"/>
+            <a:tailEnd type="none" w="lg" len="lg"/>
           </a:ln>
         </p:spPr>
         <p:style>
@@ -10146,21 +9737,22 @@
             </a:extLst>
           </p:cNvPr>
           <p:cNvCxnSpPr>
-            <a:stCxn id="7" idx="5"/>
-            <a:endCxn id="21" idx="2"/>
+            <a:cxnSpLocks/>
+            <a:stCxn id="25" idx="6"/>
+            <a:endCxn id="105" idx="2"/>
           </p:cNvCxnSpPr>
           <p:nvPr/>
         </p:nvCxnSpPr>
         <p:spPr>
           <a:xfrm>
-            <a:off x="2697224" y="1832519"/>
-            <a:ext cx="2763511" cy="629643"/>
+            <a:off x="1485171" y="1886945"/>
+            <a:ext cx="2724640" cy="560327"/>
           </a:xfrm>
           <a:prstGeom prst="straightConnector1">
             <a:avLst/>
           </a:prstGeom>
           <a:ln>
-            <a:tailEnd type="triangle"/>
+            <a:tailEnd type="none"/>
           </a:ln>
         </p:spPr>
         <p:style>
@@ -10180,148 +9772,10 @@
       </p:cxnSp>
       <p:sp>
         <p:nvSpPr>
-          <p:cNvPr id="83" name="フローチャート: 結合子 82">
-            <a:extLst>
-              <a:ext uri="{FF2B5EF4-FFF2-40B4-BE49-F238E27FC236}">
-                <a16:creationId xmlns:a16="http://schemas.microsoft.com/office/drawing/2014/main" id="{91052C0B-0831-3942-2C6A-3B2B753F62B8}"/>
-              </a:ext>
-            </a:extLst>
-          </p:cNvPr>
-          <p:cNvSpPr>
-            <a:spLocks/>
-          </p:cNvSpPr>
-          <p:nvPr/>
-        </p:nvSpPr>
-        <p:spPr>
-          <a:xfrm>
-            <a:off x="9386124" y="1371600"/>
-            <a:ext cx="540000" cy="540000"/>
-          </a:xfrm>
-          <a:prstGeom prst="flowChartConnector">
-            <a:avLst/>
-          </a:prstGeom>
-        </p:spPr>
-        <p:style>
-          <a:lnRef idx="2">
-            <a:schemeClr val="dk1"/>
-          </a:lnRef>
-          <a:fillRef idx="1">
-            <a:schemeClr val="lt1"/>
-          </a:fillRef>
-          <a:effectRef idx="0">
-            <a:schemeClr val="dk1"/>
-          </a:effectRef>
-          <a:fontRef idx="minor">
-            <a:schemeClr val="dk1"/>
-          </a:fontRef>
-        </p:style>
-        <p:txBody>
-          <a:bodyPr rtlCol="0" anchor="ctr"/>
-          <a:lstStyle/>
-          <a:p>
-            <a:pPr algn="ctr"/>
-            <a:endParaRPr kumimoji="1" lang="ja-JP" altLang="en-US"/>
-          </a:p>
-        </p:txBody>
-      </p:sp>
-      <p:sp>
-        <p:nvSpPr>
-          <p:cNvPr id="84" name="フローチャート: 結合子 83">
-            <a:extLst>
-              <a:ext uri="{FF2B5EF4-FFF2-40B4-BE49-F238E27FC236}">
-                <a16:creationId xmlns:a16="http://schemas.microsoft.com/office/drawing/2014/main" id="{9DB15CC3-9EA0-7A59-D1D4-D47CE89EC959}"/>
-              </a:ext>
-            </a:extLst>
-          </p:cNvPr>
-          <p:cNvSpPr>
-            <a:spLocks/>
-          </p:cNvSpPr>
-          <p:nvPr/>
-        </p:nvSpPr>
-        <p:spPr>
-          <a:xfrm>
-            <a:off x="9386124" y="2189922"/>
-            <a:ext cx="540000" cy="540000"/>
-          </a:xfrm>
-          <a:prstGeom prst="flowChartConnector">
-            <a:avLst/>
-          </a:prstGeom>
-        </p:spPr>
-        <p:style>
-          <a:lnRef idx="2">
-            <a:schemeClr val="dk1"/>
-          </a:lnRef>
-          <a:fillRef idx="1">
-            <a:schemeClr val="lt1"/>
-          </a:fillRef>
-          <a:effectRef idx="0">
-            <a:schemeClr val="dk1"/>
-          </a:effectRef>
-          <a:fontRef idx="minor">
-            <a:schemeClr val="dk1"/>
-          </a:fontRef>
-        </p:style>
-        <p:txBody>
-          <a:bodyPr rtlCol="0" anchor="ctr"/>
-          <a:lstStyle/>
-          <a:p>
-            <a:pPr algn="ctr"/>
-            <a:endParaRPr kumimoji="1" lang="ja-JP" altLang="en-US"/>
-          </a:p>
-        </p:txBody>
-      </p:sp>
-      <p:sp>
-        <p:nvSpPr>
-          <p:cNvPr id="85" name="フローチャート: 結合子 84">
-            <a:extLst>
-              <a:ext uri="{FF2B5EF4-FFF2-40B4-BE49-F238E27FC236}">
-                <a16:creationId xmlns:a16="http://schemas.microsoft.com/office/drawing/2014/main" id="{5ED2028A-EB16-4D50-83DB-D6B50F00D896}"/>
-              </a:ext>
-            </a:extLst>
-          </p:cNvPr>
-          <p:cNvSpPr>
-            <a:spLocks/>
-          </p:cNvSpPr>
-          <p:nvPr/>
-        </p:nvSpPr>
-        <p:spPr>
-          <a:xfrm>
-            <a:off x="9386124" y="3756966"/>
-            <a:ext cx="540000" cy="540000"/>
-          </a:xfrm>
-          <a:prstGeom prst="flowChartConnector">
-            <a:avLst/>
-          </a:prstGeom>
-        </p:spPr>
-        <p:style>
-          <a:lnRef idx="2">
-            <a:schemeClr val="dk1"/>
-          </a:lnRef>
-          <a:fillRef idx="1">
-            <a:schemeClr val="lt1"/>
-          </a:fillRef>
-          <a:effectRef idx="0">
-            <a:schemeClr val="dk1"/>
-          </a:effectRef>
-          <a:fontRef idx="minor">
-            <a:schemeClr val="dk1"/>
-          </a:fontRef>
-        </p:style>
-        <p:txBody>
-          <a:bodyPr rtlCol="0" anchor="ctr"/>
-          <a:lstStyle/>
-          <a:p>
-            <a:pPr algn="ctr"/>
-            <a:endParaRPr kumimoji="1" lang="ja-JP" altLang="en-US"/>
-          </a:p>
-        </p:txBody>
-      </p:sp>
-      <p:sp>
-        <p:nvSpPr>
-          <p:cNvPr id="86" name="フローチャート: 結合子 85">
-            <a:extLst>
-              <a:ext uri="{FF2B5EF4-FFF2-40B4-BE49-F238E27FC236}">
-                <a16:creationId xmlns:a16="http://schemas.microsoft.com/office/drawing/2014/main" id="{87652A79-20A8-454B-02B5-11D49757594F}"/>
+          <p:cNvPr id="89" name="フレーム 88">
+            <a:extLst>
+              <a:ext uri="{FF2B5EF4-FFF2-40B4-BE49-F238E27FC236}">
+                <a16:creationId xmlns:a16="http://schemas.microsoft.com/office/drawing/2014/main" id="{190A9EDB-54C2-67C2-6F26-5639FE1ABEE9}"/>
               </a:ext>
             </a:extLst>
           </p:cNvPr>
@@ -10330,12 +9784,19 @@
         </p:nvSpPr>
         <p:spPr>
           <a:xfrm>
-            <a:off x="9592281" y="2956239"/>
-            <a:ext cx="72000" cy="72000"/>
-          </a:xfrm>
-          <a:prstGeom prst="flowChartConnector">
-            <a:avLst/>
-          </a:prstGeom>
+            <a:off x="7809957" y="895350"/>
+            <a:ext cx="1504950" cy="4133850"/>
+          </a:xfrm>
+          <a:prstGeom prst="frame">
+            <a:avLst>
+              <a:gd name="adj1" fmla="val 0"/>
+            </a:avLst>
+          </a:prstGeom>
+          <a:ln w="15875">
+            <a:solidFill>
+              <a:schemeClr val="tx1"/>
+            </a:solidFill>
+          </a:ln>
         </p:spPr>
         <p:style>
           <a:lnRef idx="2">
@@ -10358,147 +9819,6 @@
           <a:lstStyle/>
           <a:p>
             <a:pPr algn="ctr"/>
-            <a:endParaRPr kumimoji="1" lang="ja-JP" altLang="en-US"/>
-          </a:p>
-        </p:txBody>
-      </p:sp>
-      <p:sp>
-        <p:nvSpPr>
-          <p:cNvPr id="87" name="フローチャート: 結合子 86">
-            <a:extLst>
-              <a:ext uri="{FF2B5EF4-FFF2-40B4-BE49-F238E27FC236}">
-                <a16:creationId xmlns:a16="http://schemas.microsoft.com/office/drawing/2014/main" id="{C90FCC0F-3D74-891D-C3CB-495B4E83475E}"/>
-              </a:ext>
-            </a:extLst>
-          </p:cNvPr>
-          <p:cNvSpPr/>
-          <p:nvPr/>
-        </p:nvSpPr>
-        <p:spPr>
-          <a:xfrm>
-            <a:off x="9591844" y="3189444"/>
-            <a:ext cx="72000" cy="72000"/>
-          </a:xfrm>
-          <a:prstGeom prst="flowChartConnector">
-            <a:avLst/>
-          </a:prstGeom>
-        </p:spPr>
-        <p:style>
-          <a:lnRef idx="2">
-            <a:schemeClr val="dk1">
-              <a:shade val="50000"/>
-            </a:schemeClr>
-          </a:lnRef>
-          <a:fillRef idx="1">
-            <a:schemeClr val="dk1"/>
-          </a:fillRef>
-          <a:effectRef idx="0">
-            <a:schemeClr val="dk1"/>
-          </a:effectRef>
-          <a:fontRef idx="minor">
-            <a:schemeClr val="lt1"/>
-          </a:fontRef>
-        </p:style>
-        <p:txBody>
-          <a:bodyPr rtlCol="0" anchor="ctr"/>
-          <a:lstStyle/>
-          <a:p>
-            <a:pPr algn="ctr"/>
-            <a:endParaRPr kumimoji="1" lang="ja-JP" altLang="en-US"/>
-          </a:p>
-        </p:txBody>
-      </p:sp>
-      <p:sp>
-        <p:nvSpPr>
-          <p:cNvPr id="88" name="フローチャート: 結合子 87">
-            <a:extLst>
-              <a:ext uri="{FF2B5EF4-FFF2-40B4-BE49-F238E27FC236}">
-                <a16:creationId xmlns:a16="http://schemas.microsoft.com/office/drawing/2014/main" id="{ABA5F02D-99B4-AE3D-0EE5-94FB0197D79B}"/>
-              </a:ext>
-            </a:extLst>
-          </p:cNvPr>
-          <p:cNvSpPr/>
-          <p:nvPr/>
-        </p:nvSpPr>
-        <p:spPr>
-          <a:xfrm>
-            <a:off x="9595244" y="3422649"/>
-            <a:ext cx="72000" cy="72000"/>
-          </a:xfrm>
-          <a:prstGeom prst="flowChartConnector">
-            <a:avLst/>
-          </a:prstGeom>
-        </p:spPr>
-        <p:style>
-          <a:lnRef idx="2">
-            <a:schemeClr val="dk1">
-              <a:shade val="50000"/>
-            </a:schemeClr>
-          </a:lnRef>
-          <a:fillRef idx="1">
-            <a:schemeClr val="dk1"/>
-          </a:fillRef>
-          <a:effectRef idx="0">
-            <a:schemeClr val="dk1"/>
-          </a:effectRef>
-          <a:fontRef idx="minor">
-            <a:schemeClr val="lt1"/>
-          </a:fontRef>
-        </p:style>
-        <p:txBody>
-          <a:bodyPr rtlCol="0" anchor="ctr"/>
-          <a:lstStyle/>
-          <a:p>
-            <a:pPr algn="ctr"/>
-            <a:endParaRPr kumimoji="1" lang="ja-JP" altLang="en-US"/>
-          </a:p>
-        </p:txBody>
-      </p:sp>
-      <p:sp>
-        <p:nvSpPr>
-          <p:cNvPr id="89" name="フレーム 88">
-            <a:extLst>
-              <a:ext uri="{FF2B5EF4-FFF2-40B4-BE49-F238E27FC236}">
-                <a16:creationId xmlns:a16="http://schemas.microsoft.com/office/drawing/2014/main" id="{190A9EDB-54C2-67C2-6F26-5639FE1ABEE9}"/>
-              </a:ext>
-            </a:extLst>
-          </p:cNvPr>
-          <p:cNvSpPr/>
-          <p:nvPr/>
-        </p:nvSpPr>
-        <p:spPr>
-          <a:xfrm>
-            <a:off x="8883369" y="895350"/>
-            <a:ext cx="1504950" cy="4133850"/>
-          </a:xfrm>
-          <a:prstGeom prst="frame">
-            <a:avLst>
-              <a:gd name="adj1" fmla="val 0"/>
-            </a:avLst>
-          </a:prstGeom>
-          <a:ln w="3175"/>
-        </p:spPr>
-        <p:style>
-          <a:lnRef idx="2">
-            <a:schemeClr val="dk1">
-              <a:shade val="50000"/>
-            </a:schemeClr>
-          </a:lnRef>
-          <a:fillRef idx="1">
-            <a:schemeClr val="dk1"/>
-          </a:fillRef>
-          <a:effectRef idx="0">
-            <a:schemeClr val="dk1"/>
-          </a:effectRef>
-          <a:fontRef idx="minor">
-            <a:schemeClr val="lt1"/>
-          </a:fontRef>
-        </p:style>
-        <p:txBody>
-          <a:bodyPr rtlCol="0" anchor="ctr"/>
-          <a:lstStyle/>
-          <a:p>
-            <a:pPr algn="ctr"/>
             <a:endParaRPr kumimoji="1" lang="ja-JP" altLang="en-US">
               <a:solidFill>
                 <a:schemeClr val="tx1"/>
@@ -10523,7 +9843,7 @@
         </p:nvSpPr>
         <p:spPr>
           <a:xfrm>
-            <a:off x="7083915" y="3028433"/>
+            <a:off x="6010503" y="3028433"/>
             <a:ext cx="540000" cy="540000"/>
           </a:xfrm>
           <a:prstGeom prst="flowChartConnector">
@@ -10563,21 +9883,22 @@
             </a:extLst>
           </p:cNvPr>
           <p:cNvCxnSpPr>
+            <a:cxnSpLocks/>
             <a:stCxn id="21" idx="5"/>
-            <a:endCxn id="90" idx="2"/>
+            <a:endCxn id="146" idx="2"/>
           </p:cNvCxnSpPr>
           <p:nvPr/>
         </p:nvCxnSpPr>
         <p:spPr>
           <a:xfrm rot="16200000" flipH="1">
-            <a:off x="6180108" y="2394626"/>
-            <a:ext cx="645352" cy="1162261"/>
+            <a:off x="5008871" y="2492452"/>
+            <a:ext cx="657105" cy="978362"/>
           </a:xfrm>
           <a:prstGeom prst="curvedConnector2">
             <a:avLst/>
           </a:prstGeom>
           <a:ln>
-            <a:tailEnd type="triangle"/>
+            <a:tailEnd type="none"/>
           </a:ln>
         </p:spPr>
         <p:style>
@@ -10607,20 +9928,23 @@
           <p:cNvCxnSpPr>
             <a:cxnSpLocks/>
             <a:stCxn id="18" idx="7"/>
-            <a:endCxn id="83" idx="1"/>
+            <a:endCxn id="157" idx="2"/>
           </p:cNvCxnSpPr>
           <p:nvPr/>
         </p:nvCxnSpPr>
         <p:spPr>
           <a:xfrm flipV="1">
-            <a:off x="7275967" y="1450681"/>
-            <a:ext cx="2189238" cy="548925"/>
+            <a:off x="6202555" y="1525925"/>
+            <a:ext cx="2128955" cy="473681"/>
           </a:xfrm>
           <a:prstGeom prst="straightConnector1">
             <a:avLst/>
           </a:prstGeom>
           <a:ln>
-            <a:tailEnd type="triangle"/>
+            <a:solidFill>
+              <a:schemeClr val="tx1"/>
+            </a:solidFill>
+            <a:tailEnd type="none"/>
           </a:ln>
         </p:spPr>
         <p:style>
@@ -10650,20 +9974,23 @@
           <p:cNvCxnSpPr>
             <a:cxnSpLocks/>
             <a:stCxn id="18" idx="6"/>
-            <a:endCxn id="84" idx="1"/>
+            <a:endCxn id="160" idx="2"/>
           </p:cNvCxnSpPr>
           <p:nvPr/>
         </p:nvCxnSpPr>
         <p:spPr>
           <a:xfrm>
-            <a:off x="7355048" y="2190525"/>
-            <a:ext cx="2110157" cy="78478"/>
+            <a:off x="6281636" y="2190525"/>
+            <a:ext cx="2027478" cy="659667"/>
           </a:xfrm>
           <a:prstGeom prst="straightConnector1">
             <a:avLst/>
           </a:prstGeom>
           <a:ln>
-            <a:tailEnd type="triangle"/>
+            <a:solidFill>
+              <a:schemeClr val="tx1"/>
+            </a:solidFill>
+            <a:tailEnd type="none"/>
           </a:ln>
         </p:spPr>
         <p:style>
@@ -10693,20 +10020,23 @@
           <p:cNvCxnSpPr>
             <a:cxnSpLocks/>
             <a:stCxn id="18" idx="5"/>
-            <a:endCxn id="85" idx="1"/>
+            <a:endCxn id="163" idx="1"/>
           </p:cNvCxnSpPr>
           <p:nvPr/>
         </p:nvCxnSpPr>
         <p:spPr>
           <a:xfrm>
-            <a:off x="7275967" y="2381444"/>
-            <a:ext cx="2189238" cy="1454603"/>
+            <a:off x="6202555" y="2381444"/>
+            <a:ext cx="2156665" cy="1569125"/>
           </a:xfrm>
           <a:prstGeom prst="straightConnector1">
             <a:avLst/>
           </a:prstGeom>
           <a:ln>
-            <a:tailEnd type="triangle"/>
+            <a:solidFill>
+              <a:schemeClr val="tx1"/>
+            </a:solidFill>
+            <a:tailEnd type="none"/>
           </a:ln>
         </p:spPr>
         <p:style>
@@ -10736,20 +10066,23 @@
           <p:cNvCxnSpPr>
             <a:cxnSpLocks/>
             <a:stCxn id="90" idx="7"/>
-            <a:endCxn id="83" idx="2"/>
+            <a:endCxn id="158" idx="3"/>
           </p:cNvCxnSpPr>
           <p:nvPr/>
         </p:nvCxnSpPr>
         <p:spPr>
           <a:xfrm flipV="1">
-            <a:off x="7544834" y="1641600"/>
-            <a:ext cx="1841290" cy="1465914"/>
+            <a:off x="6471422" y="1866464"/>
+            <a:ext cx="1896387" cy="1241050"/>
           </a:xfrm>
           <a:prstGeom prst="straightConnector1">
             <a:avLst/>
           </a:prstGeom>
           <a:ln>
-            <a:tailEnd type="triangle"/>
+            <a:solidFill>
+              <a:schemeClr val="tx1"/>
+            </a:solidFill>
+            <a:tailEnd type="none"/>
           </a:ln>
         </p:spPr>
         <p:style>
@@ -10779,20 +10112,23 @@
           <p:cNvCxnSpPr>
             <a:cxnSpLocks/>
             <a:stCxn id="90" idx="6"/>
-            <a:endCxn id="84" idx="2"/>
+            <a:endCxn id="161" idx="2"/>
           </p:cNvCxnSpPr>
           <p:nvPr/>
         </p:nvCxnSpPr>
         <p:spPr>
           <a:xfrm flipV="1">
-            <a:off x="7623915" y="2459922"/>
-            <a:ext cx="1762209" cy="838511"/>
+            <a:off x="6550503" y="3073672"/>
+            <a:ext cx="1736491" cy="224761"/>
           </a:xfrm>
           <a:prstGeom prst="straightConnector1">
             <a:avLst/>
           </a:prstGeom>
           <a:ln>
-            <a:tailEnd type="triangle"/>
+            <a:solidFill>
+              <a:schemeClr val="tx1"/>
+            </a:solidFill>
+            <a:tailEnd type="none"/>
           </a:ln>
         </p:spPr>
         <p:style>
@@ -10820,21 +10156,25 @@
             </a:extLst>
           </p:cNvPr>
           <p:cNvCxnSpPr>
+            <a:cxnSpLocks/>
             <a:stCxn id="90" idx="5"/>
-            <a:endCxn id="85" idx="2"/>
+            <a:endCxn id="164" idx="1"/>
           </p:cNvCxnSpPr>
           <p:nvPr/>
         </p:nvCxnSpPr>
         <p:spPr>
           <a:xfrm>
-            <a:off x="7544834" y="3489352"/>
-            <a:ext cx="1841290" cy="537614"/>
+            <a:off x="6471422" y="3489352"/>
+            <a:ext cx="1796448" cy="703610"/>
           </a:xfrm>
           <a:prstGeom prst="straightConnector1">
             <a:avLst/>
           </a:prstGeom>
           <a:ln>
-            <a:tailEnd type="triangle"/>
+            <a:solidFill>
+              <a:schemeClr val="tx1"/>
+            </a:solidFill>
+            <a:tailEnd type="none"/>
           </a:ln>
         </p:spPr>
         <p:style>
@@ -10862,21 +10202,25 @@
             </a:extLst>
           </p:cNvPr>
           <p:cNvCxnSpPr>
+            <a:cxnSpLocks/>
             <a:stCxn id="20" idx="7"/>
-            <a:endCxn id="83" idx="3"/>
+            <a:endCxn id="159" idx="3"/>
           </p:cNvCxnSpPr>
           <p:nvPr/>
         </p:nvCxnSpPr>
         <p:spPr>
           <a:xfrm flipV="1">
-            <a:off x="7070956" y="1832519"/>
-            <a:ext cx="2394249" cy="2148663"/>
+            <a:off x="5997544" y="2048515"/>
+            <a:ext cx="2615393" cy="1932667"/>
           </a:xfrm>
           <a:prstGeom prst="straightConnector1">
             <a:avLst/>
           </a:prstGeom>
           <a:ln>
-            <a:tailEnd type="triangle"/>
+            <a:solidFill>
+              <a:schemeClr val="tx1"/>
+            </a:solidFill>
+            <a:tailEnd type="none"/>
           </a:ln>
         </p:spPr>
         <p:style>
@@ -10904,21 +10248,25 @@
             </a:extLst>
           </p:cNvPr>
           <p:cNvCxnSpPr>
+            <a:cxnSpLocks/>
             <a:stCxn id="20" idx="6"/>
-            <a:endCxn id="84" idx="3"/>
+            <a:endCxn id="162" idx="3"/>
           </p:cNvCxnSpPr>
           <p:nvPr/>
         </p:nvCxnSpPr>
         <p:spPr>
           <a:xfrm flipV="1">
-            <a:off x="7150037" y="2650841"/>
-            <a:ext cx="2315168" cy="1521260"/>
+            <a:off x="6076625" y="3319563"/>
+            <a:ext cx="2316789" cy="852538"/>
           </a:xfrm>
           <a:prstGeom prst="straightConnector1">
             <a:avLst/>
           </a:prstGeom>
           <a:ln>
-            <a:tailEnd type="triangle"/>
+            <a:solidFill>
+              <a:schemeClr val="tx1"/>
+            </a:solidFill>
+            <a:tailEnd type="none"/>
           </a:ln>
         </p:spPr>
         <p:style>
@@ -10946,21 +10294,25 @@
             </a:extLst>
           </p:cNvPr>
           <p:cNvCxnSpPr>
+            <a:cxnSpLocks/>
             <a:stCxn id="20" idx="5"/>
-            <a:endCxn id="85" idx="3"/>
+            <a:endCxn id="165" idx="2"/>
           </p:cNvCxnSpPr>
           <p:nvPr/>
         </p:nvCxnSpPr>
         <p:spPr>
-          <a:xfrm flipV="1">
-            <a:off x="7070956" y="4217885"/>
-            <a:ext cx="2394249" cy="145135"/>
+          <a:xfrm>
+            <a:off x="5997544" y="4363020"/>
+            <a:ext cx="2369510" cy="174773"/>
           </a:xfrm>
           <a:prstGeom prst="straightConnector1">
             <a:avLst/>
           </a:prstGeom>
           <a:ln>
-            <a:tailEnd type="triangle"/>
+            <a:solidFill>
+              <a:schemeClr val="tx1"/>
+            </a:solidFill>
+            <a:tailEnd type="none"/>
           </a:ln>
         </p:spPr>
         <p:style>
@@ -10992,8 +10344,8 @@
         </p:nvSpPr>
         <p:spPr>
           <a:xfrm>
-            <a:off x="1819261" y="338178"/>
-            <a:ext cx="1245528" cy="461665"/>
+            <a:off x="903856" y="338178"/>
+            <a:ext cx="954762" cy="461665"/>
           </a:xfrm>
           <a:prstGeom prst="rect">
             <a:avLst/>
@@ -11008,7 +10360,7 @@
           <a:p>
             <a:r>
               <a:rPr kumimoji="1" lang="ja-JP" altLang="en-US" sz="2400"/>
-              <a:t> 入力層</a:t>
+              <a:t> 入力</a:t>
             </a:r>
           </a:p>
         </p:txBody>
@@ -11027,7 +10379,7 @@
         </p:nvSpPr>
         <p:spPr>
           <a:xfrm>
-            <a:off x="5019480" y="338178"/>
+            <a:off x="4134901" y="338178"/>
             <a:ext cx="1804346" cy="461665"/>
           </a:xfrm>
           <a:prstGeom prst="rect">
@@ -11062,8 +10414,8 @@
         </p:nvSpPr>
         <p:spPr>
           <a:xfrm>
-            <a:off x="8969080" y="336745"/>
-            <a:ext cx="1245528" cy="461665"/>
+            <a:off x="9615124" y="366562"/>
+            <a:ext cx="910416" cy="461665"/>
           </a:xfrm>
           <a:prstGeom prst="rect">
             <a:avLst/>
@@ -11078,7 +10430,7 @@
           <a:p>
             <a:r>
               <a:rPr kumimoji="1" lang="ja-JP" altLang="en-US" sz="2400"/>
-              <a:t> 出力層</a:t>
+              <a:t> 出力</a:t>
             </a:r>
           </a:p>
         </p:txBody>
@@ -11099,7 +10451,7 @@
             </p:nvSpPr>
             <p:spPr>
               <a:xfrm>
-                <a:off x="3268080" y="388383"/>
+                <a:off x="2406655" y="5227454"/>
                 <a:ext cx="861646" cy="523220"/>
               </a:xfrm>
               <a:prstGeom prst="rect">
@@ -11113,6 +10465,7 @@
               </a:bodyPr>
               <a:lstStyle/>
               <a:p>
+                <a:pPr/>
                 <a14:m>
                   <m:oMathPara xmlns:m="http://schemas.openxmlformats.org/officeDocument/2006/math">
                     <m:oMathParaPr>
@@ -11169,7 +10522,7 @@
             </p:nvSpPr>
             <p:spPr>
               <a:xfrm>
-                <a:off x="3268080" y="388383"/>
+                <a:off x="2406655" y="5227454"/>
                 <a:ext cx="861646" cy="523220"/>
               </a:xfrm>
               <a:prstGeom prst="rect">
@@ -11178,7 +10531,7 @@
               <a:blipFill>
                 <a:blip r:embed="rId2"/>
                 <a:stretch>
-                  <a:fillRect b="-2381"/>
+                  <a:fillRect b="-4762"/>
                 </a:stretch>
               </a:blipFill>
             </p:spPr>
@@ -11213,7 +10566,7 @@
             </p:nvSpPr>
             <p:spPr>
               <a:xfrm>
-                <a:off x="5584631" y="1016555"/>
+                <a:off x="4959689" y="956992"/>
                 <a:ext cx="980589" cy="523220"/>
               </a:xfrm>
               <a:prstGeom prst="rect">
@@ -11227,6 +10580,7 @@
               </a:bodyPr>
               <a:lstStyle/>
               <a:p>
+                <a:pPr/>
                 <a14:m>
                   <m:oMathPara xmlns:m="http://schemas.openxmlformats.org/officeDocument/2006/math">
                     <m:oMathParaPr>
@@ -11283,7 +10637,7 @@
             </p:nvSpPr>
             <p:spPr>
               <a:xfrm>
-                <a:off x="5584631" y="1016555"/>
+                <a:off x="4959689" y="956992"/>
                 <a:ext cx="980589" cy="523220"/>
               </a:xfrm>
               <a:prstGeom prst="rect">
@@ -11327,7 +10681,7 @@
             </p:nvSpPr>
             <p:spPr>
               <a:xfrm>
-                <a:off x="7944406" y="372130"/>
+                <a:off x="6968796" y="5221864"/>
                 <a:ext cx="1042145" cy="523220"/>
               </a:xfrm>
               <a:prstGeom prst="rect">
@@ -11341,6 +10695,7 @@
               </a:bodyPr>
               <a:lstStyle/>
               <a:p>
+                <a:pPr/>
                 <a14:m>
                   <m:oMathPara xmlns:m="http://schemas.openxmlformats.org/officeDocument/2006/math">
                     <m:oMathParaPr>
@@ -11397,7 +10752,7 @@
             </p:nvSpPr>
             <p:spPr>
               <a:xfrm>
-                <a:off x="7944406" y="372130"/>
+                <a:off x="6968796" y="5221864"/>
                 <a:ext cx="1042145" cy="523220"/>
               </a:xfrm>
               <a:prstGeom prst="rect">
@@ -11406,7 +10761,7 @@
               <a:blipFill>
                 <a:blip r:embed="rId4"/>
                 <a:stretch>
-                  <a:fillRect b="-2381"/>
+                  <a:fillRect/>
                 </a:stretch>
               </a:blipFill>
             </p:spPr>
@@ -11441,7 +10796,7 @@
             </p:nvSpPr>
             <p:spPr>
               <a:xfrm>
-                <a:off x="2203972" y="5176363"/>
+                <a:off x="1130560" y="5176363"/>
                 <a:ext cx="532902" cy="523220"/>
               </a:xfrm>
               <a:prstGeom prst="rect">
@@ -11455,6 +10810,7 @@
               </a:bodyPr>
               <a:lstStyle/>
               <a:p>
+                <a:pPr/>
                 <a14:m>
                   <m:oMathPara xmlns:m="http://schemas.openxmlformats.org/officeDocument/2006/math">
                     <m:oMathParaPr>
@@ -11511,7 +10867,7 @@
             </p:nvSpPr>
             <p:spPr>
               <a:xfrm>
-                <a:off x="2203972" y="5176363"/>
+                <a:off x="1130560" y="5176363"/>
                 <a:ext cx="532902" cy="523220"/>
               </a:xfrm>
               <a:prstGeom prst="rect">
@@ -11520,7 +10876,7 @@
               <a:blipFill>
                 <a:blip r:embed="rId5"/>
                 <a:stretch>
-                  <a:fillRect r="-11628" b="-4762"/>
+                  <a:fillRect r="-9091" b="-4762"/>
                 </a:stretch>
               </a:blipFill>
             </p:spPr>
@@ -11555,7 +10911,7 @@
             </p:nvSpPr>
             <p:spPr>
               <a:xfrm>
-                <a:off x="9353791" y="5176363"/>
+                <a:off x="9622161" y="5176363"/>
                 <a:ext cx="904735" cy="523220"/>
               </a:xfrm>
               <a:prstGeom prst="rect">
@@ -11569,6 +10925,7 @@
               </a:bodyPr>
               <a:lstStyle/>
               <a:p>
+                <a:pPr/>
                 <a14:m>
                   <m:oMathPara xmlns:m="http://schemas.openxmlformats.org/officeDocument/2006/math">
                     <m:oMathParaPr>
@@ -11625,7 +10982,7 @@
             </p:nvSpPr>
             <p:spPr>
               <a:xfrm>
-                <a:off x="9353791" y="5176363"/>
+                <a:off x="9622161" y="5176363"/>
                 <a:ext cx="904735" cy="523220"/>
               </a:xfrm>
               <a:prstGeom prst="rect">
@@ -11669,7 +11026,7 @@
             </p:nvSpPr>
             <p:spPr>
               <a:xfrm>
-                <a:off x="5902663" y="5221755"/>
+                <a:off x="4829251" y="5301267"/>
                 <a:ext cx="304250" cy="430887"/>
               </a:xfrm>
               <a:prstGeom prst="rect">
@@ -11683,6 +11040,7 @@
               </a:bodyPr>
               <a:lstStyle/>
               <a:p>
+                <a:pPr/>
                 <a14:m>
                   <m:oMathPara xmlns:m="http://schemas.openxmlformats.org/officeDocument/2006/math">
                     <m:oMathParaPr>
@@ -11720,7 +11078,7 @@
             </p:nvSpPr>
             <p:spPr>
               <a:xfrm>
-                <a:off x="5902663" y="5221755"/>
+                <a:off x="4829251" y="5301267"/>
                 <a:ext cx="304250" cy="430887"/>
               </a:xfrm>
               <a:prstGeom prst="rect">
@@ -11729,7 +11087,7 @@
               <a:blipFill>
                 <a:blip r:embed="rId7"/>
                 <a:stretch>
-                  <a:fillRect l="-8000" r="-8000"/>
+                  <a:fillRect l="-12000" r="-8000"/>
                 </a:stretch>
               </a:blipFill>
             </p:spPr>
@@ -11748,6 +11106,1864 @@
           </p:sp>
         </mc:Fallback>
       </mc:AlternateContent>
+      <p:cxnSp>
+        <p:nvCxnSpPr>
+          <p:cNvPr id="5" name="曲線コネクタ 4">
+            <a:extLst>
+              <a:ext uri="{FF2B5EF4-FFF2-40B4-BE49-F238E27FC236}">
+                <a16:creationId xmlns:a16="http://schemas.microsoft.com/office/drawing/2014/main" id="{585AEB94-63A9-08D6-CF55-CF43CD8A5CD0}"/>
+              </a:ext>
+            </a:extLst>
+          </p:cNvPr>
+          <p:cNvCxnSpPr>
+            <a:cxnSpLocks/>
+            <a:stCxn id="18" idx="4"/>
+            <a:endCxn id="148" idx="7"/>
+          </p:cNvCxnSpPr>
+          <p:nvPr/>
+        </p:nvCxnSpPr>
+        <p:spPr>
+          <a:xfrm rot="5400000">
+            <a:off x="4619704" y="2664781"/>
+            <a:ext cx="1596188" cy="1187676"/>
+          </a:xfrm>
+          <a:prstGeom prst="curvedConnector3">
+            <a:avLst>
+              <a:gd name="adj1" fmla="val 50000"/>
+            </a:avLst>
+          </a:prstGeom>
+          <a:ln>
+            <a:tailEnd type="none"/>
+          </a:ln>
+        </p:spPr>
+        <p:style>
+          <a:lnRef idx="1">
+            <a:schemeClr val="dk1"/>
+          </a:lnRef>
+          <a:fillRef idx="0">
+            <a:schemeClr val="dk1"/>
+          </a:fillRef>
+          <a:effectRef idx="0">
+            <a:schemeClr val="dk1"/>
+          </a:effectRef>
+          <a:fontRef idx="minor">
+            <a:schemeClr val="tx1"/>
+          </a:fontRef>
+        </p:style>
+      </p:cxnSp>
+      <p:cxnSp>
+        <p:nvCxnSpPr>
+          <p:cNvPr id="16" name="曲線コネクタ 15">
+            <a:extLst>
+              <a:ext uri="{FF2B5EF4-FFF2-40B4-BE49-F238E27FC236}">
+                <a16:creationId xmlns:a16="http://schemas.microsoft.com/office/drawing/2014/main" id="{869A70A4-DF0A-241F-3E59-D287AAD7ACD6}"/>
+              </a:ext>
+            </a:extLst>
+          </p:cNvPr>
+          <p:cNvCxnSpPr>
+            <a:cxnSpLocks/>
+            <a:stCxn id="90" idx="0"/>
+            <a:endCxn id="106" idx="7"/>
+          </p:cNvCxnSpPr>
+          <p:nvPr/>
+        </p:nvCxnSpPr>
+        <p:spPr>
+          <a:xfrm rot="16200000" flipV="1">
+            <a:off x="5206642" y="1954572"/>
+            <a:ext cx="15327" cy="2132396"/>
+          </a:xfrm>
+          <a:prstGeom prst="curvedConnector3">
+            <a:avLst>
+              <a:gd name="adj1" fmla="val 790748"/>
+            </a:avLst>
+          </a:prstGeom>
+          <a:ln>
+            <a:tailEnd type="none"/>
+          </a:ln>
+        </p:spPr>
+        <p:style>
+          <a:lnRef idx="1">
+            <a:schemeClr val="dk1"/>
+          </a:lnRef>
+          <a:fillRef idx="0">
+            <a:schemeClr val="dk1"/>
+          </a:fillRef>
+          <a:effectRef idx="0">
+            <a:schemeClr val="dk1"/>
+          </a:effectRef>
+          <a:fontRef idx="minor">
+            <a:schemeClr val="tx1"/>
+          </a:fontRef>
+        </p:style>
+      </p:cxnSp>
+      <p:sp>
+        <p:nvSpPr>
+          <p:cNvPr id="25" name="円/楕円 24">
+            <a:extLst>
+              <a:ext uri="{FF2B5EF4-FFF2-40B4-BE49-F238E27FC236}">
+                <a16:creationId xmlns:a16="http://schemas.microsoft.com/office/drawing/2014/main" id="{C295A0B2-564A-C734-9A13-AA1AE67BBD6A}"/>
+              </a:ext>
+            </a:extLst>
+          </p:cNvPr>
+          <p:cNvSpPr/>
+          <p:nvPr/>
+        </p:nvSpPr>
+        <p:spPr>
+          <a:xfrm>
+            <a:off x="1305171" y="1796945"/>
+            <a:ext cx="180000" cy="180000"/>
+          </a:xfrm>
+          <a:prstGeom prst="ellipse">
+            <a:avLst/>
+          </a:prstGeom>
+          <a:solidFill>
+            <a:schemeClr val="tx1"/>
+          </a:solidFill>
+          <a:ln>
+            <a:noFill/>
+          </a:ln>
+        </p:spPr>
+        <p:style>
+          <a:lnRef idx="2">
+            <a:schemeClr val="dk1"/>
+          </a:lnRef>
+          <a:fillRef idx="1">
+            <a:schemeClr val="lt1"/>
+          </a:fillRef>
+          <a:effectRef idx="0">
+            <a:schemeClr val="dk1"/>
+          </a:effectRef>
+          <a:fontRef idx="minor">
+            <a:schemeClr val="dk1"/>
+          </a:fontRef>
+        </p:style>
+        <p:txBody>
+          <a:bodyPr rtlCol="0" anchor="ctr"/>
+          <a:lstStyle/>
+          <a:p>
+            <a:pPr algn="ctr"/>
+            <a:endParaRPr kumimoji="1" lang="ja-JP" altLang="en-US"/>
+          </a:p>
+        </p:txBody>
+      </p:sp>
+      <p:sp>
+        <p:nvSpPr>
+          <p:cNvPr id="35" name="円/楕円 34">
+            <a:extLst>
+              <a:ext uri="{FF2B5EF4-FFF2-40B4-BE49-F238E27FC236}">
+                <a16:creationId xmlns:a16="http://schemas.microsoft.com/office/drawing/2014/main" id="{1B7F761D-C44B-41BB-B42A-0CC180D4EC5B}"/>
+              </a:ext>
+            </a:extLst>
+          </p:cNvPr>
+          <p:cNvSpPr/>
+          <p:nvPr/>
+        </p:nvSpPr>
+        <p:spPr>
+          <a:xfrm>
+            <a:off x="1305171" y="2753325"/>
+            <a:ext cx="180000" cy="180000"/>
+          </a:xfrm>
+          <a:prstGeom prst="ellipse">
+            <a:avLst/>
+          </a:prstGeom>
+          <a:solidFill>
+            <a:schemeClr val="tx1"/>
+          </a:solidFill>
+          <a:ln>
+            <a:noFill/>
+          </a:ln>
+        </p:spPr>
+        <p:style>
+          <a:lnRef idx="2">
+            <a:schemeClr val="dk1"/>
+          </a:lnRef>
+          <a:fillRef idx="1">
+            <a:schemeClr val="lt1"/>
+          </a:fillRef>
+          <a:effectRef idx="0">
+            <a:schemeClr val="dk1"/>
+          </a:effectRef>
+          <a:fontRef idx="minor">
+            <a:schemeClr val="dk1"/>
+          </a:fontRef>
+        </p:style>
+        <p:txBody>
+          <a:bodyPr rtlCol="0" anchor="ctr"/>
+          <a:lstStyle/>
+          <a:p>
+            <a:pPr algn="ctr"/>
+            <a:endParaRPr kumimoji="1" lang="ja-JP" altLang="en-US"/>
+          </a:p>
+        </p:txBody>
+      </p:sp>
+      <p:sp>
+        <p:nvSpPr>
+          <p:cNvPr id="36" name="円/楕円 35">
+            <a:extLst>
+              <a:ext uri="{FF2B5EF4-FFF2-40B4-BE49-F238E27FC236}">
+                <a16:creationId xmlns:a16="http://schemas.microsoft.com/office/drawing/2014/main" id="{40750BB6-DA60-3399-A4EE-3A7C2C318229}"/>
+              </a:ext>
+            </a:extLst>
+          </p:cNvPr>
+          <p:cNvSpPr/>
+          <p:nvPr/>
+        </p:nvSpPr>
+        <p:spPr>
+          <a:xfrm>
+            <a:off x="1305171" y="3705410"/>
+            <a:ext cx="180000" cy="180000"/>
+          </a:xfrm>
+          <a:prstGeom prst="ellipse">
+            <a:avLst/>
+          </a:prstGeom>
+          <a:solidFill>
+            <a:schemeClr val="tx1"/>
+          </a:solidFill>
+          <a:ln>
+            <a:noFill/>
+          </a:ln>
+        </p:spPr>
+        <p:style>
+          <a:lnRef idx="2">
+            <a:schemeClr val="dk1"/>
+          </a:lnRef>
+          <a:fillRef idx="1">
+            <a:schemeClr val="lt1"/>
+          </a:fillRef>
+          <a:effectRef idx="0">
+            <a:schemeClr val="dk1"/>
+          </a:effectRef>
+          <a:fontRef idx="minor">
+            <a:schemeClr val="dk1"/>
+          </a:fontRef>
+        </p:style>
+        <p:txBody>
+          <a:bodyPr rtlCol="0" anchor="ctr"/>
+          <a:lstStyle/>
+          <a:p>
+            <a:pPr algn="ctr"/>
+            <a:endParaRPr kumimoji="1" lang="ja-JP" altLang="en-US"/>
+          </a:p>
+        </p:txBody>
+      </p:sp>
+      <p:sp>
+        <p:nvSpPr>
+          <p:cNvPr id="44" name="円/楕円 43">
+            <a:extLst>
+              <a:ext uri="{FF2B5EF4-FFF2-40B4-BE49-F238E27FC236}">
+                <a16:creationId xmlns:a16="http://schemas.microsoft.com/office/drawing/2014/main" id="{69D61D9B-B404-A6AB-1B37-6B3F532D96B7}"/>
+              </a:ext>
+            </a:extLst>
+          </p:cNvPr>
+          <p:cNvSpPr/>
+          <p:nvPr/>
+        </p:nvSpPr>
+        <p:spPr>
+          <a:xfrm>
+            <a:off x="9986309" y="1897791"/>
+            <a:ext cx="180000" cy="180000"/>
+          </a:xfrm>
+          <a:prstGeom prst="ellipse">
+            <a:avLst/>
+          </a:prstGeom>
+          <a:solidFill>
+            <a:schemeClr val="tx1"/>
+          </a:solidFill>
+        </p:spPr>
+        <p:style>
+          <a:lnRef idx="2">
+            <a:schemeClr val="dk1"/>
+          </a:lnRef>
+          <a:fillRef idx="1">
+            <a:schemeClr val="lt1"/>
+          </a:fillRef>
+          <a:effectRef idx="0">
+            <a:schemeClr val="dk1"/>
+          </a:effectRef>
+          <a:fontRef idx="minor">
+            <a:schemeClr val="dk1"/>
+          </a:fontRef>
+        </p:style>
+        <p:txBody>
+          <a:bodyPr rtlCol="0" anchor="ctr"/>
+          <a:lstStyle/>
+          <a:p>
+            <a:pPr algn="ctr"/>
+            <a:endParaRPr kumimoji="1" lang="ja-JP" altLang="en-US"/>
+          </a:p>
+        </p:txBody>
+      </p:sp>
+      <p:sp>
+        <p:nvSpPr>
+          <p:cNvPr id="50" name="円/楕円 49">
+            <a:extLst>
+              <a:ext uri="{FF2B5EF4-FFF2-40B4-BE49-F238E27FC236}">
+                <a16:creationId xmlns:a16="http://schemas.microsoft.com/office/drawing/2014/main" id="{42D437BB-8A05-BA5A-7BDD-1803708EE211}"/>
+              </a:ext>
+            </a:extLst>
+          </p:cNvPr>
+          <p:cNvSpPr/>
+          <p:nvPr/>
+        </p:nvSpPr>
+        <p:spPr>
+          <a:xfrm>
+            <a:off x="9986311" y="3705410"/>
+            <a:ext cx="180000" cy="180000"/>
+          </a:xfrm>
+          <a:prstGeom prst="ellipse">
+            <a:avLst/>
+          </a:prstGeom>
+          <a:solidFill>
+            <a:schemeClr val="tx1"/>
+          </a:solidFill>
+        </p:spPr>
+        <p:style>
+          <a:lnRef idx="2">
+            <a:schemeClr val="dk1"/>
+          </a:lnRef>
+          <a:fillRef idx="1">
+            <a:schemeClr val="lt1"/>
+          </a:fillRef>
+          <a:effectRef idx="0">
+            <a:schemeClr val="dk1"/>
+          </a:effectRef>
+          <a:fontRef idx="minor">
+            <a:schemeClr val="dk1"/>
+          </a:fontRef>
+        </p:style>
+        <p:txBody>
+          <a:bodyPr rtlCol="0" anchor="ctr"/>
+          <a:lstStyle/>
+          <a:p>
+            <a:pPr algn="ctr"/>
+            <a:endParaRPr kumimoji="1" lang="ja-JP" altLang="en-US"/>
+          </a:p>
+        </p:txBody>
+      </p:sp>
+      <p:sp>
+        <p:nvSpPr>
+          <p:cNvPr id="51" name="円/楕円 50">
+            <a:extLst>
+              <a:ext uri="{FF2B5EF4-FFF2-40B4-BE49-F238E27FC236}">
+                <a16:creationId xmlns:a16="http://schemas.microsoft.com/office/drawing/2014/main" id="{EC6ABC60-1042-3EC1-8ADE-469A10B805E2}"/>
+              </a:ext>
+            </a:extLst>
+          </p:cNvPr>
+          <p:cNvSpPr/>
+          <p:nvPr/>
+        </p:nvSpPr>
+        <p:spPr>
+          <a:xfrm>
+            <a:off x="9986309" y="2762805"/>
+            <a:ext cx="180000" cy="180000"/>
+          </a:xfrm>
+          <a:prstGeom prst="ellipse">
+            <a:avLst/>
+          </a:prstGeom>
+          <a:solidFill>
+            <a:schemeClr val="tx1"/>
+          </a:solidFill>
+        </p:spPr>
+        <p:style>
+          <a:lnRef idx="2">
+            <a:schemeClr val="dk1"/>
+          </a:lnRef>
+          <a:fillRef idx="1">
+            <a:schemeClr val="lt1"/>
+          </a:fillRef>
+          <a:effectRef idx="0">
+            <a:schemeClr val="dk1"/>
+          </a:effectRef>
+          <a:fontRef idx="minor">
+            <a:schemeClr val="dk1"/>
+          </a:fontRef>
+        </p:style>
+        <p:txBody>
+          <a:bodyPr rtlCol="0" anchor="ctr"/>
+          <a:lstStyle/>
+          <a:p>
+            <a:pPr algn="ctr"/>
+            <a:endParaRPr kumimoji="1" lang="ja-JP" altLang="en-US"/>
+          </a:p>
+        </p:txBody>
+      </p:sp>
+      <p:sp>
+        <p:nvSpPr>
+          <p:cNvPr id="67" name="円/楕円 66">
+            <a:extLst>
+              <a:ext uri="{FF2B5EF4-FFF2-40B4-BE49-F238E27FC236}">
+                <a16:creationId xmlns:a16="http://schemas.microsoft.com/office/drawing/2014/main" id="{2EC4FDD1-7BAC-38D8-9EEF-40CD09AF77C0}"/>
+              </a:ext>
+            </a:extLst>
+          </p:cNvPr>
+          <p:cNvSpPr/>
+          <p:nvPr/>
+        </p:nvSpPr>
+        <p:spPr>
+          <a:xfrm>
+            <a:off x="3434556" y="1353416"/>
+            <a:ext cx="180000" cy="180000"/>
+          </a:xfrm>
+          <a:prstGeom prst="ellipse">
+            <a:avLst/>
+          </a:prstGeom>
+          <a:noFill/>
+        </p:spPr>
+        <p:style>
+          <a:lnRef idx="2">
+            <a:schemeClr val="dk1"/>
+          </a:lnRef>
+          <a:fillRef idx="1">
+            <a:schemeClr val="lt1"/>
+          </a:fillRef>
+          <a:effectRef idx="0">
+            <a:schemeClr val="dk1"/>
+          </a:effectRef>
+          <a:fontRef idx="minor">
+            <a:schemeClr val="dk1"/>
+          </a:fontRef>
+        </p:style>
+        <p:txBody>
+          <a:bodyPr rtlCol="0" anchor="ctr"/>
+          <a:lstStyle/>
+          <a:p>
+            <a:pPr algn="ctr"/>
+            <a:endParaRPr kumimoji="1" lang="ja-JP" altLang="en-US"/>
+          </a:p>
+        </p:txBody>
+      </p:sp>
+      <p:sp>
+        <p:nvSpPr>
+          <p:cNvPr id="72" name="円/楕円 71">
+            <a:extLst>
+              <a:ext uri="{FF2B5EF4-FFF2-40B4-BE49-F238E27FC236}">
+                <a16:creationId xmlns:a16="http://schemas.microsoft.com/office/drawing/2014/main" id="{DFDEAB87-A649-96CE-32CC-B432D12AF362}"/>
+              </a:ext>
+            </a:extLst>
+          </p:cNvPr>
+          <p:cNvSpPr/>
+          <p:nvPr/>
+        </p:nvSpPr>
+        <p:spPr>
+          <a:xfrm>
+            <a:off x="3567078" y="1644962"/>
+            <a:ext cx="180000" cy="180000"/>
+          </a:xfrm>
+          <a:prstGeom prst="ellipse">
+            <a:avLst/>
+          </a:prstGeom>
+          <a:noFill/>
+        </p:spPr>
+        <p:style>
+          <a:lnRef idx="2">
+            <a:schemeClr val="dk1"/>
+          </a:lnRef>
+          <a:fillRef idx="1">
+            <a:schemeClr val="lt1"/>
+          </a:fillRef>
+          <a:effectRef idx="0">
+            <a:schemeClr val="dk1"/>
+          </a:effectRef>
+          <a:fontRef idx="minor">
+            <a:schemeClr val="dk1"/>
+          </a:fontRef>
+        </p:style>
+        <p:txBody>
+          <a:bodyPr rtlCol="0" anchor="ctr"/>
+          <a:lstStyle/>
+          <a:p>
+            <a:pPr algn="ctr"/>
+            <a:endParaRPr kumimoji="1" lang="ja-JP" altLang="en-US"/>
+          </a:p>
+        </p:txBody>
+      </p:sp>
+      <p:sp>
+        <p:nvSpPr>
+          <p:cNvPr id="80" name="円/楕円 79">
+            <a:extLst>
+              <a:ext uri="{FF2B5EF4-FFF2-40B4-BE49-F238E27FC236}">
+                <a16:creationId xmlns:a16="http://schemas.microsoft.com/office/drawing/2014/main" id="{C66165AB-7690-09BF-18A7-A0BE50DBF1E2}"/>
+              </a:ext>
+            </a:extLst>
+          </p:cNvPr>
+          <p:cNvSpPr/>
+          <p:nvPr/>
+        </p:nvSpPr>
+        <p:spPr>
+          <a:xfrm>
+            <a:off x="4372148" y="2072346"/>
+            <a:ext cx="180000" cy="180000"/>
+          </a:xfrm>
+          <a:prstGeom prst="ellipse">
+            <a:avLst/>
+          </a:prstGeom>
+          <a:noFill/>
+        </p:spPr>
+        <p:style>
+          <a:lnRef idx="2">
+            <a:schemeClr val="dk1"/>
+          </a:lnRef>
+          <a:fillRef idx="1">
+            <a:schemeClr val="lt1"/>
+          </a:fillRef>
+          <a:effectRef idx="0">
+            <a:schemeClr val="dk1"/>
+          </a:effectRef>
+          <a:fontRef idx="minor">
+            <a:schemeClr val="dk1"/>
+          </a:fontRef>
+        </p:style>
+        <p:txBody>
+          <a:bodyPr rtlCol="0" anchor="ctr"/>
+          <a:lstStyle/>
+          <a:p>
+            <a:pPr algn="ctr"/>
+            <a:endParaRPr kumimoji="1" lang="ja-JP" altLang="en-US"/>
+          </a:p>
+        </p:txBody>
+      </p:sp>
+      <p:sp>
+        <p:nvSpPr>
+          <p:cNvPr id="99" name="円/楕円 98">
+            <a:extLst>
+              <a:ext uri="{FF2B5EF4-FFF2-40B4-BE49-F238E27FC236}">
+                <a16:creationId xmlns:a16="http://schemas.microsoft.com/office/drawing/2014/main" id="{D7421EF4-39FB-5266-BE2F-7B2D923C5CDC}"/>
+              </a:ext>
+            </a:extLst>
+          </p:cNvPr>
+          <p:cNvSpPr/>
+          <p:nvPr/>
+        </p:nvSpPr>
+        <p:spPr>
+          <a:xfrm>
+            <a:off x="5677488" y="1807304"/>
+            <a:ext cx="180000" cy="180000"/>
+          </a:xfrm>
+          <a:prstGeom prst="ellipse">
+            <a:avLst/>
+          </a:prstGeom>
+          <a:noFill/>
+        </p:spPr>
+        <p:style>
+          <a:lnRef idx="2">
+            <a:schemeClr val="dk1"/>
+          </a:lnRef>
+          <a:fillRef idx="1">
+            <a:schemeClr val="lt1"/>
+          </a:fillRef>
+          <a:effectRef idx="0">
+            <a:schemeClr val="dk1"/>
+          </a:effectRef>
+          <a:fontRef idx="minor">
+            <a:schemeClr val="dk1"/>
+          </a:fontRef>
+        </p:style>
+        <p:txBody>
+          <a:bodyPr rtlCol="0" anchor="ctr"/>
+          <a:lstStyle/>
+          <a:p>
+            <a:pPr algn="ctr"/>
+            <a:endParaRPr kumimoji="1" lang="ja-JP" altLang="en-US"/>
+          </a:p>
+        </p:txBody>
+      </p:sp>
+      <p:sp>
+        <p:nvSpPr>
+          <p:cNvPr id="101" name="円/楕円 100">
+            <a:extLst>
+              <a:ext uri="{FF2B5EF4-FFF2-40B4-BE49-F238E27FC236}">
+                <a16:creationId xmlns:a16="http://schemas.microsoft.com/office/drawing/2014/main" id="{75DA3B09-8800-DE52-D91C-FF3257902752}"/>
+              </a:ext>
+            </a:extLst>
+          </p:cNvPr>
+          <p:cNvSpPr/>
+          <p:nvPr/>
+        </p:nvSpPr>
+        <p:spPr>
+          <a:xfrm>
+            <a:off x="5621164" y="2317512"/>
+            <a:ext cx="180000" cy="180000"/>
+          </a:xfrm>
+          <a:prstGeom prst="ellipse">
+            <a:avLst/>
+          </a:prstGeom>
+          <a:noFill/>
+        </p:spPr>
+        <p:style>
+          <a:lnRef idx="2">
+            <a:schemeClr val="dk1"/>
+          </a:lnRef>
+          <a:fillRef idx="1">
+            <a:schemeClr val="lt1"/>
+          </a:fillRef>
+          <a:effectRef idx="0">
+            <a:schemeClr val="dk1"/>
+          </a:effectRef>
+          <a:fontRef idx="minor">
+            <a:schemeClr val="dk1"/>
+          </a:fontRef>
+        </p:style>
+        <p:txBody>
+          <a:bodyPr rtlCol="0" anchor="ctr"/>
+          <a:lstStyle/>
+          <a:p>
+            <a:pPr algn="ctr"/>
+            <a:endParaRPr kumimoji="1" lang="ja-JP" altLang="en-US"/>
+          </a:p>
+        </p:txBody>
+      </p:sp>
+      <p:sp>
+        <p:nvSpPr>
+          <p:cNvPr id="102" name="円/楕円 101">
+            <a:extLst>
+              <a:ext uri="{FF2B5EF4-FFF2-40B4-BE49-F238E27FC236}">
+                <a16:creationId xmlns:a16="http://schemas.microsoft.com/office/drawing/2014/main" id="{7D7D35D1-568E-FB54-C3C6-108885AC2636}"/>
+              </a:ext>
+            </a:extLst>
+          </p:cNvPr>
+          <p:cNvSpPr/>
+          <p:nvPr/>
+        </p:nvSpPr>
+        <p:spPr>
+          <a:xfrm>
+            <a:off x="3497502" y="3056321"/>
+            <a:ext cx="180000" cy="180000"/>
+          </a:xfrm>
+          <a:prstGeom prst="ellipse">
+            <a:avLst/>
+          </a:prstGeom>
+          <a:noFill/>
+        </p:spPr>
+        <p:style>
+          <a:lnRef idx="2">
+            <a:schemeClr val="dk1"/>
+          </a:lnRef>
+          <a:fillRef idx="1">
+            <a:schemeClr val="lt1"/>
+          </a:fillRef>
+          <a:effectRef idx="0">
+            <a:schemeClr val="dk1"/>
+          </a:effectRef>
+          <a:fontRef idx="minor">
+            <a:schemeClr val="dk1"/>
+          </a:fontRef>
+        </p:style>
+        <p:txBody>
+          <a:bodyPr rtlCol="0" anchor="ctr"/>
+          <a:lstStyle/>
+          <a:p>
+            <a:pPr algn="ctr"/>
+            <a:endParaRPr kumimoji="1" lang="ja-JP" altLang="en-US"/>
+          </a:p>
+        </p:txBody>
+      </p:sp>
+      <p:sp>
+        <p:nvSpPr>
+          <p:cNvPr id="103" name="円/楕円 102">
+            <a:extLst>
+              <a:ext uri="{FF2B5EF4-FFF2-40B4-BE49-F238E27FC236}">
+                <a16:creationId xmlns:a16="http://schemas.microsoft.com/office/drawing/2014/main" id="{D3930DB2-E42B-C125-F5AD-28C21EA23477}"/>
+              </a:ext>
+            </a:extLst>
+          </p:cNvPr>
+          <p:cNvSpPr/>
+          <p:nvPr/>
+        </p:nvSpPr>
+        <p:spPr>
+          <a:xfrm>
+            <a:off x="3411362" y="3347866"/>
+            <a:ext cx="180000" cy="180000"/>
+          </a:xfrm>
+          <a:prstGeom prst="ellipse">
+            <a:avLst/>
+          </a:prstGeom>
+          <a:noFill/>
+        </p:spPr>
+        <p:style>
+          <a:lnRef idx="2">
+            <a:schemeClr val="dk1"/>
+          </a:lnRef>
+          <a:fillRef idx="1">
+            <a:schemeClr val="lt1"/>
+          </a:fillRef>
+          <a:effectRef idx="0">
+            <a:schemeClr val="dk1"/>
+          </a:effectRef>
+          <a:fontRef idx="minor">
+            <a:schemeClr val="dk1"/>
+          </a:fontRef>
+        </p:style>
+        <p:txBody>
+          <a:bodyPr rtlCol="0" anchor="ctr"/>
+          <a:lstStyle/>
+          <a:p>
+            <a:pPr algn="ctr"/>
+            <a:endParaRPr kumimoji="1" lang="ja-JP" altLang="en-US"/>
+          </a:p>
+        </p:txBody>
+      </p:sp>
+      <p:sp>
+        <p:nvSpPr>
+          <p:cNvPr id="105" name="円/楕円 104">
+            <a:extLst>
+              <a:ext uri="{FF2B5EF4-FFF2-40B4-BE49-F238E27FC236}">
+                <a16:creationId xmlns:a16="http://schemas.microsoft.com/office/drawing/2014/main" id="{EE7C726A-2C55-B26E-28BA-5895E2F567F4}"/>
+              </a:ext>
+            </a:extLst>
+          </p:cNvPr>
+          <p:cNvSpPr/>
+          <p:nvPr/>
+        </p:nvSpPr>
+        <p:spPr>
+          <a:xfrm>
+            <a:off x="4209811" y="2348272"/>
+            <a:ext cx="180000" cy="198000"/>
+          </a:xfrm>
+          <a:prstGeom prst="ellipse">
+            <a:avLst/>
+          </a:prstGeom>
+          <a:noFill/>
+        </p:spPr>
+        <p:style>
+          <a:lnRef idx="2">
+            <a:schemeClr val="dk1"/>
+          </a:lnRef>
+          <a:fillRef idx="1">
+            <a:schemeClr val="lt1"/>
+          </a:fillRef>
+          <a:effectRef idx="0">
+            <a:schemeClr val="dk1"/>
+          </a:effectRef>
+          <a:fontRef idx="minor">
+            <a:schemeClr val="dk1"/>
+          </a:fontRef>
+        </p:style>
+        <p:txBody>
+          <a:bodyPr rtlCol="0" anchor="ctr"/>
+          <a:lstStyle/>
+          <a:p>
+            <a:pPr algn="ctr"/>
+            <a:endParaRPr kumimoji="1" lang="ja-JP" altLang="en-US"/>
+          </a:p>
+        </p:txBody>
+      </p:sp>
+      <p:sp>
+        <p:nvSpPr>
+          <p:cNvPr id="106" name="円/楕円 105">
+            <a:extLst>
+              <a:ext uri="{FF2B5EF4-FFF2-40B4-BE49-F238E27FC236}">
+                <a16:creationId xmlns:a16="http://schemas.microsoft.com/office/drawing/2014/main" id="{9D574271-91C7-4117-C38E-4576714A6514}"/>
+              </a:ext>
+            </a:extLst>
+          </p:cNvPr>
+          <p:cNvSpPr/>
+          <p:nvPr/>
+        </p:nvSpPr>
+        <p:spPr>
+          <a:xfrm>
+            <a:off x="3994467" y="2986746"/>
+            <a:ext cx="180000" cy="180000"/>
+          </a:xfrm>
+          <a:prstGeom prst="ellipse">
+            <a:avLst/>
+          </a:prstGeom>
+          <a:noFill/>
+        </p:spPr>
+        <p:style>
+          <a:lnRef idx="2">
+            <a:schemeClr val="dk1"/>
+          </a:lnRef>
+          <a:fillRef idx="1">
+            <a:schemeClr val="lt1"/>
+          </a:fillRef>
+          <a:effectRef idx="0">
+            <a:schemeClr val="dk1"/>
+          </a:effectRef>
+          <a:fontRef idx="minor">
+            <a:schemeClr val="dk1"/>
+          </a:fontRef>
+        </p:style>
+        <p:txBody>
+          <a:bodyPr rtlCol="0" anchor="ctr"/>
+          <a:lstStyle/>
+          <a:p>
+            <a:pPr algn="ctr"/>
+            <a:endParaRPr kumimoji="1" lang="ja-JP" altLang="en-US"/>
+          </a:p>
+        </p:txBody>
+      </p:sp>
+      <p:sp>
+        <p:nvSpPr>
+          <p:cNvPr id="107" name="円/楕円 106">
+            <a:extLst>
+              <a:ext uri="{FF2B5EF4-FFF2-40B4-BE49-F238E27FC236}">
+                <a16:creationId xmlns:a16="http://schemas.microsoft.com/office/drawing/2014/main" id="{60982DE3-6BCA-C576-6145-015E91A06674}"/>
+              </a:ext>
+            </a:extLst>
+          </p:cNvPr>
+          <p:cNvSpPr/>
+          <p:nvPr/>
+        </p:nvSpPr>
+        <p:spPr>
+          <a:xfrm>
+            <a:off x="4089101" y="4004270"/>
+            <a:ext cx="180000" cy="180000"/>
+          </a:xfrm>
+          <a:prstGeom prst="ellipse">
+            <a:avLst/>
+          </a:prstGeom>
+          <a:noFill/>
+        </p:spPr>
+        <p:style>
+          <a:lnRef idx="2">
+            <a:schemeClr val="dk1"/>
+          </a:lnRef>
+          <a:fillRef idx="1">
+            <a:schemeClr val="lt1"/>
+          </a:fillRef>
+          <a:effectRef idx="0">
+            <a:schemeClr val="dk1"/>
+          </a:effectRef>
+          <a:fontRef idx="minor">
+            <a:schemeClr val="dk1"/>
+          </a:fontRef>
+        </p:style>
+        <p:txBody>
+          <a:bodyPr rtlCol="0" anchor="ctr"/>
+          <a:lstStyle/>
+          <a:p>
+            <a:pPr algn="ctr"/>
+            <a:endParaRPr kumimoji="1" lang="ja-JP" altLang="en-US"/>
+          </a:p>
+        </p:txBody>
+      </p:sp>
+      <p:sp>
+        <p:nvSpPr>
+          <p:cNvPr id="108" name="円/楕円 107">
+            <a:extLst>
+              <a:ext uri="{FF2B5EF4-FFF2-40B4-BE49-F238E27FC236}">
+                <a16:creationId xmlns:a16="http://schemas.microsoft.com/office/drawing/2014/main" id="{FFD387D6-86AC-F32C-48A4-CF873C3026F3}"/>
+              </a:ext>
+            </a:extLst>
+          </p:cNvPr>
+          <p:cNvSpPr/>
+          <p:nvPr/>
+        </p:nvSpPr>
+        <p:spPr>
+          <a:xfrm>
+            <a:off x="4011025" y="4235763"/>
+            <a:ext cx="180000" cy="180000"/>
+          </a:xfrm>
+          <a:prstGeom prst="ellipse">
+            <a:avLst/>
+          </a:prstGeom>
+          <a:noFill/>
+        </p:spPr>
+        <p:style>
+          <a:lnRef idx="2">
+            <a:schemeClr val="dk1"/>
+          </a:lnRef>
+          <a:fillRef idx="1">
+            <a:schemeClr val="lt1"/>
+          </a:fillRef>
+          <a:effectRef idx="0">
+            <a:schemeClr val="dk1"/>
+          </a:effectRef>
+          <a:fontRef idx="minor">
+            <a:schemeClr val="dk1"/>
+          </a:fontRef>
+        </p:style>
+        <p:txBody>
+          <a:bodyPr rtlCol="0" anchor="ctr"/>
+          <a:lstStyle/>
+          <a:p>
+            <a:pPr algn="ctr"/>
+            <a:endParaRPr kumimoji="1" lang="ja-JP" altLang="en-US"/>
+          </a:p>
+        </p:txBody>
+      </p:sp>
+      <p:sp>
+        <p:nvSpPr>
+          <p:cNvPr id="133" name="円/楕円 132">
+            <a:extLst>
+              <a:ext uri="{FF2B5EF4-FFF2-40B4-BE49-F238E27FC236}">
+                <a16:creationId xmlns:a16="http://schemas.microsoft.com/office/drawing/2014/main" id="{0C4AFCCB-902F-4392-D1C1-9C78E327BE24}"/>
+              </a:ext>
+            </a:extLst>
+          </p:cNvPr>
+          <p:cNvSpPr/>
+          <p:nvPr/>
+        </p:nvSpPr>
+        <p:spPr>
+          <a:xfrm>
+            <a:off x="4163425" y="4527309"/>
+            <a:ext cx="180000" cy="180000"/>
+          </a:xfrm>
+          <a:prstGeom prst="ellipse">
+            <a:avLst/>
+          </a:prstGeom>
+          <a:noFill/>
+        </p:spPr>
+        <p:style>
+          <a:lnRef idx="2">
+            <a:schemeClr val="dk1"/>
+          </a:lnRef>
+          <a:fillRef idx="1">
+            <a:schemeClr val="lt1"/>
+          </a:fillRef>
+          <a:effectRef idx="0">
+            <a:schemeClr val="dk1"/>
+          </a:effectRef>
+          <a:fontRef idx="minor">
+            <a:schemeClr val="dk1"/>
+          </a:fontRef>
+        </p:style>
+        <p:txBody>
+          <a:bodyPr rtlCol="0" anchor="ctr"/>
+          <a:lstStyle/>
+          <a:p>
+            <a:pPr algn="ctr"/>
+            <a:endParaRPr kumimoji="1" lang="ja-JP" altLang="en-US"/>
+          </a:p>
+        </p:txBody>
+      </p:sp>
+      <p:sp>
+        <p:nvSpPr>
+          <p:cNvPr id="146" name="円/楕円 145">
+            <a:extLst>
+              <a:ext uri="{FF2B5EF4-FFF2-40B4-BE49-F238E27FC236}">
+                <a16:creationId xmlns:a16="http://schemas.microsoft.com/office/drawing/2014/main" id="{C2B21FBF-20CC-8DA7-A686-0BF8A8ED071E}"/>
+              </a:ext>
+            </a:extLst>
+          </p:cNvPr>
+          <p:cNvSpPr/>
+          <p:nvPr/>
+        </p:nvSpPr>
+        <p:spPr>
+          <a:xfrm>
+            <a:off x="5826604" y="3220186"/>
+            <a:ext cx="180000" cy="180000"/>
+          </a:xfrm>
+          <a:prstGeom prst="ellipse">
+            <a:avLst/>
+          </a:prstGeom>
+          <a:noFill/>
+        </p:spPr>
+        <p:style>
+          <a:lnRef idx="2">
+            <a:schemeClr val="dk1"/>
+          </a:lnRef>
+          <a:fillRef idx="1">
+            <a:schemeClr val="lt1"/>
+          </a:fillRef>
+          <a:effectRef idx="0">
+            <a:schemeClr val="dk1"/>
+          </a:effectRef>
+          <a:fontRef idx="minor">
+            <a:schemeClr val="dk1"/>
+          </a:fontRef>
+        </p:style>
+        <p:txBody>
+          <a:bodyPr rtlCol="0" anchor="ctr"/>
+          <a:lstStyle/>
+          <a:p>
+            <a:pPr algn="ctr"/>
+            <a:endParaRPr kumimoji="1" lang="ja-JP" altLang="en-US"/>
+          </a:p>
+        </p:txBody>
+      </p:sp>
+      <p:sp>
+        <p:nvSpPr>
+          <p:cNvPr id="147" name="円/楕円 146">
+            <a:extLst>
+              <a:ext uri="{FF2B5EF4-FFF2-40B4-BE49-F238E27FC236}">
+                <a16:creationId xmlns:a16="http://schemas.microsoft.com/office/drawing/2014/main" id="{C40AA06A-8A54-5727-F692-4ABCDFEE9EA9}"/>
+              </a:ext>
+            </a:extLst>
+          </p:cNvPr>
+          <p:cNvSpPr/>
+          <p:nvPr/>
+        </p:nvSpPr>
+        <p:spPr>
+          <a:xfrm>
+            <a:off x="4378774" y="2695197"/>
+            <a:ext cx="180000" cy="180000"/>
+          </a:xfrm>
+          <a:prstGeom prst="ellipse">
+            <a:avLst/>
+          </a:prstGeom>
+          <a:noFill/>
+        </p:spPr>
+        <p:style>
+          <a:lnRef idx="2">
+            <a:schemeClr val="dk1"/>
+          </a:lnRef>
+          <a:fillRef idx="1">
+            <a:schemeClr val="lt1"/>
+          </a:fillRef>
+          <a:effectRef idx="0">
+            <a:schemeClr val="dk1"/>
+          </a:effectRef>
+          <a:fontRef idx="minor">
+            <a:schemeClr val="dk1"/>
+          </a:fontRef>
+        </p:style>
+        <p:txBody>
+          <a:bodyPr rtlCol="0" anchor="ctr"/>
+          <a:lstStyle/>
+          <a:p>
+            <a:pPr algn="ctr"/>
+            <a:endParaRPr kumimoji="1" lang="ja-JP" altLang="en-US"/>
+          </a:p>
+        </p:txBody>
+      </p:sp>
+      <p:sp>
+        <p:nvSpPr>
+          <p:cNvPr id="148" name="円/楕円 147">
+            <a:extLst>
+              <a:ext uri="{FF2B5EF4-FFF2-40B4-BE49-F238E27FC236}">
+                <a16:creationId xmlns:a16="http://schemas.microsoft.com/office/drawing/2014/main" id="{857E0A9C-65A6-3A0F-6236-1A4780E6BCA2}"/>
+              </a:ext>
+            </a:extLst>
+          </p:cNvPr>
+          <p:cNvSpPr/>
+          <p:nvPr/>
+        </p:nvSpPr>
+        <p:spPr>
+          <a:xfrm>
+            <a:off x="4670320" y="4030353"/>
+            <a:ext cx="180000" cy="180000"/>
+          </a:xfrm>
+          <a:prstGeom prst="ellipse">
+            <a:avLst/>
+          </a:prstGeom>
+          <a:noFill/>
+        </p:spPr>
+        <p:style>
+          <a:lnRef idx="2">
+            <a:schemeClr val="dk1"/>
+          </a:lnRef>
+          <a:fillRef idx="1">
+            <a:schemeClr val="lt1"/>
+          </a:fillRef>
+          <a:effectRef idx="0">
+            <a:schemeClr val="dk1"/>
+          </a:effectRef>
+          <a:fontRef idx="minor">
+            <a:schemeClr val="dk1"/>
+          </a:fontRef>
+        </p:style>
+        <p:txBody>
+          <a:bodyPr rtlCol="0" anchor="ctr"/>
+          <a:lstStyle/>
+          <a:p>
+            <a:pPr algn="ctr"/>
+            <a:endParaRPr kumimoji="1" lang="ja-JP" altLang="en-US"/>
+          </a:p>
+        </p:txBody>
+      </p:sp>
+      <p:sp>
+        <p:nvSpPr>
+          <p:cNvPr id="153" name="円/楕円 152">
+            <a:extLst>
+              <a:ext uri="{FF2B5EF4-FFF2-40B4-BE49-F238E27FC236}">
+                <a16:creationId xmlns:a16="http://schemas.microsoft.com/office/drawing/2014/main" id="{3D157488-18B4-F816-1961-5149A70974E2}"/>
+              </a:ext>
+            </a:extLst>
+          </p:cNvPr>
+          <p:cNvSpPr/>
+          <p:nvPr/>
+        </p:nvSpPr>
+        <p:spPr>
+          <a:xfrm>
+            <a:off x="5478704" y="3795126"/>
+            <a:ext cx="180000" cy="180000"/>
+          </a:xfrm>
+          <a:prstGeom prst="ellipse">
+            <a:avLst/>
+          </a:prstGeom>
+          <a:noFill/>
+        </p:spPr>
+        <p:style>
+          <a:lnRef idx="2">
+            <a:schemeClr val="dk1"/>
+          </a:lnRef>
+          <a:fillRef idx="1">
+            <a:schemeClr val="lt1"/>
+          </a:fillRef>
+          <a:effectRef idx="0">
+            <a:schemeClr val="dk1"/>
+          </a:effectRef>
+          <a:fontRef idx="minor">
+            <a:schemeClr val="dk1"/>
+          </a:fontRef>
+        </p:style>
+        <p:txBody>
+          <a:bodyPr rtlCol="0" anchor="ctr"/>
+          <a:lstStyle/>
+          <a:p>
+            <a:pPr algn="ctr"/>
+            <a:endParaRPr kumimoji="1" lang="ja-JP" altLang="en-US"/>
+          </a:p>
+        </p:txBody>
+      </p:sp>
+      <p:sp>
+        <p:nvSpPr>
+          <p:cNvPr id="157" name="円/楕円 156">
+            <a:extLst>
+              <a:ext uri="{FF2B5EF4-FFF2-40B4-BE49-F238E27FC236}">
+                <a16:creationId xmlns:a16="http://schemas.microsoft.com/office/drawing/2014/main" id="{A96B084D-6BEC-564B-F4DF-EBC541A8C64E}"/>
+              </a:ext>
+            </a:extLst>
+          </p:cNvPr>
+          <p:cNvSpPr/>
+          <p:nvPr/>
+        </p:nvSpPr>
+        <p:spPr>
+          <a:xfrm>
+            <a:off x="8331510" y="1435925"/>
+            <a:ext cx="180000" cy="180000"/>
+          </a:xfrm>
+          <a:prstGeom prst="ellipse">
+            <a:avLst/>
+          </a:prstGeom>
+          <a:noFill/>
+          <a:ln w="15875">
+            <a:solidFill>
+              <a:schemeClr val="tx1"/>
+            </a:solidFill>
+          </a:ln>
+        </p:spPr>
+        <p:style>
+          <a:lnRef idx="2">
+            <a:schemeClr val="dk1"/>
+          </a:lnRef>
+          <a:fillRef idx="1">
+            <a:schemeClr val="lt1"/>
+          </a:fillRef>
+          <a:effectRef idx="0">
+            <a:schemeClr val="dk1"/>
+          </a:effectRef>
+          <a:fontRef idx="minor">
+            <a:schemeClr val="dk1"/>
+          </a:fontRef>
+        </p:style>
+        <p:txBody>
+          <a:bodyPr rtlCol="0" anchor="ctr"/>
+          <a:lstStyle/>
+          <a:p>
+            <a:pPr algn="ctr"/>
+            <a:endParaRPr kumimoji="1" lang="ja-JP" altLang="en-US"/>
+          </a:p>
+        </p:txBody>
+      </p:sp>
+      <p:sp>
+        <p:nvSpPr>
+          <p:cNvPr id="158" name="円/楕円 157">
+            <a:extLst>
+              <a:ext uri="{FF2B5EF4-FFF2-40B4-BE49-F238E27FC236}">
+                <a16:creationId xmlns:a16="http://schemas.microsoft.com/office/drawing/2014/main" id="{931E1DA7-02B4-E065-C16B-8E7821C39D94}"/>
+              </a:ext>
+            </a:extLst>
+          </p:cNvPr>
+          <p:cNvSpPr/>
+          <p:nvPr/>
+        </p:nvSpPr>
+        <p:spPr>
+          <a:xfrm>
+            <a:off x="8341449" y="1712824"/>
+            <a:ext cx="180000" cy="180000"/>
+          </a:xfrm>
+          <a:prstGeom prst="ellipse">
+            <a:avLst/>
+          </a:prstGeom>
+          <a:noFill/>
+          <a:ln w="15875">
+            <a:solidFill>
+              <a:schemeClr val="tx1"/>
+            </a:solidFill>
+          </a:ln>
+        </p:spPr>
+        <p:style>
+          <a:lnRef idx="2">
+            <a:schemeClr val="dk1"/>
+          </a:lnRef>
+          <a:fillRef idx="1">
+            <a:schemeClr val="lt1"/>
+          </a:fillRef>
+          <a:effectRef idx="0">
+            <a:schemeClr val="dk1"/>
+          </a:effectRef>
+          <a:fontRef idx="minor">
+            <a:schemeClr val="dk1"/>
+          </a:fontRef>
+        </p:style>
+        <p:txBody>
+          <a:bodyPr rtlCol="0" anchor="ctr"/>
+          <a:lstStyle/>
+          <a:p>
+            <a:pPr algn="ctr"/>
+            <a:endParaRPr kumimoji="1" lang="ja-JP" altLang="en-US"/>
+          </a:p>
+        </p:txBody>
+      </p:sp>
+      <p:sp>
+        <p:nvSpPr>
+          <p:cNvPr id="159" name="円/楕円 158">
+            <a:extLst>
+              <a:ext uri="{FF2B5EF4-FFF2-40B4-BE49-F238E27FC236}">
+                <a16:creationId xmlns:a16="http://schemas.microsoft.com/office/drawing/2014/main" id="{BB0E5500-A554-99F0-4ABA-1617D55CCFE5}"/>
+              </a:ext>
+            </a:extLst>
+          </p:cNvPr>
+          <p:cNvSpPr/>
+          <p:nvPr/>
+        </p:nvSpPr>
+        <p:spPr>
+          <a:xfrm>
+            <a:off x="8586577" y="1894875"/>
+            <a:ext cx="180000" cy="180000"/>
+          </a:xfrm>
+          <a:prstGeom prst="ellipse">
+            <a:avLst/>
+          </a:prstGeom>
+          <a:noFill/>
+          <a:ln w="15875">
+            <a:solidFill>
+              <a:schemeClr val="tx1"/>
+            </a:solidFill>
+          </a:ln>
+        </p:spPr>
+        <p:style>
+          <a:lnRef idx="2">
+            <a:schemeClr val="dk1"/>
+          </a:lnRef>
+          <a:fillRef idx="1">
+            <a:schemeClr val="lt1"/>
+          </a:fillRef>
+          <a:effectRef idx="0">
+            <a:schemeClr val="dk1"/>
+          </a:effectRef>
+          <a:fontRef idx="minor">
+            <a:schemeClr val="dk1"/>
+          </a:fontRef>
+        </p:style>
+        <p:txBody>
+          <a:bodyPr rtlCol="0" anchor="ctr"/>
+          <a:lstStyle/>
+          <a:p>
+            <a:pPr algn="ctr"/>
+            <a:endParaRPr kumimoji="1" lang="ja-JP" altLang="en-US"/>
+          </a:p>
+        </p:txBody>
+      </p:sp>
+      <p:sp>
+        <p:nvSpPr>
+          <p:cNvPr id="160" name="円/楕円 159">
+            <a:extLst>
+              <a:ext uri="{FF2B5EF4-FFF2-40B4-BE49-F238E27FC236}">
+                <a16:creationId xmlns:a16="http://schemas.microsoft.com/office/drawing/2014/main" id="{72F89C10-0288-8156-C0CA-B852B3B6A5FA}"/>
+              </a:ext>
+            </a:extLst>
+          </p:cNvPr>
+          <p:cNvSpPr/>
+          <p:nvPr/>
+        </p:nvSpPr>
+        <p:spPr>
+          <a:xfrm>
+            <a:off x="8309114" y="2760192"/>
+            <a:ext cx="180000" cy="180000"/>
+          </a:xfrm>
+          <a:prstGeom prst="ellipse">
+            <a:avLst/>
+          </a:prstGeom>
+          <a:noFill/>
+          <a:ln w="15875">
+            <a:solidFill>
+              <a:schemeClr val="tx1"/>
+            </a:solidFill>
+          </a:ln>
+        </p:spPr>
+        <p:style>
+          <a:lnRef idx="2">
+            <a:schemeClr val="dk1"/>
+          </a:lnRef>
+          <a:fillRef idx="1">
+            <a:schemeClr val="lt1"/>
+          </a:fillRef>
+          <a:effectRef idx="0">
+            <a:schemeClr val="dk1"/>
+          </a:effectRef>
+          <a:fontRef idx="minor">
+            <a:schemeClr val="dk1"/>
+          </a:fontRef>
+        </p:style>
+        <p:txBody>
+          <a:bodyPr rtlCol="0" anchor="ctr"/>
+          <a:lstStyle/>
+          <a:p>
+            <a:pPr algn="ctr"/>
+            <a:endParaRPr kumimoji="1" lang="ja-JP" altLang="en-US"/>
+          </a:p>
+        </p:txBody>
+      </p:sp>
+      <p:sp>
+        <p:nvSpPr>
+          <p:cNvPr id="161" name="円/楕円 160">
+            <a:extLst>
+              <a:ext uri="{FF2B5EF4-FFF2-40B4-BE49-F238E27FC236}">
+                <a16:creationId xmlns:a16="http://schemas.microsoft.com/office/drawing/2014/main" id="{2817755B-3843-410B-9767-6DE426278A1D}"/>
+              </a:ext>
+            </a:extLst>
+          </p:cNvPr>
+          <p:cNvSpPr/>
+          <p:nvPr/>
+        </p:nvSpPr>
+        <p:spPr>
+          <a:xfrm>
+            <a:off x="8286994" y="2983672"/>
+            <a:ext cx="180000" cy="180000"/>
+          </a:xfrm>
+          <a:prstGeom prst="ellipse">
+            <a:avLst/>
+          </a:prstGeom>
+          <a:noFill/>
+          <a:ln w="15875">
+            <a:solidFill>
+              <a:schemeClr val="tx1"/>
+            </a:solidFill>
+          </a:ln>
+        </p:spPr>
+        <p:style>
+          <a:lnRef idx="2">
+            <a:schemeClr val="dk1"/>
+          </a:lnRef>
+          <a:fillRef idx="1">
+            <a:schemeClr val="lt1"/>
+          </a:fillRef>
+          <a:effectRef idx="0">
+            <a:schemeClr val="dk1"/>
+          </a:effectRef>
+          <a:fontRef idx="minor">
+            <a:schemeClr val="dk1"/>
+          </a:fontRef>
+        </p:style>
+        <p:txBody>
+          <a:bodyPr rtlCol="0" anchor="ctr"/>
+          <a:lstStyle/>
+          <a:p>
+            <a:pPr algn="ctr"/>
+            <a:endParaRPr kumimoji="1" lang="ja-JP" altLang="en-US"/>
+          </a:p>
+        </p:txBody>
+      </p:sp>
+      <p:sp>
+        <p:nvSpPr>
+          <p:cNvPr id="162" name="円/楕円 161">
+            <a:extLst>
+              <a:ext uri="{FF2B5EF4-FFF2-40B4-BE49-F238E27FC236}">
+                <a16:creationId xmlns:a16="http://schemas.microsoft.com/office/drawing/2014/main" id="{F6749E93-3671-343E-8D4C-E9D1F295CDD0}"/>
+              </a:ext>
+            </a:extLst>
+          </p:cNvPr>
+          <p:cNvSpPr/>
+          <p:nvPr/>
+        </p:nvSpPr>
+        <p:spPr>
+          <a:xfrm>
+            <a:off x="8367054" y="3165923"/>
+            <a:ext cx="180000" cy="180000"/>
+          </a:xfrm>
+          <a:prstGeom prst="ellipse">
+            <a:avLst/>
+          </a:prstGeom>
+          <a:noFill/>
+          <a:ln w="15875">
+            <a:solidFill>
+              <a:schemeClr val="tx1"/>
+            </a:solidFill>
+          </a:ln>
+        </p:spPr>
+        <p:style>
+          <a:lnRef idx="2">
+            <a:schemeClr val="dk1"/>
+          </a:lnRef>
+          <a:fillRef idx="1">
+            <a:schemeClr val="lt1"/>
+          </a:fillRef>
+          <a:effectRef idx="0">
+            <a:schemeClr val="dk1"/>
+          </a:effectRef>
+          <a:fontRef idx="minor">
+            <a:schemeClr val="dk1"/>
+          </a:fontRef>
+        </p:style>
+        <p:txBody>
+          <a:bodyPr rtlCol="0" anchor="ctr"/>
+          <a:lstStyle/>
+          <a:p>
+            <a:pPr algn="ctr"/>
+            <a:endParaRPr kumimoji="1" lang="ja-JP" altLang="en-US"/>
+          </a:p>
+        </p:txBody>
+      </p:sp>
+      <p:sp>
+        <p:nvSpPr>
+          <p:cNvPr id="163" name="円/楕円 162">
+            <a:extLst>
+              <a:ext uri="{FF2B5EF4-FFF2-40B4-BE49-F238E27FC236}">
+                <a16:creationId xmlns:a16="http://schemas.microsoft.com/office/drawing/2014/main" id="{3C939F08-31A4-E0C5-15B1-CF93CBF44E74}"/>
+              </a:ext>
+            </a:extLst>
+          </p:cNvPr>
+          <p:cNvSpPr/>
+          <p:nvPr/>
+        </p:nvSpPr>
+        <p:spPr>
+          <a:xfrm>
+            <a:off x="8332860" y="3924209"/>
+            <a:ext cx="180000" cy="180000"/>
+          </a:xfrm>
+          <a:prstGeom prst="ellipse">
+            <a:avLst/>
+          </a:prstGeom>
+          <a:noFill/>
+          <a:ln w="15875">
+            <a:solidFill>
+              <a:schemeClr val="tx1"/>
+            </a:solidFill>
+          </a:ln>
+        </p:spPr>
+        <p:style>
+          <a:lnRef idx="2">
+            <a:schemeClr val="dk1"/>
+          </a:lnRef>
+          <a:fillRef idx="1">
+            <a:schemeClr val="lt1"/>
+          </a:fillRef>
+          <a:effectRef idx="0">
+            <a:schemeClr val="dk1"/>
+          </a:effectRef>
+          <a:fontRef idx="minor">
+            <a:schemeClr val="dk1"/>
+          </a:fontRef>
+        </p:style>
+        <p:txBody>
+          <a:bodyPr rtlCol="0" anchor="ctr"/>
+          <a:lstStyle/>
+          <a:p>
+            <a:pPr algn="ctr"/>
+            <a:endParaRPr kumimoji="1" lang="ja-JP" altLang="en-US"/>
+          </a:p>
+        </p:txBody>
+      </p:sp>
+      <p:sp>
+        <p:nvSpPr>
+          <p:cNvPr id="164" name="円/楕円 163">
+            <a:extLst>
+              <a:ext uri="{FF2B5EF4-FFF2-40B4-BE49-F238E27FC236}">
+                <a16:creationId xmlns:a16="http://schemas.microsoft.com/office/drawing/2014/main" id="{7A238DBA-BCED-FAB7-7F50-D7D12C74DDE8}"/>
+              </a:ext>
+            </a:extLst>
+          </p:cNvPr>
+          <p:cNvSpPr/>
+          <p:nvPr/>
+        </p:nvSpPr>
+        <p:spPr>
+          <a:xfrm>
+            <a:off x="8241510" y="4166602"/>
+            <a:ext cx="180000" cy="180000"/>
+          </a:xfrm>
+          <a:prstGeom prst="ellipse">
+            <a:avLst/>
+          </a:prstGeom>
+          <a:noFill/>
+          <a:ln w="15875">
+            <a:solidFill>
+              <a:schemeClr val="tx1"/>
+            </a:solidFill>
+          </a:ln>
+        </p:spPr>
+        <p:style>
+          <a:lnRef idx="2">
+            <a:schemeClr val="dk1"/>
+          </a:lnRef>
+          <a:fillRef idx="1">
+            <a:schemeClr val="lt1"/>
+          </a:fillRef>
+          <a:effectRef idx="0">
+            <a:schemeClr val="dk1"/>
+          </a:effectRef>
+          <a:fontRef idx="minor">
+            <a:schemeClr val="dk1"/>
+          </a:fontRef>
+        </p:style>
+        <p:txBody>
+          <a:bodyPr rtlCol="0" anchor="ctr"/>
+          <a:lstStyle/>
+          <a:p>
+            <a:pPr algn="ctr"/>
+            <a:endParaRPr kumimoji="1" lang="ja-JP" altLang="en-US"/>
+          </a:p>
+        </p:txBody>
+      </p:sp>
+      <p:sp>
+        <p:nvSpPr>
+          <p:cNvPr id="165" name="円/楕円 164">
+            <a:extLst>
+              <a:ext uri="{FF2B5EF4-FFF2-40B4-BE49-F238E27FC236}">
+                <a16:creationId xmlns:a16="http://schemas.microsoft.com/office/drawing/2014/main" id="{F0144F2D-6FA6-5274-C3AE-215B703B8784}"/>
+              </a:ext>
+            </a:extLst>
+          </p:cNvPr>
+          <p:cNvSpPr/>
+          <p:nvPr/>
+        </p:nvSpPr>
+        <p:spPr>
+          <a:xfrm>
+            <a:off x="8367054" y="4447793"/>
+            <a:ext cx="180000" cy="180000"/>
+          </a:xfrm>
+          <a:prstGeom prst="ellipse">
+            <a:avLst/>
+          </a:prstGeom>
+          <a:noFill/>
+          <a:ln w="15875">
+            <a:solidFill>
+              <a:schemeClr val="tx1"/>
+            </a:solidFill>
+          </a:ln>
+        </p:spPr>
+        <p:style>
+          <a:lnRef idx="2">
+            <a:schemeClr val="dk1"/>
+          </a:lnRef>
+          <a:fillRef idx="1">
+            <a:schemeClr val="lt1"/>
+          </a:fillRef>
+          <a:effectRef idx="0">
+            <a:schemeClr val="dk1"/>
+          </a:effectRef>
+          <a:fontRef idx="minor">
+            <a:schemeClr val="dk1"/>
+          </a:fontRef>
+        </p:style>
+        <p:txBody>
+          <a:bodyPr rtlCol="0" anchor="ctr"/>
+          <a:lstStyle/>
+          <a:p>
+            <a:pPr algn="ctr"/>
+            <a:endParaRPr kumimoji="1" lang="ja-JP" altLang="en-US"/>
+          </a:p>
+        </p:txBody>
+      </p:sp>
+      <p:sp>
+        <p:nvSpPr>
+          <p:cNvPr id="186" name="フローチャート: 結合子 185">
+            <a:extLst>
+              <a:ext uri="{FF2B5EF4-FFF2-40B4-BE49-F238E27FC236}">
+                <a16:creationId xmlns:a16="http://schemas.microsoft.com/office/drawing/2014/main" id="{351F6B31-2C79-EFDB-979A-78384BC1F9EF}"/>
+              </a:ext>
+            </a:extLst>
+          </p:cNvPr>
+          <p:cNvSpPr>
+            <a:spLocks/>
+          </p:cNvSpPr>
+          <p:nvPr/>
+        </p:nvSpPr>
+        <p:spPr>
+          <a:xfrm>
+            <a:off x="8486375" y="1357304"/>
+            <a:ext cx="540000" cy="540000"/>
+          </a:xfrm>
+          <a:prstGeom prst="flowChartConnector">
+            <a:avLst/>
+          </a:prstGeom>
+          <a:ln w="15875">
+            <a:solidFill>
+              <a:schemeClr val="tx1"/>
+            </a:solidFill>
+          </a:ln>
+        </p:spPr>
+        <p:style>
+          <a:lnRef idx="2">
+            <a:schemeClr val="dk1"/>
+          </a:lnRef>
+          <a:fillRef idx="1">
+            <a:schemeClr val="lt1"/>
+          </a:fillRef>
+          <a:effectRef idx="0">
+            <a:schemeClr val="dk1"/>
+          </a:effectRef>
+          <a:fontRef idx="minor">
+            <a:schemeClr val="dk1"/>
+          </a:fontRef>
+        </p:style>
+        <p:txBody>
+          <a:bodyPr rtlCol="0" anchor="ctr"/>
+          <a:lstStyle/>
+          <a:p>
+            <a:pPr algn="ctr"/>
+            <a:endParaRPr kumimoji="1" lang="ja-JP" altLang="en-US"/>
+          </a:p>
+        </p:txBody>
+      </p:sp>
+      <p:sp>
+        <p:nvSpPr>
+          <p:cNvPr id="189" name="フローチャート: 結合子 188">
+            <a:extLst>
+              <a:ext uri="{FF2B5EF4-FFF2-40B4-BE49-F238E27FC236}">
+                <a16:creationId xmlns:a16="http://schemas.microsoft.com/office/drawing/2014/main" id="{F1B06A10-452A-C4C0-A295-8CB97A858EAA}"/>
+              </a:ext>
+            </a:extLst>
+          </p:cNvPr>
+          <p:cNvSpPr>
+            <a:spLocks/>
+          </p:cNvSpPr>
+          <p:nvPr/>
+        </p:nvSpPr>
+        <p:spPr>
+          <a:xfrm>
+            <a:off x="8457440" y="2756107"/>
+            <a:ext cx="540000" cy="540000"/>
+          </a:xfrm>
+          <a:prstGeom prst="flowChartConnector">
+            <a:avLst/>
+          </a:prstGeom>
+          <a:ln w="15875">
+            <a:solidFill>
+              <a:schemeClr val="tx1"/>
+            </a:solidFill>
+          </a:ln>
+        </p:spPr>
+        <p:style>
+          <a:lnRef idx="2">
+            <a:schemeClr val="dk1"/>
+          </a:lnRef>
+          <a:fillRef idx="1">
+            <a:schemeClr val="lt1"/>
+          </a:fillRef>
+          <a:effectRef idx="0">
+            <a:schemeClr val="dk1"/>
+          </a:effectRef>
+          <a:fontRef idx="minor">
+            <a:schemeClr val="dk1"/>
+          </a:fontRef>
+        </p:style>
+        <p:txBody>
+          <a:bodyPr rtlCol="0" anchor="ctr"/>
+          <a:lstStyle/>
+          <a:p>
+            <a:pPr algn="ctr"/>
+            <a:endParaRPr kumimoji="1" lang="ja-JP" altLang="en-US"/>
+          </a:p>
+        </p:txBody>
+      </p:sp>
+      <p:sp>
+        <p:nvSpPr>
+          <p:cNvPr id="190" name="フローチャート: 結合子 189">
+            <a:extLst>
+              <a:ext uri="{FF2B5EF4-FFF2-40B4-BE49-F238E27FC236}">
+                <a16:creationId xmlns:a16="http://schemas.microsoft.com/office/drawing/2014/main" id="{BBAF58B5-E7EC-9E7C-89E2-E9EFE985473F}"/>
+              </a:ext>
+            </a:extLst>
+          </p:cNvPr>
+          <p:cNvSpPr>
+            <a:spLocks/>
+          </p:cNvSpPr>
+          <p:nvPr/>
+        </p:nvSpPr>
+        <p:spPr>
+          <a:xfrm>
+            <a:off x="8432428" y="3970183"/>
+            <a:ext cx="540000" cy="540000"/>
+          </a:xfrm>
+          <a:prstGeom prst="flowChartConnector">
+            <a:avLst/>
+          </a:prstGeom>
+          <a:ln w="15875">
+            <a:solidFill>
+              <a:schemeClr val="tx1"/>
+            </a:solidFill>
+          </a:ln>
+        </p:spPr>
+        <p:style>
+          <a:lnRef idx="2">
+            <a:schemeClr val="dk1"/>
+          </a:lnRef>
+          <a:fillRef idx="1">
+            <a:schemeClr val="lt1"/>
+          </a:fillRef>
+          <a:effectRef idx="0">
+            <a:schemeClr val="dk1"/>
+          </a:effectRef>
+          <a:fontRef idx="minor">
+            <a:schemeClr val="dk1"/>
+          </a:fontRef>
+        </p:style>
+        <p:txBody>
+          <a:bodyPr rtlCol="0" anchor="ctr"/>
+          <a:lstStyle/>
+          <a:p>
+            <a:pPr algn="ctr"/>
+            <a:endParaRPr kumimoji="1" lang="ja-JP" altLang="en-US"/>
+          </a:p>
+        </p:txBody>
+      </p:sp>
+      <p:cxnSp>
+        <p:nvCxnSpPr>
+          <p:cNvPr id="203" name="直線コネクタ 202">
+            <a:extLst>
+              <a:ext uri="{FF2B5EF4-FFF2-40B4-BE49-F238E27FC236}">
+                <a16:creationId xmlns:a16="http://schemas.microsoft.com/office/drawing/2014/main" id="{CCCF2FEB-2F1C-26E0-B6FC-81099AA05B0E}"/>
+              </a:ext>
+            </a:extLst>
+          </p:cNvPr>
+          <p:cNvCxnSpPr>
+            <a:stCxn id="186" idx="6"/>
+            <a:endCxn id="44" idx="6"/>
+          </p:cNvCxnSpPr>
+          <p:nvPr/>
+        </p:nvCxnSpPr>
+        <p:spPr>
+          <a:xfrm>
+            <a:off x="9026375" y="1627304"/>
+            <a:ext cx="1139934" cy="360487"/>
+          </a:xfrm>
+          <a:prstGeom prst="line">
+            <a:avLst/>
+          </a:prstGeom>
+        </p:spPr>
+        <p:style>
+          <a:lnRef idx="1">
+            <a:schemeClr val="dk1"/>
+          </a:lnRef>
+          <a:fillRef idx="0">
+            <a:schemeClr val="dk1"/>
+          </a:fillRef>
+          <a:effectRef idx="0">
+            <a:schemeClr val="dk1"/>
+          </a:effectRef>
+          <a:fontRef idx="minor">
+            <a:schemeClr val="tx1"/>
+          </a:fontRef>
+        </p:style>
+      </p:cxnSp>
+      <p:cxnSp>
+        <p:nvCxnSpPr>
+          <p:cNvPr id="204" name="直線コネクタ 203">
+            <a:extLst>
+              <a:ext uri="{FF2B5EF4-FFF2-40B4-BE49-F238E27FC236}">
+                <a16:creationId xmlns:a16="http://schemas.microsoft.com/office/drawing/2014/main" id="{66F0629A-DA52-0157-DF63-94624462FCE1}"/>
+              </a:ext>
+            </a:extLst>
+          </p:cNvPr>
+          <p:cNvCxnSpPr>
+            <a:cxnSpLocks/>
+            <a:stCxn id="189" idx="6"/>
+            <a:endCxn id="51" idx="2"/>
+          </p:cNvCxnSpPr>
+          <p:nvPr/>
+        </p:nvCxnSpPr>
+        <p:spPr>
+          <a:xfrm flipV="1">
+            <a:off x="8997440" y="2852805"/>
+            <a:ext cx="988869" cy="173302"/>
+          </a:xfrm>
+          <a:prstGeom prst="line">
+            <a:avLst/>
+          </a:prstGeom>
+        </p:spPr>
+        <p:style>
+          <a:lnRef idx="1">
+            <a:schemeClr val="dk1"/>
+          </a:lnRef>
+          <a:fillRef idx="0">
+            <a:schemeClr val="dk1"/>
+          </a:fillRef>
+          <a:effectRef idx="0">
+            <a:schemeClr val="dk1"/>
+          </a:effectRef>
+          <a:fontRef idx="minor">
+            <a:schemeClr val="tx1"/>
+          </a:fontRef>
+        </p:style>
+      </p:cxnSp>
+      <p:cxnSp>
+        <p:nvCxnSpPr>
+          <p:cNvPr id="205" name="直線コネクタ 204">
+            <a:extLst>
+              <a:ext uri="{FF2B5EF4-FFF2-40B4-BE49-F238E27FC236}">
+                <a16:creationId xmlns:a16="http://schemas.microsoft.com/office/drawing/2014/main" id="{070DAE3E-09DD-D4E8-6365-ECC60F5C44FF}"/>
+              </a:ext>
+            </a:extLst>
+          </p:cNvPr>
+          <p:cNvCxnSpPr>
+            <a:cxnSpLocks/>
+            <a:stCxn id="190" idx="6"/>
+            <a:endCxn id="50" idx="2"/>
+          </p:cNvCxnSpPr>
+          <p:nvPr/>
+        </p:nvCxnSpPr>
+        <p:spPr>
+          <a:xfrm flipV="1">
+            <a:off x="8972428" y="3795410"/>
+            <a:ext cx="1013883" cy="444773"/>
+          </a:xfrm>
+          <a:prstGeom prst="line">
+            <a:avLst/>
+          </a:prstGeom>
+        </p:spPr>
+        <p:style>
+          <a:lnRef idx="1">
+            <a:schemeClr val="dk1"/>
+          </a:lnRef>
+          <a:fillRef idx="0">
+            <a:schemeClr val="dk1"/>
+          </a:fillRef>
+          <a:effectRef idx="0">
+            <a:schemeClr val="dk1"/>
+          </a:effectRef>
+          <a:fontRef idx="minor">
+            <a:schemeClr val="tx1"/>
+          </a:fontRef>
+        </p:style>
+      </p:cxnSp>
+      <p:sp>
+        <p:nvSpPr>
+          <p:cNvPr id="211" name="テキスト ボックス 210">
+            <a:extLst>
+              <a:ext uri="{FF2B5EF4-FFF2-40B4-BE49-F238E27FC236}">
+                <a16:creationId xmlns:a16="http://schemas.microsoft.com/office/drawing/2014/main" id="{E46E938B-E6AB-107B-1477-4B3D22E4FD3D}"/>
+              </a:ext>
+            </a:extLst>
+          </p:cNvPr>
+          <p:cNvSpPr txBox="1"/>
+          <p:nvPr/>
+        </p:nvSpPr>
+        <p:spPr>
+          <a:xfrm>
+            <a:off x="8010941" y="337930"/>
+            <a:ext cx="1107996" cy="461665"/>
+          </a:xfrm>
+          <a:prstGeom prst="rect">
+            <a:avLst/>
+          </a:prstGeom>
+          <a:noFill/>
+        </p:spPr>
+        <p:txBody>
+          <a:bodyPr wrap="none" rtlCol="0">
+            <a:spAutoFit/>
+          </a:bodyPr>
+          <a:lstStyle/>
+          <a:p>
+            <a:r>
+              <a:rPr kumimoji="1" lang="ja-JP" altLang="en-US" sz="2400"/>
+              <a:t>出力層</a:t>
+            </a:r>
+          </a:p>
+        </p:txBody>
+      </p:sp>
     </p:spTree>
     <p:extLst>
       <p:ext uri="{BB962C8B-B14F-4D97-AF65-F5344CB8AC3E}">
@@ -12120,6 +13336,2194 @@
     <p:extLst>
       <p:ext uri="{BB962C8B-B14F-4D97-AF65-F5344CB8AC3E}">
         <p14:creationId xmlns:p14="http://schemas.microsoft.com/office/powerpoint/2010/main" val="1653658778"/>
+      </p:ext>
+    </p:extLst>
+  </p:cSld>
+  <p:clrMapOvr>
+    <a:masterClrMapping/>
+  </p:clrMapOvr>
+</p:sld>
+</file>
+
+<file path=ppt/slides/slide13.xml><?xml version="1.0" encoding="utf-8"?>
+<p:sld xmlns:a="http://schemas.openxmlformats.org/drawingml/2006/main" xmlns:r="http://schemas.openxmlformats.org/officeDocument/2006/relationships" xmlns:p="http://schemas.openxmlformats.org/presentationml/2006/main">
+  <p:cSld>
+    <p:spTree>
+      <p:nvGrpSpPr>
+        <p:cNvPr id="1" name=""/>
+        <p:cNvGrpSpPr/>
+        <p:nvPr/>
+      </p:nvGrpSpPr>
+      <p:grpSpPr>
+        <a:xfrm>
+          <a:off x="0" y="0"/>
+          <a:ext cx="0" cy="0"/>
+          <a:chOff x="0" y="0"/>
+          <a:chExt cx="0" cy="0"/>
+        </a:xfrm>
+      </p:grpSpPr>
+      <p:sp>
+        <p:nvSpPr>
+          <p:cNvPr id="100" name="正方形/長方形 99">
+            <a:extLst>
+              <a:ext uri="{FF2B5EF4-FFF2-40B4-BE49-F238E27FC236}">
+                <a16:creationId xmlns:a16="http://schemas.microsoft.com/office/drawing/2014/main" id="{FFC870C5-B3AF-172F-ADE6-E9C880B1B840}"/>
+              </a:ext>
+            </a:extLst>
+          </p:cNvPr>
+          <p:cNvSpPr/>
+          <p:nvPr/>
+        </p:nvSpPr>
+        <p:spPr>
+          <a:xfrm>
+            <a:off x="2503641" y="3220889"/>
+            <a:ext cx="522861" cy="841974"/>
+          </a:xfrm>
+          <a:prstGeom prst="rect">
+            <a:avLst/>
+          </a:prstGeom>
+        </p:spPr>
+        <p:style>
+          <a:lnRef idx="2">
+            <a:schemeClr val="dk1"/>
+          </a:lnRef>
+          <a:fillRef idx="1">
+            <a:schemeClr val="lt1"/>
+          </a:fillRef>
+          <a:effectRef idx="0">
+            <a:schemeClr val="dk1"/>
+          </a:effectRef>
+          <a:fontRef idx="minor">
+            <a:schemeClr val="dk1"/>
+          </a:fontRef>
+        </p:style>
+        <p:txBody>
+          <a:bodyPr rtlCol="0" anchor="ctr"/>
+          <a:lstStyle/>
+          <a:p>
+            <a:pPr algn="ctr"/>
+            <a:endParaRPr kumimoji="1" lang="ja-JP" altLang="en-US" sz="2800"/>
+          </a:p>
+        </p:txBody>
+      </p:sp>
+      <p:sp>
+        <p:nvSpPr>
+          <p:cNvPr id="16" name="円/楕円 15">
+            <a:extLst>
+              <a:ext uri="{FF2B5EF4-FFF2-40B4-BE49-F238E27FC236}">
+                <a16:creationId xmlns:a16="http://schemas.microsoft.com/office/drawing/2014/main" id="{246B4569-6009-D9E5-3E8C-FC45352AA4AF}"/>
+              </a:ext>
+            </a:extLst>
+          </p:cNvPr>
+          <p:cNvSpPr/>
+          <p:nvPr/>
+        </p:nvSpPr>
+        <p:spPr>
+          <a:xfrm>
+            <a:off x="2695074" y="2202893"/>
+            <a:ext cx="309383" cy="309383"/>
+          </a:xfrm>
+          <a:prstGeom prst="ellipse">
+            <a:avLst/>
+          </a:prstGeom>
+        </p:spPr>
+        <p:style>
+          <a:lnRef idx="2">
+            <a:schemeClr val="dk1"/>
+          </a:lnRef>
+          <a:fillRef idx="1">
+            <a:schemeClr val="lt1"/>
+          </a:fillRef>
+          <a:effectRef idx="0">
+            <a:schemeClr val="dk1"/>
+          </a:effectRef>
+          <a:fontRef idx="minor">
+            <a:schemeClr val="dk1"/>
+          </a:fontRef>
+        </p:style>
+        <p:txBody>
+          <a:bodyPr rtlCol="0" anchor="ctr"/>
+          <a:lstStyle/>
+          <a:p>
+            <a:pPr algn="ctr"/>
+            <a:endParaRPr kumimoji="1" lang="ja-JP" altLang="en-US" sz="2800"/>
+          </a:p>
+        </p:txBody>
+      </p:sp>
+      <p:sp>
+        <p:nvSpPr>
+          <p:cNvPr id="17" name="フリーフォーム 16">
+            <a:extLst>
+              <a:ext uri="{FF2B5EF4-FFF2-40B4-BE49-F238E27FC236}">
+                <a16:creationId xmlns:a16="http://schemas.microsoft.com/office/drawing/2014/main" id="{881D0766-02A0-BEA3-E036-BA0ACAB46F04}"/>
+              </a:ext>
+            </a:extLst>
+          </p:cNvPr>
+          <p:cNvSpPr/>
+          <p:nvPr/>
+        </p:nvSpPr>
+        <p:spPr>
+          <a:xfrm>
+            <a:off x="2756950" y="2312647"/>
+            <a:ext cx="178755" cy="85189"/>
+          </a:xfrm>
+          <a:custGeom>
+            <a:avLst/>
+            <a:gdLst>
+              <a:gd name="connsiteX0" fmla="*/ 0 w 178755"/>
+              <a:gd name="connsiteY0" fmla="*/ 62125 h 85189"/>
+              <a:gd name="connsiteX1" fmla="*/ 61877 w 178755"/>
+              <a:gd name="connsiteY1" fmla="*/ 249 h 85189"/>
+              <a:gd name="connsiteX2" fmla="*/ 130629 w 178755"/>
+              <a:gd name="connsiteY2" fmla="*/ 82751 h 85189"/>
+              <a:gd name="connsiteX3" fmla="*/ 178755 w 178755"/>
+              <a:gd name="connsiteY3" fmla="*/ 55250 h 85189"/>
+            </a:gdLst>
+            <a:ahLst/>
+            <a:cxnLst>
+              <a:cxn ang="0">
+                <a:pos x="connsiteX0" y="connsiteY0"/>
+              </a:cxn>
+              <a:cxn ang="0">
+                <a:pos x="connsiteX1" y="connsiteY1"/>
+              </a:cxn>
+              <a:cxn ang="0">
+                <a:pos x="connsiteX2" y="connsiteY2"/>
+              </a:cxn>
+              <a:cxn ang="0">
+                <a:pos x="connsiteX3" y="connsiteY3"/>
+              </a:cxn>
+            </a:cxnLst>
+            <a:rect l="l" t="t" r="r" b="b"/>
+            <a:pathLst>
+              <a:path w="178755" h="85189">
+                <a:moveTo>
+                  <a:pt x="0" y="62125"/>
+                </a:moveTo>
+                <a:cubicBezTo>
+                  <a:pt x="20052" y="29468"/>
+                  <a:pt x="40105" y="-3189"/>
+                  <a:pt x="61877" y="249"/>
+                </a:cubicBezTo>
+                <a:cubicBezTo>
+                  <a:pt x="83649" y="3687"/>
+                  <a:pt x="111149" y="73584"/>
+                  <a:pt x="130629" y="82751"/>
+                </a:cubicBezTo>
+                <a:cubicBezTo>
+                  <a:pt x="150109" y="91918"/>
+                  <a:pt x="164432" y="73584"/>
+                  <a:pt x="178755" y="55250"/>
+                </a:cubicBezTo>
+              </a:path>
+            </a:pathLst>
+          </a:custGeom>
+          <a:noFill/>
+        </p:spPr>
+        <p:style>
+          <a:lnRef idx="2">
+            <a:schemeClr val="dk1"/>
+          </a:lnRef>
+          <a:fillRef idx="1">
+            <a:schemeClr val="lt1"/>
+          </a:fillRef>
+          <a:effectRef idx="0">
+            <a:schemeClr val="dk1"/>
+          </a:effectRef>
+          <a:fontRef idx="minor">
+            <a:schemeClr val="dk1"/>
+          </a:fontRef>
+        </p:style>
+        <p:txBody>
+          <a:bodyPr rtlCol="0" anchor="ctr"/>
+          <a:lstStyle/>
+          <a:p>
+            <a:pPr algn="ctr"/>
+            <a:endParaRPr kumimoji="1" lang="ja-JP" altLang="en-US" sz="2800"/>
+          </a:p>
+        </p:txBody>
+      </p:sp>
+      <p:sp>
+        <p:nvSpPr>
+          <p:cNvPr id="18" name="正方形/長方形 17">
+            <a:extLst>
+              <a:ext uri="{FF2B5EF4-FFF2-40B4-BE49-F238E27FC236}">
+                <a16:creationId xmlns:a16="http://schemas.microsoft.com/office/drawing/2014/main" id="{E050A908-3BF3-02FF-D972-E1F274DBF557}"/>
+              </a:ext>
+            </a:extLst>
+          </p:cNvPr>
+          <p:cNvSpPr/>
+          <p:nvPr/>
+        </p:nvSpPr>
+        <p:spPr>
+          <a:xfrm>
+            <a:off x="4125486" y="1903572"/>
+            <a:ext cx="914400" cy="914400"/>
+          </a:xfrm>
+          <a:prstGeom prst="rect">
+            <a:avLst/>
+          </a:prstGeom>
+        </p:spPr>
+        <p:style>
+          <a:lnRef idx="2">
+            <a:schemeClr val="dk1"/>
+          </a:lnRef>
+          <a:fillRef idx="1">
+            <a:schemeClr val="lt1"/>
+          </a:fillRef>
+          <a:effectRef idx="0">
+            <a:schemeClr val="dk1"/>
+          </a:effectRef>
+          <a:fontRef idx="minor">
+            <a:schemeClr val="dk1"/>
+          </a:fontRef>
+        </p:style>
+        <p:txBody>
+          <a:bodyPr rtlCol="0" anchor="ctr"/>
+          <a:lstStyle/>
+          <a:p>
+            <a:pPr algn="ctr"/>
+            <a:r>
+              <a:rPr kumimoji="1" lang="en-US" altLang="ja-JP" sz="2800" dirty="0"/>
+              <a:t> Tx</a:t>
+            </a:r>
+            <a:endParaRPr kumimoji="1" lang="ja-JP" altLang="en-US" sz="2800"/>
+          </a:p>
+        </p:txBody>
+      </p:sp>
+      <p:sp>
+        <p:nvSpPr>
+          <p:cNvPr id="19" name="正方形/長方形 18">
+            <a:extLst>
+              <a:ext uri="{FF2B5EF4-FFF2-40B4-BE49-F238E27FC236}">
+                <a16:creationId xmlns:a16="http://schemas.microsoft.com/office/drawing/2014/main" id="{D3D87CBB-DE3A-B812-FF68-5134754A9631}"/>
+              </a:ext>
+            </a:extLst>
+          </p:cNvPr>
+          <p:cNvSpPr/>
+          <p:nvPr/>
+        </p:nvSpPr>
+        <p:spPr>
+          <a:xfrm>
+            <a:off x="4135425" y="3149214"/>
+            <a:ext cx="914400" cy="914400"/>
+          </a:xfrm>
+          <a:prstGeom prst="rect">
+            <a:avLst/>
+          </a:prstGeom>
+        </p:spPr>
+        <p:style>
+          <a:lnRef idx="2">
+            <a:schemeClr val="dk1"/>
+          </a:lnRef>
+          <a:fillRef idx="1">
+            <a:schemeClr val="lt1"/>
+          </a:fillRef>
+          <a:effectRef idx="0">
+            <a:schemeClr val="dk1"/>
+          </a:effectRef>
+          <a:fontRef idx="minor">
+            <a:schemeClr val="dk1"/>
+          </a:fontRef>
+        </p:style>
+        <p:txBody>
+          <a:bodyPr rtlCol="0" anchor="ctr"/>
+          <a:lstStyle/>
+          <a:p>
+            <a:pPr algn="ctr"/>
+            <a:r>
+              <a:rPr kumimoji="1" lang="en-US" altLang="ja-JP" sz="2800" dirty="0"/>
+              <a:t>Rx</a:t>
+            </a:r>
+            <a:endParaRPr kumimoji="1" lang="ja-JP" altLang="en-US" sz="2800"/>
+          </a:p>
+        </p:txBody>
+      </p:sp>
+      <p:cxnSp>
+        <p:nvCxnSpPr>
+          <p:cNvPr id="21" name="直線コネクタ 20">
+            <a:extLst>
+              <a:ext uri="{FF2B5EF4-FFF2-40B4-BE49-F238E27FC236}">
+                <a16:creationId xmlns:a16="http://schemas.microsoft.com/office/drawing/2014/main" id="{3FFA6C19-8FC0-8EBF-2CE2-98EB5629EBFB}"/>
+              </a:ext>
+            </a:extLst>
+          </p:cNvPr>
+          <p:cNvCxnSpPr>
+            <a:cxnSpLocks/>
+          </p:cNvCxnSpPr>
+          <p:nvPr/>
+        </p:nvCxnSpPr>
+        <p:spPr>
+          <a:xfrm>
+            <a:off x="5049825" y="2092888"/>
+            <a:ext cx="567204" cy="0"/>
+          </a:xfrm>
+          <a:prstGeom prst="line">
+            <a:avLst/>
+          </a:prstGeom>
+          <a:ln w="12700"/>
+        </p:spPr>
+        <p:style>
+          <a:lnRef idx="1">
+            <a:schemeClr val="dk1"/>
+          </a:lnRef>
+          <a:fillRef idx="0">
+            <a:schemeClr val="dk1"/>
+          </a:fillRef>
+          <a:effectRef idx="0">
+            <a:schemeClr val="dk1"/>
+          </a:effectRef>
+          <a:fontRef idx="minor">
+            <a:schemeClr val="tx1"/>
+          </a:fontRef>
+        </p:style>
+      </p:cxnSp>
+      <p:cxnSp>
+        <p:nvCxnSpPr>
+          <p:cNvPr id="22" name="直線コネクタ 21">
+            <a:extLst>
+              <a:ext uri="{FF2B5EF4-FFF2-40B4-BE49-F238E27FC236}">
+                <a16:creationId xmlns:a16="http://schemas.microsoft.com/office/drawing/2014/main" id="{C4DCCEEC-47BF-99F4-CEDC-D4F6C11CDE5B}"/>
+              </a:ext>
+            </a:extLst>
+          </p:cNvPr>
+          <p:cNvCxnSpPr>
+            <a:cxnSpLocks/>
+          </p:cNvCxnSpPr>
+          <p:nvPr/>
+        </p:nvCxnSpPr>
+        <p:spPr>
+          <a:xfrm>
+            <a:off x="5049825" y="2650925"/>
+            <a:ext cx="567204" cy="0"/>
+          </a:xfrm>
+          <a:prstGeom prst="line">
+            <a:avLst/>
+          </a:prstGeom>
+          <a:ln w="12700"/>
+        </p:spPr>
+        <p:style>
+          <a:lnRef idx="1">
+            <a:schemeClr val="dk1"/>
+          </a:lnRef>
+          <a:fillRef idx="0">
+            <a:schemeClr val="dk1"/>
+          </a:fillRef>
+          <a:effectRef idx="0">
+            <a:schemeClr val="dk1"/>
+          </a:effectRef>
+          <a:fontRef idx="minor">
+            <a:schemeClr val="tx1"/>
+          </a:fontRef>
+        </p:style>
+      </p:cxnSp>
+      <p:cxnSp>
+        <p:nvCxnSpPr>
+          <p:cNvPr id="23" name="直線コネクタ 22">
+            <a:extLst>
+              <a:ext uri="{FF2B5EF4-FFF2-40B4-BE49-F238E27FC236}">
+                <a16:creationId xmlns:a16="http://schemas.microsoft.com/office/drawing/2014/main" id="{455D189C-975F-E150-2DE9-B3C289C5D294}"/>
+              </a:ext>
+            </a:extLst>
+          </p:cNvPr>
+          <p:cNvCxnSpPr>
+            <a:cxnSpLocks/>
+          </p:cNvCxnSpPr>
+          <p:nvPr/>
+        </p:nvCxnSpPr>
+        <p:spPr>
+          <a:xfrm>
+            <a:off x="5050398" y="3331569"/>
+            <a:ext cx="567204" cy="0"/>
+          </a:xfrm>
+          <a:prstGeom prst="line">
+            <a:avLst/>
+          </a:prstGeom>
+          <a:ln w="12700"/>
+        </p:spPr>
+        <p:style>
+          <a:lnRef idx="1">
+            <a:schemeClr val="dk1"/>
+          </a:lnRef>
+          <a:fillRef idx="0">
+            <a:schemeClr val="dk1"/>
+          </a:fillRef>
+          <a:effectRef idx="0">
+            <a:schemeClr val="dk1"/>
+          </a:effectRef>
+          <a:fontRef idx="minor">
+            <a:schemeClr val="tx1"/>
+          </a:fontRef>
+        </p:style>
+      </p:cxnSp>
+      <p:cxnSp>
+        <p:nvCxnSpPr>
+          <p:cNvPr id="24" name="直線コネクタ 23">
+            <a:extLst>
+              <a:ext uri="{FF2B5EF4-FFF2-40B4-BE49-F238E27FC236}">
+                <a16:creationId xmlns:a16="http://schemas.microsoft.com/office/drawing/2014/main" id="{76C94130-C723-DD51-1926-73E47120B522}"/>
+              </a:ext>
+            </a:extLst>
+          </p:cNvPr>
+          <p:cNvCxnSpPr>
+            <a:cxnSpLocks/>
+          </p:cNvCxnSpPr>
+          <p:nvPr/>
+        </p:nvCxnSpPr>
+        <p:spPr>
+          <a:xfrm>
+            <a:off x="5036075" y="3903354"/>
+            <a:ext cx="567204" cy="0"/>
+          </a:xfrm>
+          <a:prstGeom prst="line">
+            <a:avLst/>
+          </a:prstGeom>
+          <a:ln w="12700"/>
+        </p:spPr>
+        <p:style>
+          <a:lnRef idx="1">
+            <a:schemeClr val="dk1"/>
+          </a:lnRef>
+          <a:fillRef idx="0">
+            <a:schemeClr val="dk1"/>
+          </a:fillRef>
+          <a:effectRef idx="0">
+            <a:schemeClr val="dk1"/>
+          </a:effectRef>
+          <a:fontRef idx="minor">
+            <a:schemeClr val="tx1"/>
+          </a:fontRef>
+        </p:style>
+      </p:cxnSp>
+      <p:cxnSp>
+        <p:nvCxnSpPr>
+          <p:cNvPr id="26" name="直線矢印コネクタ 25">
+            <a:extLst>
+              <a:ext uri="{FF2B5EF4-FFF2-40B4-BE49-F238E27FC236}">
+                <a16:creationId xmlns:a16="http://schemas.microsoft.com/office/drawing/2014/main" id="{C61A63A4-9406-C410-7FA6-2E7E31D648B3}"/>
+              </a:ext>
+            </a:extLst>
+          </p:cNvPr>
+          <p:cNvCxnSpPr>
+            <a:stCxn id="16" idx="6"/>
+            <a:endCxn id="18" idx="1"/>
+          </p:cNvCxnSpPr>
+          <p:nvPr/>
+        </p:nvCxnSpPr>
+        <p:spPr>
+          <a:xfrm>
+            <a:off x="3004457" y="2357585"/>
+            <a:ext cx="1121029" cy="3187"/>
+          </a:xfrm>
+          <a:prstGeom prst="straightConnector1">
+            <a:avLst/>
+          </a:prstGeom>
+          <a:ln w="12700">
+            <a:tailEnd type="triangle"/>
+          </a:ln>
+        </p:spPr>
+        <p:style>
+          <a:lnRef idx="1">
+            <a:schemeClr val="dk1"/>
+          </a:lnRef>
+          <a:fillRef idx="0">
+            <a:schemeClr val="dk1"/>
+          </a:fillRef>
+          <a:effectRef idx="0">
+            <a:schemeClr val="dk1"/>
+          </a:effectRef>
+          <a:fontRef idx="minor">
+            <a:schemeClr val="tx1"/>
+          </a:fontRef>
+        </p:style>
+      </p:cxnSp>
+      <p:cxnSp>
+        <p:nvCxnSpPr>
+          <p:cNvPr id="35" name="直線コネクタ 34">
+            <a:extLst>
+              <a:ext uri="{FF2B5EF4-FFF2-40B4-BE49-F238E27FC236}">
+                <a16:creationId xmlns:a16="http://schemas.microsoft.com/office/drawing/2014/main" id="{864D2B56-87C5-C92B-D033-E6748307CD80}"/>
+              </a:ext>
+            </a:extLst>
+          </p:cNvPr>
+          <p:cNvCxnSpPr>
+            <a:cxnSpLocks/>
+          </p:cNvCxnSpPr>
+          <p:nvPr/>
+        </p:nvCxnSpPr>
+        <p:spPr>
+          <a:xfrm flipH="1" flipV="1">
+            <a:off x="5397023" y="3412922"/>
+            <a:ext cx="213131" cy="288758"/>
+          </a:xfrm>
+          <a:prstGeom prst="line">
+            <a:avLst/>
+          </a:prstGeom>
+          <a:ln w="12700"/>
+        </p:spPr>
+        <p:style>
+          <a:lnRef idx="1">
+            <a:schemeClr val="dk1"/>
+          </a:lnRef>
+          <a:fillRef idx="0">
+            <a:schemeClr val="dk1"/>
+          </a:fillRef>
+          <a:effectRef idx="0">
+            <a:schemeClr val="dk1"/>
+          </a:effectRef>
+          <a:fontRef idx="minor">
+            <a:schemeClr val="tx1"/>
+          </a:fontRef>
+        </p:style>
+      </p:cxnSp>
+      <p:cxnSp>
+        <p:nvCxnSpPr>
+          <p:cNvPr id="37" name="直線コネクタ 36">
+            <a:extLst>
+              <a:ext uri="{FF2B5EF4-FFF2-40B4-BE49-F238E27FC236}">
+                <a16:creationId xmlns:a16="http://schemas.microsoft.com/office/drawing/2014/main" id="{E33C43BB-4420-03F0-5CB7-25EB86D3B62E}"/>
+              </a:ext>
+            </a:extLst>
+          </p:cNvPr>
+          <p:cNvCxnSpPr>
+            <a:cxnSpLocks/>
+          </p:cNvCxnSpPr>
+          <p:nvPr/>
+        </p:nvCxnSpPr>
+        <p:spPr>
+          <a:xfrm flipV="1">
+            <a:off x="5610154" y="3412922"/>
+            <a:ext cx="206256" cy="295633"/>
+          </a:xfrm>
+          <a:prstGeom prst="line">
+            <a:avLst/>
+          </a:prstGeom>
+          <a:ln w="12700"/>
+        </p:spPr>
+        <p:style>
+          <a:lnRef idx="1">
+            <a:schemeClr val="dk1"/>
+          </a:lnRef>
+          <a:fillRef idx="0">
+            <a:schemeClr val="dk1"/>
+          </a:fillRef>
+          <a:effectRef idx="0">
+            <a:schemeClr val="dk1"/>
+          </a:effectRef>
+          <a:fontRef idx="minor">
+            <a:schemeClr val="tx1"/>
+          </a:fontRef>
+        </p:style>
+      </p:cxnSp>
+      <p:cxnSp>
+        <p:nvCxnSpPr>
+          <p:cNvPr id="39" name="直線コネクタ 38">
+            <a:extLst>
+              <a:ext uri="{FF2B5EF4-FFF2-40B4-BE49-F238E27FC236}">
+                <a16:creationId xmlns:a16="http://schemas.microsoft.com/office/drawing/2014/main" id="{940A34B1-F1D0-CACD-8AF4-247217D993FF}"/>
+              </a:ext>
+            </a:extLst>
+          </p:cNvPr>
+          <p:cNvCxnSpPr>
+            <a:cxnSpLocks/>
+          </p:cNvCxnSpPr>
+          <p:nvPr/>
+        </p:nvCxnSpPr>
+        <p:spPr>
+          <a:xfrm flipH="1">
+            <a:off x="5397023" y="3412922"/>
+            <a:ext cx="419387" cy="0"/>
+          </a:xfrm>
+          <a:prstGeom prst="line">
+            <a:avLst/>
+          </a:prstGeom>
+          <a:ln w="12700"/>
+        </p:spPr>
+        <p:style>
+          <a:lnRef idx="1">
+            <a:schemeClr val="dk1"/>
+          </a:lnRef>
+          <a:fillRef idx="0">
+            <a:schemeClr val="dk1"/>
+          </a:fillRef>
+          <a:effectRef idx="0">
+            <a:schemeClr val="dk1"/>
+          </a:effectRef>
+          <a:fontRef idx="minor">
+            <a:schemeClr val="tx1"/>
+          </a:fontRef>
+        </p:style>
+      </p:cxnSp>
+      <p:cxnSp>
+        <p:nvCxnSpPr>
+          <p:cNvPr id="42" name="直線コネクタ 41">
+            <a:extLst>
+              <a:ext uri="{FF2B5EF4-FFF2-40B4-BE49-F238E27FC236}">
+                <a16:creationId xmlns:a16="http://schemas.microsoft.com/office/drawing/2014/main" id="{E1A45F0B-9CCC-552D-73D3-6783CCF6C653}"/>
+              </a:ext>
+            </a:extLst>
+          </p:cNvPr>
+          <p:cNvCxnSpPr>
+            <a:cxnSpLocks/>
+          </p:cNvCxnSpPr>
+          <p:nvPr/>
+        </p:nvCxnSpPr>
+        <p:spPr>
+          <a:xfrm>
+            <a:off x="5610154" y="3406047"/>
+            <a:ext cx="0" cy="508764"/>
+          </a:xfrm>
+          <a:prstGeom prst="line">
+            <a:avLst/>
+          </a:prstGeom>
+          <a:ln w="12700"/>
+        </p:spPr>
+        <p:style>
+          <a:lnRef idx="1">
+            <a:schemeClr val="dk1"/>
+          </a:lnRef>
+          <a:fillRef idx="0">
+            <a:schemeClr val="dk1"/>
+          </a:fillRef>
+          <a:effectRef idx="0">
+            <a:schemeClr val="dk1"/>
+          </a:effectRef>
+          <a:fontRef idx="minor">
+            <a:schemeClr val="tx1"/>
+          </a:fontRef>
+        </p:style>
+      </p:cxnSp>
+      <p:cxnSp>
+        <p:nvCxnSpPr>
+          <p:cNvPr id="43" name="直線コネクタ 42">
+            <a:extLst>
+              <a:ext uri="{FF2B5EF4-FFF2-40B4-BE49-F238E27FC236}">
+                <a16:creationId xmlns:a16="http://schemas.microsoft.com/office/drawing/2014/main" id="{C30903F6-0205-DA94-4F74-F50F59D4FD85}"/>
+              </a:ext>
+            </a:extLst>
+          </p:cNvPr>
+          <p:cNvCxnSpPr>
+            <a:cxnSpLocks/>
+          </p:cNvCxnSpPr>
+          <p:nvPr/>
+        </p:nvCxnSpPr>
+        <p:spPr>
+          <a:xfrm flipH="1" flipV="1">
+            <a:off x="5398172" y="1585265"/>
+            <a:ext cx="213131" cy="288758"/>
+          </a:xfrm>
+          <a:prstGeom prst="line">
+            <a:avLst/>
+          </a:prstGeom>
+          <a:ln w="12700"/>
+        </p:spPr>
+        <p:style>
+          <a:lnRef idx="1">
+            <a:schemeClr val="dk1"/>
+          </a:lnRef>
+          <a:fillRef idx="0">
+            <a:schemeClr val="dk1"/>
+          </a:fillRef>
+          <a:effectRef idx="0">
+            <a:schemeClr val="dk1"/>
+          </a:effectRef>
+          <a:fontRef idx="minor">
+            <a:schemeClr val="tx1"/>
+          </a:fontRef>
+        </p:style>
+      </p:cxnSp>
+      <p:cxnSp>
+        <p:nvCxnSpPr>
+          <p:cNvPr id="44" name="直線コネクタ 43">
+            <a:extLst>
+              <a:ext uri="{FF2B5EF4-FFF2-40B4-BE49-F238E27FC236}">
+                <a16:creationId xmlns:a16="http://schemas.microsoft.com/office/drawing/2014/main" id="{BD76BFA3-16CB-9D1A-9F76-3FF12DA19D03}"/>
+              </a:ext>
+            </a:extLst>
+          </p:cNvPr>
+          <p:cNvCxnSpPr>
+            <a:cxnSpLocks/>
+          </p:cNvCxnSpPr>
+          <p:nvPr/>
+        </p:nvCxnSpPr>
+        <p:spPr>
+          <a:xfrm flipV="1">
+            <a:off x="5611303" y="1585265"/>
+            <a:ext cx="206256" cy="295633"/>
+          </a:xfrm>
+          <a:prstGeom prst="line">
+            <a:avLst/>
+          </a:prstGeom>
+          <a:ln w="12700"/>
+        </p:spPr>
+        <p:style>
+          <a:lnRef idx="1">
+            <a:schemeClr val="dk1"/>
+          </a:lnRef>
+          <a:fillRef idx="0">
+            <a:schemeClr val="dk1"/>
+          </a:fillRef>
+          <a:effectRef idx="0">
+            <a:schemeClr val="dk1"/>
+          </a:effectRef>
+          <a:fontRef idx="minor">
+            <a:schemeClr val="tx1"/>
+          </a:fontRef>
+        </p:style>
+      </p:cxnSp>
+      <p:cxnSp>
+        <p:nvCxnSpPr>
+          <p:cNvPr id="45" name="直線コネクタ 44">
+            <a:extLst>
+              <a:ext uri="{FF2B5EF4-FFF2-40B4-BE49-F238E27FC236}">
+                <a16:creationId xmlns:a16="http://schemas.microsoft.com/office/drawing/2014/main" id="{F4970855-9CFF-AB62-4906-4AC1539249A7}"/>
+              </a:ext>
+            </a:extLst>
+          </p:cNvPr>
+          <p:cNvCxnSpPr>
+            <a:cxnSpLocks/>
+          </p:cNvCxnSpPr>
+          <p:nvPr/>
+        </p:nvCxnSpPr>
+        <p:spPr>
+          <a:xfrm flipH="1">
+            <a:off x="5398172" y="1585265"/>
+            <a:ext cx="419387" cy="0"/>
+          </a:xfrm>
+          <a:prstGeom prst="line">
+            <a:avLst/>
+          </a:prstGeom>
+          <a:ln w="12700"/>
+        </p:spPr>
+        <p:style>
+          <a:lnRef idx="1">
+            <a:schemeClr val="dk1"/>
+          </a:lnRef>
+          <a:fillRef idx="0">
+            <a:schemeClr val="dk1"/>
+          </a:fillRef>
+          <a:effectRef idx="0">
+            <a:schemeClr val="dk1"/>
+          </a:effectRef>
+          <a:fontRef idx="minor">
+            <a:schemeClr val="tx1"/>
+          </a:fontRef>
+        </p:style>
+      </p:cxnSp>
+      <p:cxnSp>
+        <p:nvCxnSpPr>
+          <p:cNvPr id="46" name="直線コネクタ 45">
+            <a:extLst>
+              <a:ext uri="{FF2B5EF4-FFF2-40B4-BE49-F238E27FC236}">
+                <a16:creationId xmlns:a16="http://schemas.microsoft.com/office/drawing/2014/main" id="{3576AC30-67FB-AB58-13A2-7E3020C24B71}"/>
+              </a:ext>
+            </a:extLst>
+          </p:cNvPr>
+          <p:cNvCxnSpPr>
+            <a:cxnSpLocks/>
+          </p:cNvCxnSpPr>
+          <p:nvPr/>
+        </p:nvCxnSpPr>
+        <p:spPr>
+          <a:xfrm>
+            <a:off x="5611303" y="1585265"/>
+            <a:ext cx="0" cy="508764"/>
+          </a:xfrm>
+          <a:prstGeom prst="line">
+            <a:avLst/>
+          </a:prstGeom>
+          <a:ln w="12700"/>
+        </p:spPr>
+        <p:style>
+          <a:lnRef idx="1">
+            <a:schemeClr val="dk1"/>
+          </a:lnRef>
+          <a:fillRef idx="0">
+            <a:schemeClr val="dk1"/>
+          </a:fillRef>
+          <a:effectRef idx="0">
+            <a:schemeClr val="dk1"/>
+          </a:effectRef>
+          <a:fontRef idx="minor">
+            <a:schemeClr val="tx1"/>
+          </a:fontRef>
+        </p:style>
+      </p:cxnSp>
+      <p:cxnSp>
+        <p:nvCxnSpPr>
+          <p:cNvPr id="47" name="直線コネクタ 46">
+            <a:extLst>
+              <a:ext uri="{FF2B5EF4-FFF2-40B4-BE49-F238E27FC236}">
+                <a16:creationId xmlns:a16="http://schemas.microsoft.com/office/drawing/2014/main" id="{8596FF56-DD7B-5E65-AD44-29B944BB0786}"/>
+              </a:ext>
+            </a:extLst>
+          </p:cNvPr>
+          <p:cNvCxnSpPr>
+            <a:cxnSpLocks/>
+          </p:cNvCxnSpPr>
+          <p:nvPr/>
+        </p:nvCxnSpPr>
+        <p:spPr>
+          <a:xfrm flipH="1" flipV="1">
+            <a:off x="5398168" y="2822802"/>
+            <a:ext cx="213131" cy="288758"/>
+          </a:xfrm>
+          <a:prstGeom prst="line">
+            <a:avLst/>
+          </a:prstGeom>
+          <a:ln w="12700"/>
+        </p:spPr>
+        <p:style>
+          <a:lnRef idx="1">
+            <a:schemeClr val="dk1"/>
+          </a:lnRef>
+          <a:fillRef idx="0">
+            <a:schemeClr val="dk1"/>
+          </a:fillRef>
+          <a:effectRef idx="0">
+            <a:schemeClr val="dk1"/>
+          </a:effectRef>
+          <a:fontRef idx="minor">
+            <a:schemeClr val="tx1"/>
+          </a:fontRef>
+        </p:style>
+      </p:cxnSp>
+      <p:cxnSp>
+        <p:nvCxnSpPr>
+          <p:cNvPr id="48" name="直線コネクタ 47">
+            <a:extLst>
+              <a:ext uri="{FF2B5EF4-FFF2-40B4-BE49-F238E27FC236}">
+                <a16:creationId xmlns:a16="http://schemas.microsoft.com/office/drawing/2014/main" id="{2B049747-A938-3EF1-CC7E-4EB40B106D58}"/>
+              </a:ext>
+            </a:extLst>
+          </p:cNvPr>
+          <p:cNvCxnSpPr>
+            <a:cxnSpLocks/>
+          </p:cNvCxnSpPr>
+          <p:nvPr/>
+        </p:nvCxnSpPr>
+        <p:spPr>
+          <a:xfrm flipV="1">
+            <a:off x="5611299" y="2822802"/>
+            <a:ext cx="206256" cy="295633"/>
+          </a:xfrm>
+          <a:prstGeom prst="line">
+            <a:avLst/>
+          </a:prstGeom>
+          <a:ln w="12700"/>
+        </p:spPr>
+        <p:style>
+          <a:lnRef idx="1">
+            <a:schemeClr val="dk1"/>
+          </a:lnRef>
+          <a:fillRef idx="0">
+            <a:schemeClr val="dk1"/>
+          </a:fillRef>
+          <a:effectRef idx="0">
+            <a:schemeClr val="dk1"/>
+          </a:effectRef>
+          <a:fontRef idx="minor">
+            <a:schemeClr val="tx1"/>
+          </a:fontRef>
+        </p:style>
+      </p:cxnSp>
+      <p:cxnSp>
+        <p:nvCxnSpPr>
+          <p:cNvPr id="49" name="直線コネクタ 48">
+            <a:extLst>
+              <a:ext uri="{FF2B5EF4-FFF2-40B4-BE49-F238E27FC236}">
+                <a16:creationId xmlns:a16="http://schemas.microsoft.com/office/drawing/2014/main" id="{CDEE0FBF-C4C9-A069-6A0B-BB890FA8D00F}"/>
+              </a:ext>
+            </a:extLst>
+          </p:cNvPr>
+          <p:cNvCxnSpPr>
+            <a:cxnSpLocks/>
+          </p:cNvCxnSpPr>
+          <p:nvPr/>
+        </p:nvCxnSpPr>
+        <p:spPr>
+          <a:xfrm flipH="1">
+            <a:off x="5398168" y="2829679"/>
+            <a:ext cx="419387" cy="0"/>
+          </a:xfrm>
+          <a:prstGeom prst="line">
+            <a:avLst/>
+          </a:prstGeom>
+          <a:ln w="12700"/>
+        </p:spPr>
+        <p:style>
+          <a:lnRef idx="1">
+            <a:schemeClr val="dk1"/>
+          </a:lnRef>
+          <a:fillRef idx="0">
+            <a:schemeClr val="dk1"/>
+          </a:fillRef>
+          <a:effectRef idx="0">
+            <a:schemeClr val="dk1"/>
+          </a:effectRef>
+          <a:fontRef idx="minor">
+            <a:schemeClr val="tx1"/>
+          </a:fontRef>
+        </p:style>
+      </p:cxnSp>
+      <p:cxnSp>
+        <p:nvCxnSpPr>
+          <p:cNvPr id="50" name="直線コネクタ 49">
+            <a:extLst>
+              <a:ext uri="{FF2B5EF4-FFF2-40B4-BE49-F238E27FC236}">
+                <a16:creationId xmlns:a16="http://schemas.microsoft.com/office/drawing/2014/main" id="{EDF4FAB9-1A0D-96D6-90E7-B712E5DA2953}"/>
+              </a:ext>
+            </a:extLst>
+          </p:cNvPr>
+          <p:cNvCxnSpPr>
+            <a:cxnSpLocks/>
+          </p:cNvCxnSpPr>
+          <p:nvPr/>
+        </p:nvCxnSpPr>
+        <p:spPr>
+          <a:xfrm>
+            <a:off x="5611299" y="2822802"/>
+            <a:ext cx="0" cy="508764"/>
+          </a:xfrm>
+          <a:prstGeom prst="line">
+            <a:avLst/>
+          </a:prstGeom>
+          <a:ln w="12700"/>
+        </p:spPr>
+        <p:style>
+          <a:lnRef idx="1">
+            <a:schemeClr val="dk1"/>
+          </a:lnRef>
+          <a:fillRef idx="0">
+            <a:schemeClr val="dk1"/>
+          </a:fillRef>
+          <a:effectRef idx="0">
+            <a:schemeClr val="dk1"/>
+          </a:effectRef>
+          <a:fontRef idx="minor">
+            <a:schemeClr val="tx1"/>
+          </a:fontRef>
+        </p:style>
+      </p:cxnSp>
+      <p:cxnSp>
+        <p:nvCxnSpPr>
+          <p:cNvPr id="51" name="直線コネクタ 50">
+            <a:extLst>
+              <a:ext uri="{FF2B5EF4-FFF2-40B4-BE49-F238E27FC236}">
+                <a16:creationId xmlns:a16="http://schemas.microsoft.com/office/drawing/2014/main" id="{8DB53E89-1074-234A-76B6-8DE04C72E2EE}"/>
+              </a:ext>
+            </a:extLst>
+          </p:cNvPr>
+          <p:cNvCxnSpPr>
+            <a:cxnSpLocks/>
+          </p:cNvCxnSpPr>
+          <p:nvPr/>
+        </p:nvCxnSpPr>
+        <p:spPr>
+          <a:xfrm flipH="1" flipV="1">
+            <a:off x="5399311" y="2150180"/>
+            <a:ext cx="213131" cy="288758"/>
+          </a:xfrm>
+          <a:prstGeom prst="line">
+            <a:avLst/>
+          </a:prstGeom>
+          <a:ln w="12700"/>
+        </p:spPr>
+        <p:style>
+          <a:lnRef idx="1">
+            <a:schemeClr val="dk1"/>
+          </a:lnRef>
+          <a:fillRef idx="0">
+            <a:schemeClr val="dk1"/>
+          </a:fillRef>
+          <a:effectRef idx="0">
+            <a:schemeClr val="dk1"/>
+          </a:effectRef>
+          <a:fontRef idx="minor">
+            <a:schemeClr val="tx1"/>
+          </a:fontRef>
+        </p:style>
+      </p:cxnSp>
+      <p:cxnSp>
+        <p:nvCxnSpPr>
+          <p:cNvPr id="52" name="直線コネクタ 51">
+            <a:extLst>
+              <a:ext uri="{FF2B5EF4-FFF2-40B4-BE49-F238E27FC236}">
+                <a16:creationId xmlns:a16="http://schemas.microsoft.com/office/drawing/2014/main" id="{FA422586-B405-3FBD-876E-E83AF826675F}"/>
+              </a:ext>
+            </a:extLst>
+          </p:cNvPr>
+          <p:cNvCxnSpPr>
+            <a:cxnSpLocks/>
+          </p:cNvCxnSpPr>
+          <p:nvPr/>
+        </p:nvCxnSpPr>
+        <p:spPr>
+          <a:xfrm flipV="1">
+            <a:off x="5612442" y="2150180"/>
+            <a:ext cx="206256" cy="295633"/>
+          </a:xfrm>
+          <a:prstGeom prst="line">
+            <a:avLst/>
+          </a:prstGeom>
+          <a:ln w="12700"/>
+        </p:spPr>
+        <p:style>
+          <a:lnRef idx="1">
+            <a:schemeClr val="dk1"/>
+          </a:lnRef>
+          <a:fillRef idx="0">
+            <a:schemeClr val="dk1"/>
+          </a:fillRef>
+          <a:effectRef idx="0">
+            <a:schemeClr val="dk1"/>
+          </a:effectRef>
+          <a:fontRef idx="minor">
+            <a:schemeClr val="tx1"/>
+          </a:fontRef>
+        </p:style>
+      </p:cxnSp>
+      <p:cxnSp>
+        <p:nvCxnSpPr>
+          <p:cNvPr id="53" name="直線コネクタ 52">
+            <a:extLst>
+              <a:ext uri="{FF2B5EF4-FFF2-40B4-BE49-F238E27FC236}">
+                <a16:creationId xmlns:a16="http://schemas.microsoft.com/office/drawing/2014/main" id="{97AF1B79-EC1A-C3CF-7C08-70DF81C9C7D4}"/>
+              </a:ext>
+            </a:extLst>
+          </p:cNvPr>
+          <p:cNvCxnSpPr>
+            <a:cxnSpLocks/>
+          </p:cNvCxnSpPr>
+          <p:nvPr/>
+        </p:nvCxnSpPr>
+        <p:spPr>
+          <a:xfrm flipH="1">
+            <a:off x="5399311" y="2150180"/>
+            <a:ext cx="419387" cy="0"/>
+          </a:xfrm>
+          <a:prstGeom prst="line">
+            <a:avLst/>
+          </a:prstGeom>
+          <a:ln w="12700"/>
+        </p:spPr>
+        <p:style>
+          <a:lnRef idx="1">
+            <a:schemeClr val="dk1"/>
+          </a:lnRef>
+          <a:fillRef idx="0">
+            <a:schemeClr val="dk1"/>
+          </a:fillRef>
+          <a:effectRef idx="0">
+            <a:schemeClr val="dk1"/>
+          </a:effectRef>
+          <a:fontRef idx="minor">
+            <a:schemeClr val="tx1"/>
+          </a:fontRef>
+        </p:style>
+      </p:cxnSp>
+      <p:cxnSp>
+        <p:nvCxnSpPr>
+          <p:cNvPr id="54" name="直線コネクタ 53">
+            <a:extLst>
+              <a:ext uri="{FF2B5EF4-FFF2-40B4-BE49-F238E27FC236}">
+                <a16:creationId xmlns:a16="http://schemas.microsoft.com/office/drawing/2014/main" id="{D1C9F109-7263-9E11-0D7F-7A39A7108C5B}"/>
+              </a:ext>
+            </a:extLst>
+          </p:cNvPr>
+          <p:cNvCxnSpPr>
+            <a:cxnSpLocks/>
+          </p:cNvCxnSpPr>
+          <p:nvPr/>
+        </p:nvCxnSpPr>
+        <p:spPr>
+          <a:xfrm>
+            <a:off x="5612442" y="2143305"/>
+            <a:ext cx="0" cy="508764"/>
+          </a:xfrm>
+          <a:prstGeom prst="line">
+            <a:avLst/>
+          </a:prstGeom>
+          <a:ln w="12700"/>
+        </p:spPr>
+        <p:style>
+          <a:lnRef idx="1">
+            <a:schemeClr val="dk1"/>
+          </a:lnRef>
+          <a:fillRef idx="0">
+            <a:schemeClr val="dk1"/>
+          </a:fillRef>
+          <a:effectRef idx="0">
+            <a:schemeClr val="dk1"/>
+          </a:effectRef>
+          <a:fontRef idx="minor">
+            <a:schemeClr val="tx1"/>
+          </a:fontRef>
+        </p:style>
+      </p:cxnSp>
+      <p:sp>
+        <p:nvSpPr>
+          <p:cNvPr id="55" name="テキスト ボックス 54">
+            <a:extLst>
+              <a:ext uri="{FF2B5EF4-FFF2-40B4-BE49-F238E27FC236}">
+                <a16:creationId xmlns:a16="http://schemas.microsoft.com/office/drawing/2014/main" id="{42BD435F-823A-DC3A-4590-548FA73F21DD}"/>
+              </a:ext>
+            </a:extLst>
+          </p:cNvPr>
+          <p:cNvSpPr txBox="1"/>
+          <p:nvPr/>
+        </p:nvSpPr>
+        <p:spPr>
+          <a:xfrm>
+            <a:off x="5826422" y="1099427"/>
+            <a:ext cx="421910" cy="954107"/>
+          </a:xfrm>
+          <a:prstGeom prst="rect">
+            <a:avLst/>
+          </a:prstGeom>
+          <a:noFill/>
+        </p:spPr>
+        <p:txBody>
+          <a:bodyPr wrap="square" rtlCol="0">
+            <a:spAutoFit/>
+          </a:bodyPr>
+          <a:lstStyle/>
+          <a:p>
+            <a:r>
+              <a:rPr kumimoji="1" lang="en-US" altLang="ja-JP" sz="2800" dirty="0"/>
+              <a:t> H</a:t>
+            </a:r>
+            <a:endParaRPr kumimoji="1" lang="ja-JP" altLang="en-US" sz="2800"/>
+          </a:p>
+        </p:txBody>
+      </p:sp>
+      <p:sp>
+        <p:nvSpPr>
+          <p:cNvPr id="56" name="テキスト ボックス 55">
+            <a:extLst>
+              <a:ext uri="{FF2B5EF4-FFF2-40B4-BE49-F238E27FC236}">
+                <a16:creationId xmlns:a16="http://schemas.microsoft.com/office/drawing/2014/main" id="{22A8BAE7-641A-B4F7-0E6E-D8F5F3BA6E28}"/>
+              </a:ext>
+            </a:extLst>
+          </p:cNvPr>
+          <p:cNvSpPr txBox="1"/>
+          <p:nvPr/>
+        </p:nvSpPr>
+        <p:spPr>
+          <a:xfrm>
+            <a:off x="5847327" y="2196981"/>
+            <a:ext cx="333746" cy="523220"/>
+          </a:xfrm>
+          <a:prstGeom prst="rect">
+            <a:avLst/>
+          </a:prstGeom>
+          <a:noFill/>
+        </p:spPr>
+        <p:txBody>
+          <a:bodyPr wrap="square" rtlCol="0">
+            <a:spAutoFit/>
+          </a:bodyPr>
+          <a:lstStyle/>
+          <a:p>
+            <a:r>
+              <a:rPr kumimoji="1" lang="en-US" altLang="ja-JP" sz="2800" dirty="0"/>
+              <a:t>V</a:t>
+            </a:r>
+            <a:endParaRPr kumimoji="1" lang="ja-JP" altLang="en-US" sz="2800"/>
+          </a:p>
+        </p:txBody>
+      </p:sp>
+      <p:sp>
+        <p:nvSpPr>
+          <p:cNvPr id="57" name="テキスト ボックス 56">
+            <a:extLst>
+              <a:ext uri="{FF2B5EF4-FFF2-40B4-BE49-F238E27FC236}">
+                <a16:creationId xmlns:a16="http://schemas.microsoft.com/office/drawing/2014/main" id="{304C7F11-1AB3-F604-5F03-F44079DE90D6}"/>
+              </a:ext>
+            </a:extLst>
+          </p:cNvPr>
+          <p:cNvSpPr txBox="1"/>
+          <p:nvPr/>
+        </p:nvSpPr>
+        <p:spPr>
+          <a:xfrm>
+            <a:off x="5834795" y="2813217"/>
+            <a:ext cx="356188" cy="523220"/>
+          </a:xfrm>
+          <a:prstGeom prst="rect">
+            <a:avLst/>
+          </a:prstGeom>
+          <a:noFill/>
+        </p:spPr>
+        <p:txBody>
+          <a:bodyPr wrap="square" rtlCol="0">
+            <a:spAutoFit/>
+          </a:bodyPr>
+          <a:lstStyle/>
+          <a:p>
+            <a:r>
+              <a:rPr kumimoji="1" lang="en-US" altLang="ja-JP" sz="2800" dirty="0"/>
+              <a:t>H</a:t>
+            </a:r>
+            <a:endParaRPr kumimoji="1" lang="ja-JP" altLang="en-US" sz="2800"/>
+          </a:p>
+        </p:txBody>
+      </p:sp>
+      <p:sp>
+        <p:nvSpPr>
+          <p:cNvPr id="58" name="テキスト ボックス 57">
+            <a:extLst>
+              <a:ext uri="{FF2B5EF4-FFF2-40B4-BE49-F238E27FC236}">
+                <a16:creationId xmlns:a16="http://schemas.microsoft.com/office/drawing/2014/main" id="{BC18D15A-D3D6-05C0-87E0-A399EFDAE883}"/>
+              </a:ext>
+            </a:extLst>
+          </p:cNvPr>
+          <p:cNvSpPr txBox="1"/>
+          <p:nvPr/>
+        </p:nvSpPr>
+        <p:spPr>
+          <a:xfrm>
+            <a:off x="5854202" y="3442351"/>
+            <a:ext cx="333746" cy="523220"/>
+          </a:xfrm>
+          <a:prstGeom prst="rect">
+            <a:avLst/>
+          </a:prstGeom>
+          <a:noFill/>
+        </p:spPr>
+        <p:txBody>
+          <a:bodyPr wrap="square" rtlCol="0">
+            <a:spAutoFit/>
+          </a:bodyPr>
+          <a:lstStyle/>
+          <a:p>
+            <a:r>
+              <a:rPr kumimoji="1" lang="en-US" altLang="ja-JP" sz="2800" dirty="0"/>
+              <a:t>V</a:t>
+            </a:r>
+            <a:endParaRPr kumimoji="1" lang="ja-JP" altLang="en-US" sz="2800"/>
+          </a:p>
+        </p:txBody>
+      </p:sp>
+      <p:sp>
+        <p:nvSpPr>
+          <p:cNvPr id="61" name="フリーフォーム 60">
+            <a:extLst>
+              <a:ext uri="{FF2B5EF4-FFF2-40B4-BE49-F238E27FC236}">
+                <a16:creationId xmlns:a16="http://schemas.microsoft.com/office/drawing/2014/main" id="{AAFA6855-7B0E-77FA-9057-220208A2A6CF}"/>
+              </a:ext>
+            </a:extLst>
+          </p:cNvPr>
+          <p:cNvSpPr/>
+          <p:nvPr/>
+        </p:nvSpPr>
+        <p:spPr>
+          <a:xfrm>
+            <a:off x="6969411" y="1851644"/>
+            <a:ext cx="172766" cy="605016"/>
+          </a:xfrm>
+          <a:custGeom>
+            <a:avLst/>
+            <a:gdLst>
+              <a:gd name="connsiteX0" fmla="*/ 130629 w 172766"/>
+              <a:gd name="connsiteY0" fmla="*/ 0 h 605016"/>
+              <a:gd name="connsiteX1" fmla="*/ 165005 w 172766"/>
+              <a:gd name="connsiteY1" fmla="*/ 330009 h 605016"/>
+              <a:gd name="connsiteX2" fmla="*/ 0 w 172766"/>
+              <a:gd name="connsiteY2" fmla="*/ 605016 h 605016"/>
+            </a:gdLst>
+            <a:ahLst/>
+            <a:cxnLst>
+              <a:cxn ang="0">
+                <a:pos x="connsiteX0" y="connsiteY0"/>
+              </a:cxn>
+              <a:cxn ang="0">
+                <a:pos x="connsiteX1" y="connsiteY1"/>
+              </a:cxn>
+              <a:cxn ang="0">
+                <a:pos x="connsiteX2" y="connsiteY2"/>
+              </a:cxn>
+            </a:cxnLst>
+            <a:rect l="l" t="t" r="r" b="b"/>
+            <a:pathLst>
+              <a:path w="172766" h="605016">
+                <a:moveTo>
+                  <a:pt x="130629" y="0"/>
+                </a:moveTo>
+                <a:cubicBezTo>
+                  <a:pt x="158703" y="114586"/>
+                  <a:pt x="186777" y="229173"/>
+                  <a:pt x="165005" y="330009"/>
+                </a:cubicBezTo>
+                <a:cubicBezTo>
+                  <a:pt x="143234" y="430845"/>
+                  <a:pt x="26355" y="560327"/>
+                  <a:pt x="0" y="605016"/>
+                </a:cubicBezTo>
+              </a:path>
+            </a:pathLst>
+          </a:custGeom>
+          <a:noFill/>
+        </p:spPr>
+        <p:style>
+          <a:lnRef idx="2">
+            <a:schemeClr val="dk1"/>
+          </a:lnRef>
+          <a:fillRef idx="1">
+            <a:schemeClr val="lt1"/>
+          </a:fillRef>
+          <a:effectRef idx="0">
+            <a:schemeClr val="dk1"/>
+          </a:effectRef>
+          <a:fontRef idx="minor">
+            <a:schemeClr val="dk1"/>
+          </a:fontRef>
+        </p:style>
+        <p:txBody>
+          <a:bodyPr rtlCol="0" anchor="ctr"/>
+          <a:lstStyle/>
+          <a:p>
+            <a:pPr algn="ctr"/>
+            <a:endParaRPr kumimoji="1" lang="ja-JP" altLang="en-US"/>
+          </a:p>
+        </p:txBody>
+      </p:sp>
+      <p:sp>
+        <p:nvSpPr>
+          <p:cNvPr id="62" name="フリーフォーム 61">
+            <a:extLst>
+              <a:ext uri="{FF2B5EF4-FFF2-40B4-BE49-F238E27FC236}">
+                <a16:creationId xmlns:a16="http://schemas.microsoft.com/office/drawing/2014/main" id="{AC0155E0-0D55-E60D-9B5A-0EC63E967E0E}"/>
+              </a:ext>
+            </a:extLst>
+          </p:cNvPr>
+          <p:cNvSpPr/>
+          <p:nvPr/>
+        </p:nvSpPr>
+        <p:spPr>
+          <a:xfrm>
+            <a:off x="7190561" y="1942169"/>
+            <a:ext cx="172766" cy="605016"/>
+          </a:xfrm>
+          <a:custGeom>
+            <a:avLst/>
+            <a:gdLst>
+              <a:gd name="connsiteX0" fmla="*/ 130629 w 172766"/>
+              <a:gd name="connsiteY0" fmla="*/ 0 h 605016"/>
+              <a:gd name="connsiteX1" fmla="*/ 165005 w 172766"/>
+              <a:gd name="connsiteY1" fmla="*/ 330009 h 605016"/>
+              <a:gd name="connsiteX2" fmla="*/ 0 w 172766"/>
+              <a:gd name="connsiteY2" fmla="*/ 605016 h 605016"/>
+            </a:gdLst>
+            <a:ahLst/>
+            <a:cxnLst>
+              <a:cxn ang="0">
+                <a:pos x="connsiteX0" y="connsiteY0"/>
+              </a:cxn>
+              <a:cxn ang="0">
+                <a:pos x="connsiteX1" y="connsiteY1"/>
+              </a:cxn>
+              <a:cxn ang="0">
+                <a:pos x="connsiteX2" y="connsiteY2"/>
+              </a:cxn>
+            </a:cxnLst>
+            <a:rect l="l" t="t" r="r" b="b"/>
+            <a:pathLst>
+              <a:path w="172766" h="605016">
+                <a:moveTo>
+                  <a:pt x="130629" y="0"/>
+                </a:moveTo>
+                <a:cubicBezTo>
+                  <a:pt x="158703" y="114586"/>
+                  <a:pt x="186777" y="229173"/>
+                  <a:pt x="165005" y="330009"/>
+                </a:cubicBezTo>
+                <a:cubicBezTo>
+                  <a:pt x="143234" y="430845"/>
+                  <a:pt x="26355" y="560327"/>
+                  <a:pt x="0" y="605016"/>
+                </a:cubicBezTo>
+              </a:path>
+            </a:pathLst>
+          </a:custGeom>
+          <a:noFill/>
+        </p:spPr>
+        <p:style>
+          <a:lnRef idx="2">
+            <a:schemeClr val="dk1"/>
+          </a:lnRef>
+          <a:fillRef idx="1">
+            <a:schemeClr val="lt1"/>
+          </a:fillRef>
+          <a:effectRef idx="0">
+            <a:schemeClr val="dk1"/>
+          </a:effectRef>
+          <a:fontRef idx="minor">
+            <a:schemeClr val="dk1"/>
+          </a:fontRef>
+        </p:style>
+        <p:txBody>
+          <a:bodyPr rtlCol="0" anchor="ctr"/>
+          <a:lstStyle/>
+          <a:p>
+            <a:pPr algn="ctr"/>
+            <a:endParaRPr kumimoji="1" lang="ja-JP" altLang="en-US"/>
+          </a:p>
+        </p:txBody>
+      </p:sp>
+      <p:sp>
+        <p:nvSpPr>
+          <p:cNvPr id="64" name="フリーフォーム 63">
+            <a:extLst>
+              <a:ext uri="{FF2B5EF4-FFF2-40B4-BE49-F238E27FC236}">
+                <a16:creationId xmlns:a16="http://schemas.microsoft.com/office/drawing/2014/main" id="{B5B71CDC-8D81-708E-FDED-C6A001DF7243}"/>
+              </a:ext>
+            </a:extLst>
+          </p:cNvPr>
+          <p:cNvSpPr/>
+          <p:nvPr/>
+        </p:nvSpPr>
+        <p:spPr>
+          <a:xfrm>
+            <a:off x="7418587" y="2046446"/>
+            <a:ext cx="172766" cy="605016"/>
+          </a:xfrm>
+          <a:custGeom>
+            <a:avLst/>
+            <a:gdLst>
+              <a:gd name="connsiteX0" fmla="*/ 130629 w 172766"/>
+              <a:gd name="connsiteY0" fmla="*/ 0 h 605016"/>
+              <a:gd name="connsiteX1" fmla="*/ 165005 w 172766"/>
+              <a:gd name="connsiteY1" fmla="*/ 330009 h 605016"/>
+              <a:gd name="connsiteX2" fmla="*/ 0 w 172766"/>
+              <a:gd name="connsiteY2" fmla="*/ 605016 h 605016"/>
+            </a:gdLst>
+            <a:ahLst/>
+            <a:cxnLst>
+              <a:cxn ang="0">
+                <a:pos x="connsiteX0" y="connsiteY0"/>
+              </a:cxn>
+              <a:cxn ang="0">
+                <a:pos x="connsiteX1" y="connsiteY1"/>
+              </a:cxn>
+              <a:cxn ang="0">
+                <a:pos x="connsiteX2" y="connsiteY2"/>
+              </a:cxn>
+            </a:cxnLst>
+            <a:rect l="l" t="t" r="r" b="b"/>
+            <a:pathLst>
+              <a:path w="172766" h="605016">
+                <a:moveTo>
+                  <a:pt x="130629" y="0"/>
+                </a:moveTo>
+                <a:cubicBezTo>
+                  <a:pt x="158703" y="114586"/>
+                  <a:pt x="186777" y="229173"/>
+                  <a:pt x="165005" y="330009"/>
+                </a:cubicBezTo>
+                <a:cubicBezTo>
+                  <a:pt x="143234" y="430845"/>
+                  <a:pt x="26355" y="560327"/>
+                  <a:pt x="0" y="605016"/>
+                </a:cubicBezTo>
+              </a:path>
+            </a:pathLst>
+          </a:custGeom>
+          <a:noFill/>
+        </p:spPr>
+        <p:style>
+          <a:lnRef idx="2">
+            <a:schemeClr val="dk1"/>
+          </a:lnRef>
+          <a:fillRef idx="1">
+            <a:schemeClr val="lt1"/>
+          </a:fillRef>
+          <a:effectRef idx="0">
+            <a:schemeClr val="dk1"/>
+          </a:effectRef>
+          <a:fontRef idx="minor">
+            <a:schemeClr val="dk1"/>
+          </a:fontRef>
+        </p:style>
+        <p:txBody>
+          <a:bodyPr rtlCol="0" anchor="ctr"/>
+          <a:lstStyle/>
+          <a:p>
+            <a:pPr algn="ctr"/>
+            <a:endParaRPr kumimoji="1" lang="ja-JP" altLang="en-US"/>
+          </a:p>
+        </p:txBody>
+      </p:sp>
+      <p:sp>
+        <p:nvSpPr>
+          <p:cNvPr id="65" name="フリーフォーム 64">
+            <a:extLst>
+              <a:ext uri="{FF2B5EF4-FFF2-40B4-BE49-F238E27FC236}">
+                <a16:creationId xmlns:a16="http://schemas.microsoft.com/office/drawing/2014/main" id="{14DF055C-EFDD-7DF5-AC46-96FF5E733C92}"/>
+              </a:ext>
+            </a:extLst>
+          </p:cNvPr>
+          <p:cNvSpPr/>
+          <p:nvPr/>
+        </p:nvSpPr>
+        <p:spPr>
+          <a:xfrm rot="21262094">
+            <a:off x="6911310" y="3123746"/>
+            <a:ext cx="140006" cy="646268"/>
+          </a:xfrm>
+          <a:custGeom>
+            <a:avLst/>
+            <a:gdLst>
+              <a:gd name="connsiteX0" fmla="*/ 64379 w 140006"/>
+              <a:gd name="connsiteY0" fmla="*/ 0 h 646268"/>
+              <a:gd name="connsiteX1" fmla="*/ 2502 w 140006"/>
+              <a:gd name="connsiteY1" fmla="*/ 323134 h 646268"/>
+              <a:gd name="connsiteX2" fmla="*/ 140006 w 140006"/>
+              <a:gd name="connsiteY2" fmla="*/ 646268 h 646268"/>
+            </a:gdLst>
+            <a:ahLst/>
+            <a:cxnLst>
+              <a:cxn ang="0">
+                <a:pos x="connsiteX0" y="connsiteY0"/>
+              </a:cxn>
+              <a:cxn ang="0">
+                <a:pos x="connsiteX1" y="connsiteY1"/>
+              </a:cxn>
+              <a:cxn ang="0">
+                <a:pos x="connsiteX2" y="connsiteY2"/>
+              </a:cxn>
+            </a:cxnLst>
+            <a:rect l="l" t="t" r="r" b="b"/>
+            <a:pathLst>
+              <a:path w="140006" h="646268">
+                <a:moveTo>
+                  <a:pt x="64379" y="0"/>
+                </a:moveTo>
+                <a:cubicBezTo>
+                  <a:pt x="27138" y="107711"/>
+                  <a:pt x="-10102" y="215423"/>
+                  <a:pt x="2502" y="323134"/>
+                </a:cubicBezTo>
+                <a:cubicBezTo>
+                  <a:pt x="15106" y="430845"/>
+                  <a:pt x="77556" y="538556"/>
+                  <a:pt x="140006" y="646268"/>
+                </a:cubicBezTo>
+              </a:path>
+            </a:pathLst>
+          </a:custGeom>
+          <a:noFill/>
+        </p:spPr>
+        <p:style>
+          <a:lnRef idx="2">
+            <a:schemeClr val="dk1"/>
+          </a:lnRef>
+          <a:fillRef idx="1">
+            <a:schemeClr val="lt1"/>
+          </a:fillRef>
+          <a:effectRef idx="0">
+            <a:schemeClr val="dk1"/>
+          </a:effectRef>
+          <a:fontRef idx="minor">
+            <a:schemeClr val="dk1"/>
+          </a:fontRef>
+        </p:style>
+        <p:txBody>
+          <a:bodyPr rtlCol="0" anchor="ctr"/>
+          <a:lstStyle/>
+          <a:p>
+            <a:pPr algn="ctr"/>
+            <a:endParaRPr kumimoji="1" lang="ja-JP" altLang="en-US"/>
+          </a:p>
+        </p:txBody>
+      </p:sp>
+      <p:sp>
+        <p:nvSpPr>
+          <p:cNvPr id="66" name="フリーフォーム 65">
+            <a:extLst>
+              <a:ext uri="{FF2B5EF4-FFF2-40B4-BE49-F238E27FC236}">
+                <a16:creationId xmlns:a16="http://schemas.microsoft.com/office/drawing/2014/main" id="{4480CD69-295D-EED1-13A2-1257A58592AF}"/>
+              </a:ext>
+            </a:extLst>
+          </p:cNvPr>
+          <p:cNvSpPr/>
+          <p:nvPr/>
+        </p:nvSpPr>
+        <p:spPr>
+          <a:xfrm rot="21173489">
+            <a:off x="7187463" y="3042391"/>
+            <a:ext cx="140006" cy="646268"/>
+          </a:xfrm>
+          <a:custGeom>
+            <a:avLst/>
+            <a:gdLst>
+              <a:gd name="connsiteX0" fmla="*/ 64379 w 140006"/>
+              <a:gd name="connsiteY0" fmla="*/ 0 h 646268"/>
+              <a:gd name="connsiteX1" fmla="*/ 2502 w 140006"/>
+              <a:gd name="connsiteY1" fmla="*/ 323134 h 646268"/>
+              <a:gd name="connsiteX2" fmla="*/ 140006 w 140006"/>
+              <a:gd name="connsiteY2" fmla="*/ 646268 h 646268"/>
+            </a:gdLst>
+            <a:ahLst/>
+            <a:cxnLst>
+              <a:cxn ang="0">
+                <a:pos x="connsiteX0" y="connsiteY0"/>
+              </a:cxn>
+              <a:cxn ang="0">
+                <a:pos x="connsiteX1" y="connsiteY1"/>
+              </a:cxn>
+              <a:cxn ang="0">
+                <a:pos x="connsiteX2" y="connsiteY2"/>
+              </a:cxn>
+            </a:cxnLst>
+            <a:rect l="l" t="t" r="r" b="b"/>
+            <a:pathLst>
+              <a:path w="140006" h="646268">
+                <a:moveTo>
+                  <a:pt x="64379" y="0"/>
+                </a:moveTo>
+                <a:cubicBezTo>
+                  <a:pt x="27138" y="107711"/>
+                  <a:pt x="-10102" y="215423"/>
+                  <a:pt x="2502" y="323134"/>
+                </a:cubicBezTo>
+                <a:cubicBezTo>
+                  <a:pt x="15106" y="430845"/>
+                  <a:pt x="77556" y="538556"/>
+                  <a:pt x="140006" y="646268"/>
+                </a:cubicBezTo>
+              </a:path>
+            </a:pathLst>
+          </a:custGeom>
+          <a:noFill/>
+        </p:spPr>
+        <p:style>
+          <a:lnRef idx="2">
+            <a:schemeClr val="dk1"/>
+          </a:lnRef>
+          <a:fillRef idx="1">
+            <a:schemeClr val="lt1"/>
+          </a:fillRef>
+          <a:effectRef idx="0">
+            <a:schemeClr val="dk1"/>
+          </a:effectRef>
+          <a:fontRef idx="minor">
+            <a:schemeClr val="dk1"/>
+          </a:fontRef>
+        </p:style>
+        <p:txBody>
+          <a:bodyPr rtlCol="0" anchor="ctr"/>
+          <a:lstStyle/>
+          <a:p>
+            <a:pPr algn="ctr"/>
+            <a:endParaRPr kumimoji="1" lang="ja-JP" altLang="en-US"/>
+          </a:p>
+        </p:txBody>
+      </p:sp>
+      <p:sp>
+        <p:nvSpPr>
+          <p:cNvPr id="67" name="フリーフォーム 66">
+            <a:extLst>
+              <a:ext uri="{FF2B5EF4-FFF2-40B4-BE49-F238E27FC236}">
+                <a16:creationId xmlns:a16="http://schemas.microsoft.com/office/drawing/2014/main" id="{BF79259B-AA67-3A73-827D-6519D0119B7A}"/>
+              </a:ext>
+            </a:extLst>
+          </p:cNvPr>
+          <p:cNvSpPr/>
+          <p:nvPr/>
+        </p:nvSpPr>
+        <p:spPr>
+          <a:xfrm rot="21128646">
+            <a:off x="7463617" y="2926659"/>
+            <a:ext cx="140006" cy="646268"/>
+          </a:xfrm>
+          <a:custGeom>
+            <a:avLst/>
+            <a:gdLst>
+              <a:gd name="connsiteX0" fmla="*/ 64379 w 140006"/>
+              <a:gd name="connsiteY0" fmla="*/ 0 h 646268"/>
+              <a:gd name="connsiteX1" fmla="*/ 2502 w 140006"/>
+              <a:gd name="connsiteY1" fmla="*/ 323134 h 646268"/>
+              <a:gd name="connsiteX2" fmla="*/ 140006 w 140006"/>
+              <a:gd name="connsiteY2" fmla="*/ 646268 h 646268"/>
+            </a:gdLst>
+            <a:ahLst/>
+            <a:cxnLst>
+              <a:cxn ang="0">
+                <a:pos x="connsiteX0" y="connsiteY0"/>
+              </a:cxn>
+              <a:cxn ang="0">
+                <a:pos x="connsiteX1" y="connsiteY1"/>
+              </a:cxn>
+              <a:cxn ang="0">
+                <a:pos x="connsiteX2" y="connsiteY2"/>
+              </a:cxn>
+            </a:cxnLst>
+            <a:rect l="l" t="t" r="r" b="b"/>
+            <a:pathLst>
+              <a:path w="140006" h="646268">
+                <a:moveTo>
+                  <a:pt x="64379" y="0"/>
+                </a:moveTo>
+                <a:cubicBezTo>
+                  <a:pt x="27138" y="107711"/>
+                  <a:pt x="-10102" y="215423"/>
+                  <a:pt x="2502" y="323134"/>
+                </a:cubicBezTo>
+                <a:cubicBezTo>
+                  <a:pt x="15106" y="430845"/>
+                  <a:pt x="77556" y="538556"/>
+                  <a:pt x="140006" y="646268"/>
+                </a:cubicBezTo>
+              </a:path>
+            </a:pathLst>
+          </a:custGeom>
+          <a:noFill/>
+        </p:spPr>
+        <p:style>
+          <a:lnRef idx="2">
+            <a:schemeClr val="dk1"/>
+          </a:lnRef>
+          <a:fillRef idx="1">
+            <a:schemeClr val="lt1"/>
+          </a:fillRef>
+          <a:effectRef idx="0">
+            <a:schemeClr val="dk1"/>
+          </a:effectRef>
+          <a:fontRef idx="minor">
+            <a:schemeClr val="dk1"/>
+          </a:fontRef>
+        </p:style>
+        <p:txBody>
+          <a:bodyPr rtlCol="0" anchor="ctr"/>
+          <a:lstStyle/>
+          <a:p>
+            <a:pPr algn="ctr"/>
+            <a:endParaRPr kumimoji="1" lang="ja-JP" altLang="en-US"/>
+          </a:p>
+        </p:txBody>
+      </p:sp>
+      <p:sp>
+        <p:nvSpPr>
+          <p:cNvPr id="73" name="円/楕円 72">
+            <a:extLst>
+              <a:ext uri="{FF2B5EF4-FFF2-40B4-BE49-F238E27FC236}">
+                <a16:creationId xmlns:a16="http://schemas.microsoft.com/office/drawing/2014/main" id="{1BBF10FC-65C6-D2BF-C6DA-FCFAACB125C1}"/>
+              </a:ext>
+            </a:extLst>
+          </p:cNvPr>
+          <p:cNvSpPr/>
+          <p:nvPr/>
+        </p:nvSpPr>
+        <p:spPr>
+          <a:xfrm>
+            <a:off x="3356238" y="3448447"/>
+            <a:ext cx="309383" cy="309383"/>
+          </a:xfrm>
+          <a:prstGeom prst="ellipse">
+            <a:avLst/>
+          </a:prstGeom>
+        </p:spPr>
+        <p:style>
+          <a:lnRef idx="2">
+            <a:schemeClr val="dk1"/>
+          </a:lnRef>
+          <a:fillRef idx="1">
+            <a:schemeClr val="lt1"/>
+          </a:fillRef>
+          <a:effectRef idx="0">
+            <a:schemeClr val="dk1"/>
+          </a:effectRef>
+          <a:fontRef idx="minor">
+            <a:schemeClr val="dk1"/>
+          </a:fontRef>
+        </p:style>
+        <p:txBody>
+          <a:bodyPr rtlCol="0" anchor="ctr"/>
+          <a:lstStyle/>
+          <a:p>
+            <a:pPr algn="ctr"/>
+            <a:endParaRPr kumimoji="1" lang="ja-JP" altLang="en-US" sz="2800"/>
+          </a:p>
+        </p:txBody>
+      </p:sp>
+      <p:cxnSp>
+        <p:nvCxnSpPr>
+          <p:cNvPr id="82" name="直線コネクタ 81">
+            <a:extLst>
+              <a:ext uri="{FF2B5EF4-FFF2-40B4-BE49-F238E27FC236}">
+                <a16:creationId xmlns:a16="http://schemas.microsoft.com/office/drawing/2014/main" id="{2A05EE14-33A5-F690-B487-535B5B05B927}"/>
+              </a:ext>
+            </a:extLst>
+          </p:cNvPr>
+          <p:cNvCxnSpPr>
+            <a:cxnSpLocks/>
+            <a:stCxn id="73" idx="7"/>
+            <a:endCxn id="73" idx="3"/>
+          </p:cNvCxnSpPr>
+          <p:nvPr/>
+        </p:nvCxnSpPr>
+        <p:spPr>
+          <a:xfrm flipH="1">
+            <a:off x="3401546" y="3493755"/>
+            <a:ext cx="218767" cy="218767"/>
+          </a:xfrm>
+          <a:prstGeom prst="line">
+            <a:avLst/>
+          </a:prstGeom>
+          <a:ln w="12700"/>
+        </p:spPr>
+        <p:style>
+          <a:lnRef idx="1">
+            <a:schemeClr val="dk1"/>
+          </a:lnRef>
+          <a:fillRef idx="0">
+            <a:schemeClr val="dk1"/>
+          </a:fillRef>
+          <a:effectRef idx="0">
+            <a:schemeClr val="dk1"/>
+          </a:effectRef>
+          <a:fontRef idx="minor">
+            <a:schemeClr val="tx1"/>
+          </a:fontRef>
+        </p:style>
+      </p:cxnSp>
+      <p:cxnSp>
+        <p:nvCxnSpPr>
+          <p:cNvPr id="86" name="直線コネクタ 85">
+            <a:extLst>
+              <a:ext uri="{FF2B5EF4-FFF2-40B4-BE49-F238E27FC236}">
+                <a16:creationId xmlns:a16="http://schemas.microsoft.com/office/drawing/2014/main" id="{A2DA65CC-83D1-A7D1-EDD1-1CD7D86D1FFA}"/>
+              </a:ext>
+            </a:extLst>
+          </p:cNvPr>
+          <p:cNvCxnSpPr>
+            <a:stCxn id="73" idx="1"/>
+            <a:endCxn id="73" idx="5"/>
+          </p:cNvCxnSpPr>
+          <p:nvPr/>
+        </p:nvCxnSpPr>
+        <p:spPr>
+          <a:xfrm>
+            <a:off x="3401546" y="3493755"/>
+            <a:ext cx="218767" cy="218767"/>
+          </a:xfrm>
+          <a:prstGeom prst="line">
+            <a:avLst/>
+          </a:prstGeom>
+          <a:ln w="12700"/>
+        </p:spPr>
+        <p:style>
+          <a:lnRef idx="1">
+            <a:schemeClr val="dk1"/>
+          </a:lnRef>
+          <a:fillRef idx="0">
+            <a:schemeClr val="dk1"/>
+          </a:fillRef>
+          <a:effectRef idx="0">
+            <a:schemeClr val="dk1"/>
+          </a:effectRef>
+          <a:fontRef idx="minor">
+            <a:schemeClr val="tx1"/>
+          </a:fontRef>
+        </p:style>
+      </p:cxnSp>
+      <p:cxnSp>
+        <p:nvCxnSpPr>
+          <p:cNvPr id="90" name="直線矢印コネクタ 89">
+            <a:extLst>
+              <a:ext uri="{FF2B5EF4-FFF2-40B4-BE49-F238E27FC236}">
+                <a16:creationId xmlns:a16="http://schemas.microsoft.com/office/drawing/2014/main" id="{CB1D0C83-2FBD-F46C-165F-805BE4EE9FA7}"/>
+              </a:ext>
+            </a:extLst>
+          </p:cNvPr>
+          <p:cNvCxnSpPr>
+            <a:stCxn id="73" idx="1"/>
+          </p:cNvCxnSpPr>
+          <p:nvPr/>
+        </p:nvCxnSpPr>
+        <p:spPr>
+          <a:xfrm flipH="1">
+            <a:off x="3004457" y="3493755"/>
+            <a:ext cx="397089" cy="0"/>
+          </a:xfrm>
+          <a:prstGeom prst="straightConnector1">
+            <a:avLst/>
+          </a:prstGeom>
+          <a:ln w="12700">
+            <a:solidFill>
+              <a:schemeClr val="tx1"/>
+            </a:solidFill>
+            <a:tailEnd type="triangle"/>
+          </a:ln>
+        </p:spPr>
+        <p:style>
+          <a:lnRef idx="1">
+            <a:schemeClr val="dk1"/>
+          </a:lnRef>
+          <a:fillRef idx="0">
+            <a:schemeClr val="dk1"/>
+          </a:fillRef>
+          <a:effectRef idx="0">
+            <a:schemeClr val="dk1"/>
+          </a:effectRef>
+          <a:fontRef idx="minor">
+            <a:schemeClr val="tx1"/>
+          </a:fontRef>
+        </p:style>
+      </p:cxnSp>
+      <p:cxnSp>
+        <p:nvCxnSpPr>
+          <p:cNvPr id="91" name="直線矢印コネクタ 90">
+            <a:extLst>
+              <a:ext uri="{FF2B5EF4-FFF2-40B4-BE49-F238E27FC236}">
+                <a16:creationId xmlns:a16="http://schemas.microsoft.com/office/drawing/2014/main" id="{F2BB6EE2-5126-B266-3FA5-55B29009E76C}"/>
+              </a:ext>
+            </a:extLst>
+          </p:cNvPr>
+          <p:cNvCxnSpPr>
+            <a:cxnSpLocks/>
+          </p:cNvCxnSpPr>
+          <p:nvPr/>
+        </p:nvCxnSpPr>
+        <p:spPr>
+          <a:xfrm flipH="1">
+            <a:off x="3004457" y="3708555"/>
+            <a:ext cx="397089" cy="0"/>
+          </a:xfrm>
+          <a:prstGeom prst="straightConnector1">
+            <a:avLst/>
+          </a:prstGeom>
+          <a:ln w="12700">
+            <a:solidFill>
+              <a:schemeClr val="tx1"/>
+            </a:solidFill>
+            <a:tailEnd type="triangle"/>
+          </a:ln>
+        </p:spPr>
+        <p:style>
+          <a:lnRef idx="1">
+            <a:schemeClr val="dk1"/>
+          </a:lnRef>
+          <a:fillRef idx="0">
+            <a:schemeClr val="dk1"/>
+          </a:fillRef>
+          <a:effectRef idx="0">
+            <a:schemeClr val="dk1"/>
+          </a:effectRef>
+          <a:fontRef idx="minor">
+            <a:schemeClr val="tx1"/>
+          </a:fontRef>
+        </p:style>
+      </p:cxnSp>
+      <p:sp>
+        <p:nvSpPr>
+          <p:cNvPr id="92" name="テキスト ボックス 91">
+            <a:extLst>
+              <a:ext uri="{FF2B5EF4-FFF2-40B4-BE49-F238E27FC236}">
+                <a16:creationId xmlns:a16="http://schemas.microsoft.com/office/drawing/2014/main" id="{4ABE411C-BFCF-AF75-B16B-4D019031518F}"/>
+              </a:ext>
+            </a:extLst>
+          </p:cNvPr>
+          <p:cNvSpPr txBox="1"/>
+          <p:nvPr/>
+        </p:nvSpPr>
+        <p:spPr>
+          <a:xfrm>
+            <a:off x="2650230" y="3254536"/>
+            <a:ext cx="251992" cy="523220"/>
+          </a:xfrm>
+          <a:prstGeom prst="rect">
+            <a:avLst/>
+          </a:prstGeom>
+          <a:noFill/>
+        </p:spPr>
+        <p:txBody>
+          <a:bodyPr wrap="square" rtlCol="0">
+            <a:spAutoFit/>
+          </a:bodyPr>
+          <a:lstStyle/>
+          <a:p>
+            <a:r>
+              <a:rPr kumimoji="1" lang="en-US" altLang="ja-JP" sz="2800" dirty="0"/>
+              <a:t>I</a:t>
+            </a:r>
+            <a:endParaRPr kumimoji="1" lang="ja-JP" altLang="en-US" sz="2800"/>
+          </a:p>
+        </p:txBody>
+      </p:sp>
+      <p:sp>
+        <p:nvSpPr>
+          <p:cNvPr id="93" name="テキスト ボックス 92">
+            <a:extLst>
+              <a:ext uri="{FF2B5EF4-FFF2-40B4-BE49-F238E27FC236}">
+                <a16:creationId xmlns:a16="http://schemas.microsoft.com/office/drawing/2014/main" id="{761A33E6-13BB-9BCB-82AC-80FD7AC90CD7}"/>
+              </a:ext>
+            </a:extLst>
+          </p:cNvPr>
+          <p:cNvSpPr txBox="1"/>
+          <p:nvPr/>
+        </p:nvSpPr>
+        <p:spPr>
+          <a:xfrm>
+            <a:off x="2574130" y="3580391"/>
+            <a:ext cx="352982" cy="523220"/>
+          </a:xfrm>
+          <a:prstGeom prst="rect">
+            <a:avLst/>
+          </a:prstGeom>
+          <a:noFill/>
+        </p:spPr>
+        <p:txBody>
+          <a:bodyPr wrap="square" rtlCol="0">
+            <a:spAutoFit/>
+          </a:bodyPr>
+          <a:lstStyle/>
+          <a:p>
+            <a:r>
+              <a:rPr kumimoji="1" lang="en-US" altLang="ja-JP" sz="2800" dirty="0"/>
+              <a:t>Q</a:t>
+            </a:r>
+            <a:endParaRPr kumimoji="1" lang="ja-JP" altLang="en-US" sz="2800"/>
+          </a:p>
+        </p:txBody>
+      </p:sp>
+      <p:cxnSp>
+        <p:nvCxnSpPr>
+          <p:cNvPr id="95" name="直線矢印コネクタ 94">
+            <a:extLst>
+              <a:ext uri="{FF2B5EF4-FFF2-40B4-BE49-F238E27FC236}">
+                <a16:creationId xmlns:a16="http://schemas.microsoft.com/office/drawing/2014/main" id="{7FA0954B-6B88-022C-8939-5353E4B37530}"/>
+              </a:ext>
+            </a:extLst>
+          </p:cNvPr>
+          <p:cNvCxnSpPr>
+            <a:cxnSpLocks/>
+            <a:endCxn id="73" idx="0"/>
+          </p:cNvCxnSpPr>
+          <p:nvPr/>
+        </p:nvCxnSpPr>
+        <p:spPr>
+          <a:xfrm>
+            <a:off x="3510092" y="2367071"/>
+            <a:ext cx="838" cy="1081376"/>
+          </a:xfrm>
+          <a:prstGeom prst="straightConnector1">
+            <a:avLst/>
+          </a:prstGeom>
+          <a:ln w="12700">
+            <a:tailEnd type="triangle"/>
+          </a:ln>
+        </p:spPr>
+        <p:style>
+          <a:lnRef idx="1">
+            <a:schemeClr val="dk1"/>
+          </a:lnRef>
+          <a:fillRef idx="0">
+            <a:schemeClr val="dk1"/>
+          </a:fillRef>
+          <a:effectRef idx="0">
+            <a:schemeClr val="dk1"/>
+          </a:effectRef>
+          <a:fontRef idx="minor">
+            <a:schemeClr val="tx1"/>
+          </a:fontRef>
+        </p:style>
+      </p:cxnSp>
+      <p:cxnSp>
+        <p:nvCxnSpPr>
+          <p:cNvPr id="97" name="直線矢印コネクタ 96">
+            <a:extLst>
+              <a:ext uri="{FF2B5EF4-FFF2-40B4-BE49-F238E27FC236}">
+                <a16:creationId xmlns:a16="http://schemas.microsoft.com/office/drawing/2014/main" id="{11A22C45-CCCA-7274-7D52-C6E38EDAA43C}"/>
+              </a:ext>
+            </a:extLst>
+          </p:cNvPr>
+          <p:cNvCxnSpPr>
+            <a:cxnSpLocks/>
+            <a:stCxn id="19" idx="1"/>
+            <a:endCxn id="73" idx="6"/>
+          </p:cNvCxnSpPr>
+          <p:nvPr/>
+        </p:nvCxnSpPr>
+        <p:spPr>
+          <a:xfrm flipH="1" flipV="1">
+            <a:off x="3665621" y="3603139"/>
+            <a:ext cx="469804" cy="3275"/>
+          </a:xfrm>
+          <a:prstGeom prst="straightConnector1">
+            <a:avLst/>
+          </a:prstGeom>
+          <a:ln w="12700">
+            <a:tailEnd type="triangle"/>
+          </a:ln>
+        </p:spPr>
+        <p:style>
+          <a:lnRef idx="1">
+            <a:schemeClr val="dk1"/>
+          </a:lnRef>
+          <a:fillRef idx="0">
+            <a:schemeClr val="dk1"/>
+          </a:fillRef>
+          <a:effectRef idx="0">
+            <a:schemeClr val="dk1"/>
+          </a:effectRef>
+          <a:fontRef idx="minor">
+            <a:schemeClr val="tx1"/>
+          </a:fontRef>
+        </p:style>
+      </p:cxnSp>
+      <p:sp>
+        <p:nvSpPr>
+          <p:cNvPr id="101" name="正方形/長方形 100">
+            <a:extLst>
+              <a:ext uri="{FF2B5EF4-FFF2-40B4-BE49-F238E27FC236}">
+                <a16:creationId xmlns:a16="http://schemas.microsoft.com/office/drawing/2014/main" id="{BA364212-1FAF-DB08-E491-B81DEB9E797F}"/>
+              </a:ext>
+            </a:extLst>
+          </p:cNvPr>
+          <p:cNvSpPr/>
+          <p:nvPr/>
+        </p:nvSpPr>
+        <p:spPr>
+          <a:xfrm>
+            <a:off x="9034670" y="1284279"/>
+            <a:ext cx="1143000" cy="3468757"/>
+          </a:xfrm>
+          <a:prstGeom prst="rect">
+            <a:avLst/>
+          </a:prstGeom>
+        </p:spPr>
+        <p:style>
+          <a:lnRef idx="2">
+            <a:schemeClr val="dk1"/>
+          </a:lnRef>
+          <a:fillRef idx="1">
+            <a:schemeClr val="lt1"/>
+          </a:fillRef>
+          <a:effectRef idx="0">
+            <a:schemeClr val="dk1"/>
+          </a:effectRef>
+          <a:fontRef idx="minor">
+            <a:schemeClr val="dk1"/>
+          </a:fontRef>
+        </p:style>
+        <p:txBody>
+          <a:bodyPr rtlCol="0" anchor="ctr"/>
+          <a:lstStyle/>
+          <a:p>
+            <a:pPr algn="ctr"/>
+            <a:r>
+              <a:rPr kumimoji="1" lang="ja-JP" altLang="en-US" sz="2800"/>
+              <a:t>壁</a:t>
+            </a:r>
+          </a:p>
+        </p:txBody>
+      </p:sp>
+    </p:spTree>
+    <p:extLst>
+      <p:ext uri="{BB962C8B-B14F-4D97-AF65-F5344CB8AC3E}">
+        <p14:creationId xmlns:p14="http://schemas.microsoft.com/office/powerpoint/2010/main" val="2344262577"/>
       </p:ext>
     </p:extLst>
   </p:cSld>

--- a/chukan/図作成用.pptx
+++ b/chukan/図作成用.pptx
@@ -6081,19 +6081,27 @@
               </a:ext>
             </a:extLst>
           </p:cNvPr>
-          <p:cNvSpPr/>
-          <p:nvPr/>
-        </p:nvSpPr>
-        <p:spPr>
-          <a:xfrm>
-            <a:off x="4159306" y="895350"/>
-            <a:ext cx="3803257" cy="4133850"/>
+          <p:cNvSpPr>
+            <a:spLocks noChangeAspect="1"/>
+          </p:cNvSpPr>
+          <p:nvPr/>
+        </p:nvSpPr>
+        <p:spPr>
+          <a:xfrm>
+            <a:off x="4559357" y="895350"/>
+            <a:ext cx="2047184" cy="4133850"/>
           </a:xfrm>
           <a:prstGeom prst="frame">
             <a:avLst>
               <a:gd name="adj1" fmla="val 0"/>
             </a:avLst>
           </a:prstGeom>
+          <a:noFill/>
+          <a:ln>
+            <a:solidFill>
+              <a:schemeClr val="dk1"/>
+            </a:solidFill>
+          </a:ln>
         </p:spPr>
         <p:style>
           <a:lnRef idx="2">
@@ -6143,7 +6151,7 @@
         <p:spPr>
           <a:xfrm flipV="1">
             <a:off x="2345375" y="1304525"/>
-            <a:ext cx="2206060" cy="505749"/>
+            <a:ext cx="2823280" cy="505749"/>
           </a:xfrm>
           <a:prstGeom prst="straightConnector1">
             <a:avLst/>
@@ -6186,7 +6194,7 @@
         <p:spPr>
           <a:xfrm flipV="1">
             <a:off x="2381756" y="1811234"/>
-            <a:ext cx="2126536" cy="1081156"/>
+            <a:ext cx="2743756" cy="1081156"/>
           </a:xfrm>
           <a:prstGeom prst="straightConnector1">
             <a:avLst/>
@@ -6221,6 +6229,7 @@
           </p:cNvPr>
           <p:cNvCxnSpPr>
             <a:cxnSpLocks/>
+            <a:stCxn id="341" idx="6"/>
             <a:endCxn id="372" idx="2"/>
           </p:cNvCxnSpPr>
           <p:nvPr/>
@@ -6228,7 +6237,7 @@
         <p:spPr>
           <a:xfrm>
             <a:off x="2400193" y="4142973"/>
-            <a:ext cx="2082386" cy="4549"/>
+            <a:ext cx="2699606" cy="4549"/>
           </a:xfrm>
           <a:prstGeom prst="straightConnector1">
             <a:avLst/>
@@ -6263,13 +6272,15 @@
           </p:cNvPr>
           <p:cNvCxnSpPr>
             <a:cxnSpLocks/>
+            <a:stCxn id="341" idx="7"/>
+            <a:endCxn id="370" idx="3"/>
           </p:cNvCxnSpPr>
           <p:nvPr/>
         </p:nvCxnSpPr>
         <p:spPr>
           <a:xfrm flipV="1">
-            <a:off x="2301033" y="3470078"/>
-            <a:ext cx="2304388" cy="718155"/>
+            <a:off x="2373833" y="3488458"/>
+            <a:ext cx="2794328" cy="590875"/>
           </a:xfrm>
           <a:prstGeom prst="straightConnector1">
             <a:avLst/>
@@ -6312,7 +6323,7 @@
         <p:spPr>
           <a:xfrm>
             <a:off x="2381756" y="2892390"/>
-            <a:ext cx="2137911" cy="895015"/>
+            <a:ext cx="2755131" cy="895015"/>
           </a:xfrm>
           <a:prstGeom prst="straightConnector1">
             <a:avLst/>
@@ -6347,14 +6358,15 @@
           </p:cNvPr>
           <p:cNvCxnSpPr>
             <a:cxnSpLocks/>
+            <a:stCxn id="339" idx="6"/>
             <a:endCxn id="367" idx="2"/>
           </p:cNvCxnSpPr>
           <p:nvPr/>
         </p:nvCxnSpPr>
         <p:spPr>
           <a:xfrm>
-            <a:off x="2165375" y="1737256"/>
-            <a:ext cx="2317204" cy="487700"/>
+            <a:off x="2371735" y="1746634"/>
+            <a:ext cx="2728064" cy="478322"/>
           </a:xfrm>
           <a:prstGeom prst="straightConnector1">
             <a:avLst/>
@@ -6451,8 +6463,8 @@
         </p:nvCxnSpPr>
         <p:spPr>
           <a:xfrm flipV="1">
-            <a:off x="7069269" y="1743959"/>
-            <a:ext cx="2412803" cy="154325"/>
+            <a:off x="8398130" y="1743959"/>
+            <a:ext cx="1083942" cy="154325"/>
           </a:xfrm>
           <a:prstGeom prst="straightConnector1">
             <a:avLst/>
@@ -6494,8 +6506,8 @@
         </p:nvCxnSpPr>
         <p:spPr>
           <a:xfrm flipV="1">
-            <a:off x="7079780" y="2827374"/>
-            <a:ext cx="2408475" cy="128771"/>
+            <a:off x="8438457" y="2827374"/>
+            <a:ext cx="1049798" cy="128771"/>
           </a:xfrm>
           <a:prstGeom prst="straightConnector1">
             <a:avLst/>
@@ -6537,8 +6549,8 @@
         </p:nvCxnSpPr>
         <p:spPr>
           <a:xfrm flipV="1">
-            <a:off x="7079780" y="3983292"/>
-            <a:ext cx="2410292" cy="30358"/>
+            <a:off x="8458333" y="3983292"/>
+            <a:ext cx="1031739" cy="30358"/>
           </a:xfrm>
           <a:prstGeom prst="straightConnector1">
             <a:avLst/>
@@ -6611,7 +6623,7 @@
         </p:nvSpPr>
         <p:spPr>
           <a:xfrm>
-            <a:off x="5376702" y="336745"/>
+            <a:off x="4919502" y="336745"/>
             <a:ext cx="1245528" cy="461665"/>
           </a:xfrm>
           <a:prstGeom prst="rect">
@@ -6670,8 +6682,8 @@
           </a:p>
         </p:txBody>
       </p:sp>
-      <mc:AlternateContent xmlns:mc="http://schemas.openxmlformats.org/markup-compatibility/2006" xmlns:a14="http://schemas.microsoft.com/office/drawing/2010/main">
-        <mc:Choice Requires="a14">
+      <mc:AlternateContent xmlns:mc="http://schemas.openxmlformats.org/markup-compatibility/2006">
+        <mc:Choice xmlns:a14="http://schemas.microsoft.com/office/drawing/2010/main" Requires="a14">
           <p:sp>
             <p:nvSpPr>
               <p:cNvPr id="130" name="テキスト ボックス 129">
@@ -6681,21 +6693,26 @@
                   </a:ext>
                 </a:extLst>
               </p:cNvPr>
-              <p:cNvSpPr txBox="1"/>
+              <p:cNvSpPr txBox="1">
+                <a:spLocks noChangeAspect="1"/>
+              </p:cNvSpPr>
               <p:nvPr/>
             </p:nvSpPr>
             <p:spPr>
               <a:xfrm>
-                <a:off x="5584631" y="1016555"/>
+                <a:off x="5981279" y="880756"/>
                 <a:ext cx="642740" cy="523220"/>
               </a:xfrm>
               <a:prstGeom prst="rect">
                 <a:avLst/>
               </a:prstGeom>
               <a:noFill/>
+              <a:ln>
+                <a:noFill/>
+              </a:ln>
             </p:spPr>
             <p:txBody>
-              <a:bodyPr wrap="none" rtlCol="0">
+              <a:bodyPr wrap="square" rtlCol="0">
                 <a:spAutoFit/>
               </a:bodyPr>
               <a:lstStyle/>
@@ -6721,7 +6738,7 @@
             </p:txBody>
           </p:sp>
         </mc:Choice>
-        <mc:Fallback xmlns="">
+        <mc:Fallback>
           <p:sp>
             <p:nvSpPr>
               <p:cNvPr id="130" name="テキスト ボックス 129">
@@ -6738,7 +6755,7 @@
             </p:nvSpPr>
             <p:spPr>
               <a:xfrm>
-                <a:off x="5584631" y="1016555"/>
+                <a:off x="5981279" y="880756"/>
                 <a:ext cx="642740" cy="523220"/>
               </a:xfrm>
               <a:prstGeom prst="rect">
@@ -6750,6 +6767,9 @@
                   <a:fillRect/>
                 </a:stretch>
               </a:blipFill>
+              <a:ln>
+                <a:noFill/>
+              </a:ln>
             </p:spPr>
             <p:txBody>
               <a:bodyPr/>
@@ -6906,7 +6926,7 @@
         <p:spPr>
           <a:xfrm>
             <a:off x="2345375" y="1810274"/>
-            <a:ext cx="2175749" cy="1144120"/>
+            <a:ext cx="2792969" cy="1144120"/>
           </a:xfrm>
           <a:prstGeom prst="straightConnector1">
             <a:avLst/>
@@ -6949,7 +6969,7 @@
         <p:spPr>
           <a:xfrm flipV="1">
             <a:off x="2381756" y="2414651"/>
-            <a:ext cx="2243674" cy="477739"/>
+            <a:ext cx="2860894" cy="477739"/>
           </a:xfrm>
           <a:prstGeom prst="straightConnector1">
             <a:avLst/>
@@ -6992,7 +7012,7 @@
         <p:spPr>
           <a:xfrm>
             <a:off x="2381756" y="2892390"/>
-            <a:ext cx="2088872" cy="349491"/>
+            <a:ext cx="2706092" cy="349491"/>
           </a:xfrm>
           <a:prstGeom prst="straightConnector1">
             <a:avLst/>
@@ -7026,7 +7046,7 @@
             </a:extLst>
           </p:cNvPr>
           <p:cNvCxnSpPr>
-            <a:cxnSpLocks/>
+            <a:cxnSpLocks noChangeAspect="1"/>
             <a:stCxn id="203" idx="6"/>
             <a:endCxn id="358" idx="1"/>
           </p:cNvCxnSpPr>
@@ -7034,13 +7054,16 @@
         </p:nvCxnSpPr>
         <p:spPr>
           <a:xfrm>
-            <a:off x="5159649" y="1615160"/>
-            <a:ext cx="1231094" cy="98823"/>
+            <a:off x="5776869" y="1615160"/>
+            <a:ext cx="1942731" cy="98823"/>
           </a:xfrm>
           <a:prstGeom prst="straightConnector1">
             <a:avLst/>
           </a:prstGeom>
           <a:ln>
+            <a:solidFill>
+              <a:schemeClr val="dk1"/>
+            </a:solidFill>
             <a:tailEnd type="none"/>
           </a:ln>
         </p:spPr>
@@ -7077,8 +7100,8 @@
         </p:nvCxnSpPr>
         <p:spPr>
           <a:xfrm>
-            <a:off x="5159649" y="1615160"/>
-            <a:ext cx="1520999" cy="938069"/>
+            <a:off x="5776869" y="1615160"/>
+            <a:ext cx="2202821" cy="938069"/>
           </a:xfrm>
           <a:prstGeom prst="straightConnector1">
             <a:avLst/>
@@ -7112,7 +7135,7 @@
             </a:extLst>
           </p:cNvPr>
           <p:cNvCxnSpPr>
-            <a:cxnSpLocks/>
+            <a:cxnSpLocks noChangeAspect="1"/>
             <a:stCxn id="216" idx="6"/>
             <a:endCxn id="361" idx="2"/>
           </p:cNvCxnSpPr>
@@ -7120,13 +7143,16 @@
         </p:nvCxnSpPr>
         <p:spPr>
           <a:xfrm>
-            <a:off x="5165430" y="2414651"/>
-            <a:ext cx="1189038" cy="654304"/>
+            <a:off x="5782650" y="2414651"/>
+            <a:ext cx="1960315" cy="654304"/>
           </a:xfrm>
           <a:prstGeom prst="straightConnector1">
             <a:avLst/>
           </a:prstGeom>
           <a:ln>
+            <a:solidFill>
+              <a:schemeClr val="dk1"/>
+            </a:solidFill>
             <a:tailEnd type="none"/>
           </a:ln>
         </p:spPr>
@@ -7163,8 +7189,8 @@
         </p:nvCxnSpPr>
         <p:spPr>
           <a:xfrm>
-            <a:off x="5165430" y="2414651"/>
-            <a:ext cx="1444937" cy="1210250"/>
+            <a:off x="5782650" y="2414651"/>
+            <a:ext cx="2156576" cy="1210250"/>
           </a:xfrm>
           <a:prstGeom prst="straightConnector1">
             <a:avLst/>
@@ -7198,7 +7224,7 @@
             </a:extLst>
           </p:cNvPr>
           <p:cNvCxnSpPr>
-            <a:cxnSpLocks/>
+            <a:cxnSpLocks noChangeAspect="1"/>
             <a:stCxn id="217" idx="6"/>
             <a:endCxn id="363" idx="2"/>
           </p:cNvCxnSpPr>
@@ -7206,13 +7232,16 @@
         </p:nvCxnSpPr>
         <p:spPr>
           <a:xfrm>
-            <a:off x="5170537" y="3190505"/>
-            <a:ext cx="1227857" cy="619586"/>
+            <a:off x="5787757" y="3190505"/>
+            <a:ext cx="2019010" cy="619586"/>
           </a:xfrm>
           <a:prstGeom prst="straightConnector1">
             <a:avLst/>
           </a:prstGeom>
           <a:ln>
+            <a:solidFill>
+              <a:schemeClr val="dk1"/>
+            </a:solidFill>
             <a:tailEnd type="none"/>
           </a:ln>
         </p:spPr>
@@ -7241,7 +7270,7 @@
             </a:extLst>
           </p:cNvPr>
           <p:cNvCxnSpPr>
-            <a:cxnSpLocks/>
+            <a:cxnSpLocks noChangeAspect="1"/>
             <a:stCxn id="218" idx="6"/>
             <a:endCxn id="359" idx="3"/>
           </p:cNvCxnSpPr>
@@ -7249,13 +7278,16 @@
         </p:nvCxnSpPr>
         <p:spPr>
           <a:xfrm flipV="1">
-            <a:off x="5170537" y="2114051"/>
-            <a:ext cx="1241657" cy="1887125"/>
+            <a:off x="5787757" y="2114051"/>
+            <a:ext cx="1943355" cy="1887125"/>
           </a:xfrm>
           <a:prstGeom prst="straightConnector1">
             <a:avLst/>
           </a:prstGeom>
           <a:ln>
+            <a:solidFill>
+              <a:schemeClr val="dk1"/>
+            </a:solidFill>
             <a:tailEnd type="none"/>
           </a:ln>
         </p:spPr>
@@ -7284,7 +7316,7 @@
             </a:extLst>
           </p:cNvPr>
           <p:cNvCxnSpPr>
-            <a:cxnSpLocks/>
+            <a:cxnSpLocks noChangeAspect="1"/>
             <a:stCxn id="218" idx="6"/>
             <a:endCxn id="364" idx="2"/>
           </p:cNvCxnSpPr>
@@ -7292,13 +7324,16 @@
         </p:nvCxnSpPr>
         <p:spPr>
           <a:xfrm>
-            <a:off x="5170537" y="4001176"/>
-            <a:ext cx="1203043" cy="70898"/>
+            <a:off x="5787757" y="4001176"/>
+            <a:ext cx="1944500" cy="70898"/>
           </a:xfrm>
           <a:prstGeom prst="straightConnector1">
             <a:avLst/>
           </a:prstGeom>
           <a:ln>
+            <a:solidFill>
+              <a:schemeClr val="dk1"/>
+            </a:solidFill>
             <a:tailEnd type="none"/>
           </a:ln>
         </p:spPr>
@@ -7327,18 +7362,24 @@
             </a:extLst>
           </p:cNvPr>
           <p:cNvSpPr>
-            <a:spLocks/>
+            <a:spLocks noChangeAspect="1"/>
           </p:cNvSpPr>
           <p:nvPr/>
         </p:nvSpPr>
         <p:spPr>
           <a:xfrm>
-            <a:off x="4619649" y="1345160"/>
+            <a:off x="5236869" y="1345160"/>
             <a:ext cx="540000" cy="540000"/>
           </a:xfrm>
           <a:prstGeom prst="flowChartConnector">
             <a:avLst/>
           </a:prstGeom>
+          <a:noFill/>
+          <a:ln>
+            <a:solidFill>
+              <a:schemeClr val="dk1"/>
+            </a:solidFill>
+          </a:ln>
         </p:spPr>
         <p:style>
           <a:lnRef idx="2">
@@ -7373,18 +7414,24 @@
             </a:extLst>
           </p:cNvPr>
           <p:cNvSpPr>
-            <a:spLocks/>
+            <a:spLocks noChangeAspect="1"/>
           </p:cNvSpPr>
           <p:nvPr/>
         </p:nvSpPr>
         <p:spPr>
           <a:xfrm>
-            <a:off x="4625430" y="2144651"/>
+            <a:off x="5242650" y="2144651"/>
             <a:ext cx="540000" cy="540000"/>
           </a:xfrm>
           <a:prstGeom prst="flowChartConnector">
             <a:avLst/>
           </a:prstGeom>
+          <a:noFill/>
+          <a:ln>
+            <a:solidFill>
+              <a:schemeClr val="dk1"/>
+            </a:solidFill>
+          </a:ln>
         </p:spPr>
         <p:style>
           <a:lnRef idx="2">
@@ -7419,18 +7466,24 @@
             </a:extLst>
           </p:cNvPr>
           <p:cNvSpPr>
-            <a:spLocks/>
+            <a:spLocks noChangeAspect="1"/>
           </p:cNvSpPr>
           <p:nvPr/>
         </p:nvSpPr>
         <p:spPr>
           <a:xfrm>
-            <a:off x="4630537" y="2920505"/>
+            <a:off x="5247757" y="2920505"/>
             <a:ext cx="540000" cy="540000"/>
           </a:xfrm>
           <a:prstGeom prst="flowChartConnector">
             <a:avLst/>
           </a:prstGeom>
+          <a:noFill/>
+          <a:ln>
+            <a:solidFill>
+              <a:schemeClr val="dk1"/>
+            </a:solidFill>
+          </a:ln>
         </p:spPr>
         <p:style>
           <a:lnRef idx="2">
@@ -7465,18 +7518,24 @@
             </a:extLst>
           </p:cNvPr>
           <p:cNvSpPr>
-            <a:spLocks/>
+            <a:spLocks noChangeAspect="1"/>
           </p:cNvSpPr>
           <p:nvPr/>
         </p:nvSpPr>
         <p:spPr>
           <a:xfrm>
-            <a:off x="4630537" y="3731176"/>
+            <a:off x="5247757" y="3731176"/>
             <a:ext cx="540000" cy="540000"/>
           </a:xfrm>
           <a:prstGeom prst="flowChartConnector">
             <a:avLst/>
           </a:prstGeom>
+          <a:noFill/>
+          <a:ln>
+            <a:solidFill>
+              <a:schemeClr val="dk1"/>
+            </a:solidFill>
+          </a:ln>
         </p:spPr>
         <p:style>
           <a:lnRef idx="2">
@@ -7517,7 +7576,7 @@
         </p:nvSpPr>
         <p:spPr>
           <a:xfrm>
-            <a:off x="6539780" y="2686145"/>
+            <a:off x="7898457" y="2686145"/>
             <a:ext cx="540000" cy="540000"/>
           </a:xfrm>
           <a:prstGeom prst="flowChartConnector">
@@ -7563,7 +7622,7 @@
         </p:nvSpPr>
         <p:spPr>
           <a:xfrm>
-            <a:off x="6529269" y="1628284"/>
+            <a:off x="7858130" y="1628284"/>
             <a:ext cx="540000" cy="540000"/>
           </a:xfrm>
           <a:prstGeom prst="flowChartConnector">
@@ -7609,7 +7668,7 @@
         </p:nvSpPr>
         <p:spPr>
           <a:xfrm>
-            <a:off x="6539780" y="3743650"/>
+            <a:off x="7918333" y="3743650"/>
             <a:ext cx="540000" cy="540000"/>
           </a:xfrm>
           <a:prstGeom prst="flowChartConnector">
@@ -8069,12 +8128,14 @@
               </a:ext>
             </a:extLst>
           </p:cNvPr>
-          <p:cNvSpPr/>
-          <p:nvPr/>
-        </p:nvSpPr>
-        <p:spPr>
-          <a:xfrm>
-            <a:off x="6364383" y="1687623"/>
+          <p:cNvSpPr>
+            <a:spLocks noChangeAspect="1"/>
+          </p:cNvSpPr>
+          <p:nvPr/>
+        </p:nvSpPr>
+        <p:spPr>
+          <a:xfrm>
+            <a:off x="7693240" y="1687623"/>
             <a:ext cx="180000" cy="180000"/>
           </a:xfrm>
           <a:prstGeom prst="ellipse">
@@ -8114,12 +8175,14 @@
               </a:ext>
             </a:extLst>
           </p:cNvPr>
-          <p:cNvSpPr/>
-          <p:nvPr/>
-        </p:nvSpPr>
-        <p:spPr>
-          <a:xfrm>
-            <a:off x="6385834" y="1960411"/>
+          <p:cNvSpPr>
+            <a:spLocks noChangeAspect="1"/>
+          </p:cNvSpPr>
+          <p:nvPr/>
+        </p:nvSpPr>
+        <p:spPr>
+          <a:xfrm>
+            <a:off x="7704752" y="1960411"/>
             <a:ext cx="180000" cy="180000"/>
           </a:xfrm>
           <a:prstGeom prst="ellipse">
@@ -8164,7 +8227,7 @@
         </p:nvSpPr>
         <p:spPr>
           <a:xfrm>
-            <a:off x="6654288" y="2526869"/>
+            <a:off x="7953330" y="2526869"/>
             <a:ext cx="180000" cy="180000"/>
           </a:xfrm>
           <a:prstGeom prst="ellipse">
@@ -8209,7 +8272,7 @@
         </p:nvSpPr>
         <p:spPr>
           <a:xfrm>
-            <a:off x="6354468" y="2978955"/>
+            <a:off x="7742965" y="2978955"/>
             <a:ext cx="180000" cy="180000"/>
           </a:xfrm>
           <a:prstGeom prst="ellipse">
@@ -8254,7 +8317,7 @@
         </p:nvSpPr>
         <p:spPr>
           <a:xfrm>
-            <a:off x="6584007" y="3598541"/>
+            <a:off x="7912866" y="3598541"/>
             <a:ext cx="180000" cy="180000"/>
           </a:xfrm>
           <a:prstGeom prst="ellipse">
@@ -8299,7 +8362,7 @@
         </p:nvSpPr>
         <p:spPr>
           <a:xfrm>
-            <a:off x="6398394" y="3720091"/>
+            <a:off x="7806767" y="3720091"/>
             <a:ext cx="180000" cy="180000"/>
           </a:xfrm>
           <a:prstGeom prst="ellipse">
@@ -8339,12 +8402,14 @@
               </a:ext>
             </a:extLst>
           </p:cNvPr>
-          <p:cNvSpPr/>
-          <p:nvPr/>
-        </p:nvSpPr>
-        <p:spPr>
-          <a:xfrm>
-            <a:off x="6373580" y="3982074"/>
+          <p:cNvSpPr>
+            <a:spLocks noChangeAspect="1"/>
+          </p:cNvSpPr>
+          <p:nvPr/>
+        </p:nvSpPr>
+        <p:spPr>
+          <a:xfrm>
+            <a:off x="7732257" y="3982074"/>
             <a:ext cx="180000" cy="180000"/>
           </a:xfrm>
           <a:prstGeom prst="ellipse">
@@ -8384,18 +8449,25 @@
               </a:ext>
             </a:extLst>
           </p:cNvPr>
-          <p:cNvSpPr/>
-          <p:nvPr/>
-        </p:nvSpPr>
-        <p:spPr>
-          <a:xfrm>
-            <a:off x="4508292" y="1721234"/>
+          <p:cNvSpPr>
+            <a:spLocks noChangeAspect="1"/>
+          </p:cNvSpPr>
+          <p:nvPr/>
+        </p:nvSpPr>
+        <p:spPr>
+          <a:xfrm>
+            <a:off x="5125512" y="1721234"/>
             <a:ext cx="180000" cy="180000"/>
           </a:xfrm>
           <a:prstGeom prst="ellipse">
             <a:avLst/>
           </a:prstGeom>
           <a:noFill/>
+          <a:ln>
+            <a:solidFill>
+              <a:schemeClr val="dk1"/>
+            </a:solidFill>
+          </a:ln>
         </p:spPr>
         <p:style>
           <a:lnRef idx="2">
@@ -8429,18 +8501,25 @@
               </a:ext>
             </a:extLst>
           </p:cNvPr>
-          <p:cNvSpPr/>
-          <p:nvPr/>
-        </p:nvSpPr>
-        <p:spPr>
-          <a:xfrm>
-            <a:off x="4525075" y="1278165"/>
+          <p:cNvSpPr>
+            <a:spLocks noChangeAspect="1"/>
+          </p:cNvSpPr>
+          <p:nvPr/>
+        </p:nvSpPr>
+        <p:spPr>
+          <a:xfrm>
+            <a:off x="5142295" y="1278165"/>
             <a:ext cx="180000" cy="180000"/>
           </a:xfrm>
           <a:prstGeom prst="ellipse">
             <a:avLst/>
           </a:prstGeom>
           <a:noFill/>
+          <a:ln>
+            <a:solidFill>
+              <a:schemeClr val="dk1"/>
+            </a:solidFill>
+          </a:ln>
         </p:spPr>
         <p:style>
           <a:lnRef idx="2">
@@ -8474,18 +8553,25 @@
               </a:ext>
             </a:extLst>
           </p:cNvPr>
-          <p:cNvSpPr/>
-          <p:nvPr/>
-        </p:nvSpPr>
-        <p:spPr>
-          <a:xfrm>
-            <a:off x="4482579" y="2134956"/>
+          <p:cNvSpPr>
+            <a:spLocks noChangeAspect="1"/>
+          </p:cNvSpPr>
+          <p:nvPr/>
+        </p:nvSpPr>
+        <p:spPr>
+          <a:xfrm>
+            <a:off x="5099799" y="2134956"/>
             <a:ext cx="180000" cy="180000"/>
           </a:xfrm>
           <a:prstGeom prst="ellipse">
             <a:avLst/>
           </a:prstGeom>
           <a:noFill/>
+          <a:ln>
+            <a:solidFill>
+              <a:schemeClr val="dk1"/>
+            </a:solidFill>
+          </a:ln>
         </p:spPr>
         <p:style>
           <a:lnRef idx="2">
@@ -8519,18 +8605,25 @@
               </a:ext>
             </a:extLst>
           </p:cNvPr>
-          <p:cNvSpPr/>
-          <p:nvPr/>
-        </p:nvSpPr>
-        <p:spPr>
-          <a:xfrm>
-            <a:off x="4479415" y="2478200"/>
+          <p:cNvSpPr>
+            <a:spLocks noChangeAspect="1"/>
+          </p:cNvSpPr>
+          <p:nvPr/>
+        </p:nvSpPr>
+        <p:spPr>
+          <a:xfrm>
+            <a:off x="5096635" y="2478200"/>
             <a:ext cx="180000" cy="180000"/>
           </a:xfrm>
           <a:prstGeom prst="ellipse">
             <a:avLst/>
           </a:prstGeom>
           <a:noFill/>
+          <a:ln>
+            <a:solidFill>
+              <a:schemeClr val="dk1"/>
+            </a:solidFill>
+          </a:ln>
         </p:spPr>
         <p:style>
           <a:lnRef idx="2">
@@ -8564,18 +8657,25 @@
               </a:ext>
             </a:extLst>
           </p:cNvPr>
-          <p:cNvSpPr/>
-          <p:nvPr/>
-        </p:nvSpPr>
-        <p:spPr>
-          <a:xfrm>
-            <a:off x="4494764" y="2928034"/>
+          <p:cNvSpPr>
+            <a:spLocks noChangeAspect="1"/>
+          </p:cNvSpPr>
+          <p:nvPr/>
+        </p:nvSpPr>
+        <p:spPr>
+          <a:xfrm>
+            <a:off x="5111984" y="2928034"/>
             <a:ext cx="180000" cy="180000"/>
           </a:xfrm>
           <a:prstGeom prst="ellipse">
             <a:avLst/>
           </a:prstGeom>
           <a:noFill/>
+          <a:ln>
+            <a:solidFill>
+              <a:schemeClr val="dk1"/>
+            </a:solidFill>
+          </a:ln>
         </p:spPr>
         <p:style>
           <a:lnRef idx="2">
@@ -8609,18 +8709,25 @@
               </a:ext>
             </a:extLst>
           </p:cNvPr>
-          <p:cNvSpPr/>
-          <p:nvPr/>
-        </p:nvSpPr>
-        <p:spPr>
-          <a:xfrm>
-            <a:off x="4524581" y="3334818"/>
+          <p:cNvSpPr>
+            <a:spLocks noChangeAspect="1"/>
+          </p:cNvSpPr>
+          <p:nvPr/>
+        </p:nvSpPr>
+        <p:spPr>
+          <a:xfrm>
+            <a:off x="5141801" y="3334818"/>
             <a:ext cx="180000" cy="180000"/>
           </a:xfrm>
           <a:prstGeom prst="ellipse">
             <a:avLst/>
           </a:prstGeom>
           <a:noFill/>
+          <a:ln>
+            <a:solidFill>
+              <a:schemeClr val="dk1"/>
+            </a:solidFill>
+          </a:ln>
         </p:spPr>
         <p:style>
           <a:lnRef idx="2">
@@ -8654,18 +8761,25 @@
               </a:ext>
             </a:extLst>
           </p:cNvPr>
-          <p:cNvSpPr/>
-          <p:nvPr/>
-        </p:nvSpPr>
-        <p:spPr>
-          <a:xfrm>
-            <a:off x="4470628" y="3151881"/>
+          <p:cNvSpPr>
+            <a:spLocks noChangeAspect="1"/>
+          </p:cNvSpPr>
+          <p:nvPr/>
+        </p:nvSpPr>
+        <p:spPr>
+          <a:xfrm>
+            <a:off x="5087848" y="3151881"/>
             <a:ext cx="180000" cy="180000"/>
           </a:xfrm>
           <a:prstGeom prst="ellipse">
             <a:avLst/>
           </a:prstGeom>
           <a:noFill/>
+          <a:ln>
+            <a:solidFill>
+              <a:schemeClr val="dk1"/>
+            </a:solidFill>
+          </a:ln>
         </p:spPr>
         <p:style>
           <a:lnRef idx="2">
@@ -8699,18 +8813,25 @@
               </a:ext>
             </a:extLst>
           </p:cNvPr>
-          <p:cNvSpPr/>
-          <p:nvPr/>
-        </p:nvSpPr>
-        <p:spPr>
-          <a:xfrm>
-            <a:off x="4482579" y="4057522"/>
+          <p:cNvSpPr>
+            <a:spLocks noChangeAspect="1"/>
+          </p:cNvSpPr>
+          <p:nvPr/>
+        </p:nvSpPr>
+        <p:spPr>
+          <a:xfrm>
+            <a:off x="5099799" y="4057522"/>
             <a:ext cx="180000" cy="180000"/>
           </a:xfrm>
           <a:prstGeom prst="ellipse">
             <a:avLst/>
           </a:prstGeom>
           <a:noFill/>
+          <a:ln>
+            <a:solidFill>
+              <a:schemeClr val="dk1"/>
+            </a:solidFill>
+          </a:ln>
         </p:spPr>
         <p:style>
           <a:lnRef idx="2">
@@ -8744,18 +8865,25 @@
               </a:ext>
             </a:extLst>
           </p:cNvPr>
-          <p:cNvSpPr/>
-          <p:nvPr/>
-        </p:nvSpPr>
-        <p:spPr>
-          <a:xfrm>
-            <a:off x="4493307" y="3761045"/>
+          <p:cNvSpPr>
+            <a:spLocks noChangeAspect="1"/>
+          </p:cNvSpPr>
+          <p:nvPr/>
+        </p:nvSpPr>
+        <p:spPr>
+          <a:xfrm>
+            <a:off x="5110527" y="3761045"/>
             <a:ext cx="180000" cy="180000"/>
           </a:xfrm>
           <a:prstGeom prst="ellipse">
             <a:avLst/>
           </a:prstGeom>
           <a:noFill/>
+          <a:ln>
+            <a:solidFill>
+              <a:schemeClr val="dk1"/>
+            </a:solidFill>
+          </a:ln>
         </p:spPr>
         <p:style>
           <a:lnRef idx="2">

--- a/chukan/図作成用.pptx
+++ b/chukan/図作成用.pptx
@@ -5,7 +5,7 @@
     <p:sldMasterId id="2147483648" r:id="rId1"/>
   </p:sldMasterIdLst>
   <p:notesMasterIdLst>
-    <p:notesMasterId r:id="rId15"/>
+    <p:notesMasterId r:id="rId17"/>
   </p:notesMasterIdLst>
   <p:sldIdLst>
     <p:sldId id="256" r:id="rId2"/>
@@ -21,6 +21,8 @@
     <p:sldId id="268" r:id="rId12"/>
     <p:sldId id="269" r:id="rId13"/>
     <p:sldId id="270" r:id="rId14"/>
+    <p:sldId id="271" r:id="rId15"/>
+    <p:sldId id="272" r:id="rId16"/>
   </p:sldIdLst>
   <p:sldSz cx="12192000" cy="6858000"/>
   <p:notesSz cx="6858000" cy="9144000"/>
@@ -1780,7 +1782,7 @@
           <a:p>
             <a:fld id="{A8F7AAB8-32AF-104E-9B81-12BD3A95A024}" type="datetimeFigureOut">
               <a:rPr kumimoji="1" lang="ja-JP" altLang="en-US" smtClean="0"/>
-              <a:t>2022/9/29</a:t>
+              <a:t>2023/1/12</a:t>
             </a:fld>
             <a:endParaRPr kumimoji="1" lang="ja-JP" altLang="en-US"/>
           </a:p>
@@ -2226,7 +2228,7 @@
           <a:p>
             <a:fld id="{7BD376A1-AFEA-9C49-A9C0-515A6087CEF8}" type="datetime1">
               <a:rPr kumimoji="1" lang="ja-JP" altLang="en-US" smtClean="0"/>
-              <a:t>2022/9/29</a:t>
+              <a:t>2023/1/12</a:t>
             </a:fld>
             <a:endParaRPr kumimoji="1" lang="ja-JP" altLang="en-US"/>
           </a:p>
@@ -2456,7 +2458,7 @@
           <a:p>
             <a:fld id="{4815C3B4-F61D-A141-B9E5-67365117F3E5}" type="datetime1">
               <a:rPr kumimoji="1" lang="ja-JP" altLang="en-US" smtClean="0"/>
-              <a:t>2022/9/29</a:t>
+              <a:t>2023/1/12</a:t>
             </a:fld>
             <a:endParaRPr kumimoji="1" lang="ja-JP" altLang="en-US"/>
           </a:p>
@@ -2696,7 +2698,7 @@
           <a:p>
             <a:fld id="{466DBAAF-18A9-E344-8002-89E877247369}" type="datetime1">
               <a:rPr kumimoji="1" lang="ja-JP" altLang="en-US" smtClean="0"/>
-              <a:t>2022/9/29</a:t>
+              <a:t>2023/1/12</a:t>
             </a:fld>
             <a:endParaRPr kumimoji="1" lang="ja-JP" altLang="en-US"/>
           </a:p>
@@ -2926,7 +2928,7 @@
           <a:p>
             <a:fld id="{41F7FC94-7D5C-3848-95CA-D6843D806ACE}" type="datetime1">
               <a:rPr kumimoji="1" lang="ja-JP" altLang="en-US" smtClean="0"/>
-              <a:t>2022/9/29</a:t>
+              <a:t>2023/1/12</a:t>
             </a:fld>
             <a:endParaRPr kumimoji="1" lang="ja-JP" altLang="en-US"/>
           </a:p>
@@ -3201,7 +3203,7 @@
           <a:p>
             <a:fld id="{329DD05F-FFAC-0541-920A-B9C473BE61CA}" type="datetime1">
               <a:rPr kumimoji="1" lang="ja-JP" altLang="en-US" smtClean="0"/>
-              <a:t>2022/9/29</a:t>
+              <a:t>2023/1/12</a:t>
             </a:fld>
             <a:endParaRPr kumimoji="1" lang="ja-JP" altLang="en-US"/>
           </a:p>
@@ -3530,7 +3532,7 @@
           <a:p>
             <a:fld id="{6CF471D1-4C9A-4A40-8AB1-95D4364BBF15}" type="datetime1">
               <a:rPr kumimoji="1" lang="ja-JP" altLang="en-US" smtClean="0"/>
-              <a:t>2022/9/29</a:t>
+              <a:t>2023/1/12</a:t>
             </a:fld>
             <a:endParaRPr kumimoji="1" lang="ja-JP" altLang="en-US"/>
           </a:p>
@@ -4006,7 +4008,7 @@
           <a:p>
             <a:fld id="{3394E048-800B-C945-ABF1-59AEF8418D55}" type="datetime1">
               <a:rPr kumimoji="1" lang="ja-JP" altLang="en-US" smtClean="0"/>
-              <a:t>2022/9/29</a:t>
+              <a:t>2023/1/12</a:t>
             </a:fld>
             <a:endParaRPr kumimoji="1" lang="ja-JP" altLang="en-US"/>
           </a:p>
@@ -4147,7 +4149,7 @@
           <a:p>
             <a:fld id="{A496D5F2-B612-A24C-ADA0-1CDC5F8C3AC6}" type="datetime1">
               <a:rPr kumimoji="1" lang="ja-JP" altLang="en-US" smtClean="0"/>
-              <a:t>2022/9/29</a:t>
+              <a:t>2023/1/12</a:t>
             </a:fld>
             <a:endParaRPr kumimoji="1" lang="ja-JP" altLang="en-US"/>
           </a:p>
@@ -4260,7 +4262,7 @@
           <a:p>
             <a:fld id="{02926C61-86E2-B242-B42B-FB92A0FAF83D}" type="datetime1">
               <a:rPr kumimoji="1" lang="ja-JP" altLang="en-US" smtClean="0"/>
-              <a:t>2022/9/29</a:t>
+              <a:t>2023/1/12</a:t>
             </a:fld>
             <a:endParaRPr kumimoji="1" lang="ja-JP" altLang="en-US"/>
           </a:p>
@@ -4603,7 +4605,7 @@
           <a:p>
             <a:fld id="{9B1A3B4A-C134-264D-A616-F3EEAE4EC8C5}" type="datetime1">
               <a:rPr kumimoji="1" lang="ja-JP" altLang="en-US" smtClean="0"/>
-              <a:t>2022/9/29</a:t>
+              <a:t>2023/1/12</a:t>
             </a:fld>
             <a:endParaRPr kumimoji="1" lang="ja-JP" altLang="en-US"/>
           </a:p>
@@ -4891,7 +4893,7 @@
           <a:p>
             <a:fld id="{A97F9981-AA1C-AE41-A6D7-B9284189E157}" type="datetime1">
               <a:rPr kumimoji="1" lang="ja-JP" altLang="en-US" smtClean="0"/>
-              <a:t>2022/9/29</a:t>
+              <a:t>2023/1/12</a:t>
             </a:fld>
             <a:endParaRPr kumimoji="1" lang="ja-JP" altLang="en-US"/>
           </a:p>
@@ -5164,7 +5166,7 @@
           <a:p>
             <a:fld id="{0834969A-1581-324E-BCBE-F0C0D6C6833A}" type="datetime1">
               <a:rPr kumimoji="1" lang="ja-JP" altLang="en-US" smtClean="0"/>
-              <a:t>2022/9/29</a:t>
+              <a:t>2023/1/12</a:t>
             </a:fld>
             <a:endParaRPr kumimoji="1" lang="ja-JP" altLang="en-US"/>
           </a:p>
@@ -6682,8 +6684,8 @@
           </a:p>
         </p:txBody>
       </p:sp>
-      <mc:AlternateContent xmlns:mc="http://schemas.openxmlformats.org/markup-compatibility/2006">
-        <mc:Choice xmlns:a14="http://schemas.microsoft.com/office/drawing/2010/main" Requires="a14">
+      <mc:AlternateContent xmlns:mc="http://schemas.openxmlformats.org/markup-compatibility/2006" xmlns:a14="http://schemas.microsoft.com/office/drawing/2010/main">
+        <mc:Choice Requires="a14">
           <p:sp>
             <p:nvSpPr>
               <p:cNvPr id="130" name="テキスト ボックス 129">
@@ -6738,7 +6740,7 @@
             </p:txBody>
           </p:sp>
         </mc:Choice>
-        <mc:Fallback>
+        <mc:Fallback xmlns="">
           <p:sp>
             <p:nvSpPr>
               <p:cNvPr id="130" name="テキスト ボックス 129">
@@ -6786,8 +6788,8 @@
           </p:sp>
         </mc:Fallback>
       </mc:AlternateContent>
-      <mc:AlternateContent xmlns:mc="http://schemas.openxmlformats.org/markup-compatibility/2006">
-        <mc:Choice xmlns:a14="http://schemas.microsoft.com/office/drawing/2010/main" Requires="a14">
+      <mc:AlternateContent xmlns:mc="http://schemas.openxmlformats.org/markup-compatibility/2006" xmlns:a14="http://schemas.microsoft.com/office/drawing/2010/main">
+        <mc:Choice Requires="a14">
           <p:sp>
             <p:nvSpPr>
               <p:cNvPr id="134" name="テキスト ボックス 133">
@@ -6859,7 +6861,7 @@
             </p:txBody>
           </p:sp>
         </mc:Choice>
-        <mc:Fallback>
+        <mc:Fallback xmlns="">
           <p:sp>
             <p:nvSpPr>
               <p:cNvPr id="134" name="テキスト ボックス 133">
@@ -7998,8 +8000,8 @@
           </a:p>
         </p:txBody>
       </p:sp>
-      <mc:AlternateContent xmlns:mc="http://schemas.openxmlformats.org/markup-compatibility/2006">
-        <mc:Choice xmlns:a14="http://schemas.microsoft.com/office/drawing/2010/main" Requires="a14">
+      <mc:AlternateContent xmlns:mc="http://schemas.openxmlformats.org/markup-compatibility/2006" xmlns:a14="http://schemas.microsoft.com/office/drawing/2010/main">
+        <mc:Choice Requires="a14">
           <p:sp>
             <p:nvSpPr>
               <p:cNvPr id="357" name="テキスト ボックス 356">
@@ -8071,7 +8073,7 @@
             </p:txBody>
           </p:sp>
         </mc:Choice>
-        <mc:Fallback>
+        <mc:Fallback xmlns="">
           <p:sp>
             <p:nvSpPr>
               <p:cNvPr id="357" name="テキスト ボックス 356">
@@ -10563,8 +10565,8 @@
           </a:p>
         </p:txBody>
       </p:sp>
-      <mc:AlternateContent xmlns:mc="http://schemas.openxmlformats.org/markup-compatibility/2006">
-        <mc:Choice xmlns:a14="http://schemas.microsoft.com/office/drawing/2010/main" Requires="a14">
+      <mc:AlternateContent xmlns:mc="http://schemas.openxmlformats.org/markup-compatibility/2006" xmlns:a14="http://schemas.microsoft.com/office/drawing/2010/main">
+        <mc:Choice Requires="a14">
           <p:sp>
             <p:nvSpPr>
               <p:cNvPr id="129" name="テキスト ボックス 128">
@@ -10633,7 +10635,7 @@
             </p:txBody>
           </p:sp>
         </mc:Choice>
-        <mc:Fallback>
+        <mc:Fallback xmlns="">
           <p:sp>
             <p:nvSpPr>
               <p:cNvPr id="129" name="テキスト ボックス 128">
@@ -10678,8 +10680,8 @@
           </p:sp>
         </mc:Fallback>
       </mc:AlternateContent>
-      <mc:AlternateContent xmlns:mc="http://schemas.openxmlformats.org/markup-compatibility/2006">
-        <mc:Choice xmlns:a14="http://schemas.microsoft.com/office/drawing/2010/main" Requires="a14">
+      <mc:AlternateContent xmlns:mc="http://schemas.openxmlformats.org/markup-compatibility/2006" xmlns:a14="http://schemas.microsoft.com/office/drawing/2010/main">
+        <mc:Choice Requires="a14">
           <p:sp>
             <p:nvSpPr>
               <p:cNvPr id="130" name="テキスト ボックス 129">
@@ -10748,7 +10750,7 @@
             </p:txBody>
           </p:sp>
         </mc:Choice>
-        <mc:Fallback>
+        <mc:Fallback xmlns="">
           <p:sp>
             <p:nvSpPr>
               <p:cNvPr id="130" name="テキスト ボックス 129">
@@ -10793,8 +10795,8 @@
           </p:sp>
         </mc:Fallback>
       </mc:AlternateContent>
-      <mc:AlternateContent xmlns:mc="http://schemas.openxmlformats.org/markup-compatibility/2006">
-        <mc:Choice xmlns:a14="http://schemas.microsoft.com/office/drawing/2010/main" Requires="a14">
+      <mc:AlternateContent xmlns:mc="http://schemas.openxmlformats.org/markup-compatibility/2006" xmlns:a14="http://schemas.microsoft.com/office/drawing/2010/main">
+        <mc:Choice Requires="a14">
           <p:sp>
             <p:nvSpPr>
               <p:cNvPr id="131" name="テキスト ボックス 130">
@@ -10863,7 +10865,7 @@
             </p:txBody>
           </p:sp>
         </mc:Choice>
-        <mc:Fallback>
+        <mc:Fallback xmlns="">
           <p:sp>
             <p:nvSpPr>
               <p:cNvPr id="131" name="テキスト ボックス 130">
@@ -10908,8 +10910,8 @@
           </p:sp>
         </mc:Fallback>
       </mc:AlternateContent>
-      <mc:AlternateContent xmlns:mc="http://schemas.openxmlformats.org/markup-compatibility/2006">
-        <mc:Choice xmlns:a14="http://schemas.microsoft.com/office/drawing/2010/main" Requires="a14">
+      <mc:AlternateContent xmlns:mc="http://schemas.openxmlformats.org/markup-compatibility/2006" xmlns:a14="http://schemas.microsoft.com/office/drawing/2010/main">
+        <mc:Choice Requires="a14">
           <p:sp>
             <p:nvSpPr>
               <p:cNvPr id="132" name="テキスト ボックス 131">
@@ -10978,7 +10980,7 @@
             </p:txBody>
           </p:sp>
         </mc:Choice>
-        <mc:Fallback>
+        <mc:Fallback xmlns="">
           <p:sp>
             <p:nvSpPr>
               <p:cNvPr id="132" name="テキスト ボックス 131">
@@ -11023,8 +11025,8 @@
           </p:sp>
         </mc:Fallback>
       </mc:AlternateContent>
-      <mc:AlternateContent xmlns:mc="http://schemas.openxmlformats.org/markup-compatibility/2006">
-        <mc:Choice xmlns:a14="http://schemas.microsoft.com/office/drawing/2010/main" Requires="a14">
+      <mc:AlternateContent xmlns:mc="http://schemas.openxmlformats.org/markup-compatibility/2006" xmlns:a14="http://schemas.microsoft.com/office/drawing/2010/main">
+        <mc:Choice Requires="a14">
           <p:sp>
             <p:nvSpPr>
               <p:cNvPr id="134" name="テキスト ボックス 133">
@@ -11093,7 +11095,7 @@
             </p:txBody>
           </p:sp>
         </mc:Choice>
-        <mc:Fallback>
+        <mc:Fallback xmlns="">
           <p:sp>
             <p:nvSpPr>
               <p:cNvPr id="134" name="テキスト ボックス 133">
@@ -11138,8 +11140,8 @@
           </p:sp>
         </mc:Fallback>
       </mc:AlternateContent>
-      <mc:AlternateContent xmlns:mc="http://schemas.openxmlformats.org/markup-compatibility/2006">
-        <mc:Choice xmlns:a14="http://schemas.microsoft.com/office/drawing/2010/main" Requires="a14">
+      <mc:AlternateContent xmlns:mc="http://schemas.openxmlformats.org/markup-compatibility/2006" xmlns:a14="http://schemas.microsoft.com/office/drawing/2010/main">
+        <mc:Choice Requires="a14">
           <p:sp>
             <p:nvSpPr>
               <p:cNvPr id="135" name="テキスト ボックス 134">
@@ -11189,7 +11191,7 @@
             </p:txBody>
           </p:sp>
         </mc:Choice>
-        <mc:Fallback>
+        <mc:Fallback xmlns="">
           <p:sp>
             <p:nvSpPr>
               <p:cNvPr id="135" name="テキスト ボックス 134">
@@ -15652,6 +15654,2367 @@
     <p:extLst>
       <p:ext uri="{BB962C8B-B14F-4D97-AF65-F5344CB8AC3E}">
         <p14:creationId xmlns:p14="http://schemas.microsoft.com/office/powerpoint/2010/main" val="2344262577"/>
+      </p:ext>
+    </p:extLst>
+  </p:cSld>
+  <p:clrMapOvr>
+    <a:masterClrMapping/>
+  </p:clrMapOvr>
+</p:sld>
+</file>
+
+<file path=ppt/slides/slide14.xml><?xml version="1.0" encoding="utf-8"?>
+<p:sld xmlns:a="http://schemas.openxmlformats.org/drawingml/2006/main" xmlns:r="http://schemas.openxmlformats.org/officeDocument/2006/relationships" xmlns:p="http://schemas.openxmlformats.org/presentationml/2006/main">
+  <p:cSld>
+    <p:spTree>
+      <p:nvGrpSpPr>
+        <p:cNvPr id="1" name=""/>
+        <p:cNvGrpSpPr/>
+        <p:nvPr/>
+      </p:nvGrpSpPr>
+      <p:grpSpPr>
+        <a:xfrm>
+          <a:off x="0" y="0"/>
+          <a:ext cx="0" cy="0"/>
+          <a:chOff x="0" y="0"/>
+          <a:chExt cx="0" cy="0"/>
+        </a:xfrm>
+      </p:grpSpPr>
+    </p:spTree>
+    <p:extLst>
+      <p:ext uri="{BB962C8B-B14F-4D97-AF65-F5344CB8AC3E}">
+        <p14:creationId xmlns:p14="http://schemas.microsoft.com/office/powerpoint/2010/main" val="828003188"/>
+      </p:ext>
+    </p:extLst>
+  </p:cSld>
+  <p:clrMapOvr>
+    <a:masterClrMapping/>
+  </p:clrMapOvr>
+</p:sld>
+</file>
+
+<file path=ppt/slides/slide15.xml><?xml version="1.0" encoding="utf-8"?>
+<p:sld xmlns:a="http://schemas.openxmlformats.org/drawingml/2006/main" xmlns:r="http://schemas.openxmlformats.org/officeDocument/2006/relationships" xmlns:p="http://schemas.openxmlformats.org/presentationml/2006/main">
+  <p:cSld>
+    <p:spTree>
+      <p:nvGrpSpPr>
+        <p:cNvPr id="1" name=""/>
+        <p:cNvGrpSpPr/>
+        <p:nvPr/>
+      </p:nvGrpSpPr>
+      <p:grpSpPr>
+        <a:xfrm>
+          <a:off x="0" y="0"/>
+          <a:ext cx="0" cy="0"/>
+          <a:chOff x="0" y="0"/>
+          <a:chExt cx="0" cy="0"/>
+        </a:xfrm>
+      </p:grpSpPr>
+      <p:sp>
+        <p:nvSpPr>
+          <p:cNvPr id="100" name="正方形/長方形 99">
+            <a:extLst>
+              <a:ext uri="{FF2B5EF4-FFF2-40B4-BE49-F238E27FC236}">
+                <a16:creationId xmlns:a16="http://schemas.microsoft.com/office/drawing/2014/main" id="{FFC870C5-B3AF-172F-ADE6-E9C880B1B840}"/>
+              </a:ext>
+            </a:extLst>
+          </p:cNvPr>
+          <p:cNvSpPr/>
+          <p:nvPr/>
+        </p:nvSpPr>
+        <p:spPr>
+          <a:xfrm>
+            <a:off x="2503641" y="3220889"/>
+            <a:ext cx="522861" cy="841974"/>
+          </a:xfrm>
+          <a:prstGeom prst="rect">
+            <a:avLst/>
+          </a:prstGeom>
+        </p:spPr>
+        <p:style>
+          <a:lnRef idx="2">
+            <a:schemeClr val="dk1"/>
+          </a:lnRef>
+          <a:fillRef idx="1">
+            <a:schemeClr val="lt1"/>
+          </a:fillRef>
+          <a:effectRef idx="0">
+            <a:schemeClr val="dk1"/>
+          </a:effectRef>
+          <a:fontRef idx="minor">
+            <a:schemeClr val="dk1"/>
+          </a:fontRef>
+        </p:style>
+        <p:txBody>
+          <a:bodyPr rtlCol="0" anchor="ctr"/>
+          <a:lstStyle/>
+          <a:p>
+            <a:pPr algn="ctr"/>
+            <a:endParaRPr kumimoji="1" lang="ja-JP" altLang="en-US" sz="2800"/>
+          </a:p>
+        </p:txBody>
+      </p:sp>
+      <p:sp>
+        <p:nvSpPr>
+          <p:cNvPr id="16" name="円/楕円 15">
+            <a:extLst>
+              <a:ext uri="{FF2B5EF4-FFF2-40B4-BE49-F238E27FC236}">
+                <a16:creationId xmlns:a16="http://schemas.microsoft.com/office/drawing/2014/main" id="{246B4569-6009-D9E5-3E8C-FC45352AA4AF}"/>
+              </a:ext>
+            </a:extLst>
+          </p:cNvPr>
+          <p:cNvSpPr/>
+          <p:nvPr/>
+        </p:nvSpPr>
+        <p:spPr>
+          <a:xfrm>
+            <a:off x="2695074" y="2202893"/>
+            <a:ext cx="309383" cy="309383"/>
+          </a:xfrm>
+          <a:prstGeom prst="ellipse">
+            <a:avLst/>
+          </a:prstGeom>
+        </p:spPr>
+        <p:style>
+          <a:lnRef idx="2">
+            <a:schemeClr val="dk1"/>
+          </a:lnRef>
+          <a:fillRef idx="1">
+            <a:schemeClr val="lt1"/>
+          </a:fillRef>
+          <a:effectRef idx="0">
+            <a:schemeClr val="dk1"/>
+          </a:effectRef>
+          <a:fontRef idx="minor">
+            <a:schemeClr val="dk1"/>
+          </a:fontRef>
+        </p:style>
+        <p:txBody>
+          <a:bodyPr rtlCol="0" anchor="ctr"/>
+          <a:lstStyle/>
+          <a:p>
+            <a:pPr algn="ctr"/>
+            <a:endParaRPr kumimoji="1" lang="ja-JP" altLang="en-US" sz="2800"/>
+          </a:p>
+        </p:txBody>
+      </p:sp>
+      <p:sp>
+        <p:nvSpPr>
+          <p:cNvPr id="17" name="フリーフォーム 16">
+            <a:extLst>
+              <a:ext uri="{FF2B5EF4-FFF2-40B4-BE49-F238E27FC236}">
+                <a16:creationId xmlns:a16="http://schemas.microsoft.com/office/drawing/2014/main" id="{881D0766-02A0-BEA3-E036-BA0ACAB46F04}"/>
+              </a:ext>
+            </a:extLst>
+          </p:cNvPr>
+          <p:cNvSpPr/>
+          <p:nvPr/>
+        </p:nvSpPr>
+        <p:spPr>
+          <a:xfrm>
+            <a:off x="2756950" y="2312647"/>
+            <a:ext cx="178755" cy="85189"/>
+          </a:xfrm>
+          <a:custGeom>
+            <a:avLst/>
+            <a:gdLst>
+              <a:gd name="connsiteX0" fmla="*/ 0 w 178755"/>
+              <a:gd name="connsiteY0" fmla="*/ 62125 h 85189"/>
+              <a:gd name="connsiteX1" fmla="*/ 61877 w 178755"/>
+              <a:gd name="connsiteY1" fmla="*/ 249 h 85189"/>
+              <a:gd name="connsiteX2" fmla="*/ 130629 w 178755"/>
+              <a:gd name="connsiteY2" fmla="*/ 82751 h 85189"/>
+              <a:gd name="connsiteX3" fmla="*/ 178755 w 178755"/>
+              <a:gd name="connsiteY3" fmla="*/ 55250 h 85189"/>
+            </a:gdLst>
+            <a:ahLst/>
+            <a:cxnLst>
+              <a:cxn ang="0">
+                <a:pos x="connsiteX0" y="connsiteY0"/>
+              </a:cxn>
+              <a:cxn ang="0">
+                <a:pos x="connsiteX1" y="connsiteY1"/>
+              </a:cxn>
+              <a:cxn ang="0">
+                <a:pos x="connsiteX2" y="connsiteY2"/>
+              </a:cxn>
+              <a:cxn ang="0">
+                <a:pos x="connsiteX3" y="connsiteY3"/>
+              </a:cxn>
+            </a:cxnLst>
+            <a:rect l="l" t="t" r="r" b="b"/>
+            <a:pathLst>
+              <a:path w="178755" h="85189">
+                <a:moveTo>
+                  <a:pt x="0" y="62125"/>
+                </a:moveTo>
+                <a:cubicBezTo>
+                  <a:pt x="20052" y="29468"/>
+                  <a:pt x="40105" y="-3189"/>
+                  <a:pt x="61877" y="249"/>
+                </a:cubicBezTo>
+                <a:cubicBezTo>
+                  <a:pt x="83649" y="3687"/>
+                  <a:pt x="111149" y="73584"/>
+                  <a:pt x="130629" y="82751"/>
+                </a:cubicBezTo>
+                <a:cubicBezTo>
+                  <a:pt x="150109" y="91918"/>
+                  <a:pt x="164432" y="73584"/>
+                  <a:pt x="178755" y="55250"/>
+                </a:cubicBezTo>
+              </a:path>
+            </a:pathLst>
+          </a:custGeom>
+          <a:noFill/>
+        </p:spPr>
+        <p:style>
+          <a:lnRef idx="2">
+            <a:schemeClr val="dk1"/>
+          </a:lnRef>
+          <a:fillRef idx="1">
+            <a:schemeClr val="lt1"/>
+          </a:fillRef>
+          <a:effectRef idx="0">
+            <a:schemeClr val="dk1"/>
+          </a:effectRef>
+          <a:fontRef idx="minor">
+            <a:schemeClr val="dk1"/>
+          </a:fontRef>
+        </p:style>
+        <p:txBody>
+          <a:bodyPr rtlCol="0" anchor="ctr"/>
+          <a:lstStyle/>
+          <a:p>
+            <a:pPr algn="ctr"/>
+            <a:endParaRPr kumimoji="1" lang="ja-JP" altLang="en-US" sz="2800"/>
+          </a:p>
+        </p:txBody>
+      </p:sp>
+      <p:sp>
+        <p:nvSpPr>
+          <p:cNvPr id="18" name="正方形/長方形 17">
+            <a:extLst>
+              <a:ext uri="{FF2B5EF4-FFF2-40B4-BE49-F238E27FC236}">
+                <a16:creationId xmlns:a16="http://schemas.microsoft.com/office/drawing/2014/main" id="{E050A908-3BF3-02FF-D972-E1F274DBF557}"/>
+              </a:ext>
+            </a:extLst>
+          </p:cNvPr>
+          <p:cNvSpPr/>
+          <p:nvPr/>
+        </p:nvSpPr>
+        <p:spPr>
+          <a:xfrm>
+            <a:off x="4125486" y="1903572"/>
+            <a:ext cx="914400" cy="914400"/>
+          </a:xfrm>
+          <a:prstGeom prst="rect">
+            <a:avLst/>
+          </a:prstGeom>
+        </p:spPr>
+        <p:style>
+          <a:lnRef idx="2">
+            <a:schemeClr val="dk1"/>
+          </a:lnRef>
+          <a:fillRef idx="1">
+            <a:schemeClr val="lt1"/>
+          </a:fillRef>
+          <a:effectRef idx="0">
+            <a:schemeClr val="dk1"/>
+          </a:effectRef>
+          <a:fontRef idx="minor">
+            <a:schemeClr val="dk1"/>
+          </a:fontRef>
+        </p:style>
+        <p:txBody>
+          <a:bodyPr rtlCol="0" anchor="ctr"/>
+          <a:lstStyle/>
+          <a:p>
+            <a:pPr algn="ctr"/>
+            <a:r>
+              <a:rPr kumimoji="1" lang="en-US" altLang="ja-JP" sz="2800" dirty="0"/>
+              <a:t> Tx</a:t>
+            </a:r>
+            <a:endParaRPr kumimoji="1" lang="ja-JP" altLang="en-US" sz="2800"/>
+          </a:p>
+        </p:txBody>
+      </p:sp>
+      <p:sp>
+        <p:nvSpPr>
+          <p:cNvPr id="19" name="正方形/長方形 18">
+            <a:extLst>
+              <a:ext uri="{FF2B5EF4-FFF2-40B4-BE49-F238E27FC236}">
+                <a16:creationId xmlns:a16="http://schemas.microsoft.com/office/drawing/2014/main" id="{D3D87CBB-DE3A-B812-FF68-5134754A9631}"/>
+              </a:ext>
+            </a:extLst>
+          </p:cNvPr>
+          <p:cNvSpPr/>
+          <p:nvPr/>
+        </p:nvSpPr>
+        <p:spPr>
+          <a:xfrm>
+            <a:off x="4135425" y="3149214"/>
+            <a:ext cx="914400" cy="914400"/>
+          </a:xfrm>
+          <a:prstGeom prst="rect">
+            <a:avLst/>
+          </a:prstGeom>
+        </p:spPr>
+        <p:style>
+          <a:lnRef idx="2">
+            <a:schemeClr val="dk1"/>
+          </a:lnRef>
+          <a:fillRef idx="1">
+            <a:schemeClr val="lt1"/>
+          </a:fillRef>
+          <a:effectRef idx="0">
+            <a:schemeClr val="dk1"/>
+          </a:effectRef>
+          <a:fontRef idx="minor">
+            <a:schemeClr val="dk1"/>
+          </a:fontRef>
+        </p:style>
+        <p:txBody>
+          <a:bodyPr rtlCol="0" anchor="ctr"/>
+          <a:lstStyle/>
+          <a:p>
+            <a:pPr algn="ctr"/>
+            <a:r>
+              <a:rPr kumimoji="1" lang="en-US" altLang="ja-JP" sz="2800" dirty="0"/>
+              <a:t>Rx</a:t>
+            </a:r>
+            <a:endParaRPr kumimoji="1" lang="ja-JP" altLang="en-US" sz="2800"/>
+          </a:p>
+        </p:txBody>
+      </p:sp>
+      <p:cxnSp>
+        <p:nvCxnSpPr>
+          <p:cNvPr id="21" name="直線コネクタ 20">
+            <a:extLst>
+              <a:ext uri="{FF2B5EF4-FFF2-40B4-BE49-F238E27FC236}">
+                <a16:creationId xmlns:a16="http://schemas.microsoft.com/office/drawing/2014/main" id="{3FFA6C19-8FC0-8EBF-2CE2-98EB5629EBFB}"/>
+              </a:ext>
+            </a:extLst>
+          </p:cNvPr>
+          <p:cNvCxnSpPr>
+            <a:cxnSpLocks/>
+          </p:cNvCxnSpPr>
+          <p:nvPr/>
+        </p:nvCxnSpPr>
+        <p:spPr>
+          <a:xfrm>
+            <a:off x="5049825" y="2092888"/>
+            <a:ext cx="567204" cy="0"/>
+          </a:xfrm>
+          <a:prstGeom prst="line">
+            <a:avLst/>
+          </a:prstGeom>
+          <a:ln w="12700"/>
+        </p:spPr>
+        <p:style>
+          <a:lnRef idx="1">
+            <a:schemeClr val="dk1"/>
+          </a:lnRef>
+          <a:fillRef idx="0">
+            <a:schemeClr val="dk1"/>
+          </a:fillRef>
+          <a:effectRef idx="0">
+            <a:schemeClr val="dk1"/>
+          </a:effectRef>
+          <a:fontRef idx="minor">
+            <a:schemeClr val="tx1"/>
+          </a:fontRef>
+        </p:style>
+      </p:cxnSp>
+      <p:cxnSp>
+        <p:nvCxnSpPr>
+          <p:cNvPr id="22" name="直線コネクタ 21">
+            <a:extLst>
+              <a:ext uri="{FF2B5EF4-FFF2-40B4-BE49-F238E27FC236}">
+                <a16:creationId xmlns:a16="http://schemas.microsoft.com/office/drawing/2014/main" id="{C4DCCEEC-47BF-99F4-CEDC-D4F6C11CDE5B}"/>
+              </a:ext>
+            </a:extLst>
+          </p:cNvPr>
+          <p:cNvCxnSpPr>
+            <a:cxnSpLocks/>
+          </p:cNvCxnSpPr>
+          <p:nvPr/>
+        </p:nvCxnSpPr>
+        <p:spPr>
+          <a:xfrm>
+            <a:off x="5049825" y="2650925"/>
+            <a:ext cx="567204" cy="0"/>
+          </a:xfrm>
+          <a:prstGeom prst="line">
+            <a:avLst/>
+          </a:prstGeom>
+          <a:ln w="12700"/>
+        </p:spPr>
+        <p:style>
+          <a:lnRef idx="1">
+            <a:schemeClr val="dk1"/>
+          </a:lnRef>
+          <a:fillRef idx="0">
+            <a:schemeClr val="dk1"/>
+          </a:fillRef>
+          <a:effectRef idx="0">
+            <a:schemeClr val="dk1"/>
+          </a:effectRef>
+          <a:fontRef idx="minor">
+            <a:schemeClr val="tx1"/>
+          </a:fontRef>
+        </p:style>
+      </p:cxnSp>
+      <p:cxnSp>
+        <p:nvCxnSpPr>
+          <p:cNvPr id="23" name="直線コネクタ 22">
+            <a:extLst>
+              <a:ext uri="{FF2B5EF4-FFF2-40B4-BE49-F238E27FC236}">
+                <a16:creationId xmlns:a16="http://schemas.microsoft.com/office/drawing/2014/main" id="{455D189C-975F-E150-2DE9-B3C289C5D294}"/>
+              </a:ext>
+            </a:extLst>
+          </p:cNvPr>
+          <p:cNvCxnSpPr>
+            <a:cxnSpLocks/>
+          </p:cNvCxnSpPr>
+          <p:nvPr/>
+        </p:nvCxnSpPr>
+        <p:spPr>
+          <a:xfrm>
+            <a:off x="5050398" y="3331569"/>
+            <a:ext cx="567204" cy="0"/>
+          </a:xfrm>
+          <a:prstGeom prst="line">
+            <a:avLst/>
+          </a:prstGeom>
+          <a:ln w="12700"/>
+        </p:spPr>
+        <p:style>
+          <a:lnRef idx="1">
+            <a:schemeClr val="dk1"/>
+          </a:lnRef>
+          <a:fillRef idx="0">
+            <a:schemeClr val="dk1"/>
+          </a:fillRef>
+          <a:effectRef idx="0">
+            <a:schemeClr val="dk1"/>
+          </a:effectRef>
+          <a:fontRef idx="minor">
+            <a:schemeClr val="tx1"/>
+          </a:fontRef>
+        </p:style>
+      </p:cxnSp>
+      <p:cxnSp>
+        <p:nvCxnSpPr>
+          <p:cNvPr id="24" name="直線コネクタ 23">
+            <a:extLst>
+              <a:ext uri="{FF2B5EF4-FFF2-40B4-BE49-F238E27FC236}">
+                <a16:creationId xmlns:a16="http://schemas.microsoft.com/office/drawing/2014/main" id="{76C94130-C723-DD51-1926-73E47120B522}"/>
+              </a:ext>
+            </a:extLst>
+          </p:cNvPr>
+          <p:cNvCxnSpPr>
+            <a:cxnSpLocks/>
+          </p:cNvCxnSpPr>
+          <p:nvPr/>
+        </p:nvCxnSpPr>
+        <p:spPr>
+          <a:xfrm>
+            <a:off x="5036075" y="3903354"/>
+            <a:ext cx="567204" cy="0"/>
+          </a:xfrm>
+          <a:prstGeom prst="line">
+            <a:avLst/>
+          </a:prstGeom>
+          <a:ln w="12700"/>
+        </p:spPr>
+        <p:style>
+          <a:lnRef idx="1">
+            <a:schemeClr val="dk1"/>
+          </a:lnRef>
+          <a:fillRef idx="0">
+            <a:schemeClr val="dk1"/>
+          </a:fillRef>
+          <a:effectRef idx="0">
+            <a:schemeClr val="dk1"/>
+          </a:effectRef>
+          <a:fontRef idx="minor">
+            <a:schemeClr val="tx1"/>
+          </a:fontRef>
+        </p:style>
+      </p:cxnSp>
+      <p:cxnSp>
+        <p:nvCxnSpPr>
+          <p:cNvPr id="26" name="直線矢印コネクタ 25">
+            <a:extLst>
+              <a:ext uri="{FF2B5EF4-FFF2-40B4-BE49-F238E27FC236}">
+                <a16:creationId xmlns:a16="http://schemas.microsoft.com/office/drawing/2014/main" id="{C61A63A4-9406-C410-7FA6-2E7E31D648B3}"/>
+              </a:ext>
+            </a:extLst>
+          </p:cNvPr>
+          <p:cNvCxnSpPr>
+            <a:stCxn id="16" idx="6"/>
+            <a:endCxn id="18" idx="1"/>
+          </p:cNvCxnSpPr>
+          <p:nvPr/>
+        </p:nvCxnSpPr>
+        <p:spPr>
+          <a:xfrm>
+            <a:off x="3004457" y="2357585"/>
+            <a:ext cx="1121029" cy="3187"/>
+          </a:xfrm>
+          <a:prstGeom prst="straightConnector1">
+            <a:avLst/>
+          </a:prstGeom>
+          <a:ln w="12700">
+            <a:tailEnd type="triangle"/>
+          </a:ln>
+        </p:spPr>
+        <p:style>
+          <a:lnRef idx="1">
+            <a:schemeClr val="dk1"/>
+          </a:lnRef>
+          <a:fillRef idx="0">
+            <a:schemeClr val="dk1"/>
+          </a:fillRef>
+          <a:effectRef idx="0">
+            <a:schemeClr val="dk1"/>
+          </a:effectRef>
+          <a:fontRef idx="minor">
+            <a:schemeClr val="tx1"/>
+          </a:fontRef>
+        </p:style>
+      </p:cxnSp>
+      <p:cxnSp>
+        <p:nvCxnSpPr>
+          <p:cNvPr id="35" name="直線コネクタ 34">
+            <a:extLst>
+              <a:ext uri="{FF2B5EF4-FFF2-40B4-BE49-F238E27FC236}">
+                <a16:creationId xmlns:a16="http://schemas.microsoft.com/office/drawing/2014/main" id="{864D2B56-87C5-C92B-D033-E6748307CD80}"/>
+              </a:ext>
+            </a:extLst>
+          </p:cNvPr>
+          <p:cNvCxnSpPr>
+            <a:cxnSpLocks/>
+          </p:cNvCxnSpPr>
+          <p:nvPr/>
+        </p:nvCxnSpPr>
+        <p:spPr>
+          <a:xfrm flipH="1" flipV="1">
+            <a:off x="5397023" y="3412922"/>
+            <a:ext cx="213131" cy="288758"/>
+          </a:xfrm>
+          <a:prstGeom prst="line">
+            <a:avLst/>
+          </a:prstGeom>
+          <a:ln w="12700"/>
+        </p:spPr>
+        <p:style>
+          <a:lnRef idx="1">
+            <a:schemeClr val="dk1"/>
+          </a:lnRef>
+          <a:fillRef idx="0">
+            <a:schemeClr val="dk1"/>
+          </a:fillRef>
+          <a:effectRef idx="0">
+            <a:schemeClr val="dk1"/>
+          </a:effectRef>
+          <a:fontRef idx="minor">
+            <a:schemeClr val="tx1"/>
+          </a:fontRef>
+        </p:style>
+      </p:cxnSp>
+      <p:cxnSp>
+        <p:nvCxnSpPr>
+          <p:cNvPr id="37" name="直線コネクタ 36">
+            <a:extLst>
+              <a:ext uri="{FF2B5EF4-FFF2-40B4-BE49-F238E27FC236}">
+                <a16:creationId xmlns:a16="http://schemas.microsoft.com/office/drawing/2014/main" id="{E33C43BB-4420-03F0-5CB7-25EB86D3B62E}"/>
+              </a:ext>
+            </a:extLst>
+          </p:cNvPr>
+          <p:cNvCxnSpPr>
+            <a:cxnSpLocks/>
+          </p:cNvCxnSpPr>
+          <p:nvPr/>
+        </p:nvCxnSpPr>
+        <p:spPr>
+          <a:xfrm flipV="1">
+            <a:off x="5610154" y="3412922"/>
+            <a:ext cx="206256" cy="295633"/>
+          </a:xfrm>
+          <a:prstGeom prst="line">
+            <a:avLst/>
+          </a:prstGeom>
+          <a:ln w="12700"/>
+        </p:spPr>
+        <p:style>
+          <a:lnRef idx="1">
+            <a:schemeClr val="dk1"/>
+          </a:lnRef>
+          <a:fillRef idx="0">
+            <a:schemeClr val="dk1"/>
+          </a:fillRef>
+          <a:effectRef idx="0">
+            <a:schemeClr val="dk1"/>
+          </a:effectRef>
+          <a:fontRef idx="minor">
+            <a:schemeClr val="tx1"/>
+          </a:fontRef>
+        </p:style>
+      </p:cxnSp>
+      <p:cxnSp>
+        <p:nvCxnSpPr>
+          <p:cNvPr id="39" name="直線コネクタ 38">
+            <a:extLst>
+              <a:ext uri="{FF2B5EF4-FFF2-40B4-BE49-F238E27FC236}">
+                <a16:creationId xmlns:a16="http://schemas.microsoft.com/office/drawing/2014/main" id="{940A34B1-F1D0-CACD-8AF4-247217D993FF}"/>
+              </a:ext>
+            </a:extLst>
+          </p:cNvPr>
+          <p:cNvCxnSpPr>
+            <a:cxnSpLocks/>
+          </p:cNvCxnSpPr>
+          <p:nvPr/>
+        </p:nvCxnSpPr>
+        <p:spPr>
+          <a:xfrm flipH="1">
+            <a:off x="5397023" y="3412922"/>
+            <a:ext cx="419387" cy="0"/>
+          </a:xfrm>
+          <a:prstGeom prst="line">
+            <a:avLst/>
+          </a:prstGeom>
+          <a:ln w="12700"/>
+        </p:spPr>
+        <p:style>
+          <a:lnRef idx="1">
+            <a:schemeClr val="dk1"/>
+          </a:lnRef>
+          <a:fillRef idx="0">
+            <a:schemeClr val="dk1"/>
+          </a:fillRef>
+          <a:effectRef idx="0">
+            <a:schemeClr val="dk1"/>
+          </a:effectRef>
+          <a:fontRef idx="minor">
+            <a:schemeClr val="tx1"/>
+          </a:fontRef>
+        </p:style>
+      </p:cxnSp>
+      <p:cxnSp>
+        <p:nvCxnSpPr>
+          <p:cNvPr id="42" name="直線コネクタ 41">
+            <a:extLst>
+              <a:ext uri="{FF2B5EF4-FFF2-40B4-BE49-F238E27FC236}">
+                <a16:creationId xmlns:a16="http://schemas.microsoft.com/office/drawing/2014/main" id="{E1A45F0B-9CCC-552D-73D3-6783CCF6C653}"/>
+              </a:ext>
+            </a:extLst>
+          </p:cNvPr>
+          <p:cNvCxnSpPr>
+            <a:cxnSpLocks/>
+          </p:cNvCxnSpPr>
+          <p:nvPr/>
+        </p:nvCxnSpPr>
+        <p:spPr>
+          <a:xfrm>
+            <a:off x="5610154" y="3406047"/>
+            <a:ext cx="0" cy="508764"/>
+          </a:xfrm>
+          <a:prstGeom prst="line">
+            <a:avLst/>
+          </a:prstGeom>
+          <a:ln w="12700"/>
+        </p:spPr>
+        <p:style>
+          <a:lnRef idx="1">
+            <a:schemeClr val="dk1"/>
+          </a:lnRef>
+          <a:fillRef idx="0">
+            <a:schemeClr val="dk1"/>
+          </a:fillRef>
+          <a:effectRef idx="0">
+            <a:schemeClr val="dk1"/>
+          </a:effectRef>
+          <a:fontRef idx="minor">
+            <a:schemeClr val="tx1"/>
+          </a:fontRef>
+        </p:style>
+      </p:cxnSp>
+      <p:cxnSp>
+        <p:nvCxnSpPr>
+          <p:cNvPr id="43" name="直線コネクタ 42">
+            <a:extLst>
+              <a:ext uri="{FF2B5EF4-FFF2-40B4-BE49-F238E27FC236}">
+                <a16:creationId xmlns:a16="http://schemas.microsoft.com/office/drawing/2014/main" id="{C30903F6-0205-DA94-4F74-F50F59D4FD85}"/>
+              </a:ext>
+            </a:extLst>
+          </p:cNvPr>
+          <p:cNvCxnSpPr>
+            <a:cxnSpLocks/>
+          </p:cNvCxnSpPr>
+          <p:nvPr/>
+        </p:nvCxnSpPr>
+        <p:spPr>
+          <a:xfrm flipH="1" flipV="1">
+            <a:off x="5398172" y="1585265"/>
+            <a:ext cx="213131" cy="288758"/>
+          </a:xfrm>
+          <a:prstGeom prst="line">
+            <a:avLst/>
+          </a:prstGeom>
+          <a:ln w="12700"/>
+        </p:spPr>
+        <p:style>
+          <a:lnRef idx="1">
+            <a:schemeClr val="dk1"/>
+          </a:lnRef>
+          <a:fillRef idx="0">
+            <a:schemeClr val="dk1"/>
+          </a:fillRef>
+          <a:effectRef idx="0">
+            <a:schemeClr val="dk1"/>
+          </a:effectRef>
+          <a:fontRef idx="minor">
+            <a:schemeClr val="tx1"/>
+          </a:fontRef>
+        </p:style>
+      </p:cxnSp>
+      <p:cxnSp>
+        <p:nvCxnSpPr>
+          <p:cNvPr id="44" name="直線コネクタ 43">
+            <a:extLst>
+              <a:ext uri="{FF2B5EF4-FFF2-40B4-BE49-F238E27FC236}">
+                <a16:creationId xmlns:a16="http://schemas.microsoft.com/office/drawing/2014/main" id="{BD76BFA3-16CB-9D1A-9F76-3FF12DA19D03}"/>
+              </a:ext>
+            </a:extLst>
+          </p:cNvPr>
+          <p:cNvCxnSpPr>
+            <a:cxnSpLocks/>
+          </p:cNvCxnSpPr>
+          <p:nvPr/>
+        </p:nvCxnSpPr>
+        <p:spPr>
+          <a:xfrm flipV="1">
+            <a:off x="5611303" y="1585265"/>
+            <a:ext cx="206256" cy="295633"/>
+          </a:xfrm>
+          <a:prstGeom prst="line">
+            <a:avLst/>
+          </a:prstGeom>
+          <a:ln w="12700"/>
+        </p:spPr>
+        <p:style>
+          <a:lnRef idx="1">
+            <a:schemeClr val="dk1"/>
+          </a:lnRef>
+          <a:fillRef idx="0">
+            <a:schemeClr val="dk1"/>
+          </a:fillRef>
+          <a:effectRef idx="0">
+            <a:schemeClr val="dk1"/>
+          </a:effectRef>
+          <a:fontRef idx="minor">
+            <a:schemeClr val="tx1"/>
+          </a:fontRef>
+        </p:style>
+      </p:cxnSp>
+      <p:cxnSp>
+        <p:nvCxnSpPr>
+          <p:cNvPr id="45" name="直線コネクタ 44">
+            <a:extLst>
+              <a:ext uri="{FF2B5EF4-FFF2-40B4-BE49-F238E27FC236}">
+                <a16:creationId xmlns:a16="http://schemas.microsoft.com/office/drawing/2014/main" id="{F4970855-9CFF-AB62-4906-4AC1539249A7}"/>
+              </a:ext>
+            </a:extLst>
+          </p:cNvPr>
+          <p:cNvCxnSpPr>
+            <a:cxnSpLocks/>
+          </p:cNvCxnSpPr>
+          <p:nvPr/>
+        </p:nvCxnSpPr>
+        <p:spPr>
+          <a:xfrm flipH="1">
+            <a:off x="5398172" y="1585265"/>
+            <a:ext cx="419387" cy="0"/>
+          </a:xfrm>
+          <a:prstGeom prst="line">
+            <a:avLst/>
+          </a:prstGeom>
+          <a:ln w="12700"/>
+        </p:spPr>
+        <p:style>
+          <a:lnRef idx="1">
+            <a:schemeClr val="dk1"/>
+          </a:lnRef>
+          <a:fillRef idx="0">
+            <a:schemeClr val="dk1"/>
+          </a:fillRef>
+          <a:effectRef idx="0">
+            <a:schemeClr val="dk1"/>
+          </a:effectRef>
+          <a:fontRef idx="minor">
+            <a:schemeClr val="tx1"/>
+          </a:fontRef>
+        </p:style>
+      </p:cxnSp>
+      <p:cxnSp>
+        <p:nvCxnSpPr>
+          <p:cNvPr id="46" name="直線コネクタ 45">
+            <a:extLst>
+              <a:ext uri="{FF2B5EF4-FFF2-40B4-BE49-F238E27FC236}">
+                <a16:creationId xmlns:a16="http://schemas.microsoft.com/office/drawing/2014/main" id="{3576AC30-67FB-AB58-13A2-7E3020C24B71}"/>
+              </a:ext>
+            </a:extLst>
+          </p:cNvPr>
+          <p:cNvCxnSpPr>
+            <a:cxnSpLocks/>
+          </p:cNvCxnSpPr>
+          <p:nvPr/>
+        </p:nvCxnSpPr>
+        <p:spPr>
+          <a:xfrm>
+            <a:off x="5611303" y="1585265"/>
+            <a:ext cx="0" cy="508764"/>
+          </a:xfrm>
+          <a:prstGeom prst="line">
+            <a:avLst/>
+          </a:prstGeom>
+          <a:ln w="12700"/>
+        </p:spPr>
+        <p:style>
+          <a:lnRef idx="1">
+            <a:schemeClr val="dk1"/>
+          </a:lnRef>
+          <a:fillRef idx="0">
+            <a:schemeClr val="dk1"/>
+          </a:fillRef>
+          <a:effectRef idx="0">
+            <a:schemeClr val="dk1"/>
+          </a:effectRef>
+          <a:fontRef idx="minor">
+            <a:schemeClr val="tx1"/>
+          </a:fontRef>
+        </p:style>
+      </p:cxnSp>
+      <p:cxnSp>
+        <p:nvCxnSpPr>
+          <p:cNvPr id="47" name="直線コネクタ 46">
+            <a:extLst>
+              <a:ext uri="{FF2B5EF4-FFF2-40B4-BE49-F238E27FC236}">
+                <a16:creationId xmlns:a16="http://schemas.microsoft.com/office/drawing/2014/main" id="{8596FF56-DD7B-5E65-AD44-29B944BB0786}"/>
+              </a:ext>
+            </a:extLst>
+          </p:cNvPr>
+          <p:cNvCxnSpPr>
+            <a:cxnSpLocks/>
+          </p:cNvCxnSpPr>
+          <p:nvPr/>
+        </p:nvCxnSpPr>
+        <p:spPr>
+          <a:xfrm flipH="1" flipV="1">
+            <a:off x="5398168" y="2822802"/>
+            <a:ext cx="213131" cy="288758"/>
+          </a:xfrm>
+          <a:prstGeom prst="line">
+            <a:avLst/>
+          </a:prstGeom>
+          <a:ln w="12700"/>
+        </p:spPr>
+        <p:style>
+          <a:lnRef idx="1">
+            <a:schemeClr val="dk1"/>
+          </a:lnRef>
+          <a:fillRef idx="0">
+            <a:schemeClr val="dk1"/>
+          </a:fillRef>
+          <a:effectRef idx="0">
+            <a:schemeClr val="dk1"/>
+          </a:effectRef>
+          <a:fontRef idx="minor">
+            <a:schemeClr val="tx1"/>
+          </a:fontRef>
+        </p:style>
+      </p:cxnSp>
+      <p:cxnSp>
+        <p:nvCxnSpPr>
+          <p:cNvPr id="48" name="直線コネクタ 47">
+            <a:extLst>
+              <a:ext uri="{FF2B5EF4-FFF2-40B4-BE49-F238E27FC236}">
+                <a16:creationId xmlns:a16="http://schemas.microsoft.com/office/drawing/2014/main" id="{2B049747-A938-3EF1-CC7E-4EB40B106D58}"/>
+              </a:ext>
+            </a:extLst>
+          </p:cNvPr>
+          <p:cNvCxnSpPr>
+            <a:cxnSpLocks/>
+          </p:cNvCxnSpPr>
+          <p:nvPr/>
+        </p:nvCxnSpPr>
+        <p:spPr>
+          <a:xfrm flipV="1">
+            <a:off x="5611299" y="2822802"/>
+            <a:ext cx="206256" cy="295633"/>
+          </a:xfrm>
+          <a:prstGeom prst="line">
+            <a:avLst/>
+          </a:prstGeom>
+          <a:ln w="12700"/>
+        </p:spPr>
+        <p:style>
+          <a:lnRef idx="1">
+            <a:schemeClr val="dk1"/>
+          </a:lnRef>
+          <a:fillRef idx="0">
+            <a:schemeClr val="dk1"/>
+          </a:fillRef>
+          <a:effectRef idx="0">
+            <a:schemeClr val="dk1"/>
+          </a:effectRef>
+          <a:fontRef idx="minor">
+            <a:schemeClr val="tx1"/>
+          </a:fontRef>
+        </p:style>
+      </p:cxnSp>
+      <p:cxnSp>
+        <p:nvCxnSpPr>
+          <p:cNvPr id="49" name="直線コネクタ 48">
+            <a:extLst>
+              <a:ext uri="{FF2B5EF4-FFF2-40B4-BE49-F238E27FC236}">
+                <a16:creationId xmlns:a16="http://schemas.microsoft.com/office/drawing/2014/main" id="{CDEE0FBF-C4C9-A069-6A0B-BB890FA8D00F}"/>
+              </a:ext>
+            </a:extLst>
+          </p:cNvPr>
+          <p:cNvCxnSpPr>
+            <a:cxnSpLocks/>
+          </p:cNvCxnSpPr>
+          <p:nvPr/>
+        </p:nvCxnSpPr>
+        <p:spPr>
+          <a:xfrm flipH="1">
+            <a:off x="5398168" y="2829679"/>
+            <a:ext cx="419387" cy="0"/>
+          </a:xfrm>
+          <a:prstGeom prst="line">
+            <a:avLst/>
+          </a:prstGeom>
+          <a:ln w="12700"/>
+        </p:spPr>
+        <p:style>
+          <a:lnRef idx="1">
+            <a:schemeClr val="dk1"/>
+          </a:lnRef>
+          <a:fillRef idx="0">
+            <a:schemeClr val="dk1"/>
+          </a:fillRef>
+          <a:effectRef idx="0">
+            <a:schemeClr val="dk1"/>
+          </a:effectRef>
+          <a:fontRef idx="minor">
+            <a:schemeClr val="tx1"/>
+          </a:fontRef>
+        </p:style>
+      </p:cxnSp>
+      <p:cxnSp>
+        <p:nvCxnSpPr>
+          <p:cNvPr id="50" name="直線コネクタ 49">
+            <a:extLst>
+              <a:ext uri="{FF2B5EF4-FFF2-40B4-BE49-F238E27FC236}">
+                <a16:creationId xmlns:a16="http://schemas.microsoft.com/office/drawing/2014/main" id="{EDF4FAB9-1A0D-96D6-90E7-B712E5DA2953}"/>
+              </a:ext>
+            </a:extLst>
+          </p:cNvPr>
+          <p:cNvCxnSpPr>
+            <a:cxnSpLocks/>
+          </p:cNvCxnSpPr>
+          <p:nvPr/>
+        </p:nvCxnSpPr>
+        <p:spPr>
+          <a:xfrm>
+            <a:off x="5611299" y="2822802"/>
+            <a:ext cx="0" cy="508764"/>
+          </a:xfrm>
+          <a:prstGeom prst="line">
+            <a:avLst/>
+          </a:prstGeom>
+          <a:ln w="12700"/>
+        </p:spPr>
+        <p:style>
+          <a:lnRef idx="1">
+            <a:schemeClr val="dk1"/>
+          </a:lnRef>
+          <a:fillRef idx="0">
+            <a:schemeClr val="dk1"/>
+          </a:fillRef>
+          <a:effectRef idx="0">
+            <a:schemeClr val="dk1"/>
+          </a:effectRef>
+          <a:fontRef idx="minor">
+            <a:schemeClr val="tx1"/>
+          </a:fontRef>
+        </p:style>
+      </p:cxnSp>
+      <p:cxnSp>
+        <p:nvCxnSpPr>
+          <p:cNvPr id="51" name="直線コネクタ 50">
+            <a:extLst>
+              <a:ext uri="{FF2B5EF4-FFF2-40B4-BE49-F238E27FC236}">
+                <a16:creationId xmlns:a16="http://schemas.microsoft.com/office/drawing/2014/main" id="{8DB53E89-1074-234A-76B6-8DE04C72E2EE}"/>
+              </a:ext>
+            </a:extLst>
+          </p:cNvPr>
+          <p:cNvCxnSpPr>
+            <a:cxnSpLocks/>
+          </p:cNvCxnSpPr>
+          <p:nvPr/>
+        </p:nvCxnSpPr>
+        <p:spPr>
+          <a:xfrm flipH="1" flipV="1">
+            <a:off x="5399311" y="2150180"/>
+            <a:ext cx="213131" cy="288758"/>
+          </a:xfrm>
+          <a:prstGeom prst="line">
+            <a:avLst/>
+          </a:prstGeom>
+          <a:ln w="12700"/>
+        </p:spPr>
+        <p:style>
+          <a:lnRef idx="1">
+            <a:schemeClr val="dk1"/>
+          </a:lnRef>
+          <a:fillRef idx="0">
+            <a:schemeClr val="dk1"/>
+          </a:fillRef>
+          <a:effectRef idx="0">
+            <a:schemeClr val="dk1"/>
+          </a:effectRef>
+          <a:fontRef idx="minor">
+            <a:schemeClr val="tx1"/>
+          </a:fontRef>
+        </p:style>
+      </p:cxnSp>
+      <p:cxnSp>
+        <p:nvCxnSpPr>
+          <p:cNvPr id="52" name="直線コネクタ 51">
+            <a:extLst>
+              <a:ext uri="{FF2B5EF4-FFF2-40B4-BE49-F238E27FC236}">
+                <a16:creationId xmlns:a16="http://schemas.microsoft.com/office/drawing/2014/main" id="{FA422586-B405-3FBD-876E-E83AF826675F}"/>
+              </a:ext>
+            </a:extLst>
+          </p:cNvPr>
+          <p:cNvCxnSpPr>
+            <a:cxnSpLocks/>
+          </p:cNvCxnSpPr>
+          <p:nvPr/>
+        </p:nvCxnSpPr>
+        <p:spPr>
+          <a:xfrm flipV="1">
+            <a:off x="5612442" y="2150180"/>
+            <a:ext cx="206256" cy="295633"/>
+          </a:xfrm>
+          <a:prstGeom prst="line">
+            <a:avLst/>
+          </a:prstGeom>
+          <a:ln w="12700"/>
+        </p:spPr>
+        <p:style>
+          <a:lnRef idx="1">
+            <a:schemeClr val="dk1"/>
+          </a:lnRef>
+          <a:fillRef idx="0">
+            <a:schemeClr val="dk1"/>
+          </a:fillRef>
+          <a:effectRef idx="0">
+            <a:schemeClr val="dk1"/>
+          </a:effectRef>
+          <a:fontRef idx="minor">
+            <a:schemeClr val="tx1"/>
+          </a:fontRef>
+        </p:style>
+      </p:cxnSp>
+      <p:cxnSp>
+        <p:nvCxnSpPr>
+          <p:cNvPr id="53" name="直線コネクタ 52">
+            <a:extLst>
+              <a:ext uri="{FF2B5EF4-FFF2-40B4-BE49-F238E27FC236}">
+                <a16:creationId xmlns:a16="http://schemas.microsoft.com/office/drawing/2014/main" id="{97AF1B79-EC1A-C3CF-7C08-70DF81C9C7D4}"/>
+              </a:ext>
+            </a:extLst>
+          </p:cNvPr>
+          <p:cNvCxnSpPr>
+            <a:cxnSpLocks/>
+          </p:cNvCxnSpPr>
+          <p:nvPr/>
+        </p:nvCxnSpPr>
+        <p:spPr>
+          <a:xfrm flipH="1">
+            <a:off x="5399311" y="2150180"/>
+            <a:ext cx="419387" cy="0"/>
+          </a:xfrm>
+          <a:prstGeom prst="line">
+            <a:avLst/>
+          </a:prstGeom>
+          <a:ln w="12700"/>
+        </p:spPr>
+        <p:style>
+          <a:lnRef idx="1">
+            <a:schemeClr val="dk1"/>
+          </a:lnRef>
+          <a:fillRef idx="0">
+            <a:schemeClr val="dk1"/>
+          </a:fillRef>
+          <a:effectRef idx="0">
+            <a:schemeClr val="dk1"/>
+          </a:effectRef>
+          <a:fontRef idx="minor">
+            <a:schemeClr val="tx1"/>
+          </a:fontRef>
+        </p:style>
+      </p:cxnSp>
+      <p:cxnSp>
+        <p:nvCxnSpPr>
+          <p:cNvPr id="54" name="直線コネクタ 53">
+            <a:extLst>
+              <a:ext uri="{FF2B5EF4-FFF2-40B4-BE49-F238E27FC236}">
+                <a16:creationId xmlns:a16="http://schemas.microsoft.com/office/drawing/2014/main" id="{D1C9F109-7263-9E11-0D7F-7A39A7108C5B}"/>
+              </a:ext>
+            </a:extLst>
+          </p:cNvPr>
+          <p:cNvCxnSpPr>
+            <a:cxnSpLocks/>
+          </p:cNvCxnSpPr>
+          <p:nvPr/>
+        </p:nvCxnSpPr>
+        <p:spPr>
+          <a:xfrm>
+            <a:off x="5612442" y="2143305"/>
+            <a:ext cx="0" cy="508764"/>
+          </a:xfrm>
+          <a:prstGeom prst="line">
+            <a:avLst/>
+          </a:prstGeom>
+          <a:ln w="12700"/>
+        </p:spPr>
+        <p:style>
+          <a:lnRef idx="1">
+            <a:schemeClr val="dk1"/>
+          </a:lnRef>
+          <a:fillRef idx="0">
+            <a:schemeClr val="dk1"/>
+          </a:fillRef>
+          <a:effectRef idx="0">
+            <a:schemeClr val="dk1"/>
+          </a:effectRef>
+          <a:fontRef idx="minor">
+            <a:schemeClr val="tx1"/>
+          </a:fontRef>
+        </p:style>
+      </p:cxnSp>
+      <p:sp>
+        <p:nvSpPr>
+          <p:cNvPr id="55" name="テキスト ボックス 54">
+            <a:extLst>
+              <a:ext uri="{FF2B5EF4-FFF2-40B4-BE49-F238E27FC236}">
+                <a16:creationId xmlns:a16="http://schemas.microsoft.com/office/drawing/2014/main" id="{42BD435F-823A-DC3A-4590-548FA73F21DD}"/>
+              </a:ext>
+            </a:extLst>
+          </p:cNvPr>
+          <p:cNvSpPr txBox="1"/>
+          <p:nvPr/>
+        </p:nvSpPr>
+        <p:spPr>
+          <a:xfrm>
+            <a:off x="5826422" y="1099427"/>
+            <a:ext cx="421910" cy="954107"/>
+          </a:xfrm>
+          <a:prstGeom prst="rect">
+            <a:avLst/>
+          </a:prstGeom>
+          <a:noFill/>
+        </p:spPr>
+        <p:txBody>
+          <a:bodyPr wrap="square" rtlCol="0">
+            <a:spAutoFit/>
+          </a:bodyPr>
+          <a:lstStyle/>
+          <a:p>
+            <a:r>
+              <a:rPr kumimoji="1" lang="en-US" altLang="ja-JP" sz="2800" dirty="0"/>
+              <a:t> H</a:t>
+            </a:r>
+            <a:endParaRPr kumimoji="1" lang="ja-JP" altLang="en-US" sz="2800"/>
+          </a:p>
+        </p:txBody>
+      </p:sp>
+      <p:sp>
+        <p:nvSpPr>
+          <p:cNvPr id="56" name="テキスト ボックス 55">
+            <a:extLst>
+              <a:ext uri="{FF2B5EF4-FFF2-40B4-BE49-F238E27FC236}">
+                <a16:creationId xmlns:a16="http://schemas.microsoft.com/office/drawing/2014/main" id="{22A8BAE7-641A-B4F7-0E6E-D8F5F3BA6E28}"/>
+              </a:ext>
+            </a:extLst>
+          </p:cNvPr>
+          <p:cNvSpPr txBox="1"/>
+          <p:nvPr/>
+        </p:nvSpPr>
+        <p:spPr>
+          <a:xfrm>
+            <a:off x="5847327" y="2196981"/>
+            <a:ext cx="333746" cy="523220"/>
+          </a:xfrm>
+          <a:prstGeom prst="rect">
+            <a:avLst/>
+          </a:prstGeom>
+          <a:noFill/>
+        </p:spPr>
+        <p:txBody>
+          <a:bodyPr wrap="square" rtlCol="0">
+            <a:spAutoFit/>
+          </a:bodyPr>
+          <a:lstStyle/>
+          <a:p>
+            <a:r>
+              <a:rPr kumimoji="1" lang="en-US" altLang="ja-JP" sz="2800" dirty="0"/>
+              <a:t>V</a:t>
+            </a:r>
+            <a:endParaRPr kumimoji="1" lang="ja-JP" altLang="en-US" sz="2800"/>
+          </a:p>
+        </p:txBody>
+      </p:sp>
+      <p:sp>
+        <p:nvSpPr>
+          <p:cNvPr id="57" name="テキスト ボックス 56">
+            <a:extLst>
+              <a:ext uri="{FF2B5EF4-FFF2-40B4-BE49-F238E27FC236}">
+                <a16:creationId xmlns:a16="http://schemas.microsoft.com/office/drawing/2014/main" id="{304C7F11-1AB3-F604-5F03-F44079DE90D6}"/>
+              </a:ext>
+            </a:extLst>
+          </p:cNvPr>
+          <p:cNvSpPr txBox="1"/>
+          <p:nvPr/>
+        </p:nvSpPr>
+        <p:spPr>
+          <a:xfrm>
+            <a:off x="5834795" y="2813217"/>
+            <a:ext cx="356188" cy="523220"/>
+          </a:xfrm>
+          <a:prstGeom prst="rect">
+            <a:avLst/>
+          </a:prstGeom>
+          <a:noFill/>
+        </p:spPr>
+        <p:txBody>
+          <a:bodyPr wrap="square" rtlCol="0">
+            <a:spAutoFit/>
+          </a:bodyPr>
+          <a:lstStyle/>
+          <a:p>
+            <a:r>
+              <a:rPr kumimoji="1" lang="en-US" altLang="ja-JP" sz="2800" dirty="0"/>
+              <a:t>H</a:t>
+            </a:r>
+            <a:endParaRPr kumimoji="1" lang="ja-JP" altLang="en-US" sz="2800"/>
+          </a:p>
+        </p:txBody>
+      </p:sp>
+      <p:sp>
+        <p:nvSpPr>
+          <p:cNvPr id="58" name="テキスト ボックス 57">
+            <a:extLst>
+              <a:ext uri="{FF2B5EF4-FFF2-40B4-BE49-F238E27FC236}">
+                <a16:creationId xmlns:a16="http://schemas.microsoft.com/office/drawing/2014/main" id="{BC18D15A-D3D6-05C0-87E0-A399EFDAE883}"/>
+              </a:ext>
+            </a:extLst>
+          </p:cNvPr>
+          <p:cNvSpPr txBox="1"/>
+          <p:nvPr/>
+        </p:nvSpPr>
+        <p:spPr>
+          <a:xfrm>
+            <a:off x="5854202" y="3442351"/>
+            <a:ext cx="333746" cy="523220"/>
+          </a:xfrm>
+          <a:prstGeom prst="rect">
+            <a:avLst/>
+          </a:prstGeom>
+          <a:noFill/>
+        </p:spPr>
+        <p:txBody>
+          <a:bodyPr wrap="square" rtlCol="0">
+            <a:spAutoFit/>
+          </a:bodyPr>
+          <a:lstStyle/>
+          <a:p>
+            <a:r>
+              <a:rPr kumimoji="1" lang="en-US" altLang="ja-JP" sz="2800" dirty="0"/>
+              <a:t>V</a:t>
+            </a:r>
+            <a:endParaRPr kumimoji="1" lang="ja-JP" altLang="en-US" sz="2800"/>
+          </a:p>
+        </p:txBody>
+      </p:sp>
+      <p:sp>
+        <p:nvSpPr>
+          <p:cNvPr id="61" name="フリーフォーム 60">
+            <a:extLst>
+              <a:ext uri="{FF2B5EF4-FFF2-40B4-BE49-F238E27FC236}">
+                <a16:creationId xmlns:a16="http://schemas.microsoft.com/office/drawing/2014/main" id="{AAFA6855-7B0E-77FA-9057-220208A2A6CF}"/>
+              </a:ext>
+            </a:extLst>
+          </p:cNvPr>
+          <p:cNvSpPr/>
+          <p:nvPr/>
+        </p:nvSpPr>
+        <p:spPr>
+          <a:xfrm>
+            <a:off x="6969411" y="1851644"/>
+            <a:ext cx="172766" cy="605016"/>
+          </a:xfrm>
+          <a:custGeom>
+            <a:avLst/>
+            <a:gdLst>
+              <a:gd name="connsiteX0" fmla="*/ 130629 w 172766"/>
+              <a:gd name="connsiteY0" fmla="*/ 0 h 605016"/>
+              <a:gd name="connsiteX1" fmla="*/ 165005 w 172766"/>
+              <a:gd name="connsiteY1" fmla="*/ 330009 h 605016"/>
+              <a:gd name="connsiteX2" fmla="*/ 0 w 172766"/>
+              <a:gd name="connsiteY2" fmla="*/ 605016 h 605016"/>
+            </a:gdLst>
+            <a:ahLst/>
+            <a:cxnLst>
+              <a:cxn ang="0">
+                <a:pos x="connsiteX0" y="connsiteY0"/>
+              </a:cxn>
+              <a:cxn ang="0">
+                <a:pos x="connsiteX1" y="connsiteY1"/>
+              </a:cxn>
+              <a:cxn ang="0">
+                <a:pos x="connsiteX2" y="connsiteY2"/>
+              </a:cxn>
+            </a:cxnLst>
+            <a:rect l="l" t="t" r="r" b="b"/>
+            <a:pathLst>
+              <a:path w="172766" h="605016">
+                <a:moveTo>
+                  <a:pt x="130629" y="0"/>
+                </a:moveTo>
+                <a:cubicBezTo>
+                  <a:pt x="158703" y="114586"/>
+                  <a:pt x="186777" y="229173"/>
+                  <a:pt x="165005" y="330009"/>
+                </a:cubicBezTo>
+                <a:cubicBezTo>
+                  <a:pt x="143234" y="430845"/>
+                  <a:pt x="26355" y="560327"/>
+                  <a:pt x="0" y="605016"/>
+                </a:cubicBezTo>
+              </a:path>
+            </a:pathLst>
+          </a:custGeom>
+          <a:noFill/>
+        </p:spPr>
+        <p:style>
+          <a:lnRef idx="2">
+            <a:schemeClr val="dk1"/>
+          </a:lnRef>
+          <a:fillRef idx="1">
+            <a:schemeClr val="lt1"/>
+          </a:fillRef>
+          <a:effectRef idx="0">
+            <a:schemeClr val="dk1"/>
+          </a:effectRef>
+          <a:fontRef idx="minor">
+            <a:schemeClr val="dk1"/>
+          </a:fontRef>
+        </p:style>
+        <p:txBody>
+          <a:bodyPr rtlCol="0" anchor="ctr"/>
+          <a:lstStyle/>
+          <a:p>
+            <a:pPr algn="ctr"/>
+            <a:endParaRPr kumimoji="1" lang="ja-JP" altLang="en-US"/>
+          </a:p>
+        </p:txBody>
+      </p:sp>
+      <p:sp>
+        <p:nvSpPr>
+          <p:cNvPr id="62" name="フリーフォーム 61">
+            <a:extLst>
+              <a:ext uri="{FF2B5EF4-FFF2-40B4-BE49-F238E27FC236}">
+                <a16:creationId xmlns:a16="http://schemas.microsoft.com/office/drawing/2014/main" id="{AC0155E0-0D55-E60D-9B5A-0EC63E967E0E}"/>
+              </a:ext>
+            </a:extLst>
+          </p:cNvPr>
+          <p:cNvSpPr/>
+          <p:nvPr/>
+        </p:nvSpPr>
+        <p:spPr>
+          <a:xfrm>
+            <a:off x="7190561" y="1942169"/>
+            <a:ext cx="172766" cy="605016"/>
+          </a:xfrm>
+          <a:custGeom>
+            <a:avLst/>
+            <a:gdLst>
+              <a:gd name="connsiteX0" fmla="*/ 130629 w 172766"/>
+              <a:gd name="connsiteY0" fmla="*/ 0 h 605016"/>
+              <a:gd name="connsiteX1" fmla="*/ 165005 w 172766"/>
+              <a:gd name="connsiteY1" fmla="*/ 330009 h 605016"/>
+              <a:gd name="connsiteX2" fmla="*/ 0 w 172766"/>
+              <a:gd name="connsiteY2" fmla="*/ 605016 h 605016"/>
+            </a:gdLst>
+            <a:ahLst/>
+            <a:cxnLst>
+              <a:cxn ang="0">
+                <a:pos x="connsiteX0" y="connsiteY0"/>
+              </a:cxn>
+              <a:cxn ang="0">
+                <a:pos x="connsiteX1" y="connsiteY1"/>
+              </a:cxn>
+              <a:cxn ang="0">
+                <a:pos x="connsiteX2" y="connsiteY2"/>
+              </a:cxn>
+            </a:cxnLst>
+            <a:rect l="l" t="t" r="r" b="b"/>
+            <a:pathLst>
+              <a:path w="172766" h="605016">
+                <a:moveTo>
+                  <a:pt x="130629" y="0"/>
+                </a:moveTo>
+                <a:cubicBezTo>
+                  <a:pt x="158703" y="114586"/>
+                  <a:pt x="186777" y="229173"/>
+                  <a:pt x="165005" y="330009"/>
+                </a:cubicBezTo>
+                <a:cubicBezTo>
+                  <a:pt x="143234" y="430845"/>
+                  <a:pt x="26355" y="560327"/>
+                  <a:pt x="0" y="605016"/>
+                </a:cubicBezTo>
+              </a:path>
+            </a:pathLst>
+          </a:custGeom>
+          <a:noFill/>
+        </p:spPr>
+        <p:style>
+          <a:lnRef idx="2">
+            <a:schemeClr val="dk1"/>
+          </a:lnRef>
+          <a:fillRef idx="1">
+            <a:schemeClr val="lt1"/>
+          </a:fillRef>
+          <a:effectRef idx="0">
+            <a:schemeClr val="dk1"/>
+          </a:effectRef>
+          <a:fontRef idx="minor">
+            <a:schemeClr val="dk1"/>
+          </a:fontRef>
+        </p:style>
+        <p:txBody>
+          <a:bodyPr rtlCol="0" anchor="ctr"/>
+          <a:lstStyle/>
+          <a:p>
+            <a:pPr algn="ctr"/>
+            <a:endParaRPr kumimoji="1" lang="ja-JP" altLang="en-US"/>
+          </a:p>
+        </p:txBody>
+      </p:sp>
+      <p:sp>
+        <p:nvSpPr>
+          <p:cNvPr id="64" name="フリーフォーム 63">
+            <a:extLst>
+              <a:ext uri="{FF2B5EF4-FFF2-40B4-BE49-F238E27FC236}">
+                <a16:creationId xmlns:a16="http://schemas.microsoft.com/office/drawing/2014/main" id="{B5B71CDC-8D81-708E-FDED-C6A001DF7243}"/>
+              </a:ext>
+            </a:extLst>
+          </p:cNvPr>
+          <p:cNvSpPr/>
+          <p:nvPr/>
+        </p:nvSpPr>
+        <p:spPr>
+          <a:xfrm>
+            <a:off x="7418587" y="2046446"/>
+            <a:ext cx="172766" cy="605016"/>
+          </a:xfrm>
+          <a:custGeom>
+            <a:avLst/>
+            <a:gdLst>
+              <a:gd name="connsiteX0" fmla="*/ 130629 w 172766"/>
+              <a:gd name="connsiteY0" fmla="*/ 0 h 605016"/>
+              <a:gd name="connsiteX1" fmla="*/ 165005 w 172766"/>
+              <a:gd name="connsiteY1" fmla="*/ 330009 h 605016"/>
+              <a:gd name="connsiteX2" fmla="*/ 0 w 172766"/>
+              <a:gd name="connsiteY2" fmla="*/ 605016 h 605016"/>
+            </a:gdLst>
+            <a:ahLst/>
+            <a:cxnLst>
+              <a:cxn ang="0">
+                <a:pos x="connsiteX0" y="connsiteY0"/>
+              </a:cxn>
+              <a:cxn ang="0">
+                <a:pos x="connsiteX1" y="connsiteY1"/>
+              </a:cxn>
+              <a:cxn ang="0">
+                <a:pos x="connsiteX2" y="connsiteY2"/>
+              </a:cxn>
+            </a:cxnLst>
+            <a:rect l="l" t="t" r="r" b="b"/>
+            <a:pathLst>
+              <a:path w="172766" h="605016">
+                <a:moveTo>
+                  <a:pt x="130629" y="0"/>
+                </a:moveTo>
+                <a:cubicBezTo>
+                  <a:pt x="158703" y="114586"/>
+                  <a:pt x="186777" y="229173"/>
+                  <a:pt x="165005" y="330009"/>
+                </a:cubicBezTo>
+                <a:cubicBezTo>
+                  <a:pt x="143234" y="430845"/>
+                  <a:pt x="26355" y="560327"/>
+                  <a:pt x="0" y="605016"/>
+                </a:cubicBezTo>
+              </a:path>
+            </a:pathLst>
+          </a:custGeom>
+          <a:noFill/>
+        </p:spPr>
+        <p:style>
+          <a:lnRef idx="2">
+            <a:schemeClr val="dk1"/>
+          </a:lnRef>
+          <a:fillRef idx="1">
+            <a:schemeClr val="lt1"/>
+          </a:fillRef>
+          <a:effectRef idx="0">
+            <a:schemeClr val="dk1"/>
+          </a:effectRef>
+          <a:fontRef idx="minor">
+            <a:schemeClr val="dk1"/>
+          </a:fontRef>
+        </p:style>
+        <p:txBody>
+          <a:bodyPr rtlCol="0" anchor="ctr"/>
+          <a:lstStyle/>
+          <a:p>
+            <a:pPr algn="ctr"/>
+            <a:endParaRPr kumimoji="1" lang="ja-JP" altLang="en-US"/>
+          </a:p>
+        </p:txBody>
+      </p:sp>
+      <p:sp>
+        <p:nvSpPr>
+          <p:cNvPr id="65" name="フリーフォーム 64">
+            <a:extLst>
+              <a:ext uri="{FF2B5EF4-FFF2-40B4-BE49-F238E27FC236}">
+                <a16:creationId xmlns:a16="http://schemas.microsoft.com/office/drawing/2014/main" id="{14DF055C-EFDD-7DF5-AC46-96FF5E733C92}"/>
+              </a:ext>
+            </a:extLst>
+          </p:cNvPr>
+          <p:cNvSpPr/>
+          <p:nvPr/>
+        </p:nvSpPr>
+        <p:spPr>
+          <a:xfrm rot="21262094">
+            <a:off x="6911310" y="3123746"/>
+            <a:ext cx="140006" cy="646268"/>
+          </a:xfrm>
+          <a:custGeom>
+            <a:avLst/>
+            <a:gdLst>
+              <a:gd name="connsiteX0" fmla="*/ 64379 w 140006"/>
+              <a:gd name="connsiteY0" fmla="*/ 0 h 646268"/>
+              <a:gd name="connsiteX1" fmla="*/ 2502 w 140006"/>
+              <a:gd name="connsiteY1" fmla="*/ 323134 h 646268"/>
+              <a:gd name="connsiteX2" fmla="*/ 140006 w 140006"/>
+              <a:gd name="connsiteY2" fmla="*/ 646268 h 646268"/>
+            </a:gdLst>
+            <a:ahLst/>
+            <a:cxnLst>
+              <a:cxn ang="0">
+                <a:pos x="connsiteX0" y="connsiteY0"/>
+              </a:cxn>
+              <a:cxn ang="0">
+                <a:pos x="connsiteX1" y="connsiteY1"/>
+              </a:cxn>
+              <a:cxn ang="0">
+                <a:pos x="connsiteX2" y="connsiteY2"/>
+              </a:cxn>
+            </a:cxnLst>
+            <a:rect l="l" t="t" r="r" b="b"/>
+            <a:pathLst>
+              <a:path w="140006" h="646268">
+                <a:moveTo>
+                  <a:pt x="64379" y="0"/>
+                </a:moveTo>
+                <a:cubicBezTo>
+                  <a:pt x="27138" y="107711"/>
+                  <a:pt x="-10102" y="215423"/>
+                  <a:pt x="2502" y="323134"/>
+                </a:cubicBezTo>
+                <a:cubicBezTo>
+                  <a:pt x="15106" y="430845"/>
+                  <a:pt x="77556" y="538556"/>
+                  <a:pt x="140006" y="646268"/>
+                </a:cubicBezTo>
+              </a:path>
+            </a:pathLst>
+          </a:custGeom>
+          <a:noFill/>
+        </p:spPr>
+        <p:style>
+          <a:lnRef idx="2">
+            <a:schemeClr val="dk1"/>
+          </a:lnRef>
+          <a:fillRef idx="1">
+            <a:schemeClr val="lt1"/>
+          </a:fillRef>
+          <a:effectRef idx="0">
+            <a:schemeClr val="dk1"/>
+          </a:effectRef>
+          <a:fontRef idx="minor">
+            <a:schemeClr val="dk1"/>
+          </a:fontRef>
+        </p:style>
+        <p:txBody>
+          <a:bodyPr rtlCol="0" anchor="ctr"/>
+          <a:lstStyle/>
+          <a:p>
+            <a:pPr algn="ctr"/>
+            <a:endParaRPr kumimoji="1" lang="ja-JP" altLang="en-US"/>
+          </a:p>
+        </p:txBody>
+      </p:sp>
+      <p:sp>
+        <p:nvSpPr>
+          <p:cNvPr id="66" name="フリーフォーム 65">
+            <a:extLst>
+              <a:ext uri="{FF2B5EF4-FFF2-40B4-BE49-F238E27FC236}">
+                <a16:creationId xmlns:a16="http://schemas.microsoft.com/office/drawing/2014/main" id="{4480CD69-295D-EED1-13A2-1257A58592AF}"/>
+              </a:ext>
+            </a:extLst>
+          </p:cNvPr>
+          <p:cNvSpPr/>
+          <p:nvPr/>
+        </p:nvSpPr>
+        <p:spPr>
+          <a:xfrm rot="21173489">
+            <a:off x="7187463" y="3042391"/>
+            <a:ext cx="140006" cy="646268"/>
+          </a:xfrm>
+          <a:custGeom>
+            <a:avLst/>
+            <a:gdLst>
+              <a:gd name="connsiteX0" fmla="*/ 64379 w 140006"/>
+              <a:gd name="connsiteY0" fmla="*/ 0 h 646268"/>
+              <a:gd name="connsiteX1" fmla="*/ 2502 w 140006"/>
+              <a:gd name="connsiteY1" fmla="*/ 323134 h 646268"/>
+              <a:gd name="connsiteX2" fmla="*/ 140006 w 140006"/>
+              <a:gd name="connsiteY2" fmla="*/ 646268 h 646268"/>
+            </a:gdLst>
+            <a:ahLst/>
+            <a:cxnLst>
+              <a:cxn ang="0">
+                <a:pos x="connsiteX0" y="connsiteY0"/>
+              </a:cxn>
+              <a:cxn ang="0">
+                <a:pos x="connsiteX1" y="connsiteY1"/>
+              </a:cxn>
+              <a:cxn ang="0">
+                <a:pos x="connsiteX2" y="connsiteY2"/>
+              </a:cxn>
+            </a:cxnLst>
+            <a:rect l="l" t="t" r="r" b="b"/>
+            <a:pathLst>
+              <a:path w="140006" h="646268">
+                <a:moveTo>
+                  <a:pt x="64379" y="0"/>
+                </a:moveTo>
+                <a:cubicBezTo>
+                  <a:pt x="27138" y="107711"/>
+                  <a:pt x="-10102" y="215423"/>
+                  <a:pt x="2502" y="323134"/>
+                </a:cubicBezTo>
+                <a:cubicBezTo>
+                  <a:pt x="15106" y="430845"/>
+                  <a:pt x="77556" y="538556"/>
+                  <a:pt x="140006" y="646268"/>
+                </a:cubicBezTo>
+              </a:path>
+            </a:pathLst>
+          </a:custGeom>
+          <a:noFill/>
+        </p:spPr>
+        <p:style>
+          <a:lnRef idx="2">
+            <a:schemeClr val="dk1"/>
+          </a:lnRef>
+          <a:fillRef idx="1">
+            <a:schemeClr val="lt1"/>
+          </a:fillRef>
+          <a:effectRef idx="0">
+            <a:schemeClr val="dk1"/>
+          </a:effectRef>
+          <a:fontRef idx="minor">
+            <a:schemeClr val="dk1"/>
+          </a:fontRef>
+        </p:style>
+        <p:txBody>
+          <a:bodyPr rtlCol="0" anchor="ctr"/>
+          <a:lstStyle/>
+          <a:p>
+            <a:pPr algn="ctr"/>
+            <a:endParaRPr kumimoji="1" lang="ja-JP" altLang="en-US"/>
+          </a:p>
+        </p:txBody>
+      </p:sp>
+      <p:sp>
+        <p:nvSpPr>
+          <p:cNvPr id="67" name="フリーフォーム 66">
+            <a:extLst>
+              <a:ext uri="{FF2B5EF4-FFF2-40B4-BE49-F238E27FC236}">
+                <a16:creationId xmlns:a16="http://schemas.microsoft.com/office/drawing/2014/main" id="{BF79259B-AA67-3A73-827D-6519D0119B7A}"/>
+              </a:ext>
+            </a:extLst>
+          </p:cNvPr>
+          <p:cNvSpPr/>
+          <p:nvPr/>
+        </p:nvSpPr>
+        <p:spPr>
+          <a:xfrm rot="21128646">
+            <a:off x="7463617" y="2926659"/>
+            <a:ext cx="140006" cy="646268"/>
+          </a:xfrm>
+          <a:custGeom>
+            <a:avLst/>
+            <a:gdLst>
+              <a:gd name="connsiteX0" fmla="*/ 64379 w 140006"/>
+              <a:gd name="connsiteY0" fmla="*/ 0 h 646268"/>
+              <a:gd name="connsiteX1" fmla="*/ 2502 w 140006"/>
+              <a:gd name="connsiteY1" fmla="*/ 323134 h 646268"/>
+              <a:gd name="connsiteX2" fmla="*/ 140006 w 140006"/>
+              <a:gd name="connsiteY2" fmla="*/ 646268 h 646268"/>
+            </a:gdLst>
+            <a:ahLst/>
+            <a:cxnLst>
+              <a:cxn ang="0">
+                <a:pos x="connsiteX0" y="connsiteY0"/>
+              </a:cxn>
+              <a:cxn ang="0">
+                <a:pos x="connsiteX1" y="connsiteY1"/>
+              </a:cxn>
+              <a:cxn ang="0">
+                <a:pos x="connsiteX2" y="connsiteY2"/>
+              </a:cxn>
+            </a:cxnLst>
+            <a:rect l="l" t="t" r="r" b="b"/>
+            <a:pathLst>
+              <a:path w="140006" h="646268">
+                <a:moveTo>
+                  <a:pt x="64379" y="0"/>
+                </a:moveTo>
+                <a:cubicBezTo>
+                  <a:pt x="27138" y="107711"/>
+                  <a:pt x="-10102" y="215423"/>
+                  <a:pt x="2502" y="323134"/>
+                </a:cubicBezTo>
+                <a:cubicBezTo>
+                  <a:pt x="15106" y="430845"/>
+                  <a:pt x="77556" y="538556"/>
+                  <a:pt x="140006" y="646268"/>
+                </a:cubicBezTo>
+              </a:path>
+            </a:pathLst>
+          </a:custGeom>
+          <a:noFill/>
+        </p:spPr>
+        <p:style>
+          <a:lnRef idx="2">
+            <a:schemeClr val="dk1"/>
+          </a:lnRef>
+          <a:fillRef idx="1">
+            <a:schemeClr val="lt1"/>
+          </a:fillRef>
+          <a:effectRef idx="0">
+            <a:schemeClr val="dk1"/>
+          </a:effectRef>
+          <a:fontRef idx="minor">
+            <a:schemeClr val="dk1"/>
+          </a:fontRef>
+        </p:style>
+        <p:txBody>
+          <a:bodyPr rtlCol="0" anchor="ctr"/>
+          <a:lstStyle/>
+          <a:p>
+            <a:pPr algn="ctr"/>
+            <a:endParaRPr kumimoji="1" lang="ja-JP" altLang="en-US"/>
+          </a:p>
+        </p:txBody>
+      </p:sp>
+      <p:sp>
+        <p:nvSpPr>
+          <p:cNvPr id="73" name="円/楕円 72">
+            <a:extLst>
+              <a:ext uri="{FF2B5EF4-FFF2-40B4-BE49-F238E27FC236}">
+                <a16:creationId xmlns:a16="http://schemas.microsoft.com/office/drawing/2014/main" id="{1BBF10FC-65C6-D2BF-C6DA-FCFAACB125C1}"/>
+              </a:ext>
+            </a:extLst>
+          </p:cNvPr>
+          <p:cNvSpPr/>
+          <p:nvPr/>
+        </p:nvSpPr>
+        <p:spPr>
+          <a:xfrm>
+            <a:off x="3356238" y="3448447"/>
+            <a:ext cx="309383" cy="309383"/>
+          </a:xfrm>
+          <a:prstGeom prst="ellipse">
+            <a:avLst/>
+          </a:prstGeom>
+        </p:spPr>
+        <p:style>
+          <a:lnRef idx="2">
+            <a:schemeClr val="dk1"/>
+          </a:lnRef>
+          <a:fillRef idx="1">
+            <a:schemeClr val="lt1"/>
+          </a:fillRef>
+          <a:effectRef idx="0">
+            <a:schemeClr val="dk1"/>
+          </a:effectRef>
+          <a:fontRef idx="minor">
+            <a:schemeClr val="dk1"/>
+          </a:fontRef>
+        </p:style>
+        <p:txBody>
+          <a:bodyPr rtlCol="0" anchor="ctr"/>
+          <a:lstStyle/>
+          <a:p>
+            <a:pPr algn="ctr"/>
+            <a:endParaRPr kumimoji="1" lang="ja-JP" altLang="en-US" sz="2800"/>
+          </a:p>
+        </p:txBody>
+      </p:sp>
+      <p:cxnSp>
+        <p:nvCxnSpPr>
+          <p:cNvPr id="82" name="直線コネクタ 81">
+            <a:extLst>
+              <a:ext uri="{FF2B5EF4-FFF2-40B4-BE49-F238E27FC236}">
+                <a16:creationId xmlns:a16="http://schemas.microsoft.com/office/drawing/2014/main" id="{2A05EE14-33A5-F690-B487-535B5B05B927}"/>
+              </a:ext>
+            </a:extLst>
+          </p:cNvPr>
+          <p:cNvCxnSpPr>
+            <a:cxnSpLocks/>
+            <a:stCxn id="73" idx="7"/>
+            <a:endCxn id="73" idx="3"/>
+          </p:cNvCxnSpPr>
+          <p:nvPr/>
+        </p:nvCxnSpPr>
+        <p:spPr>
+          <a:xfrm flipH="1">
+            <a:off x="3401546" y="3493755"/>
+            <a:ext cx="218767" cy="218767"/>
+          </a:xfrm>
+          <a:prstGeom prst="line">
+            <a:avLst/>
+          </a:prstGeom>
+          <a:ln w="12700"/>
+        </p:spPr>
+        <p:style>
+          <a:lnRef idx="1">
+            <a:schemeClr val="dk1"/>
+          </a:lnRef>
+          <a:fillRef idx="0">
+            <a:schemeClr val="dk1"/>
+          </a:fillRef>
+          <a:effectRef idx="0">
+            <a:schemeClr val="dk1"/>
+          </a:effectRef>
+          <a:fontRef idx="minor">
+            <a:schemeClr val="tx1"/>
+          </a:fontRef>
+        </p:style>
+      </p:cxnSp>
+      <p:cxnSp>
+        <p:nvCxnSpPr>
+          <p:cNvPr id="86" name="直線コネクタ 85">
+            <a:extLst>
+              <a:ext uri="{FF2B5EF4-FFF2-40B4-BE49-F238E27FC236}">
+                <a16:creationId xmlns:a16="http://schemas.microsoft.com/office/drawing/2014/main" id="{A2DA65CC-83D1-A7D1-EDD1-1CD7D86D1FFA}"/>
+              </a:ext>
+            </a:extLst>
+          </p:cNvPr>
+          <p:cNvCxnSpPr>
+            <a:stCxn id="73" idx="1"/>
+            <a:endCxn id="73" idx="5"/>
+          </p:cNvCxnSpPr>
+          <p:nvPr/>
+        </p:nvCxnSpPr>
+        <p:spPr>
+          <a:xfrm>
+            <a:off x="3401546" y="3493755"/>
+            <a:ext cx="218767" cy="218767"/>
+          </a:xfrm>
+          <a:prstGeom prst="line">
+            <a:avLst/>
+          </a:prstGeom>
+          <a:ln w="12700"/>
+        </p:spPr>
+        <p:style>
+          <a:lnRef idx="1">
+            <a:schemeClr val="dk1"/>
+          </a:lnRef>
+          <a:fillRef idx="0">
+            <a:schemeClr val="dk1"/>
+          </a:fillRef>
+          <a:effectRef idx="0">
+            <a:schemeClr val="dk1"/>
+          </a:effectRef>
+          <a:fontRef idx="minor">
+            <a:schemeClr val="tx1"/>
+          </a:fontRef>
+        </p:style>
+      </p:cxnSp>
+      <p:cxnSp>
+        <p:nvCxnSpPr>
+          <p:cNvPr id="90" name="直線矢印コネクタ 89">
+            <a:extLst>
+              <a:ext uri="{FF2B5EF4-FFF2-40B4-BE49-F238E27FC236}">
+                <a16:creationId xmlns:a16="http://schemas.microsoft.com/office/drawing/2014/main" id="{CB1D0C83-2FBD-F46C-165F-805BE4EE9FA7}"/>
+              </a:ext>
+            </a:extLst>
+          </p:cNvPr>
+          <p:cNvCxnSpPr>
+            <a:stCxn id="73" idx="1"/>
+          </p:cNvCxnSpPr>
+          <p:nvPr/>
+        </p:nvCxnSpPr>
+        <p:spPr>
+          <a:xfrm flipH="1">
+            <a:off x="3004457" y="3493755"/>
+            <a:ext cx="397089" cy="0"/>
+          </a:xfrm>
+          <a:prstGeom prst="straightConnector1">
+            <a:avLst/>
+          </a:prstGeom>
+          <a:ln w="12700">
+            <a:solidFill>
+              <a:schemeClr val="tx1"/>
+            </a:solidFill>
+            <a:tailEnd type="triangle"/>
+          </a:ln>
+        </p:spPr>
+        <p:style>
+          <a:lnRef idx="1">
+            <a:schemeClr val="dk1"/>
+          </a:lnRef>
+          <a:fillRef idx="0">
+            <a:schemeClr val="dk1"/>
+          </a:fillRef>
+          <a:effectRef idx="0">
+            <a:schemeClr val="dk1"/>
+          </a:effectRef>
+          <a:fontRef idx="minor">
+            <a:schemeClr val="tx1"/>
+          </a:fontRef>
+        </p:style>
+      </p:cxnSp>
+      <p:cxnSp>
+        <p:nvCxnSpPr>
+          <p:cNvPr id="91" name="直線矢印コネクタ 90">
+            <a:extLst>
+              <a:ext uri="{FF2B5EF4-FFF2-40B4-BE49-F238E27FC236}">
+                <a16:creationId xmlns:a16="http://schemas.microsoft.com/office/drawing/2014/main" id="{F2BB6EE2-5126-B266-3FA5-55B29009E76C}"/>
+              </a:ext>
+            </a:extLst>
+          </p:cNvPr>
+          <p:cNvCxnSpPr>
+            <a:cxnSpLocks/>
+          </p:cNvCxnSpPr>
+          <p:nvPr/>
+        </p:nvCxnSpPr>
+        <p:spPr>
+          <a:xfrm flipH="1">
+            <a:off x="3004457" y="3708555"/>
+            <a:ext cx="397089" cy="0"/>
+          </a:xfrm>
+          <a:prstGeom prst="straightConnector1">
+            <a:avLst/>
+          </a:prstGeom>
+          <a:ln w="12700">
+            <a:solidFill>
+              <a:schemeClr val="tx1"/>
+            </a:solidFill>
+            <a:tailEnd type="triangle"/>
+          </a:ln>
+        </p:spPr>
+        <p:style>
+          <a:lnRef idx="1">
+            <a:schemeClr val="dk1"/>
+          </a:lnRef>
+          <a:fillRef idx="0">
+            <a:schemeClr val="dk1"/>
+          </a:fillRef>
+          <a:effectRef idx="0">
+            <a:schemeClr val="dk1"/>
+          </a:effectRef>
+          <a:fontRef idx="minor">
+            <a:schemeClr val="tx1"/>
+          </a:fontRef>
+        </p:style>
+      </p:cxnSp>
+      <p:sp>
+        <p:nvSpPr>
+          <p:cNvPr id="92" name="テキスト ボックス 91">
+            <a:extLst>
+              <a:ext uri="{FF2B5EF4-FFF2-40B4-BE49-F238E27FC236}">
+                <a16:creationId xmlns:a16="http://schemas.microsoft.com/office/drawing/2014/main" id="{4ABE411C-BFCF-AF75-B16B-4D019031518F}"/>
+              </a:ext>
+            </a:extLst>
+          </p:cNvPr>
+          <p:cNvSpPr txBox="1"/>
+          <p:nvPr/>
+        </p:nvSpPr>
+        <p:spPr>
+          <a:xfrm>
+            <a:off x="2650230" y="3254536"/>
+            <a:ext cx="251992" cy="523220"/>
+          </a:xfrm>
+          <a:prstGeom prst="rect">
+            <a:avLst/>
+          </a:prstGeom>
+          <a:noFill/>
+        </p:spPr>
+        <p:txBody>
+          <a:bodyPr wrap="square" rtlCol="0">
+            <a:spAutoFit/>
+          </a:bodyPr>
+          <a:lstStyle/>
+          <a:p>
+            <a:r>
+              <a:rPr kumimoji="1" lang="en-US" altLang="ja-JP" sz="2800" dirty="0"/>
+              <a:t>I</a:t>
+            </a:r>
+            <a:endParaRPr kumimoji="1" lang="ja-JP" altLang="en-US" sz="2800"/>
+          </a:p>
+        </p:txBody>
+      </p:sp>
+      <p:sp>
+        <p:nvSpPr>
+          <p:cNvPr id="93" name="テキスト ボックス 92">
+            <a:extLst>
+              <a:ext uri="{FF2B5EF4-FFF2-40B4-BE49-F238E27FC236}">
+                <a16:creationId xmlns:a16="http://schemas.microsoft.com/office/drawing/2014/main" id="{761A33E6-13BB-9BCB-82AC-80FD7AC90CD7}"/>
+              </a:ext>
+            </a:extLst>
+          </p:cNvPr>
+          <p:cNvSpPr txBox="1"/>
+          <p:nvPr/>
+        </p:nvSpPr>
+        <p:spPr>
+          <a:xfrm>
+            <a:off x="2574130" y="3580391"/>
+            <a:ext cx="352982" cy="523220"/>
+          </a:xfrm>
+          <a:prstGeom prst="rect">
+            <a:avLst/>
+          </a:prstGeom>
+          <a:noFill/>
+        </p:spPr>
+        <p:txBody>
+          <a:bodyPr wrap="square" rtlCol="0">
+            <a:spAutoFit/>
+          </a:bodyPr>
+          <a:lstStyle/>
+          <a:p>
+            <a:r>
+              <a:rPr kumimoji="1" lang="en-US" altLang="ja-JP" sz="2800" dirty="0"/>
+              <a:t>Q</a:t>
+            </a:r>
+            <a:endParaRPr kumimoji="1" lang="ja-JP" altLang="en-US" sz="2800"/>
+          </a:p>
+        </p:txBody>
+      </p:sp>
+      <p:cxnSp>
+        <p:nvCxnSpPr>
+          <p:cNvPr id="95" name="直線矢印コネクタ 94">
+            <a:extLst>
+              <a:ext uri="{FF2B5EF4-FFF2-40B4-BE49-F238E27FC236}">
+                <a16:creationId xmlns:a16="http://schemas.microsoft.com/office/drawing/2014/main" id="{7FA0954B-6B88-022C-8939-5353E4B37530}"/>
+              </a:ext>
+            </a:extLst>
+          </p:cNvPr>
+          <p:cNvCxnSpPr>
+            <a:cxnSpLocks/>
+            <a:endCxn id="73" idx="0"/>
+          </p:cNvCxnSpPr>
+          <p:nvPr/>
+        </p:nvCxnSpPr>
+        <p:spPr>
+          <a:xfrm>
+            <a:off x="3510092" y="2367071"/>
+            <a:ext cx="838" cy="1081376"/>
+          </a:xfrm>
+          <a:prstGeom prst="straightConnector1">
+            <a:avLst/>
+          </a:prstGeom>
+          <a:ln w="12700">
+            <a:tailEnd type="triangle"/>
+          </a:ln>
+        </p:spPr>
+        <p:style>
+          <a:lnRef idx="1">
+            <a:schemeClr val="dk1"/>
+          </a:lnRef>
+          <a:fillRef idx="0">
+            <a:schemeClr val="dk1"/>
+          </a:fillRef>
+          <a:effectRef idx="0">
+            <a:schemeClr val="dk1"/>
+          </a:effectRef>
+          <a:fontRef idx="minor">
+            <a:schemeClr val="tx1"/>
+          </a:fontRef>
+        </p:style>
+      </p:cxnSp>
+      <p:cxnSp>
+        <p:nvCxnSpPr>
+          <p:cNvPr id="97" name="直線矢印コネクタ 96">
+            <a:extLst>
+              <a:ext uri="{FF2B5EF4-FFF2-40B4-BE49-F238E27FC236}">
+                <a16:creationId xmlns:a16="http://schemas.microsoft.com/office/drawing/2014/main" id="{11A22C45-CCCA-7274-7D52-C6E38EDAA43C}"/>
+              </a:ext>
+            </a:extLst>
+          </p:cNvPr>
+          <p:cNvCxnSpPr>
+            <a:cxnSpLocks/>
+            <a:stCxn id="19" idx="1"/>
+            <a:endCxn id="73" idx="6"/>
+          </p:cNvCxnSpPr>
+          <p:nvPr/>
+        </p:nvCxnSpPr>
+        <p:spPr>
+          <a:xfrm flipH="1" flipV="1">
+            <a:off x="3665621" y="3603139"/>
+            <a:ext cx="469804" cy="3275"/>
+          </a:xfrm>
+          <a:prstGeom prst="straightConnector1">
+            <a:avLst/>
+          </a:prstGeom>
+          <a:ln w="12700">
+            <a:tailEnd type="triangle"/>
+          </a:ln>
+        </p:spPr>
+        <p:style>
+          <a:lnRef idx="1">
+            <a:schemeClr val="dk1"/>
+          </a:lnRef>
+          <a:fillRef idx="0">
+            <a:schemeClr val="dk1"/>
+          </a:fillRef>
+          <a:effectRef idx="0">
+            <a:schemeClr val="dk1"/>
+          </a:effectRef>
+          <a:fontRef idx="minor">
+            <a:schemeClr val="tx1"/>
+          </a:fontRef>
+        </p:style>
+      </p:cxnSp>
+      <p:sp>
+        <p:nvSpPr>
+          <p:cNvPr id="2" name="円/楕円 1">
+            <a:extLst>
+              <a:ext uri="{FF2B5EF4-FFF2-40B4-BE49-F238E27FC236}">
+                <a16:creationId xmlns:a16="http://schemas.microsoft.com/office/drawing/2014/main" id="{5F4E5B7F-C914-F9E2-32B0-2813EEE21A22}"/>
+              </a:ext>
+            </a:extLst>
+          </p:cNvPr>
+          <p:cNvSpPr/>
+          <p:nvPr/>
+        </p:nvSpPr>
+        <p:spPr>
+          <a:xfrm>
+            <a:off x="8395063" y="2143305"/>
+            <a:ext cx="496388" cy="507620"/>
+          </a:xfrm>
+          <a:prstGeom prst="ellipse">
+            <a:avLst/>
+          </a:prstGeom>
+        </p:spPr>
+        <p:style>
+          <a:lnRef idx="2">
+            <a:schemeClr val="dk1"/>
+          </a:lnRef>
+          <a:fillRef idx="1">
+            <a:schemeClr val="lt1"/>
+          </a:fillRef>
+          <a:effectRef idx="0">
+            <a:schemeClr val="dk1"/>
+          </a:effectRef>
+          <a:fontRef idx="minor">
+            <a:schemeClr val="dk1"/>
+          </a:fontRef>
+        </p:style>
+        <p:txBody>
+          <a:bodyPr rtlCol="0" anchor="ctr"/>
+          <a:lstStyle/>
+          <a:p>
+            <a:pPr algn="ctr"/>
+            <a:endParaRPr kumimoji="1" lang="ja-JP" altLang="en-US"/>
+          </a:p>
+        </p:txBody>
+      </p:sp>
+      <p:cxnSp>
+        <p:nvCxnSpPr>
+          <p:cNvPr id="4" name="直線コネクタ 3">
+            <a:extLst>
+              <a:ext uri="{FF2B5EF4-FFF2-40B4-BE49-F238E27FC236}">
+                <a16:creationId xmlns:a16="http://schemas.microsoft.com/office/drawing/2014/main" id="{AB9E1C62-07D3-A10D-C382-23EB86D0611B}"/>
+              </a:ext>
+            </a:extLst>
+          </p:cNvPr>
+          <p:cNvCxnSpPr/>
+          <p:nvPr/>
+        </p:nvCxnSpPr>
+        <p:spPr>
+          <a:xfrm>
+            <a:off x="8307977" y="2829679"/>
+            <a:ext cx="627017" cy="0"/>
+          </a:xfrm>
+          <a:prstGeom prst="line">
+            <a:avLst/>
+          </a:prstGeom>
+        </p:spPr>
+        <p:style>
+          <a:lnRef idx="1">
+            <a:schemeClr val="dk1"/>
+          </a:lnRef>
+          <a:fillRef idx="0">
+            <a:schemeClr val="dk1"/>
+          </a:fillRef>
+          <a:effectRef idx="0">
+            <a:schemeClr val="dk1"/>
+          </a:effectRef>
+          <a:fontRef idx="minor">
+            <a:schemeClr val="tx1"/>
+          </a:fontRef>
+        </p:style>
+      </p:cxnSp>
+      <p:cxnSp>
+        <p:nvCxnSpPr>
+          <p:cNvPr id="9" name="直線コネクタ 8">
+            <a:extLst>
+              <a:ext uri="{FF2B5EF4-FFF2-40B4-BE49-F238E27FC236}">
+                <a16:creationId xmlns:a16="http://schemas.microsoft.com/office/drawing/2014/main" id="{C3D437BA-2C3D-0ED9-466C-32181BE0AEB3}"/>
+              </a:ext>
+            </a:extLst>
+          </p:cNvPr>
+          <p:cNvCxnSpPr>
+            <a:stCxn id="2" idx="4"/>
+          </p:cNvCxnSpPr>
+          <p:nvPr/>
+        </p:nvCxnSpPr>
+        <p:spPr>
+          <a:xfrm>
+            <a:off x="8643257" y="2650925"/>
+            <a:ext cx="13063" cy="385286"/>
+          </a:xfrm>
+          <a:prstGeom prst="line">
+            <a:avLst/>
+          </a:prstGeom>
+        </p:spPr>
+        <p:style>
+          <a:lnRef idx="1">
+            <a:schemeClr val="dk1"/>
+          </a:lnRef>
+          <a:fillRef idx="0">
+            <a:schemeClr val="dk1"/>
+          </a:fillRef>
+          <a:effectRef idx="0">
+            <a:schemeClr val="dk1"/>
+          </a:effectRef>
+          <a:fontRef idx="minor">
+            <a:schemeClr val="tx1"/>
+          </a:fontRef>
+        </p:style>
+      </p:cxnSp>
+      <p:cxnSp>
+        <p:nvCxnSpPr>
+          <p:cNvPr id="11" name="直線コネクタ 10">
+            <a:extLst>
+              <a:ext uri="{FF2B5EF4-FFF2-40B4-BE49-F238E27FC236}">
+                <a16:creationId xmlns:a16="http://schemas.microsoft.com/office/drawing/2014/main" id="{0B66CE36-98F5-E3CC-63E1-FE25702AED20}"/>
+              </a:ext>
+            </a:extLst>
+          </p:cNvPr>
+          <p:cNvCxnSpPr/>
+          <p:nvPr/>
+        </p:nvCxnSpPr>
+        <p:spPr>
+          <a:xfrm flipH="1">
+            <a:off x="8490857" y="3036211"/>
+            <a:ext cx="148046" cy="218325"/>
+          </a:xfrm>
+          <a:prstGeom prst="line">
+            <a:avLst/>
+          </a:prstGeom>
+        </p:spPr>
+        <p:style>
+          <a:lnRef idx="1">
+            <a:schemeClr val="dk1"/>
+          </a:lnRef>
+          <a:fillRef idx="0">
+            <a:schemeClr val="dk1"/>
+          </a:fillRef>
+          <a:effectRef idx="0">
+            <a:schemeClr val="dk1"/>
+          </a:effectRef>
+          <a:fontRef idx="minor">
+            <a:schemeClr val="tx1"/>
+          </a:fontRef>
+        </p:style>
+      </p:cxnSp>
+      <p:cxnSp>
+        <p:nvCxnSpPr>
+          <p:cNvPr id="13" name="直線コネクタ 12">
+            <a:extLst>
+              <a:ext uri="{FF2B5EF4-FFF2-40B4-BE49-F238E27FC236}">
+                <a16:creationId xmlns:a16="http://schemas.microsoft.com/office/drawing/2014/main" id="{D66024F1-49B9-D624-E014-105729D60197}"/>
+              </a:ext>
+            </a:extLst>
+          </p:cNvPr>
+          <p:cNvCxnSpPr/>
+          <p:nvPr/>
+        </p:nvCxnSpPr>
+        <p:spPr>
+          <a:xfrm>
+            <a:off x="8643257" y="3036211"/>
+            <a:ext cx="169817" cy="218325"/>
+          </a:xfrm>
+          <a:prstGeom prst="line">
+            <a:avLst/>
+          </a:prstGeom>
+        </p:spPr>
+        <p:style>
+          <a:lnRef idx="1">
+            <a:schemeClr val="dk1"/>
+          </a:lnRef>
+          <a:fillRef idx="0">
+            <a:schemeClr val="dk1"/>
+          </a:fillRef>
+          <a:effectRef idx="0">
+            <a:schemeClr val="dk1"/>
+          </a:effectRef>
+          <a:fontRef idx="minor">
+            <a:schemeClr val="tx1"/>
+          </a:fontRef>
+        </p:style>
+      </p:cxnSp>
+    </p:spTree>
+    <p:extLst>
+      <p:ext uri="{BB962C8B-B14F-4D97-AF65-F5344CB8AC3E}">
+        <p14:creationId xmlns:p14="http://schemas.microsoft.com/office/powerpoint/2010/main" val="2070400483"/>
       </p:ext>
     </p:extLst>
   </p:cSld>
